--- a/html&js课件/html&js.pptx
+++ b/html&js课件/html&js.pptx
@@ -10,34 +10,53 @@
   <p:sldIdLst>
     <p:sldId id="371" r:id="rId3"/>
     <p:sldId id="396" r:id="rId5"/>
-    <p:sldId id="394" r:id="rId6"/>
-    <p:sldId id="398" r:id="rId7"/>
-    <p:sldId id="399" r:id="rId8"/>
+    <p:sldId id="423" r:id="rId6"/>
+    <p:sldId id="424" r:id="rId7"/>
+    <p:sldId id="425" r:id="rId8"/>
+    <p:sldId id="444" r:id="rId9"/>
+    <p:sldId id="445" r:id="rId10"/>
+    <p:sldId id="402" r:id="rId11"/>
+    <p:sldId id="394" r:id="rId12"/>
+    <p:sldId id="398" r:id="rId13"/>
+    <p:sldId id="410" r:id="rId14"/>
+    <p:sldId id="411" r:id="rId15"/>
+    <p:sldId id="412" r:id="rId16"/>
+    <p:sldId id="413" r:id="rId17"/>
+    <p:sldId id="414" r:id="rId18"/>
+    <p:sldId id="415" r:id="rId19"/>
+    <p:sldId id="416" r:id="rId20"/>
+    <p:sldId id="418" r:id="rId21"/>
+    <p:sldId id="419" r:id="rId22"/>
+    <p:sldId id="421" r:id="rId23"/>
+    <p:sldId id="405" r:id="rId24"/>
+    <p:sldId id="400" r:id="rId25"/>
+    <p:sldId id="409" r:id="rId26"/>
+    <p:sldId id="422" r:id="rId27"/>
   </p:sldIdLst>
   <p:sldSz cx="9144000" cy="5143500" type="screen16x9"/>
   <p:notesSz cx="6858000" cy="9144000"/>
   <p:embeddedFontLst>
     <p:embeddedFont>
       <p:font typeface="SimSun" panose="02010600030101010101" pitchFamily="2" charset="-122"/>
-      <p:regular r:id="rId12"/>
+      <p:regular r:id="rId31"/>
     </p:embeddedFont>
     <p:embeddedFont>
       <p:font typeface="Century Gothic" panose="020B0502020202020204" pitchFamily="34" charset="0"/>
-      <p:regular r:id="rId13"/>
-      <p:bold r:id="rId14"/>
-      <p:italic r:id="rId15"/>
-      <p:boldItalic r:id="rId16"/>
+      <p:regular r:id="rId32"/>
+      <p:bold r:id="rId33"/>
+      <p:italic r:id="rId34"/>
+      <p:boldItalic r:id="rId35"/>
     </p:embeddedFont>
     <p:embeddedFont>
       <p:font typeface="Calibri" panose="020F0502020204030204" charset="0"/>
-      <p:regular r:id="rId17"/>
-      <p:bold r:id="rId18"/>
-      <p:italic r:id="rId19"/>
-      <p:boldItalic r:id="rId20"/>
+      <p:regular r:id="rId36"/>
+      <p:bold r:id="rId37"/>
+      <p:italic r:id="rId38"/>
+      <p:boldItalic r:id="rId39"/>
     </p:embeddedFont>
     <p:embeddedFont>
       <p:font typeface="Microsoft YaHei" panose="020B0503020204020204" charset="-122"/>
-      <p:regular r:id="rId21"/>
+      <p:regular r:id="rId40"/>
     </p:embeddedFont>
   </p:embeddedFontLst>
   <p:defaultTextStyle>
@@ -1717,14 +1736,14 @@
       </p:sp>
       <p:sp>
         <p:nvSpPr>
-          <p:cNvPr id="1" name="文本框 0"/>
+          <p:cNvPr id="2" name="文本框 1"/>
           <p:cNvSpPr txBox="1"/>
           <p:nvPr/>
         </p:nvSpPr>
         <p:spPr>
           <a:xfrm>
             <a:off x="1437640" y="1743075"/>
-            <a:ext cx="5710555" cy="2445385"/>
+            <a:ext cx="5710555" cy="2030095"/>
           </a:xfrm>
           <a:prstGeom prst="rect">
             <a:avLst/>
@@ -1819,7 +1838,7 @@
                   <a:schemeClr val="bg1"/>
                 </a:solidFill>
               </a:rPr>
-              <a:t>初步了解</a:t>
+              <a:t>通过简单的代码介绍和演示初步了解</a:t>
             </a:r>
             <a:r>
               <a:rPr lang="en-US" altLang="zh-CN">
@@ -1846,19 +1865,11 @@
               </a:rPr>
               <a:t>javascript</a:t>
             </a:r>
-            <a:r>
-              <a:rPr lang="zh-CN" altLang="en-US">
-                <a:solidFill>
-                  <a:schemeClr val="bg1"/>
-                </a:solidFill>
-                <a:sym typeface="+mn-ea"/>
-              </a:rPr>
-              <a:t>语言</a:t>
-            </a:r>
-            <a:endParaRPr lang="zh-CN" altLang="en-US">
-              <a:solidFill>
-                <a:schemeClr val="bg1"/>
-              </a:solidFill>
+            <a:endParaRPr lang="zh-CN" altLang="en-US">
+              <a:solidFill>
+                <a:schemeClr val="bg1"/>
+              </a:solidFill>
+              <a:sym typeface="+mn-ea"/>
             </a:endParaRPr>
           </a:p>
           <a:p>
@@ -1872,34 +1883,16 @@
                 <a:solidFill>
                   <a:schemeClr val="bg1"/>
                 </a:solidFill>
-              </a:rPr>
-              <a:t>初步了解如何编写简单的前端网页</a:t>
-            </a:r>
-            <a:endParaRPr lang="zh-CN" altLang="en-US">
-              <a:solidFill>
-                <a:schemeClr val="bg1"/>
-              </a:solidFill>
-            </a:endParaRPr>
-          </a:p>
-          <a:p>
-            <a:pPr fontAlgn="auto">
-              <a:lnSpc>
-                <a:spcPct val="150000"/>
-              </a:lnSpc>
-            </a:pPr>
-            <a:r>
-              <a:rPr lang="zh-CN" altLang="en-US">
-                <a:solidFill>
-                  <a:schemeClr val="bg1"/>
-                </a:solidFill>
-              </a:rPr>
-              <a:t>初步了解</a:t>
+                <a:sym typeface="+mn-ea"/>
+              </a:rPr>
+              <a:t>通过一个实例项目初步了解</a:t>
             </a:r>
             <a:r>
               <a:rPr lang="en-US" altLang="zh-CN">
                 <a:solidFill>
                   <a:schemeClr val="bg1"/>
                 </a:solidFill>
+                <a:sym typeface="+mn-ea"/>
               </a:rPr>
               <a:t>webrtc</a:t>
             </a:r>
@@ -1908,8 +1901,18 @@
                 <a:solidFill>
                   <a:schemeClr val="bg1"/>
                 </a:solidFill>
-              </a:rPr>
-              <a:t>的原理和技术实现</a:t>
+                <a:sym typeface="+mn-ea"/>
+              </a:rPr>
+              <a:t>和</a:t>
+            </a:r>
+            <a:r>
+              <a:rPr lang="en-US" altLang="zh-CN">
+                <a:solidFill>
+                  <a:schemeClr val="bg1"/>
+                </a:solidFill>
+                <a:sym typeface="+mn-ea"/>
+              </a:rPr>
+              <a:t>nodejs</a:t>
             </a:r>
             <a:endParaRPr lang="zh-CN" altLang="en-US">
               <a:solidFill>
@@ -1938,6 +1941,2717 @@
       </p:par>
     </p:tnLst>
   </p:timing>
+</p:sld>
+</file>
+
+<file path=ppt/slides/slide10.xml><?xml version="1.0" encoding="utf-8"?>
+<p:sld xmlns:a="http://schemas.openxmlformats.org/drawingml/2006/main" xmlns:r="http://schemas.openxmlformats.org/officeDocument/2006/relationships" xmlns:p="http://schemas.openxmlformats.org/presentationml/2006/main">
+  <p:cSld>
+    <p:spTree>
+      <p:nvGrpSpPr>
+        <p:cNvPr id="1" name=""/>
+        <p:cNvGrpSpPr/>
+        <p:nvPr/>
+      </p:nvGrpSpPr>
+      <p:grpSpPr/>
+      <p:sp>
+        <p:nvSpPr>
+          <p:cNvPr id="3" name="文本框 2"/>
+          <p:cNvSpPr txBox="1"/>
+          <p:nvPr/>
+        </p:nvSpPr>
+        <p:spPr>
+          <a:xfrm>
+            <a:off x="854710" y="1108075"/>
+            <a:ext cx="7539990" cy="3692525"/>
+          </a:xfrm>
+          <a:prstGeom prst="rect">
+            <a:avLst/>
+          </a:prstGeom>
+          <a:noFill/>
+        </p:spPr>
+        <p:txBody>
+          <a:bodyPr wrap="square" rtlCol="0">
+            <a:spAutoFit/>
+          </a:bodyPr>
+          <a:p>
+            <a:r>
+              <a:rPr lang="zh-CN" altLang="en-US">
+                <a:solidFill>
+                  <a:schemeClr val="bg1"/>
+                </a:solidFill>
+              </a:rPr>
+              <a:t>&lt;script&gt;</a:t>
+            </a:r>
+            <a:endParaRPr lang="zh-CN" altLang="en-US">
+              <a:solidFill>
+                <a:schemeClr val="bg1"/>
+              </a:solidFill>
+            </a:endParaRPr>
+          </a:p>
+          <a:p>
+            <a:r>
+              <a:rPr lang="zh-CN" altLang="en-US">
+                <a:solidFill>
+                  <a:schemeClr val="bg1"/>
+                </a:solidFill>
+              </a:rPr>
+              <a:t>    var output = 'input=false';</a:t>
+            </a:r>
+            <a:endParaRPr lang="zh-CN" altLang="en-US">
+              <a:solidFill>
+                <a:schemeClr val="bg1"/>
+              </a:solidFill>
+            </a:endParaRPr>
+          </a:p>
+          <a:p>
+            <a:r>
+              <a:rPr lang="zh-CN" altLang="en-US">
+                <a:solidFill>
+                  <a:schemeClr val="bg1"/>
+                </a:solidFill>
+              </a:rPr>
+              <a:t>    function test(input) {</a:t>
+            </a:r>
+            <a:endParaRPr lang="zh-CN" altLang="en-US">
+              <a:solidFill>
+                <a:schemeClr val="bg1"/>
+              </a:solidFill>
+            </a:endParaRPr>
+          </a:p>
+          <a:p>
+            <a:r>
+              <a:rPr lang="zh-CN" altLang="en-US">
+                <a:solidFill>
+                  <a:schemeClr val="bg1"/>
+                </a:solidFill>
+              </a:rPr>
+              <a:t>        if (input) {</a:t>
+            </a:r>
+            <a:endParaRPr lang="zh-CN" altLang="en-US">
+              <a:solidFill>
+                <a:schemeClr val="bg1"/>
+              </a:solidFill>
+            </a:endParaRPr>
+          </a:p>
+          <a:p>
+            <a:r>
+              <a:rPr lang="zh-CN" altLang="en-US">
+                <a:solidFill>
+                  <a:schemeClr val="bg1"/>
+                </a:solidFill>
+              </a:rPr>
+              <a:t>            var output = 'input=true';</a:t>
+            </a:r>
+            <a:endParaRPr lang="zh-CN" altLang="en-US">
+              <a:solidFill>
+                <a:schemeClr val="bg1"/>
+              </a:solidFill>
+            </a:endParaRPr>
+          </a:p>
+          <a:p>
+            <a:r>
+              <a:rPr lang="zh-CN" altLang="en-US">
+                <a:solidFill>
+                  <a:schemeClr val="bg1"/>
+                </a:solidFill>
+              </a:rPr>
+              <a:t>            return output;</a:t>
+            </a:r>
+            <a:endParaRPr lang="zh-CN" altLang="en-US">
+              <a:solidFill>
+                <a:schemeClr val="bg1"/>
+              </a:solidFill>
+            </a:endParaRPr>
+          </a:p>
+          <a:p>
+            <a:r>
+              <a:rPr lang="zh-CN" altLang="en-US">
+                <a:solidFill>
+                  <a:schemeClr val="bg1"/>
+                </a:solidFill>
+              </a:rPr>
+              <a:t>        }</a:t>
+            </a:r>
+            <a:endParaRPr lang="zh-CN" altLang="en-US">
+              <a:solidFill>
+                <a:schemeClr val="bg1"/>
+              </a:solidFill>
+            </a:endParaRPr>
+          </a:p>
+          <a:p>
+            <a:r>
+              <a:rPr lang="zh-CN" altLang="en-US">
+                <a:solidFill>
+                  <a:schemeClr val="bg1"/>
+                </a:solidFill>
+              </a:rPr>
+              <a:t>        return output;</a:t>
+            </a:r>
+            <a:endParaRPr lang="zh-CN" altLang="en-US">
+              <a:solidFill>
+                <a:schemeClr val="bg1"/>
+              </a:solidFill>
+            </a:endParaRPr>
+          </a:p>
+          <a:p>
+            <a:r>
+              <a:rPr lang="zh-CN" altLang="en-US">
+                <a:solidFill>
+                  <a:schemeClr val="bg1"/>
+                </a:solidFill>
+              </a:rPr>
+              <a:t>    }</a:t>
+            </a:r>
+            <a:endParaRPr lang="zh-CN" altLang="en-US">
+              <a:solidFill>
+                <a:schemeClr val="bg1"/>
+              </a:solidFill>
+            </a:endParaRPr>
+          </a:p>
+          <a:p>
+            <a:r>
+              <a:rPr lang="zh-CN" altLang="en-US">
+                <a:solidFill>
+                  <a:schemeClr val="bg1"/>
+                </a:solidFill>
+              </a:rPr>
+              <a:t>    document.write(test(false));</a:t>
+            </a:r>
+            <a:endParaRPr lang="zh-CN" altLang="en-US">
+              <a:solidFill>
+                <a:schemeClr val="bg1"/>
+              </a:solidFill>
+            </a:endParaRPr>
+          </a:p>
+          <a:p>
+            <a:r>
+              <a:rPr lang="zh-CN" altLang="en-US">
+                <a:solidFill>
+                  <a:schemeClr val="bg1"/>
+                </a:solidFill>
+              </a:rPr>
+              <a:t>    document.write("&lt;br/&gt;");</a:t>
+            </a:r>
+            <a:endParaRPr lang="zh-CN" altLang="en-US">
+              <a:solidFill>
+                <a:schemeClr val="bg1"/>
+              </a:solidFill>
+            </a:endParaRPr>
+          </a:p>
+          <a:p>
+            <a:r>
+              <a:rPr lang="zh-CN" altLang="en-US">
+                <a:solidFill>
+                  <a:schemeClr val="bg1"/>
+                </a:solidFill>
+              </a:rPr>
+              <a:t>    document.write(test(true));</a:t>
+            </a:r>
+            <a:endParaRPr lang="zh-CN" altLang="en-US">
+              <a:solidFill>
+                <a:schemeClr val="bg1"/>
+              </a:solidFill>
+            </a:endParaRPr>
+          </a:p>
+          <a:p>
+            <a:r>
+              <a:rPr lang="zh-CN" altLang="en-US">
+                <a:solidFill>
+                  <a:schemeClr val="bg1"/>
+                </a:solidFill>
+              </a:rPr>
+              <a:t>&lt;/script&gt;</a:t>
+            </a:r>
+            <a:endParaRPr lang="zh-CN" altLang="en-US">
+              <a:solidFill>
+                <a:schemeClr val="bg1"/>
+              </a:solidFill>
+            </a:endParaRPr>
+          </a:p>
+        </p:txBody>
+      </p:sp>
+      <p:sp>
+        <p:nvSpPr>
+          <p:cNvPr id="4" name="文本框 3"/>
+          <p:cNvSpPr txBox="1"/>
+          <p:nvPr/>
+        </p:nvSpPr>
+        <p:spPr>
+          <a:xfrm>
+            <a:off x="906145" y="423545"/>
+            <a:ext cx="3900170" cy="521970"/>
+          </a:xfrm>
+          <a:prstGeom prst="rect">
+            <a:avLst/>
+          </a:prstGeom>
+          <a:noFill/>
+        </p:spPr>
+        <p:txBody>
+          <a:bodyPr wrap="square" rtlCol="0">
+            <a:spAutoFit/>
+          </a:bodyPr>
+          <a:p>
+            <a:r>
+              <a:rPr lang="en-US" altLang="zh-CN" sz="2800" b="1">
+                <a:solidFill>
+                  <a:schemeClr val="bg1"/>
+                </a:solidFill>
+              </a:rPr>
+              <a:t>var→let/const</a:t>
+            </a:r>
+            <a:r>
+              <a:rPr lang="zh-CN" altLang="en-US" sz="2800" b="1">
+                <a:solidFill>
+                  <a:schemeClr val="bg1"/>
+                </a:solidFill>
+              </a:rPr>
+              <a:t>（</a:t>
+            </a:r>
+            <a:r>
+              <a:rPr lang="en-US" altLang="zh-CN" sz="2800" b="1">
+                <a:solidFill>
+                  <a:schemeClr val="bg1"/>
+                </a:solidFill>
+              </a:rPr>
+              <a:t>1</a:t>
+            </a:r>
+            <a:r>
+              <a:rPr lang="zh-CN" altLang="en-US" sz="2800" b="1">
+                <a:solidFill>
+                  <a:schemeClr val="bg1"/>
+                </a:solidFill>
+              </a:rPr>
+              <a:t>）</a:t>
+            </a:r>
+            <a:endParaRPr lang="zh-CN" altLang="en-US" sz="2800" b="1">
+              <a:solidFill>
+                <a:schemeClr val="bg1"/>
+              </a:solidFill>
+            </a:endParaRPr>
+          </a:p>
+        </p:txBody>
+      </p:sp>
+    </p:spTree>
+  </p:cSld>
+  <p:clrMapOvr>
+    <a:masterClrMapping/>
+  </p:clrMapOvr>
+</p:sld>
+</file>
+
+<file path=ppt/slides/slide11.xml><?xml version="1.0" encoding="utf-8"?>
+<p:sld xmlns:a="http://schemas.openxmlformats.org/drawingml/2006/main" xmlns:r="http://schemas.openxmlformats.org/officeDocument/2006/relationships" xmlns:p="http://schemas.openxmlformats.org/presentationml/2006/main">
+  <p:cSld>
+    <p:spTree>
+      <p:nvGrpSpPr>
+        <p:cNvPr id="1" name=""/>
+        <p:cNvGrpSpPr/>
+        <p:nvPr/>
+      </p:nvGrpSpPr>
+      <p:grpSpPr/>
+      <p:sp>
+        <p:nvSpPr>
+          <p:cNvPr id="3" name="文本框 2"/>
+          <p:cNvSpPr txBox="1"/>
+          <p:nvPr/>
+        </p:nvSpPr>
+        <p:spPr>
+          <a:xfrm>
+            <a:off x="854710" y="1108075"/>
+            <a:ext cx="7539990" cy="3692525"/>
+          </a:xfrm>
+          <a:prstGeom prst="rect">
+            <a:avLst/>
+          </a:prstGeom>
+          <a:noFill/>
+        </p:spPr>
+        <p:txBody>
+          <a:bodyPr wrap="square" rtlCol="0">
+            <a:spAutoFit/>
+          </a:bodyPr>
+          <a:p>
+            <a:r>
+              <a:rPr lang="zh-CN" altLang="en-US">
+                <a:solidFill>
+                  <a:schemeClr val="bg1"/>
+                </a:solidFill>
+              </a:rPr>
+              <a:t>&lt;script&gt;</a:t>
+            </a:r>
+            <a:endParaRPr lang="zh-CN" altLang="en-US">
+              <a:solidFill>
+                <a:schemeClr val="bg1"/>
+              </a:solidFill>
+            </a:endParaRPr>
+          </a:p>
+          <a:p>
+            <a:r>
+              <a:rPr lang="zh-CN" altLang="en-US">
+                <a:solidFill>
+                  <a:schemeClr val="bg1"/>
+                </a:solidFill>
+              </a:rPr>
+              <a:t>    let output = 'input=false';</a:t>
+            </a:r>
+            <a:endParaRPr lang="zh-CN" altLang="en-US">
+              <a:solidFill>
+                <a:schemeClr val="bg1"/>
+              </a:solidFill>
+            </a:endParaRPr>
+          </a:p>
+          <a:p>
+            <a:r>
+              <a:rPr lang="zh-CN" altLang="en-US">
+                <a:solidFill>
+                  <a:schemeClr val="bg1"/>
+                </a:solidFill>
+              </a:rPr>
+              <a:t>    function test(input) {</a:t>
+            </a:r>
+            <a:endParaRPr lang="zh-CN" altLang="en-US">
+              <a:solidFill>
+                <a:schemeClr val="bg1"/>
+              </a:solidFill>
+            </a:endParaRPr>
+          </a:p>
+          <a:p>
+            <a:r>
+              <a:rPr lang="zh-CN" altLang="en-US">
+                <a:solidFill>
+                  <a:schemeClr val="bg1"/>
+                </a:solidFill>
+              </a:rPr>
+              <a:t>        if (input) {</a:t>
+            </a:r>
+            <a:endParaRPr lang="zh-CN" altLang="en-US">
+              <a:solidFill>
+                <a:schemeClr val="bg1"/>
+              </a:solidFill>
+            </a:endParaRPr>
+          </a:p>
+          <a:p>
+            <a:r>
+              <a:rPr lang="zh-CN" altLang="en-US">
+                <a:solidFill>
+                  <a:schemeClr val="bg1"/>
+                </a:solidFill>
+              </a:rPr>
+              <a:t>            </a:t>
+            </a:r>
+            <a:r>
+              <a:rPr lang="zh-CN" altLang="en-US">
+                <a:solidFill>
+                  <a:srgbClr val="FF0000"/>
+                </a:solidFill>
+              </a:rPr>
+              <a:t>let </a:t>
+            </a:r>
+            <a:r>
+              <a:rPr lang="zh-CN" altLang="en-US">
+                <a:solidFill>
+                  <a:schemeClr val="bg1"/>
+                </a:solidFill>
+              </a:rPr>
+              <a:t>output = 'input=true';</a:t>
+            </a:r>
+            <a:endParaRPr lang="zh-CN" altLang="en-US">
+              <a:solidFill>
+                <a:schemeClr val="bg1"/>
+              </a:solidFill>
+            </a:endParaRPr>
+          </a:p>
+          <a:p>
+            <a:r>
+              <a:rPr lang="zh-CN" altLang="en-US">
+                <a:solidFill>
+                  <a:schemeClr val="bg1"/>
+                </a:solidFill>
+              </a:rPr>
+              <a:t>            return output;</a:t>
+            </a:r>
+            <a:endParaRPr lang="zh-CN" altLang="en-US">
+              <a:solidFill>
+                <a:schemeClr val="bg1"/>
+              </a:solidFill>
+            </a:endParaRPr>
+          </a:p>
+          <a:p>
+            <a:r>
+              <a:rPr lang="zh-CN" altLang="en-US">
+                <a:solidFill>
+                  <a:schemeClr val="bg1"/>
+                </a:solidFill>
+              </a:rPr>
+              <a:t>        }</a:t>
+            </a:r>
+            <a:endParaRPr lang="zh-CN" altLang="en-US">
+              <a:solidFill>
+                <a:schemeClr val="bg1"/>
+              </a:solidFill>
+            </a:endParaRPr>
+          </a:p>
+          <a:p>
+            <a:r>
+              <a:rPr lang="zh-CN" altLang="en-US">
+                <a:solidFill>
+                  <a:schemeClr val="bg1"/>
+                </a:solidFill>
+              </a:rPr>
+              <a:t>        return output;</a:t>
+            </a:r>
+            <a:endParaRPr lang="zh-CN" altLang="en-US">
+              <a:solidFill>
+                <a:schemeClr val="bg1"/>
+              </a:solidFill>
+            </a:endParaRPr>
+          </a:p>
+          <a:p>
+            <a:r>
+              <a:rPr lang="zh-CN" altLang="en-US">
+                <a:solidFill>
+                  <a:schemeClr val="bg1"/>
+                </a:solidFill>
+              </a:rPr>
+              <a:t>    }</a:t>
+            </a:r>
+            <a:endParaRPr lang="zh-CN" altLang="en-US">
+              <a:solidFill>
+                <a:schemeClr val="bg1"/>
+              </a:solidFill>
+            </a:endParaRPr>
+          </a:p>
+          <a:p>
+            <a:r>
+              <a:rPr lang="zh-CN" altLang="en-US">
+                <a:solidFill>
+                  <a:schemeClr val="bg1"/>
+                </a:solidFill>
+              </a:rPr>
+              <a:t>    document.write(test(false));</a:t>
+            </a:r>
+            <a:endParaRPr lang="zh-CN" altLang="en-US">
+              <a:solidFill>
+                <a:schemeClr val="bg1"/>
+              </a:solidFill>
+            </a:endParaRPr>
+          </a:p>
+          <a:p>
+            <a:r>
+              <a:rPr lang="zh-CN" altLang="en-US">
+                <a:solidFill>
+                  <a:schemeClr val="bg1"/>
+                </a:solidFill>
+              </a:rPr>
+              <a:t>    document.write("&lt;br/&gt;");</a:t>
+            </a:r>
+            <a:endParaRPr lang="zh-CN" altLang="en-US">
+              <a:solidFill>
+                <a:schemeClr val="bg1"/>
+              </a:solidFill>
+            </a:endParaRPr>
+          </a:p>
+          <a:p>
+            <a:r>
+              <a:rPr lang="zh-CN" altLang="en-US">
+                <a:solidFill>
+                  <a:schemeClr val="bg1"/>
+                </a:solidFill>
+              </a:rPr>
+              <a:t>    document.write(test(true));</a:t>
+            </a:r>
+            <a:endParaRPr lang="zh-CN" altLang="en-US">
+              <a:solidFill>
+                <a:schemeClr val="bg1"/>
+              </a:solidFill>
+            </a:endParaRPr>
+          </a:p>
+          <a:p>
+            <a:r>
+              <a:rPr lang="zh-CN" altLang="en-US">
+                <a:solidFill>
+                  <a:schemeClr val="bg1"/>
+                </a:solidFill>
+              </a:rPr>
+              <a:t>&lt;/script&gt;</a:t>
+            </a:r>
+            <a:endParaRPr lang="zh-CN" altLang="en-US">
+              <a:solidFill>
+                <a:schemeClr val="bg1"/>
+              </a:solidFill>
+            </a:endParaRPr>
+          </a:p>
+        </p:txBody>
+      </p:sp>
+      <p:sp>
+        <p:nvSpPr>
+          <p:cNvPr id="6" name="文本框 5"/>
+          <p:cNvSpPr txBox="1"/>
+          <p:nvPr/>
+        </p:nvSpPr>
+        <p:spPr>
+          <a:xfrm>
+            <a:off x="906145" y="423545"/>
+            <a:ext cx="3900170" cy="953135"/>
+          </a:xfrm>
+          <a:prstGeom prst="rect">
+            <a:avLst/>
+          </a:prstGeom>
+          <a:noFill/>
+        </p:spPr>
+        <p:txBody>
+          <a:bodyPr wrap="square" rtlCol="0">
+            <a:spAutoFit/>
+          </a:bodyPr>
+          <a:p>
+            <a:r>
+              <a:rPr lang="en-US" altLang="zh-CN" sz="2800" b="1">
+                <a:solidFill>
+                  <a:schemeClr val="bg1"/>
+                </a:solidFill>
+              </a:rPr>
+              <a:t>var→let/const</a:t>
+            </a:r>
+            <a:r>
+              <a:rPr lang="zh-CN" altLang="en-US" sz="2800" b="1">
+                <a:solidFill>
+                  <a:schemeClr val="bg1"/>
+                </a:solidFill>
+                <a:sym typeface="+mn-ea"/>
+              </a:rPr>
+              <a:t>（</a:t>
+            </a:r>
+            <a:r>
+              <a:rPr lang="en-US" altLang="zh-CN" sz="2800" b="1">
+                <a:solidFill>
+                  <a:schemeClr val="bg1"/>
+                </a:solidFill>
+                <a:sym typeface="+mn-ea"/>
+              </a:rPr>
+              <a:t>1</a:t>
+            </a:r>
+            <a:r>
+              <a:rPr lang="zh-CN" altLang="en-US" sz="2800" b="1">
+                <a:solidFill>
+                  <a:schemeClr val="bg1"/>
+                </a:solidFill>
+                <a:sym typeface="+mn-ea"/>
+              </a:rPr>
+              <a:t>）</a:t>
+            </a:r>
+            <a:endParaRPr lang="zh-CN" altLang="en-US" sz="2800" b="1">
+              <a:solidFill>
+                <a:schemeClr val="bg1"/>
+              </a:solidFill>
+            </a:endParaRPr>
+          </a:p>
+          <a:p>
+            <a:endParaRPr lang="zh-CN" altLang="en-US" sz="2800" b="1">
+              <a:solidFill>
+                <a:schemeClr val="bg1"/>
+              </a:solidFill>
+            </a:endParaRPr>
+          </a:p>
+        </p:txBody>
+      </p:sp>
+    </p:spTree>
+  </p:cSld>
+  <p:clrMapOvr>
+    <a:masterClrMapping/>
+  </p:clrMapOvr>
+</p:sld>
+</file>
+
+<file path=ppt/slides/slide12.xml><?xml version="1.0" encoding="utf-8"?>
+<p:sld xmlns:a="http://schemas.openxmlformats.org/drawingml/2006/main" xmlns:r="http://schemas.openxmlformats.org/officeDocument/2006/relationships" xmlns:p="http://schemas.openxmlformats.org/presentationml/2006/main">
+  <p:cSld>
+    <p:spTree>
+      <p:nvGrpSpPr>
+        <p:cNvPr id="1" name=""/>
+        <p:cNvGrpSpPr/>
+        <p:nvPr/>
+      </p:nvGrpSpPr>
+      <p:grpSpPr/>
+      <p:sp>
+        <p:nvSpPr>
+          <p:cNvPr id="3" name="文本框 2"/>
+          <p:cNvSpPr txBox="1"/>
+          <p:nvPr/>
+        </p:nvSpPr>
+        <p:spPr>
+          <a:xfrm>
+            <a:off x="854710" y="1108075"/>
+            <a:ext cx="7539990" cy="2584450"/>
+          </a:xfrm>
+          <a:prstGeom prst="rect">
+            <a:avLst/>
+          </a:prstGeom>
+          <a:noFill/>
+        </p:spPr>
+        <p:txBody>
+          <a:bodyPr wrap="square" rtlCol="0">
+            <a:spAutoFit/>
+          </a:bodyPr>
+          <a:p>
+            <a:r>
+              <a:rPr lang="zh-CN" altLang="en-US">
+                <a:solidFill>
+                  <a:schemeClr val="bg1"/>
+                </a:solidFill>
+              </a:rPr>
+              <a:t>&lt;script&gt;</a:t>
+            </a:r>
+            <a:endParaRPr lang="zh-CN" altLang="en-US">
+              <a:solidFill>
+                <a:schemeClr val="bg1"/>
+              </a:solidFill>
+            </a:endParaRPr>
+          </a:p>
+          <a:p>
+            <a:r>
+              <a:rPr lang="zh-CN" altLang="en-US">
+                <a:solidFill>
+                  <a:schemeClr val="bg1"/>
+                </a:solidFill>
+              </a:rPr>
+              <a:t>    {</a:t>
+            </a:r>
+            <a:endParaRPr lang="zh-CN" altLang="en-US">
+              <a:solidFill>
+                <a:schemeClr val="bg1"/>
+              </a:solidFill>
+            </a:endParaRPr>
+          </a:p>
+          <a:p>
+            <a:r>
+              <a:rPr lang="zh-CN" altLang="en-US">
+                <a:solidFill>
+                  <a:schemeClr val="bg1"/>
+                </a:solidFill>
+              </a:rPr>
+              <a:t>        var private = "var private:</a:t>
+            </a:r>
+            <a:endParaRPr lang="zh-CN" altLang="en-US">
+              <a:solidFill>
+                <a:schemeClr val="bg1"/>
+              </a:solidFill>
+            </a:endParaRPr>
+          </a:p>
+          <a:p>
+            <a:r>
+              <a:rPr lang="en-US" altLang="zh-CN">
+                <a:solidFill>
+                  <a:schemeClr val="bg1"/>
+                </a:solidFill>
+              </a:rPr>
+              <a:t>	</a:t>
+            </a:r>
+            <a:r>
+              <a:rPr lang="zh-CN" altLang="en-US">
+                <a:solidFill>
+                  <a:schemeClr val="bg1"/>
+                </a:solidFill>
+              </a:rPr>
+              <a:t>(This sentence should not be write on document.)";</a:t>
+            </a:r>
+            <a:endParaRPr lang="zh-CN" altLang="en-US">
+              <a:solidFill>
+                <a:schemeClr val="bg1"/>
+              </a:solidFill>
+            </a:endParaRPr>
+          </a:p>
+          <a:p>
+            <a:r>
+              <a:rPr lang="zh-CN" altLang="en-US">
+                <a:solidFill>
+                  <a:schemeClr val="bg1"/>
+                </a:solidFill>
+              </a:rPr>
+              <a:t>    }</a:t>
+            </a:r>
+            <a:endParaRPr lang="zh-CN" altLang="en-US">
+              <a:solidFill>
+                <a:schemeClr val="bg1"/>
+              </a:solidFill>
+            </a:endParaRPr>
+          </a:p>
+          <a:p>
+            <a:r>
+              <a:rPr lang="zh-CN" altLang="en-US">
+                <a:solidFill>
+                  <a:schemeClr val="bg1"/>
+                </a:solidFill>
+              </a:rPr>
+              <a:t>    document.write("Try to print a private parameter:");</a:t>
+            </a:r>
+            <a:endParaRPr lang="zh-CN" altLang="en-US">
+              <a:solidFill>
+                <a:schemeClr val="bg1"/>
+              </a:solidFill>
+            </a:endParaRPr>
+          </a:p>
+          <a:p>
+            <a:r>
+              <a:rPr lang="zh-CN" altLang="en-US">
+                <a:solidFill>
+                  <a:schemeClr val="bg1"/>
+                </a:solidFill>
+              </a:rPr>
+              <a:t>    document.write("&lt;br/&gt;");</a:t>
+            </a:r>
+            <a:endParaRPr lang="zh-CN" altLang="en-US">
+              <a:solidFill>
+                <a:schemeClr val="bg1"/>
+              </a:solidFill>
+            </a:endParaRPr>
+          </a:p>
+          <a:p>
+            <a:r>
+              <a:rPr lang="zh-CN" altLang="en-US">
+                <a:solidFill>
+                  <a:schemeClr val="bg1"/>
+                </a:solidFill>
+              </a:rPr>
+              <a:t>    document.write(private);</a:t>
+            </a:r>
+            <a:endParaRPr lang="zh-CN" altLang="en-US">
+              <a:solidFill>
+                <a:schemeClr val="bg1"/>
+              </a:solidFill>
+            </a:endParaRPr>
+          </a:p>
+          <a:p>
+            <a:r>
+              <a:rPr lang="zh-CN" altLang="en-US">
+                <a:solidFill>
+                  <a:schemeClr val="bg1"/>
+                </a:solidFill>
+              </a:rPr>
+              <a:t>&lt;/script&gt;</a:t>
+            </a:r>
+            <a:endParaRPr lang="zh-CN" altLang="en-US">
+              <a:solidFill>
+                <a:schemeClr val="bg1"/>
+              </a:solidFill>
+            </a:endParaRPr>
+          </a:p>
+        </p:txBody>
+      </p:sp>
+      <p:sp>
+        <p:nvSpPr>
+          <p:cNvPr id="6" name="文本框 5"/>
+          <p:cNvSpPr txBox="1"/>
+          <p:nvPr/>
+        </p:nvSpPr>
+        <p:spPr>
+          <a:xfrm>
+            <a:off x="906145" y="423545"/>
+            <a:ext cx="3900170" cy="953135"/>
+          </a:xfrm>
+          <a:prstGeom prst="rect">
+            <a:avLst/>
+          </a:prstGeom>
+          <a:noFill/>
+        </p:spPr>
+        <p:txBody>
+          <a:bodyPr wrap="square" rtlCol="0">
+            <a:spAutoFit/>
+          </a:bodyPr>
+          <a:p>
+            <a:r>
+              <a:rPr lang="en-US" altLang="zh-CN" sz="2800" b="1">
+                <a:solidFill>
+                  <a:schemeClr val="bg1"/>
+                </a:solidFill>
+              </a:rPr>
+              <a:t>var→let/const</a:t>
+            </a:r>
+            <a:r>
+              <a:rPr lang="zh-CN" altLang="en-US" sz="2800" b="1">
+                <a:solidFill>
+                  <a:schemeClr val="bg1"/>
+                </a:solidFill>
+                <a:sym typeface="+mn-ea"/>
+              </a:rPr>
+              <a:t>（</a:t>
+            </a:r>
+            <a:r>
+              <a:rPr lang="en-US" altLang="zh-CN" sz="2800" b="1">
+                <a:solidFill>
+                  <a:schemeClr val="bg1"/>
+                </a:solidFill>
+                <a:sym typeface="+mn-ea"/>
+              </a:rPr>
+              <a:t>2</a:t>
+            </a:r>
+            <a:r>
+              <a:rPr lang="zh-CN" altLang="en-US" sz="2800" b="1">
+                <a:solidFill>
+                  <a:schemeClr val="bg1"/>
+                </a:solidFill>
+                <a:sym typeface="+mn-ea"/>
+              </a:rPr>
+              <a:t>）</a:t>
+            </a:r>
+            <a:endParaRPr lang="zh-CN" altLang="en-US" sz="2800" b="1">
+              <a:solidFill>
+                <a:schemeClr val="bg1"/>
+              </a:solidFill>
+            </a:endParaRPr>
+          </a:p>
+          <a:p>
+            <a:endParaRPr lang="zh-CN" altLang="en-US" sz="2800" b="1">
+              <a:solidFill>
+                <a:schemeClr val="bg1"/>
+              </a:solidFill>
+            </a:endParaRPr>
+          </a:p>
+        </p:txBody>
+      </p:sp>
+    </p:spTree>
+  </p:cSld>
+  <p:clrMapOvr>
+    <a:masterClrMapping/>
+  </p:clrMapOvr>
+</p:sld>
+</file>
+
+<file path=ppt/slides/slide13.xml><?xml version="1.0" encoding="utf-8"?>
+<p:sld xmlns:a="http://schemas.openxmlformats.org/drawingml/2006/main" xmlns:r="http://schemas.openxmlformats.org/officeDocument/2006/relationships" xmlns:p="http://schemas.openxmlformats.org/presentationml/2006/main">
+  <p:cSld>
+    <p:spTree>
+      <p:nvGrpSpPr>
+        <p:cNvPr id="1" name=""/>
+        <p:cNvGrpSpPr/>
+        <p:nvPr/>
+      </p:nvGrpSpPr>
+      <p:grpSpPr/>
+      <p:sp>
+        <p:nvSpPr>
+          <p:cNvPr id="3" name="文本框 2"/>
+          <p:cNvSpPr txBox="1"/>
+          <p:nvPr/>
+        </p:nvSpPr>
+        <p:spPr>
+          <a:xfrm>
+            <a:off x="854710" y="1108075"/>
+            <a:ext cx="7539990" cy="2584450"/>
+          </a:xfrm>
+          <a:prstGeom prst="rect">
+            <a:avLst/>
+          </a:prstGeom>
+          <a:noFill/>
+        </p:spPr>
+        <p:txBody>
+          <a:bodyPr wrap="square" rtlCol="0">
+            <a:spAutoFit/>
+          </a:bodyPr>
+          <a:p>
+            <a:r>
+              <a:rPr lang="zh-CN" altLang="en-US">
+                <a:solidFill>
+                  <a:schemeClr val="bg1"/>
+                </a:solidFill>
+              </a:rPr>
+              <a:t>&lt;script&gt;</a:t>
+            </a:r>
+            <a:endParaRPr lang="zh-CN" altLang="en-US">
+              <a:solidFill>
+                <a:schemeClr val="bg1"/>
+              </a:solidFill>
+            </a:endParaRPr>
+          </a:p>
+          <a:p>
+            <a:r>
+              <a:rPr lang="zh-CN" altLang="en-US">
+                <a:solidFill>
+                  <a:schemeClr val="bg1"/>
+                </a:solidFill>
+              </a:rPr>
+              <a:t>    (</a:t>
+            </a:r>
+            <a:r>
+              <a:rPr lang="zh-CN" altLang="en-US">
+                <a:solidFill>
+                  <a:srgbClr val="FF0000"/>
+                </a:solidFill>
+              </a:rPr>
+              <a:t>function()</a:t>
+            </a:r>
+            <a:r>
+              <a:rPr lang="zh-CN" altLang="en-US">
+                <a:solidFill>
+                  <a:schemeClr val="bg1"/>
+                </a:solidFill>
+              </a:rPr>
+              <a:t>{</a:t>
+            </a:r>
+            <a:endParaRPr lang="zh-CN" altLang="en-US">
+              <a:solidFill>
+                <a:schemeClr val="bg1"/>
+              </a:solidFill>
+            </a:endParaRPr>
+          </a:p>
+          <a:p>
+            <a:r>
+              <a:rPr lang="zh-CN" altLang="en-US">
+                <a:solidFill>
+                  <a:schemeClr val="bg1"/>
+                </a:solidFill>
+              </a:rPr>
+              <a:t>        var private = "var private:(This sentence should not be write on document.)";</a:t>
+            </a:r>
+            <a:endParaRPr lang="zh-CN" altLang="en-US">
+              <a:solidFill>
+                <a:schemeClr val="bg1"/>
+              </a:solidFill>
+            </a:endParaRPr>
+          </a:p>
+          <a:p>
+            <a:r>
+              <a:rPr lang="zh-CN" altLang="en-US">
+                <a:solidFill>
+                  <a:schemeClr val="bg1"/>
+                </a:solidFill>
+              </a:rPr>
+              <a:t>    })</a:t>
+            </a:r>
+            <a:r>
+              <a:rPr lang="zh-CN" altLang="en-US">
+                <a:solidFill>
+                  <a:srgbClr val="FF0000"/>
+                </a:solidFill>
+              </a:rPr>
+              <a:t>()</a:t>
+            </a:r>
+            <a:r>
+              <a:rPr lang="zh-CN" altLang="en-US">
+                <a:solidFill>
+                  <a:schemeClr val="bg1"/>
+                </a:solidFill>
+              </a:rPr>
+              <a:t>;</a:t>
+            </a:r>
+            <a:endParaRPr lang="zh-CN" altLang="en-US">
+              <a:solidFill>
+                <a:schemeClr val="bg1"/>
+              </a:solidFill>
+            </a:endParaRPr>
+          </a:p>
+          <a:p>
+            <a:r>
+              <a:rPr lang="zh-CN" altLang="en-US">
+                <a:solidFill>
+                  <a:schemeClr val="bg1"/>
+                </a:solidFill>
+              </a:rPr>
+              <a:t>    document.write("Try to print a private parameter:");</a:t>
+            </a:r>
+            <a:endParaRPr lang="zh-CN" altLang="en-US">
+              <a:solidFill>
+                <a:schemeClr val="bg1"/>
+              </a:solidFill>
+            </a:endParaRPr>
+          </a:p>
+          <a:p>
+            <a:r>
+              <a:rPr lang="zh-CN" altLang="en-US">
+                <a:solidFill>
+                  <a:schemeClr val="bg1"/>
+                </a:solidFill>
+              </a:rPr>
+              <a:t>    document.write("&lt;br/&gt;");</a:t>
+            </a:r>
+            <a:endParaRPr lang="zh-CN" altLang="en-US">
+              <a:solidFill>
+                <a:schemeClr val="bg1"/>
+              </a:solidFill>
+            </a:endParaRPr>
+          </a:p>
+          <a:p>
+            <a:r>
+              <a:rPr lang="zh-CN" altLang="en-US">
+                <a:solidFill>
+                  <a:schemeClr val="bg1"/>
+                </a:solidFill>
+              </a:rPr>
+              <a:t>    document.write(private);</a:t>
+            </a:r>
+            <a:endParaRPr lang="zh-CN" altLang="en-US">
+              <a:solidFill>
+                <a:schemeClr val="bg1"/>
+              </a:solidFill>
+            </a:endParaRPr>
+          </a:p>
+          <a:p>
+            <a:r>
+              <a:rPr lang="zh-CN" altLang="en-US">
+                <a:solidFill>
+                  <a:schemeClr val="bg1"/>
+                </a:solidFill>
+              </a:rPr>
+              <a:t>&lt;/script&gt;</a:t>
+            </a:r>
+            <a:endParaRPr lang="zh-CN" altLang="en-US">
+              <a:solidFill>
+                <a:schemeClr val="bg1"/>
+              </a:solidFill>
+            </a:endParaRPr>
+          </a:p>
+        </p:txBody>
+      </p:sp>
+      <p:sp>
+        <p:nvSpPr>
+          <p:cNvPr id="2" name="文本框 1"/>
+          <p:cNvSpPr txBox="1"/>
+          <p:nvPr/>
+        </p:nvSpPr>
+        <p:spPr>
+          <a:xfrm>
+            <a:off x="906145" y="423545"/>
+            <a:ext cx="3900170" cy="953135"/>
+          </a:xfrm>
+          <a:prstGeom prst="rect">
+            <a:avLst/>
+          </a:prstGeom>
+          <a:noFill/>
+        </p:spPr>
+        <p:txBody>
+          <a:bodyPr wrap="square" rtlCol="0">
+            <a:spAutoFit/>
+          </a:bodyPr>
+          <a:p>
+            <a:r>
+              <a:rPr lang="en-US" altLang="zh-CN" sz="2800" b="1">
+                <a:solidFill>
+                  <a:schemeClr val="bg1"/>
+                </a:solidFill>
+              </a:rPr>
+              <a:t>var→let/const</a:t>
+            </a:r>
+            <a:r>
+              <a:rPr lang="zh-CN" altLang="en-US" sz="2800" b="1">
+                <a:solidFill>
+                  <a:schemeClr val="bg1"/>
+                </a:solidFill>
+                <a:sym typeface="+mn-ea"/>
+              </a:rPr>
+              <a:t>（</a:t>
+            </a:r>
+            <a:r>
+              <a:rPr lang="en-US" altLang="zh-CN" sz="2800" b="1">
+                <a:solidFill>
+                  <a:schemeClr val="bg1"/>
+                </a:solidFill>
+                <a:sym typeface="+mn-ea"/>
+              </a:rPr>
+              <a:t>2</a:t>
+            </a:r>
+            <a:r>
+              <a:rPr lang="zh-CN" altLang="en-US" sz="2800" b="1">
+                <a:solidFill>
+                  <a:schemeClr val="bg1"/>
+                </a:solidFill>
+                <a:sym typeface="+mn-ea"/>
+              </a:rPr>
+              <a:t>）</a:t>
+            </a:r>
+            <a:endParaRPr lang="zh-CN" altLang="en-US" sz="2800" b="1">
+              <a:solidFill>
+                <a:schemeClr val="bg1"/>
+              </a:solidFill>
+            </a:endParaRPr>
+          </a:p>
+          <a:p>
+            <a:endParaRPr lang="zh-CN" altLang="en-US" sz="2800" b="1">
+              <a:solidFill>
+                <a:schemeClr val="bg1"/>
+              </a:solidFill>
+            </a:endParaRPr>
+          </a:p>
+        </p:txBody>
+      </p:sp>
+    </p:spTree>
+  </p:cSld>
+  <p:clrMapOvr>
+    <a:masterClrMapping/>
+  </p:clrMapOvr>
+</p:sld>
+</file>
+
+<file path=ppt/slides/slide14.xml><?xml version="1.0" encoding="utf-8"?>
+<p:sld xmlns:a="http://schemas.openxmlformats.org/drawingml/2006/main" xmlns:r="http://schemas.openxmlformats.org/officeDocument/2006/relationships" xmlns:p="http://schemas.openxmlformats.org/presentationml/2006/main">
+  <p:cSld>
+    <p:spTree>
+      <p:nvGrpSpPr>
+        <p:cNvPr id="1" name=""/>
+        <p:cNvGrpSpPr/>
+        <p:nvPr/>
+      </p:nvGrpSpPr>
+      <p:grpSpPr/>
+      <p:sp>
+        <p:nvSpPr>
+          <p:cNvPr id="3" name="文本框 2"/>
+          <p:cNvSpPr txBox="1"/>
+          <p:nvPr/>
+        </p:nvSpPr>
+        <p:spPr>
+          <a:xfrm>
+            <a:off x="854710" y="1108075"/>
+            <a:ext cx="7539990" cy="3692525"/>
+          </a:xfrm>
+          <a:prstGeom prst="rect">
+            <a:avLst/>
+          </a:prstGeom>
+          <a:noFill/>
+        </p:spPr>
+        <p:txBody>
+          <a:bodyPr wrap="square" rtlCol="0">
+            <a:spAutoFit/>
+          </a:bodyPr>
+          <a:p>
+            <a:r>
+              <a:rPr lang="zh-CN" altLang="en-US">
+                <a:solidFill>
+                  <a:schemeClr val="bg1"/>
+                </a:solidFill>
+              </a:rPr>
+              <a:t>&lt;script&gt;</a:t>
+            </a:r>
+            <a:endParaRPr lang="zh-CN" altLang="en-US">
+              <a:solidFill>
+                <a:schemeClr val="bg1"/>
+              </a:solidFill>
+            </a:endParaRPr>
+          </a:p>
+          <a:p>
+            <a:r>
+              <a:rPr lang="zh-CN" altLang="en-US">
+                <a:solidFill>
+                  <a:schemeClr val="bg1"/>
+                </a:solidFill>
+              </a:rPr>
+              <a:t>    {</a:t>
+            </a:r>
+            <a:endParaRPr lang="zh-CN" altLang="en-US">
+              <a:solidFill>
+                <a:schemeClr val="bg1"/>
+              </a:solidFill>
+            </a:endParaRPr>
+          </a:p>
+          <a:p>
+            <a:r>
+              <a:rPr lang="zh-CN" altLang="en-US">
+                <a:solidFill>
+                  <a:schemeClr val="bg1"/>
+                </a:solidFill>
+              </a:rPr>
+              <a:t>        </a:t>
+            </a:r>
+            <a:r>
+              <a:rPr lang="zh-CN" altLang="en-US">
+                <a:solidFill>
+                  <a:srgbClr val="FF0000"/>
+                </a:solidFill>
+              </a:rPr>
+              <a:t>let </a:t>
+            </a:r>
+            <a:r>
+              <a:rPr lang="zh-CN" altLang="en-US">
+                <a:solidFill>
+                  <a:schemeClr val="bg1"/>
+                </a:solidFill>
+              </a:rPr>
+              <a:t>private1 = "let private1:</a:t>
+            </a:r>
+            <a:endParaRPr lang="zh-CN" altLang="en-US">
+              <a:solidFill>
+                <a:schemeClr val="bg1"/>
+              </a:solidFill>
+            </a:endParaRPr>
+          </a:p>
+          <a:p>
+            <a:r>
+              <a:rPr lang="zh-CN" altLang="en-US">
+                <a:solidFill>
+                  <a:schemeClr val="bg1"/>
+                </a:solidFill>
+              </a:rPr>
+              <a:t>(This sentence should not be write on document.)";</a:t>
+            </a:r>
+            <a:endParaRPr lang="zh-CN" altLang="en-US">
+              <a:solidFill>
+                <a:schemeClr val="bg1"/>
+              </a:solidFill>
+            </a:endParaRPr>
+          </a:p>
+          <a:p>
+            <a:r>
+              <a:rPr lang="zh-CN" altLang="en-US">
+                <a:solidFill>
+                  <a:schemeClr val="bg1"/>
+                </a:solidFill>
+              </a:rPr>
+              <a:t>        </a:t>
+            </a:r>
+            <a:r>
+              <a:rPr lang="zh-CN" altLang="en-US">
+                <a:solidFill>
+                  <a:srgbClr val="FF0000"/>
+                </a:solidFill>
+              </a:rPr>
+              <a:t>const </a:t>
+            </a:r>
+            <a:r>
+              <a:rPr lang="zh-CN" altLang="en-US">
+                <a:solidFill>
+                  <a:schemeClr val="bg1"/>
+                </a:solidFill>
+              </a:rPr>
+              <a:t>private2 = "const private2</a:t>
+            </a:r>
+            <a:r>
+              <a:rPr lang="en-US" altLang="zh-CN">
+                <a:solidFill>
+                  <a:schemeClr val="bg1"/>
+                </a:solidFill>
+              </a:rPr>
+              <a:t>:</a:t>
+            </a:r>
+            <a:endParaRPr lang="zh-CN" altLang="en-US">
+              <a:solidFill>
+                <a:schemeClr val="bg1"/>
+              </a:solidFill>
+            </a:endParaRPr>
+          </a:p>
+          <a:p>
+            <a:r>
+              <a:rPr lang="zh-CN" altLang="en-US">
+                <a:solidFill>
+                  <a:schemeClr val="bg1"/>
+                </a:solidFill>
+              </a:rPr>
+              <a:t>(This sentence should not be write on document.)";</a:t>
+            </a:r>
+            <a:endParaRPr lang="zh-CN" altLang="en-US">
+              <a:solidFill>
+                <a:schemeClr val="bg1"/>
+              </a:solidFill>
+            </a:endParaRPr>
+          </a:p>
+          <a:p>
+            <a:r>
+              <a:rPr lang="zh-CN" altLang="en-US">
+                <a:solidFill>
+                  <a:schemeClr val="bg1"/>
+                </a:solidFill>
+              </a:rPr>
+              <a:t>    }</a:t>
+            </a:r>
+            <a:endParaRPr lang="zh-CN" altLang="en-US">
+              <a:solidFill>
+                <a:schemeClr val="bg1"/>
+              </a:solidFill>
+            </a:endParaRPr>
+          </a:p>
+          <a:p>
+            <a:r>
+              <a:rPr lang="zh-CN" altLang="en-US">
+                <a:solidFill>
+                  <a:schemeClr val="bg1"/>
+                </a:solidFill>
+              </a:rPr>
+              <a:t>    document.write("Try to print private parameters:");</a:t>
+            </a:r>
+            <a:endParaRPr lang="zh-CN" altLang="en-US">
+              <a:solidFill>
+                <a:schemeClr val="bg1"/>
+              </a:solidFill>
+            </a:endParaRPr>
+          </a:p>
+          <a:p>
+            <a:r>
+              <a:rPr lang="zh-CN" altLang="en-US">
+                <a:solidFill>
+                  <a:schemeClr val="bg1"/>
+                </a:solidFill>
+              </a:rPr>
+              <a:t>    document.write("&lt;br/&gt;");</a:t>
+            </a:r>
+            <a:endParaRPr lang="zh-CN" altLang="en-US">
+              <a:solidFill>
+                <a:schemeClr val="bg1"/>
+              </a:solidFill>
+            </a:endParaRPr>
+          </a:p>
+          <a:p>
+            <a:r>
+              <a:rPr lang="zh-CN" altLang="en-US">
+                <a:solidFill>
+                  <a:schemeClr val="bg1"/>
+                </a:solidFill>
+              </a:rPr>
+              <a:t>    document.write(private1);</a:t>
+            </a:r>
+            <a:endParaRPr lang="zh-CN" altLang="en-US">
+              <a:solidFill>
+                <a:schemeClr val="bg1"/>
+              </a:solidFill>
+            </a:endParaRPr>
+          </a:p>
+          <a:p>
+            <a:r>
+              <a:rPr lang="zh-CN" altLang="en-US">
+                <a:solidFill>
+                  <a:schemeClr val="bg1"/>
+                </a:solidFill>
+              </a:rPr>
+              <a:t>    document.write("&lt;br/&gt;");</a:t>
+            </a:r>
+            <a:endParaRPr lang="zh-CN" altLang="en-US">
+              <a:solidFill>
+                <a:schemeClr val="bg1"/>
+              </a:solidFill>
+            </a:endParaRPr>
+          </a:p>
+          <a:p>
+            <a:r>
+              <a:rPr lang="zh-CN" altLang="en-US">
+                <a:solidFill>
+                  <a:schemeClr val="bg1"/>
+                </a:solidFill>
+              </a:rPr>
+              <a:t>    document.write(private2);</a:t>
+            </a:r>
+            <a:endParaRPr lang="zh-CN" altLang="en-US">
+              <a:solidFill>
+                <a:schemeClr val="bg1"/>
+              </a:solidFill>
+            </a:endParaRPr>
+          </a:p>
+          <a:p>
+            <a:r>
+              <a:rPr lang="zh-CN" altLang="en-US">
+                <a:solidFill>
+                  <a:schemeClr val="bg1"/>
+                </a:solidFill>
+              </a:rPr>
+              <a:t>&lt;/script&gt;</a:t>
+            </a:r>
+            <a:endParaRPr lang="zh-CN" altLang="en-US">
+              <a:solidFill>
+                <a:schemeClr val="bg1"/>
+              </a:solidFill>
+            </a:endParaRPr>
+          </a:p>
+        </p:txBody>
+      </p:sp>
+      <p:sp>
+        <p:nvSpPr>
+          <p:cNvPr id="2" name="文本框 1"/>
+          <p:cNvSpPr txBox="1"/>
+          <p:nvPr/>
+        </p:nvSpPr>
+        <p:spPr>
+          <a:xfrm>
+            <a:off x="906145" y="423545"/>
+            <a:ext cx="3900170" cy="953135"/>
+          </a:xfrm>
+          <a:prstGeom prst="rect">
+            <a:avLst/>
+          </a:prstGeom>
+          <a:noFill/>
+        </p:spPr>
+        <p:txBody>
+          <a:bodyPr wrap="square" rtlCol="0">
+            <a:spAutoFit/>
+          </a:bodyPr>
+          <a:p>
+            <a:r>
+              <a:rPr lang="en-US" altLang="zh-CN" sz="2800" b="1">
+                <a:solidFill>
+                  <a:schemeClr val="bg1"/>
+                </a:solidFill>
+              </a:rPr>
+              <a:t>var→let/const</a:t>
+            </a:r>
+            <a:r>
+              <a:rPr lang="zh-CN" altLang="en-US" sz="2800" b="1">
+                <a:solidFill>
+                  <a:schemeClr val="bg1"/>
+                </a:solidFill>
+                <a:sym typeface="+mn-ea"/>
+              </a:rPr>
+              <a:t>（</a:t>
+            </a:r>
+            <a:r>
+              <a:rPr lang="en-US" altLang="zh-CN" sz="2800" b="1">
+                <a:solidFill>
+                  <a:schemeClr val="bg1"/>
+                </a:solidFill>
+                <a:sym typeface="+mn-ea"/>
+              </a:rPr>
+              <a:t>2</a:t>
+            </a:r>
+            <a:r>
+              <a:rPr lang="zh-CN" altLang="en-US" sz="2800" b="1">
+                <a:solidFill>
+                  <a:schemeClr val="bg1"/>
+                </a:solidFill>
+                <a:sym typeface="+mn-ea"/>
+              </a:rPr>
+              <a:t>）</a:t>
+            </a:r>
+            <a:endParaRPr lang="zh-CN" altLang="en-US" sz="2800" b="1">
+              <a:solidFill>
+                <a:schemeClr val="bg1"/>
+              </a:solidFill>
+            </a:endParaRPr>
+          </a:p>
+          <a:p>
+            <a:endParaRPr lang="zh-CN" altLang="en-US" sz="2800" b="1">
+              <a:solidFill>
+                <a:schemeClr val="bg1"/>
+              </a:solidFill>
+            </a:endParaRPr>
+          </a:p>
+        </p:txBody>
+      </p:sp>
+    </p:spTree>
+  </p:cSld>
+  <p:clrMapOvr>
+    <a:masterClrMapping/>
+  </p:clrMapOvr>
+</p:sld>
+</file>
+
+<file path=ppt/slides/slide15.xml><?xml version="1.0" encoding="utf-8"?>
+<p:sld xmlns:a="http://schemas.openxmlformats.org/drawingml/2006/main" xmlns:r="http://schemas.openxmlformats.org/officeDocument/2006/relationships" xmlns:p="http://schemas.openxmlformats.org/presentationml/2006/main">
+  <p:cSld>
+    <p:spTree>
+      <p:nvGrpSpPr>
+        <p:cNvPr id="1" name=""/>
+        <p:cNvGrpSpPr/>
+        <p:nvPr/>
+      </p:nvGrpSpPr>
+      <p:grpSpPr/>
+      <p:sp>
+        <p:nvSpPr>
+          <p:cNvPr id="3" name="文本框 2"/>
+          <p:cNvSpPr txBox="1"/>
+          <p:nvPr/>
+        </p:nvSpPr>
+        <p:spPr>
+          <a:xfrm>
+            <a:off x="854710" y="1108075"/>
+            <a:ext cx="7539990" cy="2553335"/>
+          </a:xfrm>
+          <a:prstGeom prst="rect">
+            <a:avLst/>
+          </a:prstGeom>
+          <a:noFill/>
+        </p:spPr>
+        <p:txBody>
+          <a:bodyPr wrap="square" rtlCol="0">
+            <a:spAutoFit/>
+          </a:bodyPr>
+          <a:p>
+            <a:endParaRPr lang="zh-CN" altLang="en-US" sz="2000">
+              <a:solidFill>
+                <a:schemeClr val="bg1"/>
+              </a:solidFill>
+            </a:endParaRPr>
+          </a:p>
+          <a:p>
+            <a:r>
+              <a:rPr lang="zh-CN" altLang="en-US" sz="2000">
+                <a:solidFill>
+                  <a:schemeClr val="bg1"/>
+                </a:solidFill>
+              </a:rPr>
+              <a:t>&lt;script&gt;</a:t>
+            </a:r>
+            <a:endParaRPr lang="zh-CN" altLang="en-US" sz="2000">
+              <a:solidFill>
+                <a:schemeClr val="bg1"/>
+              </a:solidFill>
+            </a:endParaRPr>
+          </a:p>
+          <a:p>
+            <a:r>
+              <a:rPr lang="zh-CN" altLang="en-US" sz="2000">
+                <a:solidFill>
+                  <a:schemeClr val="bg1"/>
+                </a:solidFill>
+              </a:rPr>
+              <a:t>    let word1='Company name'</a:t>
+            </a:r>
+            <a:r>
+              <a:rPr lang="en-US" altLang="zh-CN" sz="2000">
+                <a:solidFill>
+                  <a:schemeClr val="bg1"/>
+                </a:solidFill>
+              </a:rPr>
+              <a:t>;</a:t>
+            </a:r>
+            <a:endParaRPr lang="zh-CN" altLang="en-US" sz="2000">
+              <a:solidFill>
+                <a:schemeClr val="bg1"/>
+              </a:solidFill>
+            </a:endParaRPr>
+          </a:p>
+          <a:p>
+            <a:r>
+              <a:rPr lang="zh-CN" altLang="en-US" sz="2000">
+                <a:solidFill>
+                  <a:schemeClr val="bg1"/>
+                </a:solidFill>
+              </a:rPr>
+              <a:t>    let word2='starnet'</a:t>
+            </a:r>
+            <a:r>
+              <a:rPr lang="en-US" altLang="zh-CN" sz="2000">
+                <a:solidFill>
+                  <a:schemeClr val="bg1"/>
+                </a:solidFill>
+              </a:rPr>
+              <a:t>;</a:t>
+            </a:r>
+            <a:endParaRPr lang="zh-CN" altLang="en-US" sz="2000">
+              <a:solidFill>
+                <a:schemeClr val="bg1"/>
+              </a:solidFill>
+            </a:endParaRPr>
+          </a:p>
+          <a:p>
+            <a:r>
+              <a:rPr lang="zh-CN" altLang="en-US" sz="2000">
+                <a:solidFill>
+                  <a:schemeClr val="bg1"/>
+                </a:solidFill>
+              </a:rPr>
+              <a:t>    document.write(word1+':'+word2)</a:t>
+            </a:r>
+            <a:r>
+              <a:rPr lang="en-US" altLang="zh-CN" sz="2000">
+                <a:solidFill>
+                  <a:schemeClr val="bg1"/>
+                </a:solidFill>
+              </a:rPr>
+              <a:t>;</a:t>
+            </a:r>
+            <a:r>
+              <a:rPr lang="zh-CN" altLang="en-US" sz="2000">
+                <a:solidFill>
+                  <a:schemeClr val="bg1"/>
+                </a:solidFill>
+              </a:rPr>
+              <a:t>//ES5</a:t>
+            </a:r>
+            <a:endParaRPr lang="zh-CN" altLang="en-US" sz="2000">
+              <a:solidFill>
+                <a:schemeClr val="bg1"/>
+              </a:solidFill>
+            </a:endParaRPr>
+          </a:p>
+          <a:p>
+            <a:r>
+              <a:rPr lang="zh-CN" altLang="en-US" sz="2000">
+                <a:solidFill>
+                  <a:schemeClr val="bg1"/>
+                </a:solidFill>
+              </a:rPr>
+              <a:t>    document.write("&lt;br/&gt;")</a:t>
+            </a:r>
+            <a:r>
+              <a:rPr lang="en-US" altLang="zh-CN" sz="2000">
+                <a:solidFill>
+                  <a:schemeClr val="bg1"/>
+                </a:solidFill>
+              </a:rPr>
+              <a:t>;</a:t>
+            </a:r>
+            <a:endParaRPr lang="zh-CN" altLang="en-US" sz="2000">
+              <a:solidFill>
+                <a:schemeClr val="bg1"/>
+              </a:solidFill>
+            </a:endParaRPr>
+          </a:p>
+          <a:p>
+            <a:r>
+              <a:rPr lang="zh-CN" altLang="en-US" sz="2000">
+                <a:solidFill>
+                  <a:schemeClr val="bg1"/>
+                </a:solidFill>
+              </a:rPr>
+              <a:t>    </a:t>
+            </a:r>
+            <a:r>
+              <a:rPr lang="zh-CN" altLang="en-US" sz="2000">
+                <a:solidFill>
+                  <a:srgbClr val="FF0000"/>
+                </a:solidFill>
+              </a:rPr>
+              <a:t>document.write(`${word1}:${word2}`)</a:t>
+            </a:r>
+            <a:r>
+              <a:rPr lang="en-US" altLang="zh-CN" sz="2000">
+                <a:solidFill>
+                  <a:srgbClr val="FF0000"/>
+                </a:solidFill>
+              </a:rPr>
+              <a:t>;</a:t>
+            </a:r>
+            <a:r>
+              <a:rPr lang="zh-CN" altLang="en-US" sz="2000">
+                <a:solidFill>
+                  <a:schemeClr val="bg1"/>
+                </a:solidFill>
+              </a:rPr>
+              <a:t>//ES6</a:t>
+            </a:r>
+            <a:endParaRPr lang="zh-CN" altLang="en-US" sz="2000">
+              <a:solidFill>
+                <a:schemeClr val="bg1"/>
+              </a:solidFill>
+            </a:endParaRPr>
+          </a:p>
+          <a:p>
+            <a:r>
+              <a:rPr lang="zh-CN" altLang="en-US" sz="2000">
+                <a:solidFill>
+                  <a:schemeClr val="bg1"/>
+                </a:solidFill>
+              </a:rPr>
+              <a:t>&lt;/script&gt;</a:t>
+            </a:r>
+            <a:endParaRPr lang="zh-CN" altLang="en-US" sz="2000">
+              <a:solidFill>
+                <a:schemeClr val="bg1"/>
+              </a:solidFill>
+            </a:endParaRPr>
+          </a:p>
+        </p:txBody>
+      </p:sp>
+      <p:sp>
+        <p:nvSpPr>
+          <p:cNvPr id="2" name="文本框 1"/>
+          <p:cNvSpPr txBox="1"/>
+          <p:nvPr/>
+        </p:nvSpPr>
+        <p:spPr>
+          <a:xfrm>
+            <a:off x="906145" y="423545"/>
+            <a:ext cx="3900170" cy="521970"/>
+          </a:xfrm>
+          <a:prstGeom prst="rect">
+            <a:avLst/>
+          </a:prstGeom>
+          <a:noFill/>
+        </p:spPr>
+        <p:txBody>
+          <a:bodyPr wrap="square" rtlCol="0">
+            <a:spAutoFit/>
+          </a:bodyPr>
+          <a:p>
+            <a:r>
+              <a:rPr lang="zh-CN" sz="2800" b="1">
+                <a:solidFill>
+                  <a:schemeClr val="bg1"/>
+                </a:solidFill>
+              </a:rPr>
+              <a:t>解构赋值（</a:t>
+            </a:r>
+            <a:r>
+              <a:rPr lang="en-US" altLang="zh-CN" sz="2800" b="1">
+                <a:solidFill>
+                  <a:schemeClr val="bg1"/>
+                </a:solidFill>
+              </a:rPr>
+              <a:t>1</a:t>
+            </a:r>
+            <a:r>
+              <a:rPr lang="zh-CN" altLang="en-US" sz="2800" b="1">
+                <a:solidFill>
+                  <a:schemeClr val="bg1"/>
+                </a:solidFill>
+              </a:rPr>
+              <a:t>）</a:t>
+            </a:r>
+            <a:endParaRPr lang="zh-CN" altLang="en-US" sz="2800" b="1">
+              <a:solidFill>
+                <a:schemeClr val="bg1"/>
+              </a:solidFill>
+            </a:endParaRPr>
+          </a:p>
+        </p:txBody>
+      </p:sp>
+    </p:spTree>
+  </p:cSld>
+  <p:clrMapOvr>
+    <a:masterClrMapping/>
+  </p:clrMapOvr>
+</p:sld>
+</file>
+
+<file path=ppt/slides/slide16.xml><?xml version="1.0" encoding="utf-8"?>
+<p:sld xmlns:a="http://schemas.openxmlformats.org/drawingml/2006/main" xmlns:r="http://schemas.openxmlformats.org/officeDocument/2006/relationships" xmlns:p="http://schemas.openxmlformats.org/presentationml/2006/main">
+  <p:cSld>
+    <p:spTree>
+      <p:nvGrpSpPr>
+        <p:cNvPr id="1" name=""/>
+        <p:cNvGrpSpPr/>
+        <p:nvPr/>
+      </p:nvGrpSpPr>
+      <p:grpSpPr/>
+      <p:sp>
+        <p:nvSpPr>
+          <p:cNvPr id="3" name="文本框 2"/>
+          <p:cNvSpPr txBox="1"/>
+          <p:nvPr/>
+        </p:nvSpPr>
+        <p:spPr>
+          <a:xfrm>
+            <a:off x="854710" y="1108075"/>
+            <a:ext cx="7539990" cy="2245360"/>
+          </a:xfrm>
+          <a:prstGeom prst="rect">
+            <a:avLst/>
+          </a:prstGeom>
+          <a:noFill/>
+        </p:spPr>
+        <p:txBody>
+          <a:bodyPr wrap="square" rtlCol="0">
+            <a:spAutoFit/>
+          </a:bodyPr>
+          <a:p>
+            <a:endParaRPr lang="zh-CN" altLang="en-US" sz="2000">
+              <a:solidFill>
+                <a:schemeClr val="bg1"/>
+              </a:solidFill>
+            </a:endParaRPr>
+          </a:p>
+          <a:p>
+            <a:r>
+              <a:rPr lang="zh-CN" altLang="en-US" sz="2000">
+                <a:solidFill>
+                  <a:schemeClr val="bg1"/>
+                </a:solidFill>
+              </a:rPr>
+              <a:t>&lt;script&gt;</a:t>
+            </a:r>
+            <a:endParaRPr lang="zh-CN" altLang="en-US" sz="2000">
+              <a:solidFill>
+                <a:schemeClr val="bg1"/>
+              </a:solidFill>
+            </a:endParaRPr>
+          </a:p>
+          <a:p>
+            <a:r>
+              <a:rPr lang="zh-CN" altLang="en-US" sz="2000">
+                <a:solidFill>
+                  <a:schemeClr val="bg1"/>
+                </a:solidFill>
+              </a:rPr>
+              <a:t>    const array = [1, 2, 3, 4];</a:t>
+            </a:r>
+            <a:endParaRPr lang="zh-CN" altLang="en-US" sz="2000">
+              <a:solidFill>
+                <a:schemeClr val="bg1"/>
+              </a:solidFill>
+            </a:endParaRPr>
+          </a:p>
+          <a:p>
+            <a:r>
+              <a:rPr lang="zh-CN" altLang="en-US" sz="2000">
+                <a:solidFill>
+                  <a:schemeClr val="bg1"/>
+                </a:solidFill>
+              </a:rPr>
+              <a:t>    </a:t>
+            </a:r>
+            <a:r>
+              <a:rPr lang="zh-CN" altLang="en-US" sz="2000">
+                <a:solidFill>
+                  <a:srgbClr val="FF0000"/>
+                </a:solidFill>
+              </a:rPr>
+              <a:t>const [first, ,third] = array;</a:t>
+            </a:r>
+            <a:endParaRPr lang="zh-CN" altLang="en-US" sz="2000">
+              <a:solidFill>
+                <a:srgbClr val="FF0000"/>
+              </a:solidFill>
+            </a:endParaRPr>
+          </a:p>
+          <a:p>
+            <a:r>
+              <a:rPr lang="zh-CN" altLang="en-US" sz="2000">
+                <a:solidFill>
+                  <a:schemeClr val="bg1"/>
+                </a:solidFill>
+              </a:rPr>
+              <a:t>    document.write(first," ",third); // 1 3</a:t>
+            </a:r>
+            <a:endParaRPr lang="zh-CN" altLang="en-US" sz="2000">
+              <a:solidFill>
+                <a:schemeClr val="bg1"/>
+              </a:solidFill>
+            </a:endParaRPr>
+          </a:p>
+          <a:p>
+            <a:r>
+              <a:rPr lang="zh-CN" altLang="en-US" sz="2000">
+                <a:solidFill>
+                  <a:schemeClr val="bg1"/>
+                </a:solidFill>
+              </a:rPr>
+              <a:t>    document.write("&lt;br/&gt;");</a:t>
+            </a:r>
+            <a:endParaRPr lang="zh-CN" altLang="en-US" sz="2000">
+              <a:solidFill>
+                <a:schemeClr val="bg1"/>
+              </a:solidFill>
+            </a:endParaRPr>
+          </a:p>
+          <a:p>
+            <a:r>
+              <a:rPr lang="zh-CN" altLang="en-US" sz="2000">
+                <a:solidFill>
+                  <a:schemeClr val="bg1"/>
+                </a:solidFill>
+              </a:rPr>
+              <a:t>&lt;/script&gt;</a:t>
+            </a:r>
+            <a:endParaRPr lang="zh-CN" altLang="en-US" sz="2000">
+              <a:solidFill>
+                <a:schemeClr val="bg1"/>
+              </a:solidFill>
+            </a:endParaRPr>
+          </a:p>
+        </p:txBody>
+      </p:sp>
+      <p:sp>
+        <p:nvSpPr>
+          <p:cNvPr id="2" name="文本框 1"/>
+          <p:cNvSpPr txBox="1"/>
+          <p:nvPr/>
+        </p:nvSpPr>
+        <p:spPr>
+          <a:xfrm>
+            <a:off x="906145" y="423545"/>
+            <a:ext cx="3900170" cy="521970"/>
+          </a:xfrm>
+          <a:prstGeom prst="rect">
+            <a:avLst/>
+          </a:prstGeom>
+          <a:noFill/>
+        </p:spPr>
+        <p:txBody>
+          <a:bodyPr wrap="square" rtlCol="0">
+            <a:spAutoFit/>
+          </a:bodyPr>
+          <a:p>
+            <a:r>
+              <a:rPr lang="zh-CN" sz="2800" b="1">
+                <a:solidFill>
+                  <a:schemeClr val="bg1"/>
+                </a:solidFill>
+              </a:rPr>
+              <a:t>解构赋值（</a:t>
+            </a:r>
+            <a:r>
+              <a:rPr lang="en-US" altLang="zh-CN" sz="2800" b="1">
+                <a:solidFill>
+                  <a:schemeClr val="bg1"/>
+                </a:solidFill>
+              </a:rPr>
+              <a:t>2</a:t>
+            </a:r>
+            <a:r>
+              <a:rPr lang="zh-CN" altLang="en-US" sz="2800" b="1">
+                <a:solidFill>
+                  <a:schemeClr val="bg1"/>
+                </a:solidFill>
+              </a:rPr>
+              <a:t>）</a:t>
+            </a:r>
+            <a:endParaRPr lang="zh-CN" altLang="en-US" sz="2800" b="1">
+              <a:solidFill>
+                <a:schemeClr val="bg1"/>
+              </a:solidFill>
+            </a:endParaRPr>
+          </a:p>
+        </p:txBody>
+      </p:sp>
+    </p:spTree>
+  </p:cSld>
+  <p:clrMapOvr>
+    <a:masterClrMapping/>
+  </p:clrMapOvr>
+</p:sld>
+</file>
+
+<file path=ppt/slides/slide17.xml><?xml version="1.0" encoding="utf-8"?>
+<p:sld xmlns:a="http://schemas.openxmlformats.org/drawingml/2006/main" xmlns:r="http://schemas.openxmlformats.org/officeDocument/2006/relationships" xmlns:p="http://schemas.openxmlformats.org/presentationml/2006/main">
+  <p:cSld>
+    <p:spTree>
+      <p:nvGrpSpPr>
+        <p:cNvPr id="1" name=""/>
+        <p:cNvGrpSpPr/>
+        <p:nvPr/>
+      </p:nvGrpSpPr>
+      <p:grpSpPr/>
+      <p:sp>
+        <p:nvSpPr>
+          <p:cNvPr id="3" name="文本框 2"/>
+          <p:cNvSpPr txBox="1"/>
+          <p:nvPr/>
+        </p:nvSpPr>
+        <p:spPr>
+          <a:xfrm>
+            <a:off x="802005" y="1397635"/>
+            <a:ext cx="7539990" cy="2245360"/>
+          </a:xfrm>
+          <a:prstGeom prst="rect">
+            <a:avLst/>
+          </a:prstGeom>
+          <a:noFill/>
+        </p:spPr>
+        <p:txBody>
+          <a:bodyPr wrap="square" rtlCol="0">
+            <a:spAutoFit/>
+          </a:bodyPr>
+          <a:p>
+            <a:r>
+              <a:rPr lang="zh-CN" altLang="en-US" sz="2000">
+                <a:solidFill>
+                  <a:schemeClr val="bg1"/>
+                </a:solidFill>
+              </a:rPr>
+              <a:t>&lt;script&gt;</a:t>
+            </a:r>
+            <a:endParaRPr lang="zh-CN" altLang="en-US" sz="2000">
+              <a:solidFill>
+                <a:schemeClr val="bg1"/>
+              </a:solidFill>
+            </a:endParaRPr>
+          </a:p>
+          <a:p>
+            <a:r>
+              <a:rPr lang="zh-CN" altLang="en-US" sz="2000">
+                <a:solidFill>
+                  <a:schemeClr val="bg1"/>
+                </a:solidFill>
+              </a:rPr>
+              <a:t>    const xiamen = {Country: 'China',Province: 'Fujian', City: 'Xiamen'};</a:t>
+            </a:r>
+            <a:endParaRPr lang="zh-CN" altLang="en-US" sz="2000">
+              <a:solidFill>
+                <a:schemeClr val="bg1"/>
+              </a:solidFill>
+            </a:endParaRPr>
+          </a:p>
+          <a:p>
+            <a:r>
+              <a:rPr lang="zh-CN" altLang="en-US" sz="2000">
+                <a:solidFill>
+                  <a:schemeClr val="bg1"/>
+                </a:solidFill>
+              </a:rPr>
+              <a:t>    function getLocationDetail({ Country,Province, City }) {</a:t>
+            </a:r>
+            <a:endParaRPr lang="zh-CN" altLang="en-US" sz="2000">
+              <a:solidFill>
+                <a:schemeClr val="bg1"/>
+              </a:solidFill>
+            </a:endParaRPr>
+          </a:p>
+          <a:p>
+            <a:r>
+              <a:rPr lang="zh-CN" altLang="en-US" sz="2000">
+                <a:solidFill>
+                  <a:schemeClr val="bg1"/>
+                </a:solidFill>
+              </a:rPr>
+              <a:t>        return</a:t>
+            </a:r>
+            <a:r>
+              <a:rPr lang="zh-CN" altLang="en-US" sz="2000">
+                <a:solidFill>
+                  <a:srgbClr val="FF0000"/>
+                </a:solidFill>
+              </a:rPr>
+              <a:t> `${Country}-${Province}-${City}`</a:t>
+            </a:r>
+            <a:r>
+              <a:rPr lang="zh-CN" altLang="en-US" sz="2000">
+                <a:solidFill>
+                  <a:schemeClr val="bg1"/>
+                </a:solidFill>
+              </a:rPr>
+              <a:t>;</a:t>
+            </a:r>
+            <a:endParaRPr lang="zh-CN" altLang="en-US" sz="2000">
+              <a:solidFill>
+                <a:schemeClr val="bg1"/>
+              </a:solidFill>
+            </a:endParaRPr>
+          </a:p>
+          <a:p>
+            <a:r>
+              <a:rPr lang="zh-CN" altLang="en-US" sz="2000">
+                <a:solidFill>
+                  <a:schemeClr val="bg1"/>
+                </a:solidFill>
+              </a:rPr>
+              <a:t>    }</a:t>
+            </a:r>
+            <a:endParaRPr lang="zh-CN" altLang="en-US" sz="2000">
+              <a:solidFill>
+                <a:schemeClr val="bg1"/>
+              </a:solidFill>
+            </a:endParaRPr>
+          </a:p>
+          <a:p>
+            <a:r>
+              <a:rPr lang="zh-CN" altLang="en-US" sz="2000">
+                <a:solidFill>
+                  <a:schemeClr val="bg1"/>
+                </a:solidFill>
+              </a:rPr>
+              <a:t>    document.write(getLocationDetail(xiamen));</a:t>
+            </a:r>
+            <a:endParaRPr lang="zh-CN" altLang="en-US" sz="2000">
+              <a:solidFill>
+                <a:schemeClr val="bg1"/>
+              </a:solidFill>
+            </a:endParaRPr>
+          </a:p>
+          <a:p>
+            <a:r>
+              <a:rPr lang="zh-CN" altLang="en-US" sz="2000">
+                <a:solidFill>
+                  <a:schemeClr val="bg1"/>
+                </a:solidFill>
+              </a:rPr>
+              <a:t>&lt;/script&gt;</a:t>
+            </a:r>
+            <a:endParaRPr lang="zh-CN" altLang="en-US" sz="2000">
+              <a:solidFill>
+                <a:schemeClr val="bg1"/>
+              </a:solidFill>
+            </a:endParaRPr>
+          </a:p>
+        </p:txBody>
+      </p:sp>
+      <p:sp>
+        <p:nvSpPr>
+          <p:cNvPr id="2" name="文本框 1"/>
+          <p:cNvSpPr txBox="1"/>
+          <p:nvPr/>
+        </p:nvSpPr>
+        <p:spPr>
+          <a:xfrm>
+            <a:off x="906145" y="423545"/>
+            <a:ext cx="3900170" cy="521970"/>
+          </a:xfrm>
+          <a:prstGeom prst="rect">
+            <a:avLst/>
+          </a:prstGeom>
+          <a:noFill/>
+        </p:spPr>
+        <p:txBody>
+          <a:bodyPr wrap="square" rtlCol="0">
+            <a:spAutoFit/>
+          </a:bodyPr>
+          <a:p>
+            <a:r>
+              <a:rPr lang="zh-CN" sz="2800" b="1">
+                <a:solidFill>
+                  <a:schemeClr val="bg1"/>
+                </a:solidFill>
+              </a:rPr>
+              <a:t>解构赋值（</a:t>
+            </a:r>
+            <a:r>
+              <a:rPr lang="en-US" altLang="zh-CN" sz="2800" b="1">
+                <a:solidFill>
+                  <a:schemeClr val="bg1"/>
+                </a:solidFill>
+              </a:rPr>
+              <a:t>3</a:t>
+            </a:r>
+            <a:r>
+              <a:rPr lang="zh-CN" altLang="en-US" sz="2800" b="1">
+                <a:solidFill>
+                  <a:schemeClr val="bg1"/>
+                </a:solidFill>
+              </a:rPr>
+              <a:t>）</a:t>
+            </a:r>
+            <a:endParaRPr lang="zh-CN" altLang="en-US" sz="2800" b="1">
+              <a:solidFill>
+                <a:schemeClr val="bg1"/>
+              </a:solidFill>
+            </a:endParaRPr>
+          </a:p>
+        </p:txBody>
+      </p:sp>
+    </p:spTree>
+  </p:cSld>
+  <p:clrMapOvr>
+    <a:masterClrMapping/>
+  </p:clrMapOvr>
+</p:sld>
+</file>
+
+<file path=ppt/slides/slide18.xml><?xml version="1.0" encoding="utf-8"?>
+<p:sld xmlns:a="http://schemas.openxmlformats.org/drawingml/2006/main" xmlns:r="http://schemas.openxmlformats.org/officeDocument/2006/relationships" xmlns:p="http://schemas.openxmlformats.org/presentationml/2006/main">
+  <p:cSld>
+    <p:spTree>
+      <p:nvGrpSpPr>
+        <p:cNvPr id="1" name=""/>
+        <p:cNvGrpSpPr/>
+        <p:nvPr/>
+      </p:nvGrpSpPr>
+      <p:grpSpPr/>
+      <p:sp>
+        <p:nvSpPr>
+          <p:cNvPr id="3" name="文本框 2"/>
+          <p:cNvSpPr txBox="1"/>
+          <p:nvPr/>
+        </p:nvSpPr>
+        <p:spPr>
+          <a:xfrm>
+            <a:off x="802005" y="1397635"/>
+            <a:ext cx="7539990" cy="3169285"/>
+          </a:xfrm>
+          <a:prstGeom prst="rect">
+            <a:avLst/>
+          </a:prstGeom>
+          <a:noFill/>
+        </p:spPr>
+        <p:txBody>
+          <a:bodyPr wrap="square" rtlCol="0">
+            <a:spAutoFit/>
+          </a:bodyPr>
+          <a:p>
+            <a:r>
+              <a:rPr lang="zh-CN" altLang="en-US" sz="2000">
+                <a:solidFill>
+                  <a:schemeClr val="bg1"/>
+                </a:solidFill>
+              </a:rPr>
+              <a:t>使用数组的解构赋值交换两个数字？</a:t>
+            </a:r>
+            <a:endParaRPr lang="zh-CN" altLang="en-US" sz="2000">
+              <a:solidFill>
+                <a:schemeClr val="bg1"/>
+              </a:solidFill>
+            </a:endParaRPr>
+          </a:p>
+          <a:p>
+            <a:r>
+              <a:rPr lang="en-US" altLang="zh-CN" sz="2000">
+                <a:solidFill>
+                  <a:schemeClr val="bg1"/>
+                </a:solidFill>
+              </a:rPr>
+              <a:t>&lt;script&gt;</a:t>
+            </a:r>
+            <a:endParaRPr lang="en-US" altLang="zh-CN" sz="2000">
+              <a:solidFill>
+                <a:schemeClr val="bg1"/>
+              </a:solidFill>
+            </a:endParaRPr>
+          </a:p>
+          <a:p>
+            <a:r>
+              <a:rPr lang="en-US" altLang="zh-CN" sz="2000">
+                <a:solidFill>
+                  <a:schemeClr val="bg1"/>
+                </a:solidFill>
+              </a:rPr>
+              <a:t>    let a = 1;</a:t>
+            </a:r>
+            <a:endParaRPr lang="en-US" altLang="zh-CN" sz="2000">
+              <a:solidFill>
+                <a:schemeClr val="bg1"/>
+              </a:solidFill>
+            </a:endParaRPr>
+          </a:p>
+          <a:p>
+            <a:r>
+              <a:rPr lang="en-US" altLang="zh-CN" sz="2000">
+                <a:solidFill>
+                  <a:schemeClr val="bg1"/>
+                </a:solidFill>
+              </a:rPr>
+              <a:t>    let b = 2;</a:t>
+            </a:r>
+            <a:endParaRPr lang="en-US" altLang="zh-CN" sz="2000">
+              <a:solidFill>
+                <a:schemeClr val="bg1"/>
+              </a:solidFill>
+            </a:endParaRPr>
+          </a:p>
+          <a:p>
+            <a:r>
+              <a:rPr lang="en-US" altLang="zh-CN" sz="2000">
+                <a:solidFill>
+                  <a:schemeClr val="bg1"/>
+                </a:solidFill>
+                <a:sym typeface="+mn-ea"/>
+              </a:rPr>
+              <a:t>    document.write(a," ", b); // 1 2</a:t>
+            </a:r>
+            <a:endParaRPr lang="en-US" altLang="zh-CN" sz="2000">
+              <a:solidFill>
+                <a:schemeClr val="bg1"/>
+              </a:solidFill>
+              <a:sym typeface="+mn-ea"/>
+            </a:endParaRPr>
+          </a:p>
+          <a:p>
+            <a:r>
+              <a:rPr lang="en-US" altLang="zh-CN" sz="2000">
+                <a:solidFill>
+                  <a:schemeClr val="bg1"/>
+                </a:solidFill>
+              </a:rPr>
+              <a:t>    document.write("&lt;br/&gt;");</a:t>
+            </a:r>
+            <a:endParaRPr lang="en-US" altLang="zh-CN" sz="2000">
+              <a:solidFill>
+                <a:schemeClr val="bg1"/>
+              </a:solidFill>
+            </a:endParaRPr>
+          </a:p>
+          <a:p>
+            <a:r>
+              <a:rPr lang="en-US" altLang="zh-CN" sz="2000">
+                <a:solidFill>
+                  <a:schemeClr val="bg1"/>
+                </a:solidFill>
+              </a:rPr>
+              <a:t>    ???</a:t>
+            </a:r>
+            <a:endParaRPr lang="en-US" altLang="zh-CN" sz="2000">
+              <a:solidFill>
+                <a:schemeClr val="bg1"/>
+              </a:solidFill>
+            </a:endParaRPr>
+          </a:p>
+          <a:p>
+            <a:r>
+              <a:rPr lang="en-US" altLang="zh-CN" sz="2000">
+                <a:solidFill>
+                  <a:schemeClr val="bg1"/>
+                </a:solidFill>
+              </a:rPr>
+              <a:t>    document.write(a," ", b); // 2 1</a:t>
+            </a:r>
+            <a:endParaRPr lang="en-US" altLang="zh-CN" sz="2000">
+              <a:solidFill>
+                <a:schemeClr val="bg1"/>
+              </a:solidFill>
+            </a:endParaRPr>
+          </a:p>
+          <a:p>
+            <a:r>
+              <a:rPr lang="en-US" altLang="zh-CN" sz="2000">
+                <a:solidFill>
+                  <a:schemeClr val="bg1"/>
+                </a:solidFill>
+              </a:rPr>
+              <a:t>    document.write("&lt;br/&gt;");</a:t>
+            </a:r>
+            <a:endParaRPr lang="en-US" altLang="zh-CN" sz="2000">
+              <a:solidFill>
+                <a:schemeClr val="bg1"/>
+              </a:solidFill>
+            </a:endParaRPr>
+          </a:p>
+          <a:p>
+            <a:r>
+              <a:rPr lang="en-US" altLang="zh-CN" sz="2000">
+                <a:solidFill>
+                  <a:schemeClr val="bg1"/>
+                </a:solidFill>
+              </a:rPr>
+              <a:t>&lt;/script&gt;</a:t>
+            </a:r>
+            <a:endParaRPr lang="en-US" altLang="zh-CN" sz="2000">
+              <a:solidFill>
+                <a:schemeClr val="bg1"/>
+              </a:solidFill>
+            </a:endParaRPr>
+          </a:p>
+        </p:txBody>
+      </p:sp>
+      <p:sp>
+        <p:nvSpPr>
+          <p:cNvPr id="2" name="文本框 1"/>
+          <p:cNvSpPr txBox="1"/>
+          <p:nvPr/>
+        </p:nvSpPr>
+        <p:spPr>
+          <a:xfrm>
+            <a:off x="906145" y="423545"/>
+            <a:ext cx="3900170" cy="521970"/>
+          </a:xfrm>
+          <a:prstGeom prst="rect">
+            <a:avLst/>
+          </a:prstGeom>
+          <a:noFill/>
+        </p:spPr>
+        <p:txBody>
+          <a:bodyPr wrap="square" rtlCol="0">
+            <a:spAutoFit/>
+          </a:bodyPr>
+          <a:p>
+            <a:r>
+              <a:rPr lang="zh-CN" sz="2800" b="1">
+                <a:solidFill>
+                  <a:schemeClr val="bg1"/>
+                </a:solidFill>
+              </a:rPr>
+              <a:t>解构赋值</a:t>
+            </a:r>
+            <a:r>
+              <a:rPr lang="en-US" sz="2800" b="1">
+                <a:solidFill>
+                  <a:schemeClr val="bg1"/>
+                </a:solidFill>
+              </a:rPr>
+              <a:t>-</a:t>
+            </a:r>
+            <a:r>
+              <a:rPr lang="zh-CN" altLang="en-US" sz="2800" b="1">
+                <a:solidFill>
+                  <a:schemeClr val="bg1"/>
+                </a:solidFill>
+              </a:rPr>
+              <a:t>思考</a:t>
+            </a:r>
+            <a:endParaRPr lang="zh-CN" altLang="en-US" sz="2800" b="1">
+              <a:solidFill>
+                <a:schemeClr val="bg1"/>
+              </a:solidFill>
+            </a:endParaRPr>
+          </a:p>
+        </p:txBody>
+      </p:sp>
+    </p:spTree>
+  </p:cSld>
+  <p:clrMapOvr>
+    <a:masterClrMapping/>
+  </p:clrMapOvr>
+</p:sld>
+</file>
+
+<file path=ppt/slides/slide19.xml><?xml version="1.0" encoding="utf-8"?>
+<p:sld xmlns:a="http://schemas.openxmlformats.org/drawingml/2006/main" xmlns:r="http://schemas.openxmlformats.org/officeDocument/2006/relationships" xmlns:p="http://schemas.openxmlformats.org/presentationml/2006/main">
+  <p:cSld>
+    <p:spTree>
+      <p:nvGrpSpPr>
+        <p:cNvPr id="1" name=""/>
+        <p:cNvGrpSpPr/>
+        <p:nvPr/>
+      </p:nvGrpSpPr>
+      <p:grpSpPr/>
+      <p:sp>
+        <p:nvSpPr>
+          <p:cNvPr id="3" name="文本框 2"/>
+          <p:cNvSpPr txBox="1"/>
+          <p:nvPr/>
+        </p:nvSpPr>
+        <p:spPr>
+          <a:xfrm>
+            <a:off x="802005" y="1243330"/>
+            <a:ext cx="7539990" cy="3692525"/>
+          </a:xfrm>
+          <a:prstGeom prst="rect">
+            <a:avLst/>
+          </a:prstGeom>
+          <a:noFill/>
+        </p:spPr>
+        <p:txBody>
+          <a:bodyPr wrap="square" rtlCol="0">
+            <a:spAutoFit/>
+          </a:bodyPr>
+          <a:p>
+            <a:r>
+              <a:rPr lang="zh-CN" altLang="en-US">
+                <a:solidFill>
+                  <a:schemeClr val="bg1"/>
+                </a:solidFill>
+              </a:rPr>
+              <a:t>&lt;script&gt;</a:t>
+            </a:r>
+            <a:endParaRPr lang="zh-CN" altLang="en-US">
+              <a:solidFill>
+                <a:schemeClr val="bg1"/>
+              </a:solidFill>
+            </a:endParaRPr>
+          </a:p>
+          <a:p>
+            <a:r>
+              <a:rPr lang="zh-CN" altLang="en-US">
+                <a:solidFill>
+                  <a:schemeClr val="bg1"/>
+                </a:solidFill>
+              </a:rPr>
+              <a:t>    </a:t>
+            </a:r>
+            <a:r>
+              <a:rPr lang="zh-CN" altLang="en-US">
+                <a:solidFill>
+                  <a:srgbClr val="FF0000"/>
+                </a:solidFill>
+              </a:rPr>
+              <a:t>class </a:t>
+            </a:r>
+            <a:r>
+              <a:rPr lang="zh-CN" altLang="en-US">
+                <a:solidFill>
+                  <a:schemeClr val="bg1"/>
+                </a:solidFill>
+              </a:rPr>
+              <a:t>User {</a:t>
+            </a:r>
+            <a:endParaRPr lang="zh-CN" altLang="en-US">
+              <a:solidFill>
+                <a:schemeClr val="bg1"/>
+              </a:solidFill>
+            </a:endParaRPr>
+          </a:p>
+          <a:p>
+            <a:r>
+              <a:rPr lang="zh-CN" altLang="en-US">
+                <a:solidFill>
+                  <a:schemeClr val="bg1"/>
+                </a:solidFill>
+              </a:rPr>
+              <a:t>        constructor(username) {</a:t>
+            </a:r>
+            <a:endParaRPr lang="zh-CN" altLang="en-US">
+              <a:solidFill>
+                <a:schemeClr val="bg1"/>
+              </a:solidFill>
+            </a:endParaRPr>
+          </a:p>
+          <a:p>
+            <a:r>
+              <a:rPr lang="zh-CN" altLang="en-US">
+                <a:solidFill>
+                  <a:schemeClr val="bg1"/>
+                </a:solidFill>
+              </a:rPr>
+              <a:t>            this.username = username;</a:t>
+            </a:r>
+            <a:endParaRPr lang="zh-CN" altLang="en-US">
+              <a:solidFill>
+                <a:schemeClr val="bg1"/>
+              </a:solidFill>
+            </a:endParaRPr>
+          </a:p>
+          <a:p>
+            <a:r>
+              <a:rPr lang="zh-CN" altLang="en-US">
+                <a:solidFill>
+                  <a:schemeClr val="bg1"/>
+                </a:solidFill>
+              </a:rPr>
+              <a:t>            document.write(this.username + ' is created.&lt;br/&gt;');</a:t>
+            </a:r>
+            <a:endParaRPr lang="zh-CN" altLang="en-US">
+              <a:solidFill>
+                <a:schemeClr val="bg1"/>
+              </a:solidFill>
+            </a:endParaRPr>
+          </a:p>
+          <a:p>
+            <a:r>
+              <a:rPr lang="zh-CN" altLang="en-US">
+                <a:solidFill>
+                  <a:schemeClr val="bg1"/>
+                </a:solidFill>
+              </a:rPr>
+              <a:t>        }</a:t>
+            </a:r>
+            <a:endParaRPr lang="zh-CN" altLang="en-US">
+              <a:solidFill>
+                <a:schemeClr val="bg1"/>
+              </a:solidFill>
+            </a:endParaRPr>
+          </a:p>
+          <a:p>
+            <a:r>
+              <a:rPr lang="zh-CN" altLang="en-US">
+                <a:solidFill>
+                  <a:schemeClr val="bg1"/>
+                </a:solidFill>
+              </a:rPr>
+              <a:t>        logging() {</a:t>
+            </a:r>
+            <a:endParaRPr lang="zh-CN" altLang="en-US">
+              <a:solidFill>
+                <a:schemeClr val="bg1"/>
+              </a:solidFill>
+            </a:endParaRPr>
+          </a:p>
+          <a:p>
+            <a:r>
+              <a:rPr lang="zh-CN" altLang="en-US">
+                <a:solidFill>
+                  <a:schemeClr val="bg1"/>
+                </a:solidFill>
+              </a:rPr>
+              <a:t>            document.write(this.username + ' is logging.&lt;br/&gt;');</a:t>
+            </a:r>
+            <a:endParaRPr lang="zh-CN" altLang="en-US">
+              <a:solidFill>
+                <a:schemeClr val="bg1"/>
+              </a:solidFill>
+            </a:endParaRPr>
+          </a:p>
+          <a:p>
+            <a:r>
+              <a:rPr lang="zh-CN" altLang="en-US">
+                <a:solidFill>
+                  <a:schemeClr val="bg1"/>
+                </a:solidFill>
+              </a:rPr>
+              <a:t>        }</a:t>
+            </a:r>
+            <a:endParaRPr lang="zh-CN" altLang="en-US">
+              <a:solidFill>
+                <a:schemeClr val="bg1"/>
+              </a:solidFill>
+            </a:endParaRPr>
+          </a:p>
+          <a:p>
+            <a:r>
+              <a:rPr lang="zh-CN" altLang="en-US">
+                <a:solidFill>
+                  <a:schemeClr val="bg1"/>
+                </a:solidFill>
+              </a:rPr>
+              <a:t>    }</a:t>
+            </a:r>
+            <a:endParaRPr lang="zh-CN" altLang="en-US">
+              <a:solidFill>
+                <a:schemeClr val="bg1"/>
+              </a:solidFill>
+            </a:endParaRPr>
+          </a:p>
+          <a:p>
+            <a:r>
+              <a:rPr lang="zh-CN" altLang="en-US">
+                <a:solidFill>
+                  <a:schemeClr val="bg1"/>
+                </a:solidFill>
+              </a:rPr>
+              <a:t>    const user = new User('huangjiasheng');</a:t>
+            </a:r>
+            <a:endParaRPr lang="zh-CN" altLang="en-US">
+              <a:solidFill>
+                <a:schemeClr val="bg1"/>
+              </a:solidFill>
+            </a:endParaRPr>
+          </a:p>
+          <a:p>
+            <a:r>
+              <a:rPr lang="zh-CN" altLang="en-US">
+                <a:solidFill>
+                  <a:schemeClr val="bg1"/>
+                </a:solidFill>
+              </a:rPr>
+              <a:t>    user.logging(); // animal makes a noise.</a:t>
+            </a:r>
+            <a:endParaRPr lang="zh-CN" altLang="en-US">
+              <a:solidFill>
+                <a:schemeClr val="bg1"/>
+              </a:solidFill>
+            </a:endParaRPr>
+          </a:p>
+          <a:p>
+            <a:r>
+              <a:rPr lang="zh-CN" altLang="en-US">
+                <a:solidFill>
+                  <a:schemeClr val="bg1"/>
+                </a:solidFill>
+              </a:rPr>
+              <a:t>&lt;/script&gt;</a:t>
+            </a:r>
+            <a:endParaRPr lang="zh-CN" altLang="en-US">
+              <a:solidFill>
+                <a:schemeClr val="bg1"/>
+              </a:solidFill>
+            </a:endParaRPr>
+          </a:p>
+        </p:txBody>
+      </p:sp>
+      <p:sp>
+        <p:nvSpPr>
+          <p:cNvPr id="2" name="文本框 1"/>
+          <p:cNvSpPr txBox="1"/>
+          <p:nvPr/>
+        </p:nvSpPr>
+        <p:spPr>
+          <a:xfrm>
+            <a:off x="906145" y="423545"/>
+            <a:ext cx="3900170" cy="521970"/>
+          </a:xfrm>
+          <a:prstGeom prst="rect">
+            <a:avLst/>
+          </a:prstGeom>
+          <a:noFill/>
+        </p:spPr>
+        <p:txBody>
+          <a:bodyPr wrap="square" rtlCol="0">
+            <a:spAutoFit/>
+          </a:bodyPr>
+          <a:p>
+            <a:r>
+              <a:rPr lang="zh-CN" sz="2800" b="1">
+                <a:solidFill>
+                  <a:schemeClr val="bg1"/>
+                </a:solidFill>
+              </a:rPr>
+              <a:t>类与继承（</a:t>
+            </a:r>
+            <a:r>
+              <a:rPr lang="en-US" altLang="zh-CN" sz="2800" b="1">
+                <a:solidFill>
+                  <a:schemeClr val="bg1"/>
+                </a:solidFill>
+              </a:rPr>
+              <a:t>1</a:t>
+            </a:r>
+            <a:r>
+              <a:rPr lang="zh-CN" altLang="en-US" sz="2800" b="1">
+                <a:solidFill>
+                  <a:schemeClr val="bg1"/>
+                </a:solidFill>
+              </a:rPr>
+              <a:t>）</a:t>
+            </a:r>
+            <a:endParaRPr lang="zh-CN" altLang="en-US" sz="2800" b="1">
+              <a:solidFill>
+                <a:schemeClr val="bg1"/>
+              </a:solidFill>
+            </a:endParaRPr>
+          </a:p>
+        </p:txBody>
+      </p:sp>
+    </p:spTree>
+  </p:cSld>
+  <p:clrMapOvr>
+    <a:masterClrMapping/>
+  </p:clrMapOvr>
 </p:sld>
 </file>
 
@@ -1960,7 +4674,7 @@
         <p:spPr>
           <a:xfrm>
             <a:off x="802005" y="1130300"/>
-            <a:ext cx="7539990" cy="3415030"/>
+            <a:ext cx="7539990" cy="2861310"/>
           </a:xfrm>
           <a:prstGeom prst="rect">
             <a:avLst/>
@@ -1972,6 +4686,13 @@
             <a:spAutoFit/>
           </a:bodyPr>
           <a:p>
+            <a:endParaRPr lang="zh-CN" altLang="en-US">
+              <a:solidFill>
+                <a:schemeClr val="bg1"/>
+              </a:solidFill>
+            </a:endParaRPr>
+          </a:p>
+          <a:p>
             <a:r>
               <a:rPr lang="zh-CN" altLang="en-US">
                 <a:solidFill>
@@ -1994,14 +4715,6 @@
             </a:endParaRPr>
           </a:p>
           <a:p>
-            <a:r>
-              <a:rPr lang="zh-CN" altLang="en-US">
-                <a:solidFill>
-                  <a:schemeClr val="bg1"/>
-                </a:solidFill>
-              </a:rPr>
-              <a:t>JavaScript 是一种具有函数优先的轻量级，解释型或即时编译型的高级编程语言。虽然它是作为开发Web页面的脚本语言而出名的，但是它也被用到了很多非浏览器环境中，JavaScript 基于原型编程、多范式的动态脚本语言，并且支持面向对象、命令式和声明式（如函数式编程）风格。</a:t>
-            </a:r>
             <a:endParaRPr lang="zh-CN" altLang="en-US">
               <a:solidFill>
                 <a:schemeClr val="bg1"/>
@@ -2082,15 +4795,967 @@
                   <a:schemeClr val="bg1"/>
                 </a:solidFill>
               </a:rPr>
+              <a:t>简单介绍</a:t>
+            </a:r>
+            <a:endParaRPr lang="zh-CN" altLang="en-US" sz="2800" b="1">
+              <a:solidFill>
+                <a:schemeClr val="bg1"/>
+              </a:solidFill>
+            </a:endParaRPr>
+          </a:p>
+        </p:txBody>
+      </p:sp>
+    </p:spTree>
+  </p:cSld>
+  <p:clrMapOvr>
+    <a:masterClrMapping/>
+  </p:clrMapOvr>
+</p:sld>
+</file>
+
+<file path=ppt/slides/slide20.xml><?xml version="1.0" encoding="utf-8"?>
+<p:sld xmlns:a="http://schemas.openxmlformats.org/drawingml/2006/main" xmlns:r="http://schemas.openxmlformats.org/officeDocument/2006/relationships" xmlns:p="http://schemas.openxmlformats.org/presentationml/2006/main">
+  <p:cSld>
+    <p:spTree>
+      <p:nvGrpSpPr>
+        <p:cNvPr id="1" name=""/>
+        <p:cNvGrpSpPr/>
+        <p:nvPr/>
+      </p:nvGrpSpPr>
+      <p:grpSpPr/>
+      <p:sp>
+        <p:nvSpPr>
+          <p:cNvPr id="3" name="文本框 2"/>
+          <p:cNvSpPr txBox="1"/>
+          <p:nvPr/>
+        </p:nvSpPr>
+        <p:spPr>
+          <a:xfrm>
+            <a:off x="802005" y="1243330"/>
+            <a:ext cx="7539990" cy="3415030"/>
+          </a:xfrm>
+          <a:prstGeom prst="rect">
+            <a:avLst/>
+          </a:prstGeom>
+          <a:noFill/>
+        </p:spPr>
+        <p:txBody>
+          <a:bodyPr wrap="square" rtlCol="0">
+            <a:spAutoFit/>
+          </a:bodyPr>
+          <a:p>
+            <a:r>
+              <a:rPr lang="zh-CN" altLang="en-US">
+                <a:solidFill>
+                  <a:schemeClr val="bg1"/>
+                </a:solidFill>
+              </a:rPr>
+              <a:t>&lt;script&gt;</a:t>
+            </a:r>
+            <a:endParaRPr lang="zh-CN" altLang="en-US">
+              <a:solidFill>
+                <a:schemeClr val="bg1"/>
+              </a:solidFill>
+            </a:endParaRPr>
+          </a:p>
+          <a:p>
+            <a:r>
+              <a:rPr lang="zh-CN" altLang="en-US">
+                <a:solidFill>
+                  <a:schemeClr val="bg1"/>
+                </a:solidFill>
+              </a:rPr>
+              <a:t>    class User {</a:t>
+            </a:r>
+            <a:r>
+              <a:rPr lang="en-US" altLang="zh-CN">
+                <a:solidFill>
+                  <a:schemeClr val="bg1"/>
+                </a:solidFill>
+              </a:rPr>
+              <a:t>...</a:t>
+            </a:r>
+            <a:r>
+              <a:rPr lang="zh-CN" altLang="en-US">
+                <a:solidFill>
+                  <a:schemeClr val="bg1"/>
+                </a:solidFill>
+              </a:rPr>
+              <a:t>}</a:t>
+            </a:r>
+            <a:endParaRPr lang="zh-CN" altLang="en-US">
+              <a:solidFill>
+                <a:schemeClr val="bg1"/>
+              </a:solidFill>
+            </a:endParaRPr>
+          </a:p>
+          <a:p>
+            <a:r>
+              <a:rPr lang="zh-CN" altLang="en-US">
+                <a:solidFill>
+                  <a:schemeClr val="bg1"/>
+                </a:solidFill>
+              </a:rPr>
+              <a:t>    class Admin </a:t>
+            </a:r>
+            <a:r>
+              <a:rPr lang="zh-CN" altLang="en-US">
+                <a:solidFill>
+                  <a:srgbClr val="FF0000"/>
+                </a:solidFill>
+              </a:rPr>
+              <a:t>extends </a:t>
+            </a:r>
+            <a:r>
+              <a:rPr lang="zh-CN" altLang="en-US">
+                <a:solidFill>
+                  <a:schemeClr val="bg1"/>
+                </a:solidFill>
+              </a:rPr>
+              <a:t>User{</a:t>
+            </a:r>
+            <a:endParaRPr lang="zh-CN" altLang="en-US">
+              <a:solidFill>
+                <a:schemeClr val="bg1"/>
+              </a:solidFill>
+            </a:endParaRPr>
+          </a:p>
+          <a:p>
+            <a:r>
+              <a:rPr lang="zh-CN" altLang="en-US">
+                <a:solidFill>
+                  <a:schemeClr val="bg1"/>
+                </a:solidFill>
+              </a:rPr>
+              <a:t>        logging()</a:t>
+            </a:r>
+            <a:endParaRPr lang="zh-CN" altLang="en-US">
+              <a:solidFill>
+                <a:schemeClr val="bg1"/>
+              </a:solidFill>
+            </a:endParaRPr>
+          </a:p>
+          <a:p>
+            <a:r>
+              <a:rPr lang="zh-CN" altLang="en-US">
+                <a:solidFill>
+                  <a:schemeClr val="bg1"/>
+                </a:solidFill>
+              </a:rPr>
+              <a:t>        {</a:t>
+            </a:r>
+            <a:endParaRPr lang="zh-CN" altLang="en-US">
+              <a:solidFill>
+                <a:schemeClr val="bg1"/>
+              </a:solidFill>
+            </a:endParaRPr>
+          </a:p>
+          <a:p>
+            <a:r>
+              <a:rPr lang="zh-CN" altLang="en-US">
+                <a:solidFill>
+                  <a:schemeClr val="bg1"/>
+                </a:solidFill>
+              </a:rPr>
+              <a:t>            super.logging()</a:t>
+            </a:r>
+            <a:endParaRPr lang="zh-CN" altLang="en-US">
+              <a:solidFill>
+                <a:schemeClr val="bg1"/>
+              </a:solidFill>
+            </a:endParaRPr>
+          </a:p>
+          <a:p>
+            <a:r>
+              <a:rPr lang="zh-CN" altLang="en-US">
+                <a:solidFill>
+                  <a:schemeClr val="bg1"/>
+                </a:solidFill>
+              </a:rPr>
+              <a:t>            document.write('The user is the admin.&lt;br/&gt;');</a:t>
+            </a:r>
+            <a:endParaRPr lang="zh-CN" altLang="en-US">
+              <a:solidFill>
+                <a:schemeClr val="bg1"/>
+              </a:solidFill>
+            </a:endParaRPr>
+          </a:p>
+          <a:p>
+            <a:r>
+              <a:rPr lang="zh-CN" altLang="en-US">
+                <a:solidFill>
+                  <a:schemeClr val="bg1"/>
+                </a:solidFill>
+              </a:rPr>
+              <a:t>        }</a:t>
+            </a:r>
+            <a:endParaRPr lang="zh-CN" altLang="en-US">
+              <a:solidFill>
+                <a:schemeClr val="bg1"/>
+              </a:solidFill>
+            </a:endParaRPr>
+          </a:p>
+          <a:p>
+            <a:r>
+              <a:rPr lang="zh-CN" altLang="en-US">
+                <a:solidFill>
+                  <a:schemeClr val="bg1"/>
+                </a:solidFill>
+              </a:rPr>
+              <a:t>    }</a:t>
+            </a:r>
+            <a:endParaRPr lang="zh-CN" altLang="en-US">
+              <a:solidFill>
+                <a:schemeClr val="bg1"/>
+              </a:solidFill>
+            </a:endParaRPr>
+          </a:p>
+          <a:p>
+            <a:r>
+              <a:rPr lang="zh-CN" altLang="en-US">
+                <a:solidFill>
+                  <a:schemeClr val="bg1"/>
+                </a:solidFill>
+              </a:rPr>
+              <a:t>    const user = new Admin('huangjiasheng');</a:t>
+            </a:r>
+            <a:endParaRPr lang="zh-CN" altLang="en-US">
+              <a:solidFill>
+                <a:schemeClr val="bg1"/>
+              </a:solidFill>
+            </a:endParaRPr>
+          </a:p>
+          <a:p>
+            <a:r>
+              <a:rPr lang="zh-CN" altLang="en-US">
+                <a:solidFill>
+                  <a:schemeClr val="bg1"/>
+                </a:solidFill>
+              </a:rPr>
+              <a:t>    user.logging(); // animal makes a noise.</a:t>
+            </a:r>
+            <a:endParaRPr lang="zh-CN" altLang="en-US">
+              <a:solidFill>
+                <a:schemeClr val="bg1"/>
+              </a:solidFill>
+            </a:endParaRPr>
+          </a:p>
+          <a:p>
+            <a:r>
+              <a:rPr lang="zh-CN" altLang="en-US">
+                <a:solidFill>
+                  <a:schemeClr val="bg1"/>
+                </a:solidFill>
+              </a:rPr>
+              <a:t>&lt;/script&gt;</a:t>
+            </a:r>
+            <a:endParaRPr lang="zh-CN" altLang="en-US">
+              <a:solidFill>
+                <a:schemeClr val="bg1"/>
+              </a:solidFill>
+            </a:endParaRPr>
+          </a:p>
+        </p:txBody>
+      </p:sp>
+      <p:sp>
+        <p:nvSpPr>
+          <p:cNvPr id="2" name="文本框 1"/>
+          <p:cNvSpPr txBox="1"/>
+          <p:nvPr/>
+        </p:nvSpPr>
+        <p:spPr>
+          <a:xfrm>
+            <a:off x="906145" y="423545"/>
+            <a:ext cx="3900170" cy="521970"/>
+          </a:xfrm>
+          <a:prstGeom prst="rect">
+            <a:avLst/>
+          </a:prstGeom>
+          <a:noFill/>
+        </p:spPr>
+        <p:txBody>
+          <a:bodyPr wrap="square" rtlCol="0">
+            <a:spAutoFit/>
+          </a:bodyPr>
+          <a:p>
+            <a:r>
+              <a:rPr lang="zh-CN" sz="2800" b="1">
+                <a:solidFill>
+                  <a:schemeClr val="bg1"/>
+                </a:solidFill>
+              </a:rPr>
+              <a:t>类与继承（</a:t>
+            </a:r>
+            <a:r>
+              <a:rPr lang="en-US" altLang="zh-CN" sz="2800" b="1">
+                <a:solidFill>
+                  <a:schemeClr val="bg1"/>
+                </a:solidFill>
+              </a:rPr>
+              <a:t>2</a:t>
+            </a:r>
+            <a:r>
+              <a:rPr lang="zh-CN" altLang="en-US" sz="2800" b="1">
+                <a:solidFill>
+                  <a:schemeClr val="bg1"/>
+                </a:solidFill>
+              </a:rPr>
+              <a:t>）</a:t>
+            </a:r>
+            <a:endParaRPr lang="zh-CN" altLang="en-US" sz="2800" b="1">
+              <a:solidFill>
+                <a:schemeClr val="bg1"/>
+              </a:solidFill>
+            </a:endParaRPr>
+          </a:p>
+        </p:txBody>
+      </p:sp>
+    </p:spTree>
+  </p:cSld>
+  <p:clrMapOvr>
+    <a:masterClrMapping/>
+  </p:clrMapOvr>
+</p:sld>
+</file>
+
+<file path=ppt/slides/slide21.xml><?xml version="1.0" encoding="utf-8"?>
+<p:sld xmlns:a="http://schemas.openxmlformats.org/drawingml/2006/main" xmlns:r="http://schemas.openxmlformats.org/officeDocument/2006/relationships" xmlns:p="http://schemas.openxmlformats.org/presentationml/2006/main">
+  <p:cSld>
+    <p:spTree>
+      <p:nvGrpSpPr>
+        <p:cNvPr id="1" name=""/>
+        <p:cNvGrpSpPr/>
+        <p:nvPr/>
+      </p:nvGrpSpPr>
+      <p:grpSpPr/>
+      <p:sp>
+        <p:nvSpPr>
+          <p:cNvPr id="3" name="文本框 2"/>
+          <p:cNvSpPr txBox="1"/>
+          <p:nvPr/>
+        </p:nvSpPr>
+        <p:spPr>
+          <a:xfrm>
+            <a:off x="854710" y="1108075"/>
+            <a:ext cx="7539990" cy="3969385"/>
+          </a:xfrm>
+          <a:prstGeom prst="rect">
+            <a:avLst/>
+          </a:prstGeom>
+          <a:noFill/>
+        </p:spPr>
+        <p:txBody>
+          <a:bodyPr wrap="square" rtlCol="0">
+            <a:spAutoFit/>
+          </a:bodyPr>
+          <a:p>
+            <a:endParaRPr lang="zh-CN" altLang="en-US">
+              <a:solidFill>
+                <a:schemeClr val="bg1"/>
+              </a:solidFill>
+            </a:endParaRPr>
+          </a:p>
+          <a:p>
+            <a:r>
+              <a:rPr lang="zh-CN" altLang="en-US">
+                <a:solidFill>
+                  <a:schemeClr val="bg1"/>
+                </a:solidFill>
+              </a:rPr>
+              <a:t>WebRTC，名称源自网页即时通信（英语：Web Real-Time Communication）的缩写，是一个支持网页浏览器进行实时语音对话或视频对话的API。它于2011年6月1日开源并在Google、Mozilla、Opera支持下被纳入万维网联盟的W3C推荐标准。</a:t>
+            </a:r>
+            <a:endParaRPr lang="zh-CN" altLang="en-US">
+              <a:solidFill>
+                <a:schemeClr val="bg1"/>
+              </a:solidFill>
+            </a:endParaRPr>
+          </a:p>
+          <a:p>
+            <a:r>
+              <a:rPr lang="zh-CN" altLang="en-US">
+                <a:solidFill>
+                  <a:schemeClr val="bg1"/>
+                </a:solidFill>
+              </a:rPr>
+              <a:t>WebRTC实现了基于网页的视频会议，标准是WHATWG 协议，目的是通过浏览器提供简单的javascript就可以达到实时通讯能力。WebRTC提供了视频会议的核心技术，包括音视频的采集、编解码、网络传输、显示等功能，并且还支持跨平台：windows，linux，mac，android。</a:t>
+            </a:r>
+            <a:endParaRPr lang="zh-CN" altLang="en-US">
+              <a:solidFill>
+                <a:schemeClr val="bg1"/>
+              </a:solidFill>
+            </a:endParaRPr>
+          </a:p>
+          <a:p>
+            <a:endParaRPr lang="zh-CN" altLang="en-US">
+              <a:solidFill>
+                <a:schemeClr val="bg1"/>
+              </a:solidFill>
+            </a:endParaRPr>
+          </a:p>
+          <a:p>
+            <a:r>
+              <a:rPr lang="en-US" altLang="zh-CN">
+                <a:solidFill>
+                  <a:schemeClr val="bg1"/>
+                </a:solidFill>
+                <a:sym typeface="+mn-ea"/>
+              </a:rPr>
+              <a:t>						</a:t>
+            </a:r>
+            <a:r>
+              <a:rPr lang="zh-CN" altLang="en-US">
+                <a:solidFill>
+                  <a:schemeClr val="bg1"/>
+                </a:solidFill>
+                <a:sym typeface="+mn-ea"/>
+              </a:rPr>
+              <a:t>（摘自百度百科）</a:t>
+            </a:r>
+            <a:endParaRPr lang="zh-CN" altLang="en-US">
+              <a:solidFill>
+                <a:schemeClr val="bg1"/>
+              </a:solidFill>
+            </a:endParaRPr>
+          </a:p>
+          <a:p>
+            <a:endParaRPr lang="zh-CN" altLang="en-US">
+              <a:solidFill>
+                <a:schemeClr val="bg1"/>
+              </a:solidFill>
+            </a:endParaRPr>
+          </a:p>
+          <a:p>
+            <a:endParaRPr lang="zh-CN" altLang="en-US">
+              <a:solidFill>
+                <a:schemeClr val="bg1"/>
+              </a:solidFill>
+            </a:endParaRPr>
+          </a:p>
+          <a:p>
+            <a:endParaRPr lang="zh-CN" altLang="en-US">
+              <a:solidFill>
+                <a:schemeClr val="bg1"/>
+              </a:solidFill>
+            </a:endParaRPr>
+          </a:p>
+        </p:txBody>
+      </p:sp>
+      <p:sp>
+        <p:nvSpPr>
+          <p:cNvPr id="4" name="文本框 3"/>
+          <p:cNvSpPr txBox="1"/>
+          <p:nvPr/>
+        </p:nvSpPr>
+        <p:spPr>
+          <a:xfrm>
+            <a:off x="906145" y="423545"/>
+            <a:ext cx="3900170" cy="521970"/>
+          </a:xfrm>
+          <a:prstGeom prst="rect">
+            <a:avLst/>
+          </a:prstGeom>
+          <a:noFill/>
+        </p:spPr>
+        <p:txBody>
+          <a:bodyPr wrap="square" rtlCol="0">
+            <a:spAutoFit/>
+          </a:bodyPr>
+          <a:p>
+            <a:r>
+              <a:rPr lang="en-US" altLang="zh-CN" sz="2800" b="1">
+                <a:solidFill>
+                  <a:schemeClr val="bg1"/>
+                </a:solidFill>
+              </a:rPr>
+              <a:t>webrtc</a:t>
+            </a:r>
+            <a:r>
+              <a:rPr lang="zh-CN" altLang="en-US" sz="2800" b="1">
+                <a:solidFill>
+                  <a:schemeClr val="bg1"/>
+                </a:solidFill>
+              </a:rPr>
+              <a:t>简单介绍</a:t>
+            </a:r>
+            <a:endParaRPr lang="zh-CN" altLang="en-US" sz="2800" b="1">
+              <a:solidFill>
+                <a:schemeClr val="bg1"/>
+              </a:solidFill>
+            </a:endParaRPr>
+          </a:p>
+        </p:txBody>
+      </p:sp>
+    </p:spTree>
+  </p:cSld>
+  <p:clrMapOvr>
+    <a:masterClrMapping/>
+  </p:clrMapOvr>
+</p:sld>
+</file>
+
+<file path=ppt/slides/slide22.xml><?xml version="1.0" encoding="utf-8"?>
+<p:sld xmlns:a="http://schemas.openxmlformats.org/drawingml/2006/main" xmlns:r="http://schemas.openxmlformats.org/officeDocument/2006/relationships" xmlns:p="http://schemas.openxmlformats.org/presentationml/2006/main">
+  <p:cSld>
+    <p:spTree>
+      <p:nvGrpSpPr>
+        <p:cNvPr id="1" name=""/>
+        <p:cNvGrpSpPr/>
+        <p:nvPr/>
+      </p:nvGrpSpPr>
+      <p:grpSpPr/>
+      <p:sp>
+        <p:nvSpPr>
+          <p:cNvPr id="4" name="文本框 3"/>
+          <p:cNvSpPr txBox="1"/>
+          <p:nvPr/>
+        </p:nvSpPr>
+        <p:spPr>
+          <a:xfrm>
+            <a:off x="906145" y="423545"/>
+            <a:ext cx="3900170" cy="521970"/>
+          </a:xfrm>
+          <a:prstGeom prst="rect">
+            <a:avLst/>
+          </a:prstGeom>
+          <a:noFill/>
+        </p:spPr>
+        <p:txBody>
+          <a:bodyPr wrap="square" rtlCol="0">
+            <a:spAutoFit/>
+          </a:bodyPr>
+          <a:p>
+            <a:r>
+              <a:rPr lang="en-US" altLang="zh-CN" sz="2800" b="1">
+                <a:solidFill>
+                  <a:schemeClr val="bg1"/>
+                </a:solidFill>
+              </a:rPr>
+              <a:t>webrtc</a:t>
+            </a:r>
+            <a:r>
+              <a:rPr lang="zh-CN" altLang="en-US" sz="2800" b="1">
+                <a:solidFill>
+                  <a:schemeClr val="bg1"/>
+                </a:solidFill>
+              </a:rPr>
+              <a:t>主要流程</a:t>
+            </a:r>
+            <a:endParaRPr lang="zh-CN" altLang="en-US" sz="2800" b="1">
+              <a:solidFill>
+                <a:schemeClr val="bg1"/>
+              </a:solidFill>
+            </a:endParaRPr>
+          </a:p>
+        </p:txBody>
+      </p:sp>
+      <p:pic>
+        <p:nvPicPr>
+          <p:cNvPr id="7" name="图片 6"/>
+          <p:cNvPicPr>
+            <a:picLocks noChangeAspect="1"/>
+          </p:cNvPicPr>
+          <p:nvPr/>
+        </p:nvPicPr>
+        <p:blipFill>
+          <a:blip r:embed="rId1"/>
+          <a:stretch>
+            <a:fillRect/>
+          </a:stretch>
+        </p:blipFill>
+        <p:spPr>
+          <a:xfrm>
+            <a:off x="2242185" y="1031240"/>
+            <a:ext cx="4531360" cy="3943985"/>
+          </a:xfrm>
+          <a:prstGeom prst="rect">
+            <a:avLst/>
+          </a:prstGeom>
+        </p:spPr>
+      </p:pic>
+    </p:spTree>
+  </p:cSld>
+  <p:clrMapOvr>
+    <a:masterClrMapping/>
+  </p:clrMapOvr>
+</p:sld>
+</file>
+
+<file path=ppt/slides/slide23.xml><?xml version="1.0" encoding="utf-8"?>
+<p:sld xmlns:a="http://schemas.openxmlformats.org/drawingml/2006/main" xmlns:r="http://schemas.openxmlformats.org/officeDocument/2006/relationships" xmlns:p="http://schemas.openxmlformats.org/presentationml/2006/main">
+  <p:cSld>
+    <p:spTree>
+      <p:nvGrpSpPr>
+        <p:cNvPr id="1" name=""/>
+        <p:cNvGrpSpPr/>
+        <p:nvPr/>
+      </p:nvGrpSpPr>
+      <p:grpSpPr/>
+      <p:sp>
+        <p:nvSpPr>
+          <p:cNvPr id="3" name="文本框 2"/>
+          <p:cNvSpPr txBox="1"/>
+          <p:nvPr/>
+        </p:nvSpPr>
+        <p:spPr>
+          <a:xfrm>
+            <a:off x="854710" y="1108075"/>
+            <a:ext cx="7539990" cy="3692525"/>
+          </a:xfrm>
+          <a:prstGeom prst="rect">
+            <a:avLst/>
+          </a:prstGeom>
+          <a:noFill/>
+        </p:spPr>
+        <p:txBody>
+          <a:bodyPr wrap="square" rtlCol="0">
+            <a:spAutoFit/>
+          </a:bodyPr>
+          <a:p>
+            <a:endParaRPr lang="zh-CN" altLang="en-US">
+              <a:solidFill>
+                <a:schemeClr val="bg1"/>
+              </a:solidFill>
+            </a:endParaRPr>
+          </a:p>
+          <a:p>
+            <a:r>
+              <a:rPr lang="zh-CN" altLang="en-US">
+                <a:solidFill>
+                  <a:schemeClr val="bg1"/>
+                </a:solidFill>
+              </a:rPr>
+              <a:t>Node.js 是一个基于 Chrome V8 引擎的 JavaScript 运行环境。 Node.js 使用了一个事件驱动、非阻塞式 I/O 的模型。</a:t>
+            </a:r>
+            <a:endParaRPr lang="zh-CN" altLang="en-US">
+              <a:solidFill>
+                <a:schemeClr val="bg1"/>
+              </a:solidFill>
+            </a:endParaRPr>
+          </a:p>
+          <a:p>
+            <a:r>
+              <a:rPr lang="zh-CN" altLang="en-US">
+                <a:solidFill>
+                  <a:schemeClr val="bg1"/>
+                </a:solidFill>
+              </a:rPr>
+              <a:t>Node对一些特殊用例进行优化，提供替代的API，使得V8在非浏览器环境下运行得更好。V8引擎执行Javascript的速度非常快，性能非常好。Node是一个基于Chrome JavaScript运行时建立的平台， 用于方便地搭建响应速度快、易于扩展的网络应用。Node 使用事件驱动， 非阻塞I/O 模型而得以轻量和高效，非常适合在分布式设备上运行数据密集型的实时应用。</a:t>
+            </a:r>
+            <a:endParaRPr lang="zh-CN" altLang="en-US">
+              <a:solidFill>
+                <a:schemeClr val="bg1"/>
+              </a:solidFill>
+            </a:endParaRPr>
+          </a:p>
+          <a:p>
+            <a:endParaRPr lang="zh-CN" altLang="en-US">
+              <a:solidFill>
+                <a:schemeClr val="bg1"/>
+              </a:solidFill>
+            </a:endParaRPr>
+          </a:p>
+          <a:p>
+            <a:r>
+              <a:rPr lang="en-US" altLang="zh-CN">
+                <a:solidFill>
+                  <a:schemeClr val="bg1"/>
+                </a:solidFill>
+                <a:sym typeface="+mn-ea"/>
+              </a:rPr>
+              <a:t>						</a:t>
+            </a:r>
+            <a:r>
+              <a:rPr lang="zh-CN" altLang="en-US">
+                <a:solidFill>
+                  <a:schemeClr val="bg1"/>
+                </a:solidFill>
+                <a:sym typeface="+mn-ea"/>
+              </a:rPr>
+              <a:t>（摘自百度百科）</a:t>
+            </a:r>
+            <a:endParaRPr lang="zh-CN" altLang="en-US">
+              <a:solidFill>
+                <a:schemeClr val="bg1"/>
+              </a:solidFill>
+            </a:endParaRPr>
+          </a:p>
+          <a:p>
+            <a:endParaRPr lang="zh-CN" altLang="en-US">
+              <a:solidFill>
+                <a:schemeClr val="bg1"/>
+              </a:solidFill>
+            </a:endParaRPr>
+          </a:p>
+          <a:p>
+            <a:endParaRPr lang="zh-CN" altLang="en-US">
+              <a:solidFill>
+                <a:schemeClr val="bg1"/>
+              </a:solidFill>
+            </a:endParaRPr>
+          </a:p>
+          <a:p>
+            <a:endParaRPr lang="zh-CN" altLang="en-US">
+              <a:solidFill>
+                <a:schemeClr val="bg1"/>
+              </a:solidFill>
+            </a:endParaRPr>
+          </a:p>
+        </p:txBody>
+      </p:sp>
+      <p:sp>
+        <p:nvSpPr>
+          <p:cNvPr id="4" name="文本框 3"/>
+          <p:cNvSpPr txBox="1"/>
+          <p:nvPr/>
+        </p:nvSpPr>
+        <p:spPr>
+          <a:xfrm>
+            <a:off x="906145" y="423545"/>
+            <a:ext cx="3900170" cy="521970"/>
+          </a:xfrm>
+          <a:prstGeom prst="rect">
+            <a:avLst/>
+          </a:prstGeom>
+          <a:noFill/>
+        </p:spPr>
+        <p:txBody>
+          <a:bodyPr wrap="square" rtlCol="0">
+            <a:spAutoFit/>
+          </a:bodyPr>
+          <a:p>
+            <a:r>
+              <a:rPr lang="en-US" altLang="zh-CN" sz="2800" b="1">
+                <a:solidFill>
+                  <a:schemeClr val="bg1"/>
+                </a:solidFill>
+              </a:rPr>
+              <a:t>nodejs</a:t>
+            </a:r>
+            <a:r>
+              <a:rPr lang="zh-CN" altLang="en-US" sz="2800" b="1">
+                <a:solidFill>
+                  <a:schemeClr val="bg1"/>
+                </a:solidFill>
+              </a:rPr>
+              <a:t>简单介绍</a:t>
+            </a:r>
+            <a:endParaRPr lang="zh-CN" altLang="en-US" sz="2800" b="1">
+              <a:solidFill>
+                <a:schemeClr val="bg1"/>
+              </a:solidFill>
+            </a:endParaRPr>
+          </a:p>
+        </p:txBody>
+      </p:sp>
+    </p:spTree>
+  </p:cSld>
+  <p:clrMapOvr>
+    <a:masterClrMapping/>
+  </p:clrMapOvr>
+</p:sld>
+</file>
+
+<file path=ppt/slides/slide24.xml><?xml version="1.0" encoding="utf-8"?>
+<p:sld xmlns:a="http://schemas.openxmlformats.org/drawingml/2006/main" xmlns:r="http://schemas.openxmlformats.org/officeDocument/2006/relationships" xmlns:p="http://schemas.openxmlformats.org/presentationml/2006/main">
+  <p:cSld>
+    <p:spTree>
+      <p:nvGrpSpPr>
+        <p:cNvPr id="1" name=""/>
+        <p:cNvGrpSpPr/>
+        <p:nvPr/>
+      </p:nvGrpSpPr>
+      <p:grpSpPr/>
+      <p:sp>
+        <p:nvSpPr>
+          <p:cNvPr id="3" name="文本框 2"/>
+          <p:cNvSpPr txBox="1"/>
+          <p:nvPr/>
+        </p:nvSpPr>
+        <p:spPr>
+          <a:xfrm>
+            <a:off x="886460" y="1871980"/>
+            <a:ext cx="7539990" cy="1476375"/>
+          </a:xfrm>
+          <a:prstGeom prst="rect">
+            <a:avLst/>
+          </a:prstGeom>
+          <a:noFill/>
+        </p:spPr>
+        <p:txBody>
+          <a:bodyPr wrap="square" rtlCol="0">
+            <a:spAutoFit/>
+          </a:bodyPr>
+          <a:p>
+            <a:endParaRPr lang="zh-CN" altLang="en-US">
+              <a:solidFill>
+                <a:schemeClr val="bg1"/>
+              </a:solidFill>
+            </a:endParaRPr>
+          </a:p>
+          <a:p>
+            <a:r>
+              <a:rPr lang="zh-CN" altLang="en-US">
+                <a:solidFill>
+                  <a:schemeClr val="bg1"/>
+                </a:solidFill>
+              </a:rPr>
+              <a:t>这个实例项目是一个视频通话</a:t>
+            </a:r>
+            <a:r>
+              <a:rPr lang="en-US" altLang="zh-CN">
+                <a:solidFill>
+                  <a:schemeClr val="bg1"/>
+                </a:solidFill>
+              </a:rPr>
+              <a:t>demo</a:t>
+            </a:r>
+            <a:r>
+              <a:rPr lang="zh-CN" altLang="en-US">
+                <a:solidFill>
+                  <a:schemeClr val="bg1"/>
+                </a:solidFill>
+              </a:rPr>
+              <a:t>，使用到了刚刚介绍的</a:t>
+            </a:r>
+            <a:r>
+              <a:rPr lang="en-US" altLang="zh-CN">
+                <a:solidFill>
+                  <a:schemeClr val="bg1"/>
+                </a:solidFill>
+              </a:rPr>
+              <a:t>nodejs</a:t>
+            </a:r>
+            <a:r>
+              <a:rPr lang="zh-CN" altLang="en-US">
+                <a:solidFill>
+                  <a:schemeClr val="bg1"/>
+                </a:solidFill>
+              </a:rPr>
+              <a:t>技术和</a:t>
+            </a:r>
+            <a:r>
+              <a:rPr lang="en-US" altLang="zh-CN">
+                <a:solidFill>
+                  <a:schemeClr val="bg1"/>
+                </a:solidFill>
+              </a:rPr>
+              <a:t>webrtc</a:t>
+            </a:r>
+            <a:r>
+              <a:rPr lang="zh-CN" altLang="en-US">
+                <a:solidFill>
+                  <a:schemeClr val="bg1"/>
+                </a:solidFill>
+              </a:rPr>
+              <a:t>技术，同时使用了</a:t>
+            </a:r>
+            <a:r>
+              <a:rPr lang="en-US" altLang="zh-CN">
+                <a:solidFill>
+                  <a:schemeClr val="bg1"/>
+                </a:solidFill>
+              </a:rPr>
+              <a:t>html5</a:t>
+            </a:r>
+            <a:r>
+              <a:rPr lang="zh-CN" altLang="en-US">
+                <a:solidFill>
+                  <a:schemeClr val="bg1"/>
+                </a:solidFill>
+              </a:rPr>
               <a:t>和</a:t>
             </a:r>
             <a:r>
+              <a:rPr lang="en-US" altLang="zh-CN">
+                <a:solidFill>
+                  <a:schemeClr val="bg1"/>
+                </a:solidFill>
+              </a:rPr>
+              <a:t>JavaScript</a:t>
+            </a:r>
+            <a:r>
+              <a:rPr lang="zh-CN" altLang="en-US">
+                <a:solidFill>
+                  <a:schemeClr val="bg1"/>
+                </a:solidFill>
+              </a:rPr>
+              <a:t>语言</a:t>
+            </a:r>
+            <a:r>
+              <a:rPr lang="zh-CN" altLang="en-US">
+                <a:solidFill>
+                  <a:schemeClr val="bg1"/>
+                </a:solidFill>
+              </a:rPr>
+              <a:t>。</a:t>
+            </a:r>
+            <a:endParaRPr lang="zh-CN" altLang="en-US">
+              <a:solidFill>
+                <a:schemeClr val="bg1"/>
+              </a:solidFill>
+            </a:endParaRPr>
+          </a:p>
+          <a:p>
+            <a:endParaRPr lang="zh-CN" altLang="en-US">
+              <a:solidFill>
+                <a:schemeClr val="bg1"/>
+              </a:solidFill>
+            </a:endParaRPr>
+          </a:p>
+          <a:p>
+            <a:r>
+              <a:rPr lang="zh-CN" altLang="en-US">
+                <a:solidFill>
+                  <a:schemeClr val="bg1"/>
+                </a:solidFill>
+                <a:hlinkClick r:id="rId1" action="ppaction://hlinkfile"/>
+              </a:rPr>
+              <a:t>项目文件夹</a:t>
+            </a:r>
+            <a:endParaRPr lang="zh-CN" altLang="en-US">
+              <a:solidFill>
+                <a:schemeClr val="bg1"/>
+              </a:solidFill>
+            </a:endParaRPr>
+          </a:p>
+        </p:txBody>
+      </p:sp>
+      <p:sp>
+        <p:nvSpPr>
+          <p:cNvPr id="4" name="文本框 3"/>
+          <p:cNvSpPr txBox="1"/>
+          <p:nvPr/>
+        </p:nvSpPr>
+        <p:spPr>
+          <a:xfrm>
+            <a:off x="1014095" y="735330"/>
+            <a:ext cx="7675245" cy="521970"/>
+          </a:xfrm>
+          <a:prstGeom prst="rect">
+            <a:avLst/>
+          </a:prstGeom>
+          <a:noFill/>
+        </p:spPr>
+        <p:txBody>
+          <a:bodyPr wrap="square" rtlCol="0">
+            <a:spAutoFit/>
+          </a:bodyPr>
+          <a:p>
+            <a:r>
+              <a:rPr lang="zh-CN" altLang="en-US" sz="2800" b="1">
+                <a:solidFill>
+                  <a:schemeClr val="bg1"/>
+                </a:solidFill>
+              </a:rPr>
+              <a:t>接下来我们来看一个</a:t>
+            </a:r>
+            <a:r>
               <a:rPr lang="en-US" altLang="zh-CN" sz="2800" b="1">
                 <a:solidFill>
                   <a:schemeClr val="bg1"/>
                 </a:solidFill>
               </a:rPr>
-              <a:t>javascript</a:t>
+              <a:t>nodejs+webrtc</a:t>
             </a:r>
             <a:r>
               <a:rPr lang="zh-CN" altLang="en-US" sz="2800" b="1">
@@ -2098,9 +5763,9 @@
                   <a:schemeClr val="bg1"/>
                 </a:solidFill>
               </a:rPr>
-              <a:t>简单介绍</a:t>
-            </a:r>
-            <a:endParaRPr lang="zh-CN" altLang="en-US" sz="2800" b="1">
+              <a:t>实例项目</a:t>
+            </a:r>
+            <a:endParaRPr lang="en-US" altLang="zh-CN" sz="2800" b="1">
               <a:solidFill>
                 <a:schemeClr val="bg1"/>
               </a:solidFill>
@@ -2135,7 +5800,7 @@
         <p:spPr>
           <a:xfrm>
             <a:off x="854710" y="1108075"/>
-            <a:ext cx="7539990" cy="3692525"/>
+            <a:ext cx="7539990" cy="3969385"/>
           </a:xfrm>
           <a:prstGeom prst="rect">
             <a:avLst/>
@@ -2168,203 +5833,176 @@
                   <a:schemeClr val="bg1"/>
                 </a:solidFill>
               </a:rPr>
-              <a:t>&lt;html lang="en"&gt;</a:t>
-            </a:r>
-            <a:endParaRPr lang="zh-CN" altLang="en-US">
-              <a:solidFill>
-                <a:schemeClr val="bg1"/>
-              </a:solidFill>
-            </a:endParaRPr>
-          </a:p>
-          <a:p>
-            <a:r>
-              <a:rPr lang="zh-CN" altLang="en-US">
-                <a:solidFill>
-                  <a:srgbClr val="00B0F0"/>
-                </a:solidFill>
-              </a:rPr>
-              <a:t>&lt;script&gt;</a:t>
-            </a:r>
-            <a:endParaRPr lang="zh-CN" altLang="en-US">
-              <a:solidFill>
-                <a:srgbClr val="00B0F0"/>
-              </a:solidFill>
-            </a:endParaRPr>
-          </a:p>
-          <a:p>
-            <a:r>
-              <a:rPr lang="zh-CN" altLang="en-US">
-                <a:solidFill>
-                  <a:srgbClr val="00B0F0"/>
-                </a:solidFill>
-              </a:rPr>
-              <a:t>    document.write("I am script.")</a:t>
-            </a:r>
-            <a:endParaRPr lang="zh-CN" altLang="en-US">
-              <a:solidFill>
-                <a:srgbClr val="00B0F0"/>
-              </a:solidFill>
-            </a:endParaRPr>
-          </a:p>
-          <a:p>
-            <a:r>
-              <a:rPr lang="zh-CN" altLang="en-US">
-                <a:solidFill>
-                  <a:srgbClr val="00B0F0"/>
-                </a:solidFill>
-              </a:rPr>
-              <a:t>&lt;/script&gt;</a:t>
-            </a:r>
-            <a:endParaRPr lang="zh-CN" altLang="en-US">
-              <a:solidFill>
-                <a:srgbClr val="00B0F0"/>
-              </a:solidFill>
-            </a:endParaRPr>
-          </a:p>
-          <a:p>
-            <a:r>
-              <a:rPr lang="zh-CN" altLang="en-US">
-                <a:solidFill>
-                  <a:schemeClr val="accent3">
-                    <a:lumMod val="40000"/>
-                    <a:lumOff val="60000"/>
-                  </a:schemeClr>
+              <a:t>&lt;html&gt;</a:t>
+            </a:r>
+            <a:endParaRPr lang="zh-CN" altLang="en-US">
+              <a:solidFill>
+                <a:schemeClr val="bg1"/>
+              </a:solidFill>
+            </a:endParaRPr>
+          </a:p>
+          <a:p>
+            <a:r>
+              <a:rPr lang="zh-CN" altLang="en-US">
+                <a:solidFill>
+                  <a:schemeClr val="bg1"/>
                 </a:solidFill>
               </a:rPr>
               <a:t>&lt;head&gt;</a:t>
             </a:r>
             <a:endParaRPr lang="zh-CN" altLang="en-US">
               <a:solidFill>
-                <a:schemeClr val="accent3">
-                  <a:lumMod val="40000"/>
-                  <a:lumOff val="60000"/>
-                </a:schemeClr>
-              </a:solidFill>
-            </a:endParaRPr>
-          </a:p>
-          <a:p>
-            <a:r>
-              <a:rPr lang="zh-CN" altLang="en-US">
-                <a:solidFill>
-                  <a:schemeClr val="accent3">
-                    <a:lumMod val="40000"/>
-                    <a:lumOff val="60000"/>
-                  </a:schemeClr>
-                </a:solidFill>
-              </a:rPr>
-              <a:t>    &lt;meta charset="UTF-8"&gt;</a:t>
-            </a:r>
-            <a:endParaRPr lang="zh-CN" altLang="en-US">
-              <a:solidFill>
-                <a:schemeClr val="accent3">
-                  <a:lumMod val="40000"/>
-                  <a:lumOff val="60000"/>
-                </a:schemeClr>
-              </a:solidFill>
-            </a:endParaRPr>
-          </a:p>
-          <a:p>
-            <a:r>
-              <a:rPr lang="zh-CN" altLang="en-US">
-                <a:solidFill>
-                  <a:schemeClr val="accent3">
-                    <a:lumMod val="40000"/>
-                    <a:lumOff val="60000"/>
-                  </a:schemeClr>
-                </a:solidFill>
-              </a:rPr>
-              <a:t>    &lt;title&gt;Hello world&lt;/title&gt;</a:t>
-            </a:r>
-            <a:endParaRPr lang="zh-CN" altLang="en-US">
-              <a:solidFill>
-                <a:schemeClr val="accent3">
-                  <a:lumMod val="40000"/>
-                  <a:lumOff val="60000"/>
-                </a:schemeClr>
-              </a:solidFill>
-            </a:endParaRPr>
-          </a:p>
-          <a:p>
-            <a:r>
-              <a:rPr lang="zh-CN" altLang="en-US">
-                <a:solidFill>
-                  <a:schemeClr val="accent3">
-                    <a:lumMod val="40000"/>
-                    <a:lumOff val="60000"/>
-                  </a:schemeClr>
+                <a:schemeClr val="bg1"/>
+              </a:solidFill>
+            </a:endParaRPr>
+          </a:p>
+          <a:p>
+            <a:r>
+              <a:rPr lang="zh-CN" altLang="en-US">
+                <a:solidFill>
+                  <a:schemeClr val="bg1"/>
+                </a:solidFill>
+              </a:rPr>
+              <a:t>    &lt;meta charset="utf-8"&gt;</a:t>
+            </a:r>
+            <a:endParaRPr lang="zh-CN" altLang="en-US">
+              <a:solidFill>
+                <a:schemeClr val="bg1"/>
+              </a:solidFill>
+            </a:endParaRPr>
+          </a:p>
+          <a:p>
+            <a:r>
+              <a:rPr lang="zh-CN" altLang="en-US">
+                <a:solidFill>
+                  <a:schemeClr val="bg1"/>
+                </a:solidFill>
+              </a:rPr>
+              <a:t>    &lt;title&gt;Hello html5&lt;/title&gt;</a:t>
+            </a:r>
+            <a:endParaRPr lang="zh-CN" altLang="en-US">
+              <a:solidFill>
+                <a:schemeClr val="bg1"/>
+              </a:solidFill>
+            </a:endParaRPr>
+          </a:p>
+          <a:p>
+            <a:r>
+              <a:rPr lang="zh-CN" altLang="en-US">
+                <a:solidFill>
+                  <a:schemeClr val="bg1"/>
                 </a:solidFill>
               </a:rPr>
               <a:t>&lt;/head&gt;</a:t>
             </a:r>
             <a:endParaRPr lang="zh-CN" altLang="en-US">
               <a:solidFill>
-                <a:schemeClr val="accent3">
-                  <a:lumMod val="40000"/>
-                  <a:lumOff val="60000"/>
-                </a:schemeClr>
-              </a:solidFill>
-            </a:endParaRPr>
-          </a:p>
-          <a:p>
-            <a:r>
-              <a:rPr lang="zh-CN" altLang="en-US">
-                <a:solidFill>
-                  <a:schemeClr val="accent3">
-                    <a:lumMod val="40000"/>
-                    <a:lumOff val="60000"/>
-                  </a:schemeClr>
+                <a:schemeClr val="bg1"/>
+              </a:solidFill>
+            </a:endParaRPr>
+          </a:p>
+          <a:p>
+            <a:r>
+              <a:rPr lang="zh-CN" altLang="en-US">
+                <a:solidFill>
+                  <a:schemeClr val="bg1"/>
                 </a:solidFill>
               </a:rPr>
               <a:t>&lt;body&gt;</a:t>
             </a:r>
             <a:endParaRPr lang="zh-CN" altLang="en-US">
               <a:solidFill>
-                <a:schemeClr val="accent3">
-                  <a:lumMod val="40000"/>
-                  <a:lumOff val="60000"/>
-                </a:schemeClr>
-              </a:solidFill>
-            </a:endParaRPr>
-          </a:p>
-          <a:p>
-            <a:r>
-              <a:rPr lang="zh-CN" altLang="en-US">
-                <a:solidFill>
-                  <a:schemeClr val="accent3">
-                    <a:lumMod val="40000"/>
-                    <a:lumOff val="60000"/>
-                  </a:schemeClr>
-                </a:solidFill>
-              </a:rPr>
-              <a:t>I am body.</a:t>
-            </a:r>
-            <a:endParaRPr lang="zh-CN" altLang="en-US">
-              <a:solidFill>
-                <a:schemeClr val="accent3">
-                  <a:lumMod val="40000"/>
-                  <a:lumOff val="60000"/>
-                </a:schemeClr>
-              </a:solidFill>
-            </a:endParaRPr>
-          </a:p>
-          <a:p>
-            <a:r>
-              <a:rPr lang="zh-CN" altLang="en-US">
-                <a:solidFill>
-                  <a:schemeClr val="accent3">
-                    <a:lumMod val="40000"/>
-                    <a:lumOff val="60000"/>
-                  </a:schemeClr>
+                <a:schemeClr val="bg1"/>
+              </a:solidFill>
+            </a:endParaRPr>
+          </a:p>
+          <a:p>
+            <a:r>
+              <a:rPr lang="zh-CN" altLang="en-US">
+                <a:solidFill>
+                  <a:srgbClr val="FF0000"/>
+                </a:solidFill>
+              </a:rPr>
+              <a:t>&lt;h1&gt;Title1&lt;/h1&gt;</a:t>
+            </a:r>
+            <a:endParaRPr lang="zh-CN" altLang="en-US">
+              <a:solidFill>
+                <a:srgbClr val="FF0000"/>
+              </a:solidFill>
+            </a:endParaRPr>
+          </a:p>
+          <a:p>
+            <a:r>
+              <a:rPr lang="zh-CN" altLang="en-US">
+                <a:solidFill>
+                  <a:srgbClr val="FF0000"/>
+                </a:solidFill>
+              </a:rPr>
+              <a:t>&lt;h2&gt;Title2&lt;/h2&gt;</a:t>
+            </a:r>
+            <a:endParaRPr lang="zh-CN" altLang="en-US">
+              <a:solidFill>
+                <a:srgbClr val="FF0000"/>
+              </a:solidFill>
+            </a:endParaRPr>
+          </a:p>
+          <a:p>
+            <a:r>
+              <a:rPr lang="zh-CN" altLang="en-US">
+                <a:solidFill>
+                  <a:srgbClr val="FF0000"/>
+                </a:solidFill>
+              </a:rPr>
+              <a:t>&lt;h3&gt;Title3&lt;/h3&gt;</a:t>
+            </a:r>
+            <a:endParaRPr lang="zh-CN" altLang="en-US">
+              <a:solidFill>
+                <a:srgbClr val="FF0000"/>
+              </a:solidFill>
+            </a:endParaRPr>
+          </a:p>
+          <a:p>
+            <a:r>
+              <a:rPr lang="zh-CN" altLang="en-US">
+                <a:solidFill>
+                  <a:srgbClr val="FF0000"/>
+                </a:solidFill>
+              </a:rPr>
+              <a:t>&lt;p&gt;Paragraph1&lt;/p&gt;</a:t>
+            </a:r>
+            <a:endParaRPr lang="zh-CN" altLang="en-US">
+              <a:solidFill>
+                <a:srgbClr val="FF0000"/>
+              </a:solidFill>
+            </a:endParaRPr>
+          </a:p>
+          <a:p>
+            <a:r>
+              <a:rPr lang="zh-CN" altLang="en-US">
+                <a:solidFill>
+                  <a:srgbClr val="FF0000"/>
+                </a:solidFill>
+              </a:rPr>
+              <a:t>&lt;p&gt;Paragraph2&lt;/p&gt;</a:t>
+            </a:r>
+            <a:endParaRPr lang="zh-CN" altLang="en-US">
+              <a:solidFill>
+                <a:srgbClr val="FF0000"/>
+              </a:solidFill>
+            </a:endParaRPr>
+          </a:p>
+          <a:p>
+            <a:r>
+              <a:rPr lang="zh-CN" altLang="en-US">
+                <a:solidFill>
+                  <a:schemeClr val="bg1"/>
                 </a:solidFill>
               </a:rPr>
               <a:t>&lt;/body&gt;</a:t>
             </a:r>
             <a:endParaRPr lang="zh-CN" altLang="en-US">
               <a:solidFill>
-                <a:schemeClr val="accent3">
-                  <a:lumMod val="40000"/>
-                  <a:lumOff val="60000"/>
-                </a:schemeClr>
+                <a:schemeClr val="bg1"/>
               </a:solidFill>
             </a:endParaRPr>
           </a:p>
@@ -2407,63 +6045,34 @@
           </a:bodyPr>
           <a:p>
             <a:r>
+              <a:rPr lang="zh-CN" altLang="en-US" sz="2800" b="1">
+                <a:solidFill>
+                  <a:schemeClr val="bg1"/>
+                </a:solidFill>
+              </a:rPr>
+              <a:t>标题</a:t>
+            </a:r>
+            <a:r>
               <a:rPr lang="en-US" altLang="zh-CN" sz="2800" b="1">
                 <a:solidFill>
                   <a:schemeClr val="bg1"/>
                 </a:solidFill>
               </a:rPr>
-              <a:t>Hello html5&amp;&amp;javascript</a:t>
-            </a:r>
-            <a:endParaRPr lang="en-US" altLang="zh-CN" sz="2800" b="1">
-              <a:solidFill>
-                <a:schemeClr val="bg1"/>
-              </a:solidFill>
-            </a:endParaRPr>
-          </a:p>
-        </p:txBody>
-      </p:sp>
-      <p:sp>
-        <p:nvSpPr>
-          <p:cNvPr id="5" name="竖卷形 4"/>
-          <p:cNvSpPr/>
-          <p:nvPr/>
-        </p:nvSpPr>
-        <p:spPr>
-          <a:xfrm>
-            <a:off x="5052060" y="385445"/>
-            <a:ext cx="1116330" cy="598805"/>
-          </a:xfrm>
-          <a:prstGeom prst="verticalScroll">
-            <a:avLst/>
-          </a:prstGeom>
-        </p:spPr>
-        <p:style>
-          <a:lnRef idx="2">
-            <a:schemeClr val="accent1">
-              <a:shade val="50000"/>
-            </a:schemeClr>
-          </a:lnRef>
-          <a:fillRef idx="1">
-            <a:schemeClr val="accent1"/>
-          </a:fillRef>
-          <a:effectRef idx="0">
-            <a:schemeClr val="accent1"/>
-          </a:effectRef>
-          <a:fontRef idx="minor">
-            <a:schemeClr val="lt1"/>
-          </a:fontRef>
-        </p:style>
-        <p:txBody>
-          <a:bodyPr rtlCol="0" anchor="ctr"/>
-          <a:p>
-            <a:pPr algn="ctr"/>
-            <a:r>
-              <a:rPr lang="en-US" altLang="zh-CN">
-                <a:hlinkClick r:id="rId1" tooltip="" action="ppaction://hlinkfile"/>
-              </a:rPr>
-              <a:t>example</a:t>
-            </a:r>
-            <a:endParaRPr lang="en-US" altLang="zh-CN"/>
+              <a:t>/</a:t>
+            </a:r>
+            <a:r>
+              <a:rPr lang="zh-CN" altLang="en-US" sz="2800" b="1">
+                <a:solidFill>
+                  <a:schemeClr val="bg1"/>
+                </a:solidFill>
+              </a:rPr>
+              <a:t>段落</a:t>
+            </a:r>
+            <a:endParaRPr lang="zh-CN" altLang="en-US" sz="2800" b="1">
+              <a:solidFill>
+                <a:schemeClr val="bg1"/>
+              </a:solidFill>
+            </a:endParaRPr>
           </a:p>
         </p:txBody>
       </p:sp>
@@ -2527,203 +6136,164 @@
                   <a:schemeClr val="bg1"/>
                 </a:solidFill>
               </a:rPr>
-              <a:t>&lt;html lang="en"&gt;</a:t>
-            </a:r>
-            <a:endParaRPr lang="zh-CN" altLang="en-US">
-              <a:solidFill>
-                <a:schemeClr val="bg1"/>
-              </a:solidFill>
-            </a:endParaRPr>
-          </a:p>
-          <a:p>
-            <a:r>
-              <a:rPr lang="zh-CN" altLang="en-US">
-                <a:solidFill>
-                  <a:srgbClr val="00B0F0"/>
-                </a:solidFill>
-              </a:rPr>
-              <a:t>&lt;script&gt;</a:t>
-            </a:r>
-            <a:endParaRPr lang="zh-CN" altLang="en-US">
-              <a:solidFill>
-                <a:srgbClr val="00B0F0"/>
-              </a:solidFill>
-            </a:endParaRPr>
-          </a:p>
-          <a:p>
-            <a:r>
-              <a:rPr lang="zh-CN" altLang="en-US">
-                <a:solidFill>
-                  <a:srgbClr val="00B0F0"/>
-                </a:solidFill>
-              </a:rPr>
-              <a:t>    document.write("I am script.")</a:t>
-            </a:r>
-            <a:endParaRPr lang="zh-CN" altLang="en-US">
-              <a:solidFill>
-                <a:srgbClr val="00B0F0"/>
-              </a:solidFill>
-            </a:endParaRPr>
-          </a:p>
-          <a:p>
-            <a:r>
-              <a:rPr lang="zh-CN" altLang="en-US">
-                <a:solidFill>
-                  <a:srgbClr val="00B0F0"/>
-                </a:solidFill>
-              </a:rPr>
-              <a:t>&lt;/script&gt;</a:t>
-            </a:r>
-            <a:endParaRPr lang="zh-CN" altLang="en-US">
-              <a:solidFill>
-                <a:srgbClr val="00B0F0"/>
-              </a:solidFill>
-            </a:endParaRPr>
-          </a:p>
-          <a:p>
-            <a:r>
-              <a:rPr lang="zh-CN" altLang="en-US">
-                <a:solidFill>
-                  <a:schemeClr val="accent3">
-                    <a:lumMod val="40000"/>
-                    <a:lumOff val="60000"/>
-                  </a:schemeClr>
+              <a:t>&lt;html&gt;</a:t>
+            </a:r>
+            <a:endParaRPr lang="zh-CN" altLang="en-US">
+              <a:solidFill>
+                <a:schemeClr val="bg1"/>
+              </a:solidFill>
+            </a:endParaRPr>
+          </a:p>
+          <a:p>
+            <a:r>
+              <a:rPr lang="zh-CN" altLang="en-US">
+                <a:solidFill>
+                  <a:schemeClr val="bg1"/>
                 </a:solidFill>
               </a:rPr>
               <a:t>&lt;head&gt;</a:t>
             </a:r>
             <a:endParaRPr lang="zh-CN" altLang="en-US">
               <a:solidFill>
-                <a:schemeClr val="accent3">
-                  <a:lumMod val="40000"/>
-                  <a:lumOff val="60000"/>
-                </a:schemeClr>
-              </a:solidFill>
-            </a:endParaRPr>
-          </a:p>
-          <a:p>
-            <a:r>
-              <a:rPr lang="zh-CN" altLang="en-US">
-                <a:solidFill>
-                  <a:schemeClr val="accent3">
-                    <a:lumMod val="40000"/>
-                    <a:lumOff val="60000"/>
-                  </a:schemeClr>
-                </a:solidFill>
-              </a:rPr>
-              <a:t>    &lt;meta charset="UTF-8"&gt;</a:t>
-            </a:r>
-            <a:endParaRPr lang="zh-CN" altLang="en-US">
-              <a:solidFill>
-                <a:schemeClr val="accent3">
-                  <a:lumMod val="40000"/>
-                  <a:lumOff val="60000"/>
-                </a:schemeClr>
-              </a:solidFill>
-            </a:endParaRPr>
-          </a:p>
-          <a:p>
-            <a:r>
-              <a:rPr lang="zh-CN" altLang="en-US">
-                <a:solidFill>
-                  <a:schemeClr val="accent3">
-                    <a:lumMod val="40000"/>
-                    <a:lumOff val="60000"/>
-                  </a:schemeClr>
-                </a:solidFill>
-              </a:rPr>
-              <a:t>    &lt;title&gt;Hello world&lt;/title&gt;</a:t>
-            </a:r>
-            <a:endParaRPr lang="zh-CN" altLang="en-US">
-              <a:solidFill>
-                <a:schemeClr val="accent3">
-                  <a:lumMod val="40000"/>
-                  <a:lumOff val="60000"/>
-                </a:schemeClr>
-              </a:solidFill>
-            </a:endParaRPr>
-          </a:p>
-          <a:p>
-            <a:r>
-              <a:rPr lang="zh-CN" altLang="en-US">
-                <a:solidFill>
-                  <a:schemeClr val="accent3">
-                    <a:lumMod val="40000"/>
-                    <a:lumOff val="60000"/>
-                  </a:schemeClr>
+                <a:schemeClr val="bg1"/>
+              </a:solidFill>
+            </a:endParaRPr>
+          </a:p>
+          <a:p>
+            <a:r>
+              <a:rPr lang="zh-CN" altLang="en-US">
+                <a:solidFill>
+                  <a:schemeClr val="bg1"/>
+                </a:solidFill>
+              </a:rPr>
+              <a:t>    &lt;meta charset="utf-8"&gt;</a:t>
+            </a:r>
+            <a:endParaRPr lang="zh-CN" altLang="en-US">
+              <a:solidFill>
+                <a:schemeClr val="bg1"/>
+              </a:solidFill>
+            </a:endParaRPr>
+          </a:p>
+          <a:p>
+            <a:r>
+              <a:rPr lang="zh-CN" altLang="en-US">
+                <a:solidFill>
+                  <a:schemeClr val="bg1"/>
+                </a:solidFill>
+              </a:rPr>
+              <a:t>    &lt;title&gt;Hello html5&lt;/title&gt;</a:t>
+            </a:r>
+            <a:endParaRPr lang="zh-CN" altLang="en-US">
+              <a:solidFill>
+                <a:schemeClr val="bg1"/>
+              </a:solidFill>
+            </a:endParaRPr>
+          </a:p>
+          <a:p>
+            <a:r>
+              <a:rPr lang="zh-CN" altLang="en-US">
+                <a:solidFill>
+                  <a:schemeClr val="bg1"/>
                 </a:solidFill>
               </a:rPr>
               <a:t>&lt;/head&gt;</a:t>
             </a:r>
             <a:endParaRPr lang="zh-CN" altLang="en-US">
               <a:solidFill>
-                <a:schemeClr val="accent3">
-                  <a:lumMod val="40000"/>
-                  <a:lumOff val="60000"/>
-                </a:schemeClr>
-              </a:solidFill>
-            </a:endParaRPr>
-          </a:p>
-          <a:p>
-            <a:r>
-              <a:rPr lang="zh-CN" altLang="en-US">
-                <a:solidFill>
-                  <a:schemeClr val="accent3">
-                    <a:lumMod val="40000"/>
-                    <a:lumOff val="60000"/>
-                  </a:schemeClr>
+                <a:schemeClr val="bg1"/>
+              </a:solidFill>
+            </a:endParaRPr>
+          </a:p>
+          <a:p>
+            <a:r>
+              <a:rPr lang="zh-CN" altLang="en-US">
+                <a:solidFill>
+                  <a:schemeClr val="bg1"/>
                 </a:solidFill>
               </a:rPr>
               <a:t>&lt;body&gt;</a:t>
             </a:r>
             <a:endParaRPr lang="zh-CN" altLang="en-US">
               <a:solidFill>
-                <a:schemeClr val="accent3">
-                  <a:lumMod val="40000"/>
-                  <a:lumOff val="60000"/>
-                </a:schemeClr>
-              </a:solidFill>
-            </a:endParaRPr>
-          </a:p>
-          <a:p>
-            <a:r>
-              <a:rPr lang="zh-CN" altLang="en-US">
-                <a:solidFill>
-                  <a:schemeClr val="accent3">
-                    <a:lumMod val="40000"/>
-                    <a:lumOff val="60000"/>
-                  </a:schemeClr>
-                </a:solidFill>
-              </a:rPr>
-              <a:t>I am body.</a:t>
-            </a:r>
-            <a:endParaRPr lang="zh-CN" altLang="en-US">
-              <a:solidFill>
-                <a:schemeClr val="accent3">
-                  <a:lumMod val="40000"/>
-                  <a:lumOff val="60000"/>
-                </a:schemeClr>
-              </a:solidFill>
-            </a:endParaRPr>
-          </a:p>
-          <a:p>
-            <a:r>
-              <a:rPr lang="zh-CN" altLang="en-US">
-                <a:solidFill>
-                  <a:schemeClr val="accent3">
-                    <a:lumMod val="40000"/>
-                    <a:lumOff val="60000"/>
-                  </a:schemeClr>
+                <a:schemeClr val="bg1"/>
+              </a:solidFill>
+            </a:endParaRPr>
+          </a:p>
+          <a:p>
+            <a:endParaRPr lang="zh-CN" altLang="en-US">
+              <a:solidFill>
+                <a:srgbClr val="FF0000"/>
+              </a:solidFill>
+            </a:endParaRPr>
+          </a:p>
+          <a:p>
+            <a:r>
+              <a:rPr lang="zh-CN" altLang="en-US">
+                <a:solidFill>
+                  <a:srgbClr val="FF0000"/>
+                </a:solidFill>
+              </a:rPr>
+              <a:t>&lt;a href="http://star-net.cn"&gt;Click me&lt;/a&gt;</a:t>
+            </a:r>
+            <a:endParaRPr lang="zh-CN" altLang="en-US">
+              <a:solidFill>
+                <a:srgbClr val="FF0000"/>
+              </a:solidFill>
+            </a:endParaRPr>
+          </a:p>
+          <a:p>
+            <a:r>
+              <a:rPr lang="zh-CN" altLang="en-US">
+                <a:solidFill>
+                  <a:srgbClr val="FF0000"/>
+                </a:solidFill>
+                <a:sym typeface="+mn-ea"/>
+              </a:rPr>
+              <a:t>&lt;a href="</a:t>
+            </a:r>
+            <a:r>
+              <a:rPr lang="en-US" altLang="zh-CN">
+                <a:solidFill>
+                  <a:srgbClr val="FF0000"/>
+                </a:solidFill>
+                <a:sym typeface="+mn-ea"/>
+              </a:rPr>
+              <a:t>test.txt</a:t>
+            </a:r>
+            <a:r>
+              <a:rPr lang="zh-CN" altLang="en-US">
+                <a:solidFill>
+                  <a:srgbClr val="FF0000"/>
+                </a:solidFill>
+                <a:sym typeface="+mn-ea"/>
+              </a:rPr>
+              <a:t>"&gt;Click me&lt;/a&gt;</a:t>
+            </a:r>
+            <a:endParaRPr lang="zh-CN" altLang="en-US">
+              <a:solidFill>
+                <a:srgbClr val="FF0000"/>
+              </a:solidFill>
+            </a:endParaRPr>
+          </a:p>
+          <a:p>
+            <a:endParaRPr lang="zh-CN" altLang="en-US">
+              <a:solidFill>
+                <a:schemeClr val="bg1"/>
+              </a:solidFill>
+            </a:endParaRPr>
+          </a:p>
+          <a:p>
+            <a:r>
+              <a:rPr lang="zh-CN" altLang="en-US">
+                <a:solidFill>
+                  <a:schemeClr val="bg1"/>
                 </a:solidFill>
               </a:rPr>
               <a:t>&lt;/body&gt;</a:t>
             </a:r>
             <a:endParaRPr lang="zh-CN" altLang="en-US">
               <a:solidFill>
-                <a:schemeClr val="accent3">
-                  <a:lumMod val="40000"/>
-                  <a:lumOff val="60000"/>
-                </a:schemeClr>
+                <a:schemeClr val="bg1"/>
               </a:solidFill>
             </a:endParaRPr>
           </a:p>
@@ -2771,58 +6341,21 @@
                   <a:schemeClr val="bg1"/>
                 </a:solidFill>
               </a:rPr>
-              <a:t>Hello html5&amp;&amp;javascript</a:t>
-            </a:r>
-            <a:endParaRPr lang="en-US" altLang="zh-CN" sz="2800" b="1">
-              <a:solidFill>
-                <a:schemeClr val="bg1"/>
-              </a:solidFill>
-            </a:endParaRPr>
-          </a:p>
-        </p:txBody>
-      </p:sp>
-      <p:sp>
-        <p:nvSpPr>
-          <p:cNvPr id="5" name="竖卷形 4"/>
-          <p:cNvSpPr/>
-          <p:nvPr/>
-        </p:nvSpPr>
-        <p:spPr>
-          <a:xfrm>
-            <a:off x="5052060" y="385445"/>
-            <a:ext cx="1116330" cy="598805"/>
-          </a:xfrm>
-          <a:prstGeom prst="verticalScroll">
-            <a:avLst/>
-          </a:prstGeom>
-        </p:spPr>
-        <p:style>
-          <a:lnRef idx="2">
-            <a:schemeClr val="accent1">
-              <a:shade val="50000"/>
-            </a:schemeClr>
-          </a:lnRef>
-          <a:fillRef idx="1">
-            <a:schemeClr val="accent1"/>
-          </a:fillRef>
-          <a:effectRef idx="0">
-            <a:schemeClr val="accent1"/>
-          </a:effectRef>
-          <a:fontRef idx="minor">
-            <a:schemeClr val="lt1"/>
-          </a:fontRef>
-        </p:style>
-        <p:txBody>
-          <a:bodyPr rtlCol="0" anchor="ctr"/>
-          <a:p>
-            <a:pPr algn="ctr"/>
-            <a:r>
-              <a:rPr lang="en-US" altLang="zh-CN">
-                <a:hlinkClick r:id="rId1" action="ppaction://hlinkfile"/>
-              </a:rPr>
-              <a:t>example</a:t>
-            </a:r>
-            <a:endParaRPr lang="en-US" altLang="zh-CN"/>
+              <a:t>href</a:t>
+            </a:r>
+            <a:r>
+              <a:rPr lang="zh-CN" sz="2800" b="1">
+                <a:solidFill>
+                  <a:schemeClr val="bg1"/>
+                </a:solidFill>
+              </a:rPr>
+              <a:t>超链接</a:t>
+            </a:r>
+            <a:endParaRPr lang="zh-CN" sz="2800" b="1">
+              <a:solidFill>
+                <a:schemeClr val="bg1"/>
+              </a:solidFill>
+            </a:endParaRPr>
           </a:p>
         </p:txBody>
       </p:sp>
@@ -2835,6 +6368,270 @@
 </file>
 
 <file path=ppt/slides/slide5.xml><?xml version="1.0" encoding="utf-8"?>
+<p:sld xmlns:a="http://schemas.openxmlformats.org/drawingml/2006/main" xmlns:r="http://schemas.openxmlformats.org/officeDocument/2006/relationships" xmlns:p="http://schemas.openxmlformats.org/presentationml/2006/main">
+  <p:cSld>
+    <p:spTree>
+      <p:nvGrpSpPr>
+        <p:cNvPr id="1" name=""/>
+        <p:cNvGrpSpPr/>
+        <p:nvPr/>
+      </p:nvGrpSpPr>
+      <p:grpSpPr/>
+      <p:sp>
+        <p:nvSpPr>
+          <p:cNvPr id="3" name="文本框 2"/>
+          <p:cNvSpPr txBox="1"/>
+          <p:nvPr/>
+        </p:nvSpPr>
+        <p:spPr>
+          <a:xfrm>
+            <a:off x="906145" y="1063625"/>
+            <a:ext cx="7539990" cy="3692525"/>
+          </a:xfrm>
+          <a:prstGeom prst="rect">
+            <a:avLst/>
+          </a:prstGeom>
+          <a:noFill/>
+        </p:spPr>
+        <p:txBody>
+          <a:bodyPr wrap="square" rtlCol="0">
+            <a:spAutoFit/>
+          </a:bodyPr>
+          <a:p>
+            <a:r>
+              <a:rPr lang="zh-CN" altLang="en-US">
+                <a:solidFill>
+                  <a:schemeClr val="bg1"/>
+                </a:solidFill>
+              </a:rPr>
+              <a:t>&lt;body&gt;</a:t>
+            </a:r>
+            <a:endParaRPr lang="zh-CN" altLang="en-US">
+              <a:solidFill>
+                <a:schemeClr val="bg1"/>
+              </a:solidFill>
+            </a:endParaRPr>
+          </a:p>
+          <a:p>
+            <a:r>
+              <a:rPr lang="zh-CN" altLang="en-US">
+                <a:solidFill>
+                  <a:srgbClr val="FF0000"/>
+                </a:solidFill>
+              </a:rPr>
+              <a:t>&lt;a&gt;这个文本是正常的&lt;/a&gt;</a:t>
+            </a:r>
+            <a:endParaRPr lang="zh-CN" altLang="en-US">
+              <a:solidFill>
+                <a:srgbClr val="FF0000"/>
+              </a:solidFill>
+            </a:endParaRPr>
+          </a:p>
+          <a:p>
+            <a:r>
+              <a:rPr lang="zh-CN" altLang="en-US">
+                <a:solidFill>
+                  <a:schemeClr val="bg1"/>
+                </a:solidFill>
+              </a:rPr>
+              <a:t>&lt;br/&gt;</a:t>
+            </a:r>
+            <a:endParaRPr lang="zh-CN" altLang="en-US">
+              <a:solidFill>
+                <a:schemeClr val="bg1"/>
+              </a:solidFill>
+            </a:endParaRPr>
+          </a:p>
+          <a:p>
+            <a:r>
+              <a:rPr lang="zh-CN" altLang="en-US">
+                <a:solidFill>
+                  <a:srgbClr val="FF0000"/>
+                </a:solidFill>
+              </a:rPr>
+              <a:t>&lt;b&gt;这个文本是加粗的&lt;/b&gt;</a:t>
+            </a:r>
+            <a:endParaRPr lang="zh-CN" altLang="en-US">
+              <a:solidFill>
+                <a:srgbClr val="FF0000"/>
+              </a:solidFill>
+            </a:endParaRPr>
+          </a:p>
+          <a:p>
+            <a:r>
+              <a:rPr lang="zh-CN" altLang="en-US">
+                <a:solidFill>
+                  <a:schemeClr val="bg1"/>
+                </a:solidFill>
+              </a:rPr>
+              <a:t>&lt;br/&gt;</a:t>
+            </a:r>
+            <a:endParaRPr lang="zh-CN" altLang="en-US">
+              <a:solidFill>
+                <a:schemeClr val="bg1"/>
+              </a:solidFill>
+            </a:endParaRPr>
+          </a:p>
+          <a:p>
+            <a:r>
+              <a:rPr lang="zh-CN" altLang="en-US">
+                <a:solidFill>
+                  <a:srgbClr val="FF0000"/>
+                </a:solidFill>
+              </a:rPr>
+              <a:t>&lt;big&gt;这个文本字体放大&lt;/big&gt;</a:t>
+            </a:r>
+            <a:endParaRPr lang="zh-CN" altLang="en-US">
+              <a:solidFill>
+                <a:srgbClr val="FF0000"/>
+              </a:solidFill>
+            </a:endParaRPr>
+          </a:p>
+          <a:p>
+            <a:r>
+              <a:rPr lang="zh-CN" altLang="en-US">
+                <a:solidFill>
+                  <a:schemeClr val="bg1"/>
+                </a:solidFill>
+              </a:rPr>
+              <a:t>&lt;br/&gt;</a:t>
+            </a:r>
+            <a:endParaRPr lang="zh-CN" altLang="en-US">
+              <a:solidFill>
+                <a:schemeClr val="bg1"/>
+              </a:solidFill>
+            </a:endParaRPr>
+          </a:p>
+          <a:p>
+            <a:r>
+              <a:rPr lang="zh-CN" altLang="en-US">
+                <a:solidFill>
+                  <a:srgbClr val="FF0000"/>
+                </a:solidFill>
+              </a:rPr>
+              <a:t>&lt;small&gt;这个文本是缩小的&lt;/small&gt;</a:t>
+            </a:r>
+            <a:endParaRPr lang="zh-CN" altLang="en-US">
+              <a:solidFill>
+                <a:srgbClr val="FF0000"/>
+              </a:solidFill>
+            </a:endParaRPr>
+          </a:p>
+          <a:p>
+            <a:r>
+              <a:rPr lang="zh-CN" altLang="en-US">
+                <a:solidFill>
+                  <a:schemeClr val="bg1"/>
+                </a:solidFill>
+              </a:rPr>
+              <a:t>&lt;br/&gt;</a:t>
+            </a:r>
+            <a:endParaRPr lang="zh-CN" altLang="en-US">
+              <a:solidFill>
+                <a:schemeClr val="bg1"/>
+              </a:solidFill>
+            </a:endParaRPr>
+          </a:p>
+          <a:p>
+            <a:r>
+              <a:rPr lang="zh-CN" altLang="en-US">
+                <a:solidFill>
+                  <a:srgbClr val="FF0000"/>
+                </a:solidFill>
+              </a:rPr>
+              <a:t>&lt;i&gt;这个文本是斜体的&lt;/i&gt;</a:t>
+            </a:r>
+            <a:endParaRPr lang="zh-CN" altLang="en-US">
+              <a:solidFill>
+                <a:srgbClr val="FF0000"/>
+              </a:solidFill>
+            </a:endParaRPr>
+          </a:p>
+          <a:p>
+            <a:r>
+              <a:rPr lang="zh-CN" altLang="en-US">
+                <a:solidFill>
+                  <a:schemeClr val="bg1"/>
+                </a:solidFill>
+              </a:rPr>
+              <a:t>&lt;br/&gt;</a:t>
+            </a:r>
+            <a:endParaRPr lang="zh-CN" altLang="en-US">
+              <a:solidFill>
+                <a:schemeClr val="bg1"/>
+              </a:solidFill>
+            </a:endParaRPr>
+          </a:p>
+          <a:p>
+            <a:r>
+              <a:rPr lang="zh-CN" altLang="en-US">
+                <a:solidFill>
+                  <a:schemeClr val="bg1"/>
+                </a:solidFill>
+              </a:rPr>
+              <a:t>&lt;/body&gt;</a:t>
+            </a:r>
+            <a:endParaRPr lang="zh-CN" altLang="en-US">
+              <a:solidFill>
+                <a:schemeClr val="bg1"/>
+              </a:solidFill>
+            </a:endParaRPr>
+          </a:p>
+          <a:p>
+            <a:endParaRPr lang="zh-CN" altLang="en-US">
+              <a:solidFill>
+                <a:schemeClr val="bg1"/>
+              </a:solidFill>
+            </a:endParaRPr>
+          </a:p>
+        </p:txBody>
+      </p:sp>
+      <p:sp>
+        <p:nvSpPr>
+          <p:cNvPr id="4" name="文本框 3"/>
+          <p:cNvSpPr txBox="1"/>
+          <p:nvPr/>
+        </p:nvSpPr>
+        <p:spPr>
+          <a:xfrm>
+            <a:off x="906145" y="423545"/>
+            <a:ext cx="3900170" cy="521970"/>
+          </a:xfrm>
+          <a:prstGeom prst="rect">
+            <a:avLst/>
+          </a:prstGeom>
+          <a:noFill/>
+        </p:spPr>
+        <p:txBody>
+          <a:bodyPr wrap="square" rtlCol="0">
+            <a:spAutoFit/>
+          </a:bodyPr>
+          <a:p>
+            <a:r>
+              <a:rPr lang="zh-CN" sz="2800" b="1">
+                <a:solidFill>
+                  <a:schemeClr val="bg1"/>
+                </a:solidFill>
+              </a:rPr>
+              <a:t>常见字体样式</a:t>
+            </a:r>
+            <a:endParaRPr lang="zh-CN" sz="2800" b="1">
+              <a:solidFill>
+                <a:schemeClr val="bg1"/>
+              </a:solidFill>
+            </a:endParaRPr>
+          </a:p>
+        </p:txBody>
+      </p:sp>
+    </p:spTree>
+  </p:cSld>
+  <p:clrMapOvr>
+    <a:masterClrMapping/>
+  </p:clrMapOvr>
+</p:sld>
+</file>
+
+<file path=ppt/slides/slide6.xml><?xml version="1.0" encoding="utf-8"?>
 <p:sld xmlns:a="http://schemas.openxmlformats.org/drawingml/2006/main" xmlns:r="http://schemas.openxmlformats.org/officeDocument/2006/relationships" xmlns:p="http://schemas.openxmlformats.org/presentationml/2006/main">
   <p:cSld>
     <p:spTree>
@@ -2886,203 +6683,161 @@
                   <a:schemeClr val="bg1"/>
                 </a:solidFill>
               </a:rPr>
-              <a:t>&lt;html lang="en"&gt;</a:t>
-            </a:r>
-            <a:endParaRPr lang="zh-CN" altLang="en-US">
-              <a:solidFill>
-                <a:schemeClr val="bg1"/>
-              </a:solidFill>
-            </a:endParaRPr>
-          </a:p>
-          <a:p>
-            <a:r>
-              <a:rPr lang="zh-CN" altLang="en-US">
-                <a:solidFill>
-                  <a:srgbClr val="00B0F0"/>
-                </a:solidFill>
-              </a:rPr>
-              <a:t>&lt;script&gt;</a:t>
-            </a:r>
-            <a:endParaRPr lang="zh-CN" altLang="en-US">
-              <a:solidFill>
-                <a:srgbClr val="00B0F0"/>
-              </a:solidFill>
-            </a:endParaRPr>
-          </a:p>
-          <a:p>
-            <a:r>
-              <a:rPr lang="zh-CN" altLang="en-US">
-                <a:solidFill>
-                  <a:srgbClr val="00B0F0"/>
-                </a:solidFill>
-              </a:rPr>
-              <a:t>    document.write("I am script.")</a:t>
-            </a:r>
-            <a:endParaRPr lang="zh-CN" altLang="en-US">
-              <a:solidFill>
-                <a:srgbClr val="00B0F0"/>
-              </a:solidFill>
-            </a:endParaRPr>
-          </a:p>
-          <a:p>
-            <a:r>
-              <a:rPr lang="zh-CN" altLang="en-US">
-                <a:solidFill>
-                  <a:srgbClr val="00B0F0"/>
-                </a:solidFill>
-              </a:rPr>
-              <a:t>&lt;/script&gt;</a:t>
-            </a:r>
-            <a:endParaRPr lang="zh-CN" altLang="en-US">
-              <a:solidFill>
-                <a:srgbClr val="00B0F0"/>
-              </a:solidFill>
-            </a:endParaRPr>
-          </a:p>
-          <a:p>
-            <a:r>
-              <a:rPr lang="zh-CN" altLang="en-US">
-                <a:solidFill>
-                  <a:schemeClr val="accent3">
-                    <a:lumMod val="40000"/>
-                    <a:lumOff val="60000"/>
-                  </a:schemeClr>
+              <a:t>&lt;html&gt;</a:t>
+            </a:r>
+            <a:endParaRPr lang="zh-CN" altLang="en-US">
+              <a:solidFill>
+                <a:schemeClr val="bg1"/>
+              </a:solidFill>
+            </a:endParaRPr>
+          </a:p>
+          <a:p>
+            <a:r>
+              <a:rPr lang="zh-CN" altLang="en-US">
+                <a:solidFill>
+                  <a:schemeClr val="bg1"/>
                 </a:solidFill>
               </a:rPr>
               <a:t>&lt;head&gt;</a:t>
             </a:r>
             <a:endParaRPr lang="zh-CN" altLang="en-US">
               <a:solidFill>
-                <a:schemeClr val="accent3">
-                  <a:lumMod val="40000"/>
-                  <a:lumOff val="60000"/>
-                </a:schemeClr>
-              </a:solidFill>
-            </a:endParaRPr>
-          </a:p>
-          <a:p>
-            <a:r>
-              <a:rPr lang="zh-CN" altLang="en-US">
-                <a:solidFill>
-                  <a:schemeClr val="accent3">
-                    <a:lumMod val="40000"/>
-                    <a:lumOff val="60000"/>
-                  </a:schemeClr>
-                </a:solidFill>
-              </a:rPr>
-              <a:t>    &lt;meta charset="UTF-8"&gt;</a:t>
-            </a:r>
-            <a:endParaRPr lang="zh-CN" altLang="en-US">
-              <a:solidFill>
-                <a:schemeClr val="accent3">
-                  <a:lumMod val="40000"/>
-                  <a:lumOff val="60000"/>
-                </a:schemeClr>
-              </a:solidFill>
-            </a:endParaRPr>
-          </a:p>
-          <a:p>
-            <a:r>
-              <a:rPr lang="zh-CN" altLang="en-US">
-                <a:solidFill>
-                  <a:schemeClr val="accent3">
-                    <a:lumMod val="40000"/>
-                    <a:lumOff val="60000"/>
-                  </a:schemeClr>
-                </a:solidFill>
-              </a:rPr>
-              <a:t>    &lt;title&gt;Hello world&lt;/title&gt;</a:t>
-            </a:r>
-            <a:endParaRPr lang="zh-CN" altLang="en-US">
-              <a:solidFill>
-                <a:schemeClr val="accent3">
-                  <a:lumMod val="40000"/>
-                  <a:lumOff val="60000"/>
-                </a:schemeClr>
-              </a:solidFill>
-            </a:endParaRPr>
-          </a:p>
-          <a:p>
-            <a:r>
-              <a:rPr lang="zh-CN" altLang="en-US">
-                <a:solidFill>
-                  <a:schemeClr val="accent3">
-                    <a:lumMod val="40000"/>
-                    <a:lumOff val="60000"/>
-                  </a:schemeClr>
+                <a:schemeClr val="bg1"/>
+              </a:solidFill>
+            </a:endParaRPr>
+          </a:p>
+          <a:p>
+            <a:r>
+              <a:rPr lang="zh-CN" altLang="en-US">
+                <a:solidFill>
+                  <a:schemeClr val="bg1"/>
+                </a:solidFill>
+              </a:rPr>
+              <a:t>    &lt;meta charset="utf-8"&gt;</a:t>
+            </a:r>
+            <a:endParaRPr lang="zh-CN" altLang="en-US">
+              <a:solidFill>
+                <a:schemeClr val="bg1"/>
+              </a:solidFill>
+            </a:endParaRPr>
+          </a:p>
+          <a:p>
+            <a:r>
+              <a:rPr lang="zh-CN" altLang="en-US">
+                <a:solidFill>
+                  <a:schemeClr val="bg1"/>
+                </a:solidFill>
+              </a:rPr>
+              <a:t>    &lt;title&gt;Hello html5&lt;/title&gt;</a:t>
+            </a:r>
+            <a:endParaRPr lang="zh-CN" altLang="en-US">
+              <a:solidFill>
+                <a:schemeClr val="bg1"/>
+              </a:solidFill>
+            </a:endParaRPr>
+          </a:p>
+          <a:p>
+            <a:r>
+              <a:rPr lang="zh-CN" altLang="en-US">
+                <a:solidFill>
+                  <a:schemeClr val="bg1"/>
                 </a:solidFill>
               </a:rPr>
               <a:t>&lt;/head&gt;</a:t>
             </a:r>
             <a:endParaRPr lang="zh-CN" altLang="en-US">
               <a:solidFill>
-                <a:schemeClr val="accent3">
-                  <a:lumMod val="40000"/>
-                  <a:lumOff val="60000"/>
-                </a:schemeClr>
-              </a:solidFill>
-            </a:endParaRPr>
-          </a:p>
-          <a:p>
-            <a:r>
-              <a:rPr lang="zh-CN" altLang="en-US">
-                <a:solidFill>
-                  <a:schemeClr val="accent3">
-                    <a:lumMod val="40000"/>
-                    <a:lumOff val="60000"/>
-                  </a:schemeClr>
+                <a:schemeClr val="bg1"/>
+              </a:solidFill>
+            </a:endParaRPr>
+          </a:p>
+          <a:p>
+            <a:r>
+              <a:rPr lang="zh-CN" altLang="en-US">
+                <a:solidFill>
+                  <a:schemeClr val="bg1"/>
                 </a:solidFill>
               </a:rPr>
               <a:t>&lt;body&gt;</a:t>
             </a:r>
             <a:endParaRPr lang="zh-CN" altLang="en-US">
               <a:solidFill>
-                <a:schemeClr val="accent3">
-                  <a:lumMod val="40000"/>
-                  <a:lumOff val="60000"/>
-                </a:schemeClr>
-              </a:solidFill>
-            </a:endParaRPr>
-          </a:p>
-          <a:p>
-            <a:r>
-              <a:rPr lang="zh-CN" altLang="en-US">
-                <a:solidFill>
-                  <a:schemeClr val="accent3">
-                    <a:lumMod val="40000"/>
-                    <a:lumOff val="60000"/>
-                  </a:schemeClr>
-                </a:solidFill>
-              </a:rPr>
-              <a:t>I am body.</a:t>
-            </a:r>
-            <a:endParaRPr lang="zh-CN" altLang="en-US">
-              <a:solidFill>
-                <a:schemeClr val="accent3">
-                  <a:lumMod val="40000"/>
-                  <a:lumOff val="60000"/>
-                </a:schemeClr>
-              </a:solidFill>
-            </a:endParaRPr>
-          </a:p>
-          <a:p>
-            <a:r>
-              <a:rPr lang="zh-CN" altLang="en-US">
-                <a:solidFill>
-                  <a:schemeClr val="accent3">
-                    <a:lumMod val="40000"/>
-                    <a:lumOff val="60000"/>
-                  </a:schemeClr>
+                <a:schemeClr val="bg1"/>
+              </a:solidFill>
+            </a:endParaRPr>
+          </a:p>
+          <a:p>
+            <a:r>
+              <a:rPr lang="zh-CN" altLang="en-US">
+                <a:solidFill>
+                  <a:srgbClr val="FF0000"/>
+                </a:solidFill>
+              </a:rPr>
+              <a:t>    star-net.jpg:</a:t>
+            </a:r>
+            <a:endParaRPr lang="zh-CN" altLang="en-US">
+              <a:solidFill>
+                <a:srgbClr val="FF0000"/>
+              </a:solidFill>
+            </a:endParaRPr>
+          </a:p>
+          <a:p>
+            <a:r>
+              <a:rPr lang="zh-CN" altLang="en-US">
+                <a:solidFill>
+                  <a:srgbClr val="FF0000"/>
+                </a:solidFill>
+              </a:rPr>
+              <a:t>    &lt;img src="star-net.jpg" alt="star-net.jpg" width="300" height="37"&gt;&lt;/p&gt;</a:t>
+            </a:r>
+            <a:endParaRPr lang="zh-CN" altLang="en-US">
+              <a:solidFill>
+                <a:srgbClr val="FF0000"/>
+              </a:solidFill>
+            </a:endParaRPr>
+          </a:p>
+          <a:p>
+            <a:r>
+              <a:rPr lang="zh-CN" altLang="en-US">
+                <a:solidFill>
+                  <a:srgbClr val="FF0000"/>
+                </a:solidFill>
+              </a:rPr>
+              <a:t>    example.gif:</a:t>
+            </a:r>
+            <a:endParaRPr lang="zh-CN" altLang="en-US">
+              <a:solidFill>
+                <a:srgbClr val="FF0000"/>
+              </a:solidFill>
+            </a:endParaRPr>
+          </a:p>
+          <a:p>
+            <a:r>
+              <a:rPr lang="zh-CN" altLang="en-US">
+                <a:solidFill>
+                  <a:srgbClr val="FF0000"/>
+                </a:solidFill>
+              </a:rPr>
+              <a:t>    &lt;img src="example.gif" alt="example.gif" width="48" height="48"&gt;&lt;/p&gt;</a:t>
+            </a:r>
+            <a:endParaRPr lang="zh-CN" altLang="en-US">
+              <a:solidFill>
+                <a:srgbClr val="FF0000"/>
+              </a:solidFill>
+            </a:endParaRPr>
+          </a:p>
+          <a:p>
+            <a:r>
+              <a:rPr lang="zh-CN" altLang="en-US">
+                <a:solidFill>
+                  <a:schemeClr val="bg1"/>
                 </a:solidFill>
               </a:rPr>
               <a:t>&lt;/body&gt;</a:t>
             </a:r>
             <a:endParaRPr lang="zh-CN" altLang="en-US">
               <a:solidFill>
-                <a:schemeClr val="accent3">
-                  <a:lumMod val="40000"/>
-                  <a:lumOff val="60000"/>
-                </a:schemeClr>
+                <a:schemeClr val="bg1"/>
               </a:solidFill>
             </a:endParaRPr>
           </a:p>
@@ -3125,14 +6880,256 @@
           </a:bodyPr>
           <a:p>
             <a:r>
-              <a:rPr lang="en-US" altLang="zh-CN" sz="2800" b="1">
-                <a:solidFill>
-                  <a:schemeClr val="bg1"/>
-                </a:solidFill>
-              </a:rPr>
-              <a:t>Hello html5&amp;&amp;javascript</a:t>
-            </a:r>
-            <a:endParaRPr lang="en-US" altLang="zh-CN" sz="2800" b="1">
+              <a:rPr lang="zh-CN" sz="2800" b="1">
+                <a:solidFill>
+                  <a:schemeClr val="bg1"/>
+                </a:solidFill>
+              </a:rPr>
+              <a:t>插入图片</a:t>
+            </a:r>
+            <a:endParaRPr lang="zh-CN" sz="2800" b="1">
+              <a:solidFill>
+                <a:schemeClr val="bg1"/>
+              </a:solidFill>
+            </a:endParaRPr>
+          </a:p>
+        </p:txBody>
+      </p:sp>
+    </p:spTree>
+  </p:cSld>
+  <p:clrMapOvr>
+    <a:masterClrMapping/>
+  </p:clrMapOvr>
+</p:sld>
+</file>
+
+<file path=ppt/slides/slide7.xml><?xml version="1.0" encoding="utf-8"?>
+<p:sld xmlns:a="http://schemas.openxmlformats.org/drawingml/2006/main" xmlns:r="http://schemas.openxmlformats.org/officeDocument/2006/relationships" xmlns:p="http://schemas.openxmlformats.org/presentationml/2006/main">
+  <p:cSld>
+    <p:spTree>
+      <p:nvGrpSpPr>
+        <p:cNvPr id="1" name=""/>
+        <p:cNvGrpSpPr/>
+        <p:nvPr/>
+      </p:nvGrpSpPr>
+      <p:grpSpPr/>
+      <p:sp>
+        <p:nvSpPr>
+          <p:cNvPr id="3" name="文本框 2"/>
+          <p:cNvSpPr txBox="1"/>
+          <p:nvPr/>
+        </p:nvSpPr>
+        <p:spPr>
+          <a:xfrm>
+            <a:off x="854710" y="1090930"/>
+            <a:ext cx="7539990" cy="3969385"/>
+          </a:xfrm>
+          <a:prstGeom prst="rect">
+            <a:avLst/>
+          </a:prstGeom>
+          <a:noFill/>
+        </p:spPr>
+        <p:txBody>
+          <a:bodyPr wrap="square" rtlCol="0">
+            <a:spAutoFit/>
+          </a:bodyPr>
+          <a:p>
+            <a:r>
+              <a:rPr lang="zh-CN" altLang="en-US">
+                <a:solidFill>
+                  <a:schemeClr val="bg1"/>
+                </a:solidFill>
+              </a:rPr>
+              <a:t>&lt;body&gt;</a:t>
+            </a:r>
+            <a:endParaRPr lang="zh-CN" altLang="en-US">
+              <a:solidFill>
+                <a:schemeClr val="bg1"/>
+              </a:solidFill>
+            </a:endParaRPr>
+          </a:p>
+          <a:p>
+            <a:r>
+              <a:rPr lang="zh-CN" altLang="en-US">
+                <a:solidFill>
+                  <a:schemeClr val="bg1"/>
+                </a:solidFill>
+              </a:rPr>
+              <a:t>&lt;p&gt;I am a table:&lt;/p&gt;</a:t>
+            </a:r>
+            <a:endParaRPr lang="zh-CN" altLang="en-US">
+              <a:solidFill>
+                <a:schemeClr val="bg1"/>
+              </a:solidFill>
+            </a:endParaRPr>
+          </a:p>
+          <a:p>
+            <a:r>
+              <a:rPr lang="zh-CN" altLang="en-US">
+                <a:solidFill>
+                  <a:srgbClr val="FF0000"/>
+                </a:solidFill>
+              </a:rPr>
+              <a:t>&lt;table border="1"&gt;</a:t>
+            </a:r>
+            <a:endParaRPr lang="zh-CN" altLang="en-US">
+              <a:solidFill>
+                <a:srgbClr val="FF0000"/>
+              </a:solidFill>
+            </a:endParaRPr>
+          </a:p>
+          <a:p>
+            <a:r>
+              <a:rPr lang="zh-CN" altLang="en-US">
+                <a:solidFill>
+                  <a:srgbClr val="FF0000"/>
+                </a:solidFill>
+              </a:rPr>
+              <a:t>    &lt;tr&gt;</a:t>
+            </a:r>
+            <a:endParaRPr lang="zh-CN" altLang="en-US">
+              <a:solidFill>
+                <a:srgbClr val="FF0000"/>
+              </a:solidFill>
+            </a:endParaRPr>
+          </a:p>
+          <a:p>
+            <a:r>
+              <a:rPr lang="zh-CN" altLang="en-US">
+                <a:solidFill>
+                  <a:srgbClr val="FF0000"/>
+                </a:solidFill>
+              </a:rPr>
+              <a:t>        &lt;td&gt;1,1&lt;/td&gt;</a:t>
+            </a:r>
+            <a:endParaRPr lang="zh-CN" altLang="en-US">
+              <a:solidFill>
+                <a:srgbClr val="FF0000"/>
+              </a:solidFill>
+            </a:endParaRPr>
+          </a:p>
+          <a:p>
+            <a:r>
+              <a:rPr lang="zh-CN" altLang="en-US">
+                <a:solidFill>
+                  <a:srgbClr val="FF0000"/>
+                </a:solidFill>
+              </a:rPr>
+              <a:t>        &lt;td&gt;1,2&lt;/td&gt;</a:t>
+            </a:r>
+            <a:endParaRPr lang="zh-CN" altLang="en-US">
+              <a:solidFill>
+                <a:srgbClr val="FF0000"/>
+              </a:solidFill>
+            </a:endParaRPr>
+          </a:p>
+          <a:p>
+            <a:r>
+              <a:rPr lang="zh-CN" altLang="en-US">
+                <a:solidFill>
+                  <a:srgbClr val="FF0000"/>
+                </a:solidFill>
+              </a:rPr>
+              <a:t>    &lt;/tr&gt;</a:t>
+            </a:r>
+            <a:endParaRPr lang="zh-CN" altLang="en-US">
+              <a:solidFill>
+                <a:srgbClr val="FF0000"/>
+              </a:solidFill>
+            </a:endParaRPr>
+          </a:p>
+          <a:p>
+            <a:r>
+              <a:rPr lang="zh-CN" altLang="en-US">
+                <a:solidFill>
+                  <a:srgbClr val="FF0000"/>
+                </a:solidFill>
+              </a:rPr>
+              <a:t>    &lt;tr&gt;</a:t>
+            </a:r>
+            <a:endParaRPr lang="zh-CN" altLang="en-US">
+              <a:solidFill>
+                <a:srgbClr val="FF0000"/>
+              </a:solidFill>
+            </a:endParaRPr>
+          </a:p>
+          <a:p>
+            <a:r>
+              <a:rPr lang="zh-CN" altLang="en-US">
+                <a:solidFill>
+                  <a:srgbClr val="FF0000"/>
+                </a:solidFill>
+              </a:rPr>
+              <a:t>        &lt;td&gt;2,1&lt;/td&gt;</a:t>
+            </a:r>
+            <a:endParaRPr lang="zh-CN" altLang="en-US">
+              <a:solidFill>
+                <a:srgbClr val="FF0000"/>
+              </a:solidFill>
+            </a:endParaRPr>
+          </a:p>
+          <a:p>
+            <a:r>
+              <a:rPr lang="zh-CN" altLang="en-US">
+                <a:solidFill>
+                  <a:srgbClr val="FF0000"/>
+                </a:solidFill>
+              </a:rPr>
+              <a:t>        &lt;td&gt;2,2&lt;/td&gt;</a:t>
+            </a:r>
+            <a:endParaRPr lang="zh-CN" altLang="en-US">
+              <a:solidFill>
+                <a:srgbClr val="FF0000"/>
+              </a:solidFill>
+            </a:endParaRPr>
+          </a:p>
+          <a:p>
+            <a:r>
+              <a:rPr lang="zh-CN" altLang="en-US">
+                <a:solidFill>
+                  <a:srgbClr val="FF0000"/>
+                </a:solidFill>
+              </a:rPr>
+              <a:t>    &lt;/tr&gt;</a:t>
+            </a:r>
+            <a:endParaRPr lang="zh-CN" altLang="en-US">
+              <a:solidFill>
+                <a:srgbClr val="FF0000"/>
+              </a:solidFill>
+            </a:endParaRPr>
+          </a:p>
+          <a:p>
+            <a:r>
+              <a:rPr lang="zh-CN" altLang="en-US">
+                <a:solidFill>
+                  <a:srgbClr val="FF0000"/>
+                </a:solidFill>
+              </a:rPr>
+              <a:t>&lt;/table&gt;</a:t>
+            </a:r>
+            <a:endParaRPr lang="zh-CN" altLang="en-US">
+              <a:solidFill>
+                <a:srgbClr val="FF0000"/>
+              </a:solidFill>
+            </a:endParaRPr>
+          </a:p>
+          <a:p>
+            <a:r>
+              <a:rPr lang="zh-CN" altLang="en-US">
+                <a:solidFill>
+                  <a:schemeClr val="bg1"/>
+                </a:solidFill>
+              </a:rPr>
+              <a:t>&lt;/body&gt;</a:t>
+            </a:r>
+            <a:endParaRPr lang="zh-CN" altLang="en-US">
+              <a:solidFill>
+                <a:schemeClr val="bg1"/>
+              </a:solidFill>
+            </a:endParaRPr>
+          </a:p>
+          <a:p>
+            <a:endParaRPr lang="zh-CN" altLang="en-US">
               <a:solidFill>
                 <a:schemeClr val="bg1"/>
               </a:solidFill>
@@ -3142,46 +7139,496 @@
       </p:sp>
       <p:sp>
         <p:nvSpPr>
-          <p:cNvPr id="5" name="竖卷形 4"/>
-          <p:cNvSpPr/>
+          <p:cNvPr id="4" name="文本框 3"/>
+          <p:cNvSpPr txBox="1"/>
           <p:nvPr/>
         </p:nvSpPr>
         <p:spPr>
           <a:xfrm>
-            <a:off x="5052060" y="385445"/>
-            <a:ext cx="1116330" cy="598805"/>
+            <a:off x="906145" y="423545"/>
+            <a:ext cx="3900170" cy="521970"/>
           </a:xfrm>
-          <a:prstGeom prst="verticalScroll">
+          <a:prstGeom prst="rect">
             <a:avLst/>
           </a:prstGeom>
+          <a:noFill/>
         </p:spPr>
-        <p:style>
-          <a:lnRef idx="2">
-            <a:schemeClr val="accent1">
-              <a:shade val="50000"/>
-            </a:schemeClr>
-          </a:lnRef>
-          <a:fillRef idx="1">
-            <a:schemeClr val="accent1"/>
-          </a:fillRef>
-          <a:effectRef idx="0">
-            <a:schemeClr val="accent1"/>
-          </a:effectRef>
-          <a:fontRef idx="minor">
-            <a:schemeClr val="lt1"/>
-          </a:fontRef>
-        </p:style>
         <p:txBody>
-          <a:bodyPr rtlCol="0" anchor="ctr"/>
-          <a:p>
-            <a:pPr algn="ctr"/>
+          <a:bodyPr wrap="square" rtlCol="0">
+            <a:spAutoFit/>
+          </a:bodyPr>
+          <a:p>
+            <a:r>
+              <a:rPr lang="zh-CN" sz="2800" b="1">
+                <a:solidFill>
+                  <a:schemeClr val="bg1"/>
+                </a:solidFill>
+              </a:rPr>
+              <a:t>插入表格</a:t>
+            </a:r>
+            <a:endParaRPr lang="zh-CN" sz="2800" b="1">
+              <a:solidFill>
+                <a:schemeClr val="bg1"/>
+              </a:solidFill>
+            </a:endParaRPr>
+          </a:p>
+        </p:txBody>
+      </p:sp>
+    </p:spTree>
+  </p:cSld>
+  <p:clrMapOvr>
+    <a:masterClrMapping/>
+  </p:clrMapOvr>
+</p:sld>
+</file>
+
+<file path=ppt/slides/slide8.xml><?xml version="1.0" encoding="utf-8"?>
+<p:sld xmlns:a="http://schemas.openxmlformats.org/drawingml/2006/main" xmlns:r="http://schemas.openxmlformats.org/officeDocument/2006/relationships" xmlns:p="http://schemas.openxmlformats.org/presentationml/2006/main">
+  <p:cSld>
+    <p:spTree>
+      <p:nvGrpSpPr>
+        <p:cNvPr id="1" name=""/>
+        <p:cNvGrpSpPr/>
+        <p:nvPr/>
+      </p:nvGrpSpPr>
+      <p:grpSpPr/>
+      <p:sp>
+        <p:nvSpPr>
+          <p:cNvPr id="3" name="文本框 2"/>
+          <p:cNvSpPr txBox="1"/>
+          <p:nvPr/>
+        </p:nvSpPr>
+        <p:spPr>
+          <a:xfrm>
+            <a:off x="802005" y="1130300"/>
+            <a:ext cx="7539990" cy="2306955"/>
+          </a:xfrm>
+          <a:prstGeom prst="rect">
+            <a:avLst/>
+          </a:prstGeom>
+          <a:noFill/>
+        </p:spPr>
+        <p:txBody>
+          <a:bodyPr wrap="square" rtlCol="0">
+            <a:spAutoFit/>
+          </a:bodyPr>
+          <a:p>
+            <a:endParaRPr lang="zh-CN" altLang="en-US">
+              <a:solidFill>
+                <a:schemeClr val="bg1"/>
+              </a:solidFill>
+            </a:endParaRPr>
+          </a:p>
+          <a:p>
+            <a:r>
+              <a:rPr lang="zh-CN" altLang="en-US">
+                <a:solidFill>
+                  <a:schemeClr val="bg1"/>
+                </a:solidFill>
+              </a:rPr>
+              <a:t>JavaScript 是一种具有函数优先的轻量级，解释型或即时编译型的高级编程语言。虽然它是作为开发Web页面的脚本语言而出名的，但是它也被用到了很多非浏览器环境中，JavaScript 基于原型编程、多范式的动态脚本语言，并且支持面向对象、命令式和声明式（如函数式编程）风格。</a:t>
+            </a:r>
+            <a:endParaRPr lang="zh-CN" altLang="en-US">
+              <a:solidFill>
+                <a:schemeClr val="bg1"/>
+              </a:solidFill>
+            </a:endParaRPr>
+          </a:p>
+          <a:p>
+            <a:endParaRPr lang="zh-CN" altLang="en-US">
+              <a:solidFill>
+                <a:schemeClr val="bg1"/>
+              </a:solidFill>
+            </a:endParaRPr>
+          </a:p>
+          <a:p>
+            <a:endParaRPr lang="zh-CN" altLang="en-US">
+              <a:solidFill>
+                <a:schemeClr val="bg1"/>
+              </a:solidFill>
+            </a:endParaRPr>
+          </a:p>
+          <a:p>
             <a:r>
               <a:rPr lang="en-US" altLang="zh-CN">
-                <a:hlinkClick r:id="rId1" action="ppaction://hlinkfile"/>
-              </a:rPr>
-              <a:t>example</a:t>
-            </a:r>
-            <a:endParaRPr lang="en-US" altLang="zh-CN"/>
+                <a:solidFill>
+                  <a:schemeClr val="bg1"/>
+                </a:solidFill>
+              </a:rPr>
+              <a:t>						</a:t>
+            </a:r>
+            <a:r>
+              <a:rPr lang="zh-CN" altLang="en-US">
+                <a:solidFill>
+                  <a:schemeClr val="bg1"/>
+                </a:solidFill>
+              </a:rPr>
+              <a:t>（摘自百度百科）</a:t>
+            </a:r>
+            <a:endParaRPr lang="zh-CN" altLang="en-US">
+              <a:solidFill>
+                <a:schemeClr val="bg1"/>
+              </a:solidFill>
+            </a:endParaRPr>
+          </a:p>
+        </p:txBody>
+      </p:sp>
+      <p:sp>
+        <p:nvSpPr>
+          <p:cNvPr id="4" name="文本框 3"/>
+          <p:cNvSpPr txBox="1"/>
+          <p:nvPr/>
+        </p:nvSpPr>
+        <p:spPr>
+          <a:xfrm>
+            <a:off x="847090" y="431165"/>
+            <a:ext cx="5135245" cy="521970"/>
+          </a:xfrm>
+          <a:prstGeom prst="rect">
+            <a:avLst/>
+          </a:prstGeom>
+          <a:noFill/>
+        </p:spPr>
+        <p:txBody>
+          <a:bodyPr wrap="square" rtlCol="0">
+            <a:spAutoFit/>
+          </a:bodyPr>
+          <a:p>
+            <a:r>
+              <a:rPr lang="en-US" altLang="zh-CN" sz="2800" b="1">
+                <a:solidFill>
+                  <a:schemeClr val="bg1"/>
+                </a:solidFill>
+              </a:rPr>
+              <a:t>javascript</a:t>
+            </a:r>
+            <a:r>
+              <a:rPr lang="zh-CN" altLang="en-US" sz="2800" b="1">
+                <a:solidFill>
+                  <a:schemeClr val="bg1"/>
+                </a:solidFill>
+              </a:rPr>
+              <a:t>简单介绍</a:t>
+            </a:r>
+            <a:endParaRPr lang="zh-CN" altLang="en-US" sz="2800" b="1">
+              <a:solidFill>
+                <a:schemeClr val="bg1"/>
+              </a:solidFill>
+            </a:endParaRPr>
+          </a:p>
+        </p:txBody>
+      </p:sp>
+    </p:spTree>
+  </p:cSld>
+  <p:clrMapOvr>
+    <a:masterClrMapping/>
+  </p:clrMapOvr>
+</p:sld>
+</file>
+
+<file path=ppt/slides/slide9.xml><?xml version="1.0" encoding="utf-8"?>
+<p:sld xmlns:a="http://schemas.openxmlformats.org/drawingml/2006/main" xmlns:r="http://schemas.openxmlformats.org/officeDocument/2006/relationships" xmlns:p="http://schemas.openxmlformats.org/presentationml/2006/main">
+  <p:cSld>
+    <p:spTree>
+      <p:nvGrpSpPr>
+        <p:cNvPr id="1" name=""/>
+        <p:cNvGrpSpPr/>
+        <p:nvPr/>
+      </p:nvGrpSpPr>
+      <p:grpSpPr/>
+      <p:sp>
+        <p:nvSpPr>
+          <p:cNvPr id="3" name="文本框 2"/>
+          <p:cNvSpPr txBox="1"/>
+          <p:nvPr/>
+        </p:nvSpPr>
+        <p:spPr>
+          <a:xfrm>
+            <a:off x="854710" y="1108075"/>
+            <a:ext cx="7539990" cy="3692525"/>
+          </a:xfrm>
+          <a:prstGeom prst="rect">
+            <a:avLst/>
+          </a:prstGeom>
+          <a:noFill/>
+        </p:spPr>
+        <p:txBody>
+          <a:bodyPr wrap="square" rtlCol="0">
+            <a:spAutoFit/>
+          </a:bodyPr>
+          <a:p>
+            <a:r>
+              <a:rPr lang="zh-CN" altLang="en-US">
+                <a:solidFill>
+                  <a:schemeClr val="bg1"/>
+                </a:solidFill>
+              </a:rPr>
+              <a:t>&lt;!DOCTYPE html&gt;</a:t>
+            </a:r>
+            <a:endParaRPr lang="zh-CN" altLang="en-US">
+              <a:solidFill>
+                <a:schemeClr val="bg1"/>
+              </a:solidFill>
+            </a:endParaRPr>
+          </a:p>
+          <a:p>
+            <a:r>
+              <a:rPr lang="zh-CN" altLang="en-US">
+                <a:solidFill>
+                  <a:schemeClr val="bg1"/>
+                </a:solidFill>
+              </a:rPr>
+              <a:t>&lt;html lang="en"&gt;</a:t>
+            </a:r>
+            <a:endParaRPr lang="zh-CN" altLang="en-US">
+              <a:solidFill>
+                <a:schemeClr val="bg1"/>
+              </a:solidFill>
+            </a:endParaRPr>
+          </a:p>
+          <a:p>
+            <a:r>
+              <a:rPr lang="zh-CN" altLang="en-US">
+                <a:solidFill>
+                  <a:srgbClr val="FF0000"/>
+                </a:solidFill>
+              </a:rPr>
+              <a:t>&lt;script&gt;</a:t>
+            </a:r>
+            <a:endParaRPr lang="zh-CN" altLang="en-US">
+              <a:solidFill>
+                <a:srgbClr val="FF0000"/>
+              </a:solidFill>
+            </a:endParaRPr>
+          </a:p>
+          <a:p>
+            <a:r>
+              <a:rPr lang="zh-CN" altLang="en-US">
+                <a:solidFill>
+                  <a:srgbClr val="FF0000"/>
+                </a:solidFill>
+              </a:rPr>
+              <a:t>    document.write("I am script.")</a:t>
+            </a:r>
+            <a:endParaRPr lang="zh-CN" altLang="en-US">
+              <a:solidFill>
+                <a:srgbClr val="FF0000"/>
+              </a:solidFill>
+            </a:endParaRPr>
+          </a:p>
+          <a:p>
+            <a:r>
+              <a:rPr lang="zh-CN" altLang="en-US">
+                <a:solidFill>
+                  <a:srgbClr val="FF0000"/>
+                </a:solidFill>
+              </a:rPr>
+              <a:t>&lt;/script&gt;</a:t>
+            </a:r>
+            <a:endParaRPr lang="zh-CN" altLang="en-US">
+              <a:solidFill>
+                <a:srgbClr val="FF0000"/>
+              </a:solidFill>
+            </a:endParaRPr>
+          </a:p>
+          <a:p>
+            <a:r>
+              <a:rPr lang="zh-CN" altLang="en-US">
+                <a:solidFill>
+                  <a:schemeClr val="accent3">
+                    <a:lumMod val="40000"/>
+                    <a:lumOff val="60000"/>
+                  </a:schemeClr>
+                </a:solidFill>
+              </a:rPr>
+              <a:t>&lt;head&gt;</a:t>
+            </a:r>
+            <a:endParaRPr lang="zh-CN" altLang="en-US">
+              <a:solidFill>
+                <a:schemeClr val="accent3">
+                  <a:lumMod val="40000"/>
+                  <a:lumOff val="60000"/>
+                </a:schemeClr>
+              </a:solidFill>
+            </a:endParaRPr>
+          </a:p>
+          <a:p>
+            <a:r>
+              <a:rPr lang="zh-CN" altLang="en-US">
+                <a:solidFill>
+                  <a:schemeClr val="accent3">
+                    <a:lumMod val="40000"/>
+                    <a:lumOff val="60000"/>
+                  </a:schemeClr>
+                </a:solidFill>
+              </a:rPr>
+              <a:t>    &lt;meta charset="UTF-8"&gt;</a:t>
+            </a:r>
+            <a:endParaRPr lang="zh-CN" altLang="en-US">
+              <a:solidFill>
+                <a:schemeClr val="accent3">
+                  <a:lumMod val="40000"/>
+                  <a:lumOff val="60000"/>
+                </a:schemeClr>
+              </a:solidFill>
+            </a:endParaRPr>
+          </a:p>
+          <a:p>
+            <a:r>
+              <a:rPr lang="zh-CN" altLang="en-US">
+                <a:solidFill>
+                  <a:schemeClr val="accent3">
+                    <a:lumMod val="40000"/>
+                    <a:lumOff val="60000"/>
+                  </a:schemeClr>
+                </a:solidFill>
+              </a:rPr>
+              <a:t>    &lt;title&gt;Hello world&lt;/title&gt;</a:t>
+            </a:r>
+            <a:endParaRPr lang="zh-CN" altLang="en-US">
+              <a:solidFill>
+                <a:schemeClr val="accent3">
+                  <a:lumMod val="40000"/>
+                  <a:lumOff val="60000"/>
+                </a:schemeClr>
+              </a:solidFill>
+            </a:endParaRPr>
+          </a:p>
+          <a:p>
+            <a:r>
+              <a:rPr lang="zh-CN" altLang="en-US">
+                <a:solidFill>
+                  <a:schemeClr val="accent3">
+                    <a:lumMod val="40000"/>
+                    <a:lumOff val="60000"/>
+                  </a:schemeClr>
+                </a:solidFill>
+              </a:rPr>
+              <a:t>&lt;/head&gt;</a:t>
+            </a:r>
+            <a:endParaRPr lang="zh-CN" altLang="en-US">
+              <a:solidFill>
+                <a:schemeClr val="accent3">
+                  <a:lumMod val="40000"/>
+                  <a:lumOff val="60000"/>
+                </a:schemeClr>
+              </a:solidFill>
+            </a:endParaRPr>
+          </a:p>
+          <a:p>
+            <a:r>
+              <a:rPr lang="zh-CN" altLang="en-US">
+                <a:solidFill>
+                  <a:schemeClr val="accent3">
+                    <a:lumMod val="40000"/>
+                    <a:lumOff val="60000"/>
+                  </a:schemeClr>
+                </a:solidFill>
+              </a:rPr>
+              <a:t>&lt;body&gt;</a:t>
+            </a:r>
+            <a:endParaRPr lang="zh-CN" altLang="en-US">
+              <a:solidFill>
+                <a:schemeClr val="accent3">
+                  <a:lumMod val="40000"/>
+                  <a:lumOff val="60000"/>
+                </a:schemeClr>
+              </a:solidFill>
+            </a:endParaRPr>
+          </a:p>
+          <a:p>
+            <a:r>
+              <a:rPr lang="zh-CN" altLang="en-US">
+                <a:solidFill>
+                  <a:schemeClr val="accent3">
+                    <a:lumMod val="40000"/>
+                    <a:lumOff val="60000"/>
+                  </a:schemeClr>
+                </a:solidFill>
+              </a:rPr>
+              <a:t>I am body.</a:t>
+            </a:r>
+            <a:endParaRPr lang="zh-CN" altLang="en-US">
+              <a:solidFill>
+                <a:schemeClr val="accent3">
+                  <a:lumMod val="40000"/>
+                  <a:lumOff val="60000"/>
+                </a:schemeClr>
+              </a:solidFill>
+            </a:endParaRPr>
+          </a:p>
+          <a:p>
+            <a:r>
+              <a:rPr lang="zh-CN" altLang="en-US">
+                <a:solidFill>
+                  <a:schemeClr val="accent3">
+                    <a:lumMod val="40000"/>
+                    <a:lumOff val="60000"/>
+                  </a:schemeClr>
+                </a:solidFill>
+              </a:rPr>
+              <a:t>&lt;/body&gt;</a:t>
+            </a:r>
+            <a:endParaRPr lang="zh-CN" altLang="en-US">
+              <a:solidFill>
+                <a:schemeClr val="accent3">
+                  <a:lumMod val="40000"/>
+                  <a:lumOff val="60000"/>
+                </a:schemeClr>
+              </a:solidFill>
+            </a:endParaRPr>
+          </a:p>
+          <a:p>
+            <a:r>
+              <a:rPr lang="zh-CN" altLang="en-US">
+                <a:solidFill>
+                  <a:schemeClr val="bg1"/>
+                </a:solidFill>
+              </a:rPr>
+              <a:t>&lt;/html&gt;</a:t>
+            </a:r>
+            <a:endParaRPr lang="zh-CN" altLang="en-US">
+              <a:solidFill>
+                <a:schemeClr val="bg1"/>
+              </a:solidFill>
+            </a:endParaRPr>
+          </a:p>
+        </p:txBody>
+      </p:sp>
+      <p:sp>
+        <p:nvSpPr>
+          <p:cNvPr id="4" name="文本框 3"/>
+          <p:cNvSpPr txBox="1"/>
+          <p:nvPr/>
+        </p:nvSpPr>
+        <p:spPr>
+          <a:xfrm>
+            <a:off x="906145" y="423545"/>
+            <a:ext cx="3900170" cy="521970"/>
+          </a:xfrm>
+          <a:prstGeom prst="rect">
+            <a:avLst/>
+          </a:prstGeom>
+          <a:noFill/>
+        </p:spPr>
+        <p:txBody>
+          <a:bodyPr wrap="square" rtlCol="0">
+            <a:spAutoFit/>
+          </a:bodyPr>
+          <a:p>
+            <a:r>
+              <a:rPr lang="en-US" altLang="zh-CN" sz="2800" b="1">
+                <a:solidFill>
+                  <a:schemeClr val="bg1"/>
+                </a:solidFill>
+              </a:rPr>
+              <a:t>Hello html5&amp;&amp;javascript</a:t>
+            </a:r>
+            <a:endParaRPr lang="en-US" altLang="zh-CN" sz="2800" b="1">
+              <a:solidFill>
+                <a:schemeClr val="bg1"/>
+              </a:solidFill>
+            </a:endParaRPr>
           </a:p>
         </p:txBody>
       </p:sp>

--- a/html&js课件/html&js.pptx
+++ b/html&js课件/html&js.pptx
@@ -5704,13 +5704,31 @@
           </a:p>
           <a:p>
             <a:r>
-              <a:rPr lang="zh-CN" altLang="en-US">
+              <a:rPr lang="en-US" altLang="zh-CN">
                 <a:solidFill>
                   <a:schemeClr val="bg1"/>
                 </a:solidFill>
                 <a:hlinkClick r:id="rId1" action="ppaction://hlinkfile"/>
               </a:rPr>
-              <a:t>项目文件夹</a:t>
+              <a:t>→</a:t>
+            </a:r>
+            <a:r>
+              <a:rPr lang="zh-CN" altLang="en-US">
+                <a:solidFill>
+                  <a:schemeClr val="bg1"/>
+                </a:solidFill>
+                <a:hlinkClick r:id="rId1" action="ppaction://hlinkfile"/>
+              </a:rPr>
+              <a:t>前往</a:t>
+            </a:r>
+            <a:r>
+              <a:rPr lang="zh-CN" altLang="en-US">
+                <a:solidFill>
+                  <a:schemeClr val="bg1"/>
+                </a:solidFill>
+                <a:hlinkClick r:id="rId1" action="ppaction://hlinkfile"/>
+              </a:rPr>
+              <a:t>文件夹</a:t>
             </a:r>
             <a:endParaRPr lang="zh-CN" altLang="en-US">
               <a:solidFill>

--- a/html&js课件/html&js.pptx
+++ b/html&js课件/html&js.pptx
@@ -17,46 +17,52 @@
     <p:sldId id="445" r:id="rId10"/>
     <p:sldId id="402" r:id="rId11"/>
     <p:sldId id="394" r:id="rId12"/>
-    <p:sldId id="398" r:id="rId13"/>
-    <p:sldId id="410" r:id="rId14"/>
-    <p:sldId id="411" r:id="rId15"/>
-    <p:sldId id="412" r:id="rId16"/>
-    <p:sldId id="413" r:id="rId17"/>
-    <p:sldId id="414" r:id="rId18"/>
-    <p:sldId id="415" r:id="rId19"/>
-    <p:sldId id="416" r:id="rId20"/>
-    <p:sldId id="418" r:id="rId21"/>
-    <p:sldId id="419" r:id="rId22"/>
-    <p:sldId id="421" r:id="rId23"/>
-    <p:sldId id="405" r:id="rId24"/>
-    <p:sldId id="400" r:id="rId25"/>
-    <p:sldId id="409" r:id="rId26"/>
-    <p:sldId id="422" r:id="rId27"/>
+    <p:sldId id="468" r:id="rId13"/>
+    <p:sldId id="398" r:id="rId14"/>
+    <p:sldId id="410" r:id="rId15"/>
+    <p:sldId id="411" r:id="rId16"/>
+    <p:sldId id="412" r:id="rId17"/>
+    <p:sldId id="413" r:id="rId18"/>
+    <p:sldId id="414" r:id="rId19"/>
+    <p:sldId id="415" r:id="rId20"/>
+    <p:sldId id="416" r:id="rId21"/>
+    <p:sldId id="418" r:id="rId22"/>
+    <p:sldId id="464" r:id="rId23"/>
+    <p:sldId id="419" r:id="rId24"/>
+    <p:sldId id="421" r:id="rId25"/>
+    <p:sldId id="463" r:id="rId26"/>
+    <p:sldId id="405" r:id="rId27"/>
+    <p:sldId id="400" r:id="rId28"/>
+    <p:sldId id="409" r:id="rId29"/>
+    <p:sldId id="422" r:id="rId30"/>
+    <p:sldId id="466" r:id="rId31"/>
+    <p:sldId id="469" r:id="rId32"/>
+    <p:sldId id="470" r:id="rId33"/>
   </p:sldIdLst>
   <p:sldSz cx="9144000" cy="5143500" type="screen16x9"/>
   <p:notesSz cx="6858000" cy="9144000"/>
   <p:embeddedFontLst>
     <p:embeddedFont>
       <p:font typeface="SimSun" panose="02010600030101010101" pitchFamily="2" charset="-122"/>
-      <p:regular r:id="rId31"/>
+      <p:regular r:id="rId37"/>
     </p:embeddedFont>
     <p:embeddedFont>
       <p:font typeface="Century Gothic" panose="020B0502020202020204" pitchFamily="34" charset="0"/>
-      <p:regular r:id="rId32"/>
-      <p:bold r:id="rId33"/>
-      <p:italic r:id="rId34"/>
-      <p:boldItalic r:id="rId35"/>
+      <p:regular r:id="rId38"/>
+      <p:bold r:id="rId39"/>
+      <p:italic r:id="rId40"/>
+      <p:boldItalic r:id="rId41"/>
     </p:embeddedFont>
     <p:embeddedFont>
       <p:font typeface="Calibri" panose="020F0502020204030204" charset="0"/>
-      <p:regular r:id="rId36"/>
-      <p:bold r:id="rId37"/>
-      <p:italic r:id="rId38"/>
-      <p:boldItalic r:id="rId39"/>
+      <p:regular r:id="rId42"/>
+      <p:bold r:id="rId43"/>
+      <p:italic r:id="rId44"/>
+      <p:boldItalic r:id="rId45"/>
     </p:embeddedFont>
     <p:embeddedFont>
       <p:font typeface="Microsoft YaHei" panose="020B0503020204020204" charset="-122"/>
-      <p:regular r:id="rId40"/>
+      <p:regular r:id="rId46"/>
     </p:embeddedFont>
   </p:embeddedFontLst>
   <p:defaultTextStyle>
@@ -503,6 +509,126 @@
 </file>
 
 <file path=ppt/notesSlides/notesSlide1.xml><?xml version="1.0" encoding="utf-8"?>
+<p:notes xmlns:a="http://schemas.openxmlformats.org/drawingml/2006/main" xmlns:r="http://schemas.openxmlformats.org/officeDocument/2006/relationships" xmlns:p="http://schemas.openxmlformats.org/presentationml/2006/main">
+  <p:cSld>
+    <p:spTree>
+      <p:nvGrpSpPr>
+        <p:cNvPr id="21" name=""/>
+        <p:cNvGrpSpPr/>
+        <p:nvPr/>
+      </p:nvGrpSpPr>
+      <p:grpSpPr>
+        <a:xfrm>
+          <a:off x="0" y="0"/>
+          <a:ext cx="0" cy="0"/>
+          <a:chOff x="0" y="0"/>
+          <a:chExt cx="0" cy="0"/>
+        </a:xfrm>
+      </p:grpSpPr>
+      <p:sp>
+        <p:nvSpPr>
+          <p:cNvPr id="1048585" name="幻灯片图像占位符 1"/>
+          <p:cNvSpPr>
+            <a:spLocks noGrp="1" noRot="1" noChangeAspect="1"/>
+          </p:cNvSpPr>
+          <p:nvPr>
+            <p:ph type="sldImg"/>
+          </p:nvPr>
+        </p:nvSpPr>
+        <p:spPr/>
+      </p:sp>
+      <p:sp>
+        <p:nvSpPr>
+          <p:cNvPr id="1048586" name="备注占位符 2"/>
+          <p:cNvSpPr>
+            <a:spLocks noGrp="1"/>
+          </p:cNvSpPr>
+          <p:nvPr>
+            <p:ph type="body" idx="1"/>
+          </p:nvPr>
+        </p:nvSpPr>
+        <p:spPr/>
+        <p:txBody>
+          <a:bodyPr/>
+          <a:p>
+            <a:endParaRPr lang="zh-CN" altLang="en-US"/>
+          </a:p>
+        </p:txBody>
+      </p:sp>
+      <p:sp>
+        <p:nvSpPr>
+          <p:cNvPr id="1048587" name="灯片编号占位符 3"/>
+          <p:cNvSpPr>
+            <a:spLocks noGrp="1"/>
+          </p:cNvSpPr>
+          <p:nvPr>
+            <p:ph type="sldNum" sz="quarter" idx="10"/>
+          </p:nvPr>
+        </p:nvSpPr>
+        <p:spPr/>
+        <p:txBody>
+          <a:bodyPr/>
+          <a:p>
+            <a:fld id="{CBC6CC9C-DD87-4893-A479-CBABAC3F9222}" type="slidenum">
+              <a:rPr lang="zh-CN" altLang="en-US" smtClean="0"/>
+            </a:fld>
+            <a:endParaRPr lang="zh-CN" altLang="en-US"/>
+          </a:p>
+        </p:txBody>
+      </p:sp>
+    </p:spTree>
+  </p:cSld>
+  <p:clrMapOvr>
+    <a:masterClrMapping/>
+  </p:clrMapOvr>
+</p:notes>
+</file>
+
+<file path=ppt/notesSlides/notesSlide2.xml><?xml version="1.0" encoding="utf-8"?>
+<p:notes xmlns:a="http://schemas.openxmlformats.org/drawingml/2006/main" xmlns:r="http://schemas.openxmlformats.org/officeDocument/2006/relationships" xmlns:p="http://schemas.openxmlformats.org/presentationml/2006/main">
+  <p:cSld>
+    <p:spTree>
+      <p:nvGrpSpPr>
+        <p:cNvPr id="1" name=""/>
+        <p:cNvGrpSpPr/>
+        <p:nvPr/>
+      </p:nvGrpSpPr>
+      <p:grpSpPr/>
+      <p:sp>
+        <p:nvSpPr>
+          <p:cNvPr id="2" name="幻灯片图像占位符 1"/>
+          <p:cNvSpPr/>
+          <p:nvPr>
+            <p:ph type="sldImg" idx="2"/>
+          </p:nvPr>
+        </p:nvSpPr>
+        <p:spPr/>
+      </p:sp>
+      <p:sp>
+        <p:nvSpPr>
+          <p:cNvPr id="3" name="文本占位符 2"/>
+          <p:cNvSpPr/>
+          <p:nvPr>
+            <p:ph type="body" idx="3"/>
+          </p:nvPr>
+        </p:nvSpPr>
+        <p:spPr/>
+        <p:txBody>
+          <a:bodyPr/>
+          <a:p>
+            <a:endParaRPr lang="zh-CN" altLang="en-US"/>
+          </a:p>
+        </p:txBody>
+      </p:sp>
+    </p:spTree>
+  </p:cSld>
+  <p:clrMapOvr>
+    <a:masterClrMapping/>
+  </p:clrMapOvr>
+</p:notes>
+</file>
+
+<file path=ppt/notesSlides/notesSlide3.xml><?xml version="1.0" encoding="utf-8"?>
 <p:notes xmlns:a="http://schemas.openxmlformats.org/drawingml/2006/main" xmlns:r="http://schemas.openxmlformats.org/officeDocument/2006/relationships" xmlns:p="http://schemas.openxmlformats.org/presentationml/2006/main">
   <p:cSld>
     <p:spTree>
@@ -1586,7 +1712,7 @@
                 <a:cs typeface="Arial" panose="020B0604020202020204" pitchFamily="34" charset="0"/>
                 <a:sym typeface="+mn-ea"/>
               </a:rPr>
-              <a:t>简介</a:t>
+              <a:t>入门</a:t>
             </a:r>
             <a:endParaRPr lang="zh-CN" altLang="en-US" sz="4800" b="1" dirty="0">
               <a:solidFill>
@@ -1743,7 +1869,7 @@
         <p:spPr>
           <a:xfrm>
             <a:off x="1437640" y="1743075"/>
-            <a:ext cx="5710555" cy="2030095"/>
+            <a:ext cx="5710555" cy="1614805"/>
           </a:xfrm>
           <a:prstGeom prst="rect">
             <a:avLst/>
@@ -1818,7 +1944,7 @@
                   <a:schemeClr val="bg1"/>
                 </a:solidFill>
               </a:rPr>
-              <a:t>阅读完本课件您将收获：</a:t>
+              <a:t>阅读完本部分课件您将收获：</a:t>
             </a:r>
             <a:endParaRPr lang="zh-CN" altLang="en-US">
               <a:solidFill>
@@ -1838,7 +1964,23 @@
                   <a:schemeClr val="bg1"/>
                 </a:solidFill>
               </a:rPr>
-              <a:t>通过简单的代码介绍和演示初步了解</a:t>
+              <a:t>通过</a:t>
+            </a:r>
+            <a:r>
+              <a:rPr lang="zh-CN" altLang="en-US">
+                <a:solidFill>
+                  <a:srgbClr val="00B0F0"/>
+                </a:solidFill>
+              </a:rPr>
+              <a:t>简单的代码演示</a:t>
+            </a:r>
+            <a:r>
+              <a:rPr lang="zh-CN" altLang="en-US">
+                <a:solidFill>
+                  <a:schemeClr val="bg1"/>
+                </a:solidFill>
+              </a:rPr>
+              <a:t>初步了解</a:t>
             </a:r>
             <a:r>
               <a:rPr lang="en-US" altLang="zh-CN">
@@ -1870,54 +2012,6 @@
                 <a:schemeClr val="bg1"/>
               </a:solidFill>
               <a:sym typeface="+mn-ea"/>
-            </a:endParaRPr>
-          </a:p>
-          <a:p>
-            <a:pPr fontAlgn="auto">
-              <a:lnSpc>
-                <a:spcPct val="150000"/>
-              </a:lnSpc>
-            </a:pPr>
-            <a:r>
-              <a:rPr lang="zh-CN" altLang="en-US">
-                <a:solidFill>
-                  <a:schemeClr val="bg1"/>
-                </a:solidFill>
-                <a:sym typeface="+mn-ea"/>
-              </a:rPr>
-              <a:t>通过一个实例项目初步了解</a:t>
-            </a:r>
-            <a:r>
-              <a:rPr lang="en-US" altLang="zh-CN">
-                <a:solidFill>
-                  <a:schemeClr val="bg1"/>
-                </a:solidFill>
-                <a:sym typeface="+mn-ea"/>
-              </a:rPr>
-              <a:t>webrtc</a:t>
-            </a:r>
-            <a:r>
-              <a:rPr lang="zh-CN" altLang="en-US">
-                <a:solidFill>
-                  <a:schemeClr val="bg1"/>
-                </a:solidFill>
-                <a:sym typeface="+mn-ea"/>
-              </a:rPr>
-              <a:t>和</a:t>
-            </a:r>
-            <a:r>
-              <a:rPr lang="en-US" altLang="zh-CN">
-                <a:solidFill>
-                  <a:schemeClr val="bg1"/>
-                </a:solidFill>
-                <a:sym typeface="+mn-ea"/>
-              </a:rPr>
-              <a:t>nodejs</a:t>
-            </a:r>
-            <a:endParaRPr lang="zh-CN" altLang="en-US">
-              <a:solidFill>
-                <a:schemeClr val="bg1"/>
-              </a:solidFill>
             </a:endParaRPr>
           </a:p>
           <a:p>
@@ -1962,8 +2056,8 @@
         </p:nvSpPr>
         <p:spPr>
           <a:xfrm>
-            <a:off x="854710" y="1108075"/>
-            <a:ext cx="7539990" cy="3692525"/>
+            <a:off x="854710" y="1082040"/>
+            <a:ext cx="7539990" cy="4523105"/>
           </a:xfrm>
           <a:prstGeom prst="rect">
             <a:avLst/>
@@ -1976,193 +2070,342 @@
           </a:bodyPr>
           <a:p>
             <a:r>
-              <a:rPr lang="zh-CN" altLang="en-US">
-                <a:solidFill>
-                  <a:schemeClr val="bg1"/>
-                </a:solidFill>
-              </a:rPr>
-              <a:t>&lt;script&gt;</a:t>
-            </a:r>
-            <a:endParaRPr lang="zh-CN" altLang="en-US">
-              <a:solidFill>
-                <a:schemeClr val="bg1"/>
-              </a:solidFill>
-            </a:endParaRPr>
-          </a:p>
-          <a:p>
-            <a:r>
-              <a:rPr lang="zh-CN" altLang="en-US">
-                <a:solidFill>
-                  <a:schemeClr val="bg1"/>
-                </a:solidFill>
-              </a:rPr>
-              <a:t>    var output = 'input=false';</a:t>
-            </a:r>
-            <a:endParaRPr lang="zh-CN" altLang="en-US">
-              <a:solidFill>
-                <a:schemeClr val="bg1"/>
-              </a:solidFill>
-            </a:endParaRPr>
-          </a:p>
-          <a:p>
-            <a:r>
-              <a:rPr lang="zh-CN" altLang="en-US">
-                <a:solidFill>
-                  <a:schemeClr val="bg1"/>
-                </a:solidFill>
-              </a:rPr>
-              <a:t>    function test(input) {</a:t>
-            </a:r>
-            <a:endParaRPr lang="zh-CN" altLang="en-US">
-              <a:solidFill>
-                <a:schemeClr val="bg1"/>
-              </a:solidFill>
-            </a:endParaRPr>
-          </a:p>
-          <a:p>
-            <a:r>
-              <a:rPr lang="zh-CN" altLang="en-US">
-                <a:solidFill>
-                  <a:schemeClr val="bg1"/>
-                </a:solidFill>
-              </a:rPr>
-              <a:t>        if (input) {</a:t>
-            </a:r>
-            <a:endParaRPr lang="zh-CN" altLang="en-US">
-              <a:solidFill>
-                <a:schemeClr val="bg1"/>
-              </a:solidFill>
-            </a:endParaRPr>
-          </a:p>
-          <a:p>
-            <a:r>
-              <a:rPr lang="zh-CN" altLang="en-US">
-                <a:solidFill>
-                  <a:schemeClr val="bg1"/>
-                </a:solidFill>
-              </a:rPr>
-              <a:t>            var output = 'input=true';</a:t>
-            </a:r>
-            <a:endParaRPr lang="zh-CN" altLang="en-US">
-              <a:solidFill>
-                <a:schemeClr val="bg1"/>
-              </a:solidFill>
-            </a:endParaRPr>
-          </a:p>
-          <a:p>
-            <a:r>
-              <a:rPr lang="zh-CN" altLang="en-US">
-                <a:solidFill>
-                  <a:schemeClr val="bg1"/>
-                </a:solidFill>
-              </a:rPr>
-              <a:t>            return output;</a:t>
-            </a:r>
-            <a:endParaRPr lang="zh-CN" altLang="en-US">
-              <a:solidFill>
-                <a:schemeClr val="bg1"/>
-              </a:solidFill>
-            </a:endParaRPr>
-          </a:p>
-          <a:p>
-            <a:r>
-              <a:rPr lang="zh-CN" altLang="en-US">
-                <a:solidFill>
-                  <a:schemeClr val="bg1"/>
-                </a:solidFill>
-              </a:rPr>
-              <a:t>        }</a:t>
-            </a:r>
-            <a:endParaRPr lang="zh-CN" altLang="en-US">
-              <a:solidFill>
-                <a:schemeClr val="bg1"/>
-              </a:solidFill>
-            </a:endParaRPr>
-          </a:p>
-          <a:p>
-            <a:r>
-              <a:rPr lang="zh-CN" altLang="en-US">
-                <a:solidFill>
-                  <a:schemeClr val="bg1"/>
-                </a:solidFill>
-              </a:rPr>
-              <a:t>        return output;</a:t>
-            </a:r>
-            <a:endParaRPr lang="zh-CN" altLang="en-US">
-              <a:solidFill>
-                <a:schemeClr val="bg1"/>
-              </a:solidFill>
-            </a:endParaRPr>
-          </a:p>
-          <a:p>
-            <a:r>
-              <a:rPr lang="zh-CN" altLang="en-US">
-                <a:solidFill>
-                  <a:schemeClr val="bg1"/>
-                </a:solidFill>
-              </a:rPr>
-              <a:t>    }</a:t>
-            </a:r>
-            <a:endParaRPr lang="zh-CN" altLang="en-US">
-              <a:solidFill>
-                <a:schemeClr val="bg1"/>
-              </a:solidFill>
-            </a:endParaRPr>
-          </a:p>
-          <a:p>
-            <a:r>
-              <a:rPr lang="zh-CN" altLang="en-US">
-                <a:solidFill>
-                  <a:schemeClr val="bg1"/>
-                </a:solidFill>
-              </a:rPr>
-              <a:t>    document.write(test(false));</a:t>
-            </a:r>
-            <a:endParaRPr lang="zh-CN" altLang="en-US">
-              <a:solidFill>
-                <a:schemeClr val="bg1"/>
-              </a:solidFill>
-            </a:endParaRPr>
-          </a:p>
-          <a:p>
-            <a:r>
-              <a:rPr lang="zh-CN" altLang="en-US">
-                <a:solidFill>
-                  <a:schemeClr val="bg1"/>
-                </a:solidFill>
-              </a:rPr>
-              <a:t>    document.write("&lt;br/&gt;");</a:t>
-            </a:r>
-            <a:endParaRPr lang="zh-CN" altLang="en-US">
-              <a:solidFill>
-                <a:schemeClr val="bg1"/>
-              </a:solidFill>
-            </a:endParaRPr>
-          </a:p>
-          <a:p>
-            <a:r>
-              <a:rPr lang="zh-CN" altLang="en-US">
-                <a:solidFill>
-                  <a:schemeClr val="bg1"/>
-                </a:solidFill>
-              </a:rPr>
-              <a:t>    document.write(test(true));</a:t>
-            </a:r>
-            <a:endParaRPr lang="zh-CN" altLang="en-US">
-              <a:solidFill>
-                <a:schemeClr val="bg1"/>
-              </a:solidFill>
-            </a:endParaRPr>
-          </a:p>
-          <a:p>
-            <a:r>
-              <a:rPr lang="zh-CN" altLang="en-US">
-                <a:solidFill>
-                  <a:schemeClr val="bg1"/>
-                </a:solidFill>
-              </a:rPr>
-              <a:t>&lt;/script&gt;</a:t>
-            </a:r>
+              <a:rPr lang="en-US" altLang="zh-CN" b="1">
+                <a:solidFill>
+                  <a:schemeClr val="bg1"/>
+                </a:solidFill>
+              </a:rPr>
+              <a:t>app.json:</a:t>
+            </a:r>
+            <a:endParaRPr lang="zh-CN" altLang="en-US" b="1">
+              <a:solidFill>
+                <a:schemeClr val="bg1"/>
+              </a:solidFill>
+            </a:endParaRPr>
+          </a:p>
+          <a:p>
+            <a:r>
+              <a:rPr lang="zh-CN" altLang="en-US">
+                <a:solidFill>
+                  <a:schemeClr val="bg1"/>
+                </a:solidFill>
+              </a:rPr>
+              <a:t>{</a:t>
+            </a:r>
+            <a:endParaRPr lang="zh-CN" altLang="en-US">
+              <a:solidFill>
+                <a:schemeClr val="bg1"/>
+              </a:solidFill>
+            </a:endParaRPr>
+          </a:p>
+          <a:p>
+            <a:r>
+              <a:rPr lang="zh-CN" altLang="en-US">
+                <a:solidFill>
+                  <a:schemeClr val="bg1"/>
+                </a:solidFill>
+              </a:rPr>
+              <a:t>  </a:t>
+            </a:r>
+            <a:r>
+              <a:rPr lang="zh-CN" altLang="en-US">
+                <a:solidFill>
+                  <a:srgbClr val="FF0000"/>
+                </a:solidFill>
+              </a:rPr>
+              <a:t>"pages"</a:t>
+            </a:r>
+            <a:r>
+              <a:rPr lang="zh-CN" altLang="en-US">
+                <a:solidFill>
+                  <a:schemeClr val="bg1"/>
+                </a:solidFill>
+              </a:rPr>
+              <a:t>: [</a:t>
+            </a:r>
+            <a:endParaRPr lang="zh-CN" altLang="en-US">
+              <a:solidFill>
+                <a:schemeClr val="bg1"/>
+              </a:solidFill>
+            </a:endParaRPr>
+          </a:p>
+          <a:p>
+            <a:r>
+              <a:rPr lang="zh-CN" altLang="en-US">
+                <a:solidFill>
+                  <a:srgbClr val="00B0F0"/>
+                </a:solidFill>
+              </a:rPr>
+              <a:t>    "pages/index/index",</a:t>
+            </a:r>
+            <a:endParaRPr lang="zh-CN" altLang="en-US">
+              <a:solidFill>
+                <a:srgbClr val="00B0F0"/>
+              </a:solidFill>
+            </a:endParaRPr>
+          </a:p>
+          <a:p>
+            <a:r>
+              <a:rPr lang="zh-CN" altLang="en-US">
+                <a:solidFill>
+                  <a:srgbClr val="00B0F0"/>
+                </a:solidFill>
+              </a:rPr>
+              <a:t>    "pages/logs/logs"</a:t>
+            </a:r>
+            <a:endParaRPr lang="zh-CN" altLang="en-US">
+              <a:solidFill>
+                <a:srgbClr val="00B0F0"/>
+              </a:solidFill>
+            </a:endParaRPr>
+          </a:p>
+          <a:p>
+            <a:r>
+              <a:rPr lang="zh-CN" altLang="en-US">
+                <a:solidFill>
+                  <a:schemeClr val="bg1"/>
+                </a:solidFill>
+              </a:rPr>
+              <a:t>  ],</a:t>
+            </a:r>
+            <a:endParaRPr lang="zh-CN" altLang="en-US">
+              <a:solidFill>
+                <a:schemeClr val="bg1"/>
+              </a:solidFill>
+            </a:endParaRPr>
+          </a:p>
+          <a:p>
+            <a:r>
+              <a:rPr lang="zh-CN" altLang="en-US">
+                <a:solidFill>
+                  <a:schemeClr val="bg1"/>
+                </a:solidFill>
+              </a:rPr>
+              <a:t>  </a:t>
+            </a:r>
+            <a:r>
+              <a:rPr lang="zh-CN" altLang="en-US">
+                <a:solidFill>
+                  <a:srgbClr val="FF0000"/>
+                </a:solidFill>
+              </a:rPr>
+              <a:t>"window"</a:t>
+            </a:r>
+            <a:r>
+              <a:rPr lang="zh-CN" altLang="en-US">
+                <a:solidFill>
+                  <a:schemeClr val="bg1"/>
+                </a:solidFill>
+              </a:rPr>
+              <a:t>: {</a:t>
+            </a:r>
+            <a:endParaRPr lang="zh-CN" altLang="en-US">
+              <a:solidFill>
+                <a:schemeClr val="bg1"/>
+              </a:solidFill>
+            </a:endParaRPr>
+          </a:p>
+          <a:p>
+            <a:r>
+              <a:rPr lang="zh-CN" altLang="en-US">
+                <a:solidFill>
+                  <a:schemeClr val="bg1"/>
+                </a:solidFill>
+              </a:rPr>
+              <a:t>  </a:t>
+            </a:r>
+            <a:r>
+              <a:rPr lang="zh-CN" altLang="en-US">
+                <a:solidFill>
+                  <a:srgbClr val="00B0F0"/>
+                </a:solidFill>
+              </a:rPr>
+              <a:t>  </a:t>
+            </a:r>
+            <a:r>
+              <a:rPr lang="zh-CN" altLang="en-US">
+                <a:solidFill>
+                  <a:srgbClr val="FFC000"/>
+                </a:solidFill>
+              </a:rPr>
+              <a:t>"backgroundTextStyle"</a:t>
+            </a:r>
+            <a:r>
+              <a:rPr lang="zh-CN" altLang="en-US">
+                <a:solidFill>
+                  <a:srgbClr val="00B0F0"/>
+                </a:solidFill>
+              </a:rPr>
+              <a:t>: "light",</a:t>
+            </a:r>
+            <a:endParaRPr lang="zh-CN" altLang="en-US">
+              <a:solidFill>
+                <a:srgbClr val="00B0F0"/>
+              </a:solidFill>
+            </a:endParaRPr>
+          </a:p>
+          <a:p>
+            <a:r>
+              <a:rPr lang="zh-CN" altLang="en-US">
+                <a:solidFill>
+                  <a:srgbClr val="00B0F0"/>
+                </a:solidFill>
+              </a:rPr>
+              <a:t>   </a:t>
+            </a:r>
+            <a:r>
+              <a:rPr lang="zh-CN" altLang="en-US">
+                <a:solidFill>
+                  <a:srgbClr val="FFC000"/>
+                </a:solidFill>
+              </a:rPr>
+              <a:t> "navigationBarBackgroundColor"</a:t>
+            </a:r>
+            <a:r>
+              <a:rPr lang="zh-CN" altLang="en-US">
+                <a:solidFill>
+                  <a:srgbClr val="00B0F0"/>
+                </a:solidFill>
+              </a:rPr>
+              <a:t>: "#fff",</a:t>
+            </a:r>
+            <a:endParaRPr lang="zh-CN" altLang="en-US">
+              <a:solidFill>
+                <a:srgbClr val="00B0F0"/>
+              </a:solidFill>
+            </a:endParaRPr>
+          </a:p>
+          <a:p>
+            <a:r>
+              <a:rPr lang="zh-CN" altLang="en-US">
+                <a:solidFill>
+                  <a:srgbClr val="00B0F0"/>
+                </a:solidFill>
+              </a:rPr>
+              <a:t>    </a:t>
+            </a:r>
+            <a:r>
+              <a:rPr lang="zh-CN" altLang="en-US">
+                <a:solidFill>
+                  <a:srgbClr val="FFC000"/>
+                </a:solidFill>
+              </a:rPr>
+              <a:t>"navigationBarTitleText"</a:t>
+            </a:r>
+            <a:r>
+              <a:rPr lang="zh-CN" altLang="en-US">
+                <a:solidFill>
+                  <a:srgbClr val="00B0F0"/>
+                </a:solidFill>
+              </a:rPr>
+              <a:t>: "WeChat",</a:t>
+            </a:r>
+            <a:endParaRPr lang="zh-CN" altLang="en-US">
+              <a:solidFill>
+                <a:srgbClr val="00B0F0"/>
+              </a:solidFill>
+            </a:endParaRPr>
+          </a:p>
+          <a:p>
+            <a:r>
+              <a:rPr lang="zh-CN" altLang="en-US">
+                <a:solidFill>
+                  <a:srgbClr val="00B0F0"/>
+                </a:solidFill>
+              </a:rPr>
+              <a:t>    </a:t>
+            </a:r>
+            <a:r>
+              <a:rPr lang="zh-CN" altLang="en-US">
+                <a:solidFill>
+                  <a:srgbClr val="FFC000"/>
+                </a:solidFill>
+              </a:rPr>
+              <a:t>"navigationBarTextStyle"</a:t>
+            </a:r>
+            <a:r>
+              <a:rPr lang="zh-CN" altLang="en-US">
+                <a:solidFill>
+                  <a:srgbClr val="00B0F0"/>
+                </a:solidFill>
+              </a:rPr>
+              <a:t>: "black"</a:t>
+            </a:r>
+            <a:endParaRPr lang="zh-CN" altLang="en-US">
+              <a:solidFill>
+                <a:srgbClr val="00B0F0"/>
+              </a:solidFill>
+            </a:endParaRPr>
+          </a:p>
+          <a:p>
+            <a:r>
+              <a:rPr lang="zh-CN" altLang="en-US">
+                <a:solidFill>
+                  <a:schemeClr val="bg1"/>
+                </a:solidFill>
+              </a:rPr>
+              <a:t>  },</a:t>
+            </a:r>
+            <a:endParaRPr lang="zh-CN" altLang="en-US">
+              <a:solidFill>
+                <a:schemeClr val="bg1"/>
+              </a:solidFill>
+            </a:endParaRPr>
+          </a:p>
+          <a:p>
+            <a:r>
+              <a:rPr lang="zh-CN" altLang="en-US">
+                <a:solidFill>
+                  <a:schemeClr val="bg1"/>
+                </a:solidFill>
+              </a:rPr>
+              <a:t>  </a:t>
+            </a:r>
+            <a:r>
+              <a:rPr lang="zh-CN" altLang="en-US">
+                <a:solidFill>
+                  <a:srgbClr val="FF0000"/>
+                </a:solidFill>
+              </a:rPr>
+              <a:t>"sitemapLocation"</a:t>
+            </a:r>
+            <a:r>
+              <a:rPr lang="zh-CN" altLang="en-US">
+                <a:solidFill>
+                  <a:schemeClr val="bg1"/>
+                </a:solidFill>
+              </a:rPr>
+              <a:t>: "sitemap.json"</a:t>
+            </a:r>
+            <a:endParaRPr lang="zh-CN" altLang="en-US">
+              <a:solidFill>
+                <a:schemeClr val="bg1"/>
+              </a:solidFill>
+            </a:endParaRPr>
+          </a:p>
+          <a:p>
+            <a:r>
+              <a:rPr lang="zh-CN" altLang="en-US">
+                <a:solidFill>
+                  <a:schemeClr val="bg1"/>
+                </a:solidFill>
+              </a:rPr>
+              <a:t>}</a:t>
+            </a:r>
+            <a:endParaRPr lang="zh-CN" altLang="en-US">
+              <a:solidFill>
+                <a:schemeClr val="bg1"/>
+              </a:solidFill>
+            </a:endParaRPr>
+          </a:p>
+          <a:p>
+            <a:endParaRPr lang="zh-CN" altLang="en-US">
+              <a:solidFill>
+                <a:schemeClr val="bg1"/>
+              </a:solidFill>
+            </a:endParaRPr>
+          </a:p>
+          <a:p>
             <a:endParaRPr lang="zh-CN" altLang="en-US">
               <a:solidFill>
                 <a:schemeClr val="bg1"/>
@@ -2180,7 +2423,7 @@
         <p:spPr>
           <a:xfrm>
             <a:off x="906145" y="423545"/>
-            <a:ext cx="3900170" cy="521970"/>
+            <a:ext cx="4234180" cy="521970"/>
           </a:xfrm>
           <a:prstGeom prst="rect">
             <a:avLst/>
@@ -2198,7 +2441,7 @@
                   <a:schemeClr val="bg1"/>
                 </a:solidFill>
               </a:rPr>
-              <a:t>var→let/const</a:t>
+              <a:t>json:</a:t>
             </a:r>
             <a:r>
               <a:rPr lang="zh-CN" altLang="en-US" sz="2800" b="1">
@@ -2206,15 +2449,7 @@
                   <a:schemeClr val="bg1"/>
                 </a:solidFill>
               </a:rPr>
-              <a:t>（</a:t>
-            </a:r>
-            <a:r>
-              <a:rPr lang="en-US" altLang="zh-CN" sz="2800" b="1">
-                <a:solidFill>
-                  <a:schemeClr val="bg1"/>
-                </a:solidFill>
-              </a:rPr>
-              <a:t>1</a:t>
+              <a:t>简洁</a:t>
             </a:r>
             <a:r>
               <a:rPr lang="zh-CN" altLang="en-US" sz="2800" b="1">
@@ -2222,7 +2457,7 @@
                   <a:schemeClr val="bg1"/>
                 </a:solidFill>
               </a:rPr>
-              <a:t>）</a:t>
+              <a:t>的数据结构</a:t>
             </a:r>
             <a:endParaRPr lang="zh-CN" altLang="en-US" sz="2800" b="1">
               <a:solidFill>
@@ -2292,7 +2527,7 @@
                   <a:schemeClr val="bg1"/>
                 </a:solidFill>
               </a:rPr>
-              <a:t>    let output = 'input=false';</a:t>
+              <a:t>    var output = 'input=false';</a:t>
             </a:r>
             <a:endParaRPr lang="zh-CN" altLang="en-US">
               <a:solidFill>
@@ -2337,23 +2572,7 @@
                   <a:schemeClr val="bg1"/>
                 </a:solidFill>
               </a:rPr>
-              <a:t>            </a:t>
-            </a:r>
-            <a:r>
-              <a:rPr lang="zh-CN" altLang="en-US">
-                <a:solidFill>
-                  <a:srgbClr val="FF0000"/>
-                </a:solidFill>
-              </a:rPr>
-              <a:t>let </a:t>
-            </a:r>
-            <a:r>
-              <a:rPr lang="zh-CN" altLang="en-US">
-                <a:solidFill>
-                  <a:schemeClr val="bg1"/>
-                </a:solidFill>
-              </a:rPr>
-              <a:t>output = 'input=true';</a:t>
+              <a:t>            var output = 'input=true';</a:t>
             </a:r>
             <a:endParaRPr lang="zh-CN" altLang="en-US">
               <a:solidFill>
@@ -2485,14 +2704,14 @@
       </p:sp>
       <p:sp>
         <p:nvSpPr>
-          <p:cNvPr id="6" name="文本框 5"/>
+          <p:cNvPr id="4" name="文本框 3"/>
           <p:cNvSpPr txBox="1"/>
           <p:nvPr/>
         </p:nvSpPr>
         <p:spPr>
           <a:xfrm>
             <a:off x="906145" y="423545"/>
-            <a:ext cx="3900170" cy="953135"/>
+            <a:ext cx="3900170" cy="521970"/>
           </a:xfrm>
           <a:prstGeom prst="rect">
             <a:avLst/>
@@ -2517,7 +2736,6 @@
                 <a:solidFill>
                   <a:schemeClr val="bg1"/>
                 </a:solidFill>
-                <a:sym typeface="+mn-ea"/>
               </a:rPr>
               <a:t>（</a:t>
             </a:r>
@@ -2526,7 +2744,6 @@
                 <a:solidFill>
                   <a:schemeClr val="bg1"/>
                 </a:solidFill>
-                <a:sym typeface="+mn-ea"/>
               </a:rPr>
               <a:t>1</a:t>
             </a:r>
@@ -2535,17 +2752,9 @@
                 <a:solidFill>
                   <a:schemeClr val="bg1"/>
                 </a:solidFill>
-                <a:sym typeface="+mn-ea"/>
               </a:rPr>
               <a:t>）</a:t>
             </a:r>
-            <a:endParaRPr lang="zh-CN" altLang="en-US" sz="2800" b="1">
-              <a:solidFill>
-                <a:schemeClr val="bg1"/>
-              </a:solidFill>
-            </a:endParaRPr>
-          </a:p>
-          <a:p>
             <a:endParaRPr lang="zh-CN" altLang="en-US" sz="2800" b="1">
               <a:solidFill>
                 <a:schemeClr val="bg1"/>
@@ -2581,7 +2790,7 @@
         <p:spPr>
           <a:xfrm>
             <a:off x="854710" y="1108075"/>
-            <a:ext cx="7539990" cy="2584450"/>
+            <a:ext cx="7539990" cy="3692525"/>
           </a:xfrm>
           <a:prstGeom prst="rect">
             <a:avLst/>
@@ -2614,45 +2823,113 @@
                   <a:schemeClr val="bg1"/>
                 </a:solidFill>
               </a:rPr>
-              <a:t>    {</a:t>
-            </a:r>
-            <a:endParaRPr lang="zh-CN" altLang="en-US">
-              <a:solidFill>
-                <a:schemeClr val="bg1"/>
-              </a:solidFill>
-            </a:endParaRPr>
-          </a:p>
-          <a:p>
-            <a:r>
-              <a:rPr lang="zh-CN" altLang="en-US">
-                <a:solidFill>
-                  <a:schemeClr val="bg1"/>
-                </a:solidFill>
-              </a:rPr>
-              <a:t>        var private = "var private:</a:t>
-            </a:r>
-            <a:endParaRPr lang="zh-CN" altLang="en-US">
-              <a:solidFill>
-                <a:schemeClr val="bg1"/>
-              </a:solidFill>
-            </a:endParaRPr>
-          </a:p>
-          <a:p>
-            <a:r>
-              <a:rPr lang="en-US" altLang="zh-CN">
-                <a:solidFill>
-                  <a:schemeClr val="bg1"/>
-                </a:solidFill>
-              </a:rPr>
-              <a:t>	</a:t>
-            </a:r>
-            <a:r>
-              <a:rPr lang="zh-CN" altLang="en-US">
-                <a:solidFill>
-                  <a:schemeClr val="bg1"/>
-                </a:solidFill>
-              </a:rPr>
-              <a:t>(This sentence should not be write on document.)";</a:t>
+              <a:t>    let output = 'input=false';</a:t>
+            </a:r>
+            <a:endParaRPr lang="zh-CN" altLang="en-US">
+              <a:solidFill>
+                <a:schemeClr val="bg1"/>
+              </a:solidFill>
+            </a:endParaRPr>
+          </a:p>
+          <a:p>
+            <a:r>
+              <a:rPr lang="zh-CN" altLang="en-US">
+                <a:solidFill>
+                  <a:schemeClr val="bg1"/>
+                </a:solidFill>
+              </a:rPr>
+              <a:t>    function test(input) {</a:t>
+            </a:r>
+            <a:endParaRPr lang="zh-CN" altLang="en-US">
+              <a:solidFill>
+                <a:schemeClr val="bg1"/>
+              </a:solidFill>
+            </a:endParaRPr>
+          </a:p>
+          <a:p>
+            <a:r>
+              <a:rPr lang="zh-CN" altLang="en-US">
+                <a:solidFill>
+                  <a:schemeClr val="bg1"/>
+                </a:solidFill>
+              </a:rPr>
+              <a:t>        if (input) {</a:t>
+            </a:r>
+            <a:endParaRPr lang="zh-CN" altLang="en-US">
+              <a:solidFill>
+                <a:schemeClr val="bg1"/>
+              </a:solidFill>
+            </a:endParaRPr>
+          </a:p>
+          <a:p>
+            <a:r>
+              <a:rPr lang="zh-CN" altLang="en-US">
+                <a:solidFill>
+                  <a:schemeClr val="bg1"/>
+                </a:solidFill>
+              </a:rPr>
+              <a:t>            </a:t>
+            </a:r>
+            <a:r>
+              <a:rPr lang="zh-CN" altLang="en-US">
+                <a:solidFill>
+                  <a:srgbClr val="FF0000"/>
+                </a:solidFill>
+              </a:rPr>
+              <a:t>let </a:t>
+            </a:r>
+            <a:r>
+              <a:rPr lang="zh-CN" altLang="en-US">
+                <a:solidFill>
+                  <a:schemeClr val="bg1"/>
+                </a:solidFill>
+              </a:rPr>
+              <a:t>output = 'input=true';</a:t>
+            </a:r>
+            <a:endParaRPr lang="zh-CN" altLang="en-US">
+              <a:solidFill>
+                <a:schemeClr val="bg1"/>
+              </a:solidFill>
+            </a:endParaRPr>
+          </a:p>
+          <a:p>
+            <a:r>
+              <a:rPr lang="zh-CN" altLang="en-US">
+                <a:solidFill>
+                  <a:schemeClr val="bg1"/>
+                </a:solidFill>
+              </a:rPr>
+              <a:t>            return output;</a:t>
+            </a:r>
+            <a:endParaRPr lang="zh-CN" altLang="en-US">
+              <a:solidFill>
+                <a:schemeClr val="bg1"/>
+              </a:solidFill>
+            </a:endParaRPr>
+          </a:p>
+          <a:p>
+            <a:r>
+              <a:rPr lang="zh-CN" altLang="en-US">
+                <a:solidFill>
+                  <a:schemeClr val="bg1"/>
+                </a:solidFill>
+              </a:rPr>
+              <a:t>        }</a:t>
+            </a:r>
+            <a:endParaRPr lang="zh-CN" altLang="en-US">
+              <a:solidFill>
+                <a:schemeClr val="bg1"/>
+              </a:solidFill>
+            </a:endParaRPr>
+          </a:p>
+          <a:p>
+            <a:r>
+              <a:rPr lang="zh-CN" altLang="en-US">
+                <a:solidFill>
+                  <a:schemeClr val="bg1"/>
+                </a:solidFill>
+              </a:rPr>
+              <a:t>        return output;</a:t>
             </a:r>
             <a:endParaRPr lang="zh-CN" altLang="en-US">
               <a:solidFill>
@@ -2682,7 +2959,7 @@
                   <a:schemeClr val="bg1"/>
                 </a:solidFill>
               </a:rPr>
-              <a:t>    document.write("Try to print a private parameter:");</a:t>
+              <a:t>    document.write(test(false));</a:t>
             </a:r>
             <a:endParaRPr lang="zh-CN" altLang="en-US">
               <a:solidFill>
@@ -2712,7 +2989,7 @@
                   <a:schemeClr val="bg1"/>
                 </a:solidFill>
               </a:rPr>
-              <a:t>    document.write(private);</a:t>
+              <a:t>    document.write(test(true));</a:t>
             </a:r>
             <a:endParaRPr lang="zh-CN" altLang="en-US">
               <a:solidFill>
@@ -2782,7 +3059,7 @@
                 </a:solidFill>
                 <a:sym typeface="+mn-ea"/>
               </a:rPr>
-              <a:t>2</a:t>
+              <a:t>1</a:t>
             </a:r>
             <a:r>
               <a:rPr lang="zh-CN" altLang="en-US" sz="2800" b="1">
@@ -2868,69 +3145,60 @@
                   <a:schemeClr val="bg1"/>
                 </a:solidFill>
               </a:rPr>
-              <a:t>    (</a:t>
-            </a:r>
-            <a:r>
-              <a:rPr lang="zh-CN" altLang="en-US">
-                <a:solidFill>
-                  <a:srgbClr val="FF0000"/>
-                </a:solidFill>
-              </a:rPr>
-              <a:t>function()</a:t>
-            </a:r>
-            <a:r>
-              <a:rPr lang="zh-CN" altLang="en-US">
-                <a:solidFill>
-                  <a:schemeClr val="bg1"/>
-                </a:solidFill>
-              </a:rPr>
-              <a:t>{</a:t>
-            </a:r>
-            <a:endParaRPr lang="zh-CN" altLang="en-US">
-              <a:solidFill>
-                <a:schemeClr val="bg1"/>
-              </a:solidFill>
-            </a:endParaRPr>
-          </a:p>
-          <a:p>
-            <a:r>
-              <a:rPr lang="zh-CN" altLang="en-US">
-                <a:solidFill>
-                  <a:schemeClr val="bg1"/>
-                </a:solidFill>
-              </a:rPr>
-              <a:t>        var private = "var private:(This sentence should not be write on document.)";</a:t>
-            </a:r>
-            <a:endParaRPr lang="zh-CN" altLang="en-US">
-              <a:solidFill>
-                <a:schemeClr val="bg1"/>
-              </a:solidFill>
-            </a:endParaRPr>
-          </a:p>
-          <a:p>
-            <a:r>
-              <a:rPr lang="zh-CN" altLang="en-US">
-                <a:solidFill>
-                  <a:schemeClr val="bg1"/>
-                </a:solidFill>
-              </a:rPr>
-              <a:t>    })</a:t>
-            </a:r>
-            <a:r>
-              <a:rPr lang="zh-CN" altLang="en-US">
-                <a:solidFill>
-                  <a:srgbClr val="FF0000"/>
-                </a:solidFill>
-              </a:rPr>
-              <a:t>()</a:t>
-            </a:r>
-            <a:r>
-              <a:rPr lang="zh-CN" altLang="en-US">
-                <a:solidFill>
-                  <a:schemeClr val="bg1"/>
-                </a:solidFill>
-              </a:rPr>
-              <a:t>;</a:t>
+              <a:t>    {</a:t>
+            </a:r>
+            <a:endParaRPr lang="zh-CN" altLang="en-US">
+              <a:solidFill>
+                <a:schemeClr val="bg1"/>
+              </a:solidFill>
+            </a:endParaRPr>
+          </a:p>
+          <a:p>
+            <a:r>
+              <a:rPr lang="zh-CN" altLang="en-US">
+                <a:solidFill>
+                  <a:schemeClr val="bg1"/>
+                </a:solidFill>
+              </a:rPr>
+              <a:t>        var private = "var private:</a:t>
+            </a:r>
+            <a:endParaRPr lang="zh-CN" altLang="en-US">
+              <a:solidFill>
+                <a:schemeClr val="bg1"/>
+              </a:solidFill>
+            </a:endParaRPr>
+          </a:p>
+          <a:p>
+            <a:r>
+              <a:rPr lang="en-US" altLang="zh-CN">
+                <a:solidFill>
+                  <a:schemeClr val="bg1"/>
+                </a:solidFill>
+              </a:rPr>
+              <a:t>	</a:t>
+            </a:r>
+            <a:r>
+              <a:rPr lang="zh-CN" altLang="en-US">
+                <a:solidFill>
+                  <a:schemeClr val="bg1"/>
+                </a:solidFill>
+              </a:rPr>
+              <a:t>(This sentence should not be write on document.)";</a:t>
+            </a:r>
+            <a:endParaRPr lang="zh-CN" altLang="en-US">
+              <a:solidFill>
+                <a:schemeClr val="bg1"/>
+              </a:solidFill>
+            </a:endParaRPr>
+          </a:p>
+          <a:p>
+            <a:r>
+              <a:rPr lang="zh-CN" altLang="en-US">
+                <a:solidFill>
+                  <a:schemeClr val="bg1"/>
+                </a:solidFill>
+              </a:rPr>
+              <a:t>    }</a:t>
             </a:r>
             <a:endParaRPr lang="zh-CN" altLang="en-US">
               <a:solidFill>
@@ -3002,7 +3270,7 @@
       </p:sp>
       <p:sp>
         <p:nvSpPr>
-          <p:cNvPr id="2" name="文本框 1"/>
+          <p:cNvPr id="6" name="文本框 5"/>
           <p:cNvSpPr txBox="1"/>
           <p:nvPr/>
         </p:nvSpPr>
@@ -3098,7 +3366,7 @@
         <p:spPr>
           <a:xfrm>
             <a:off x="854710" y="1108075"/>
-            <a:ext cx="7539990" cy="3692525"/>
+            <a:ext cx="7539990" cy="2584450"/>
           </a:xfrm>
           <a:prstGeom prst="rect">
             <a:avLst/>
@@ -3131,22 +3399,7 @@
                   <a:schemeClr val="bg1"/>
                 </a:solidFill>
               </a:rPr>
-              <a:t>    {</a:t>
-            </a:r>
-            <a:endParaRPr lang="zh-CN" altLang="en-US">
-              <a:solidFill>
-                <a:schemeClr val="bg1"/>
-              </a:solidFill>
-            </a:endParaRPr>
-          </a:p>
-          <a:p>
-            <a:r>
-              <a:rPr lang="zh-CN" altLang="en-US">
-                <a:solidFill>
-                  <a:schemeClr val="bg1"/>
-                </a:solidFill>
-              </a:rPr>
-              <a:t>        </a:t>
+              <a:t>    (</a:t>
             </a:r>
             <a:r>
               <a:rPr lang="zh-CN" altLang="en-US">
@@ -3154,45 +3407,45 @@
                   <a:srgbClr val="FF0000"/>
                 </a:solidFill>
               </a:rPr>
-              <a:t>let </a:t>
-            </a:r>
-            <a:r>
-              <a:rPr lang="zh-CN" altLang="en-US">
-                <a:solidFill>
-                  <a:schemeClr val="bg1"/>
-                </a:solidFill>
-              </a:rPr>
-              <a:t>private1 = "let private1:</a:t>
-            </a:r>
-            <a:endParaRPr lang="zh-CN" altLang="en-US">
-              <a:solidFill>
-                <a:schemeClr val="bg1"/>
-              </a:solidFill>
-            </a:endParaRPr>
-          </a:p>
-          <a:p>
-            <a:r>
-              <a:rPr lang="zh-CN" altLang="en-US">
-                <a:solidFill>
-                  <a:schemeClr val="bg1"/>
-                </a:solidFill>
-              </a:rPr>
-              <a:t>(This sentence should not be write on document.)";</a:t>
-            </a:r>
-            <a:endParaRPr lang="zh-CN" altLang="en-US">
-              <a:solidFill>
-                <a:schemeClr val="bg1"/>
-              </a:solidFill>
-            </a:endParaRPr>
-          </a:p>
-          <a:p>
-            <a:r>
-              <a:rPr lang="zh-CN" altLang="en-US">
-                <a:solidFill>
-                  <a:schemeClr val="bg1"/>
-                </a:solidFill>
-              </a:rPr>
-              <a:t>        </a:t>
+              <a:t>function()</a:t>
+            </a:r>
+            <a:r>
+              <a:rPr lang="zh-CN" altLang="en-US">
+                <a:solidFill>
+                  <a:schemeClr val="bg1"/>
+                </a:solidFill>
+              </a:rPr>
+              <a:t>{</a:t>
+            </a:r>
+            <a:endParaRPr lang="zh-CN" altLang="en-US">
+              <a:solidFill>
+                <a:schemeClr val="bg1"/>
+              </a:solidFill>
+            </a:endParaRPr>
+          </a:p>
+          <a:p>
+            <a:r>
+              <a:rPr lang="zh-CN" altLang="en-US">
+                <a:solidFill>
+                  <a:schemeClr val="bg1"/>
+                </a:solidFill>
+              </a:rPr>
+              <a:t>        var private = "var private:(This sentence should not be write on document.)";</a:t>
+            </a:r>
+            <a:endParaRPr lang="zh-CN" altLang="en-US">
+              <a:solidFill>
+                <a:schemeClr val="bg1"/>
+              </a:solidFill>
+            </a:endParaRPr>
+          </a:p>
+          <a:p>
+            <a:r>
+              <a:rPr lang="zh-CN" altLang="en-US">
+                <a:solidFill>
+                  <a:schemeClr val="bg1"/>
+                </a:solidFill>
+              </a:rPr>
+              <a:t>    })</a:t>
             </a:r>
             <a:r>
               <a:rPr lang="zh-CN" altLang="en-US">
@@ -3200,68 +3453,30 @@
                   <a:srgbClr val="FF0000"/>
                 </a:solidFill>
               </a:rPr>
-              <a:t>const </a:t>
-            </a:r>
-            <a:r>
-              <a:rPr lang="zh-CN" altLang="en-US">
-                <a:solidFill>
-                  <a:schemeClr val="bg1"/>
-                </a:solidFill>
-              </a:rPr>
-              <a:t>private2 = "const private2</a:t>
-            </a:r>
-            <a:r>
-              <a:rPr lang="en-US" altLang="zh-CN">
-                <a:solidFill>
-                  <a:schemeClr val="bg1"/>
-                </a:solidFill>
-              </a:rPr>
-              <a:t>:</a:t>
-            </a:r>
-            <a:endParaRPr lang="zh-CN" altLang="en-US">
-              <a:solidFill>
-                <a:schemeClr val="bg1"/>
-              </a:solidFill>
-            </a:endParaRPr>
-          </a:p>
-          <a:p>
-            <a:r>
-              <a:rPr lang="zh-CN" altLang="en-US">
-                <a:solidFill>
-                  <a:schemeClr val="bg1"/>
-                </a:solidFill>
-              </a:rPr>
-              <a:t>(This sentence should not be write on document.)";</a:t>
-            </a:r>
-            <a:endParaRPr lang="zh-CN" altLang="en-US">
-              <a:solidFill>
-                <a:schemeClr val="bg1"/>
-              </a:solidFill>
-            </a:endParaRPr>
-          </a:p>
-          <a:p>
-            <a:r>
-              <a:rPr lang="zh-CN" altLang="en-US">
-                <a:solidFill>
-                  <a:schemeClr val="bg1"/>
-                </a:solidFill>
-              </a:rPr>
-              <a:t>    }</a:t>
-            </a:r>
-            <a:endParaRPr lang="zh-CN" altLang="en-US">
-              <a:solidFill>
-                <a:schemeClr val="bg1"/>
-              </a:solidFill>
-            </a:endParaRPr>
-          </a:p>
-          <a:p>
-            <a:r>
-              <a:rPr lang="zh-CN" altLang="en-US">
-                <a:solidFill>
-                  <a:schemeClr val="bg1"/>
-                </a:solidFill>
-              </a:rPr>
-              <a:t>    document.write("Try to print private parameters:");</a:t>
+              <a:t>()</a:t>
+            </a:r>
+            <a:r>
+              <a:rPr lang="zh-CN" altLang="en-US">
+                <a:solidFill>
+                  <a:schemeClr val="bg1"/>
+                </a:solidFill>
+              </a:rPr>
+              <a:t>;</a:t>
+            </a:r>
+            <a:endParaRPr lang="zh-CN" altLang="en-US">
+              <a:solidFill>
+                <a:schemeClr val="bg1"/>
+              </a:solidFill>
+            </a:endParaRPr>
+          </a:p>
+          <a:p>
+            <a:r>
+              <a:rPr lang="zh-CN" altLang="en-US">
+                <a:solidFill>
+                  <a:schemeClr val="bg1"/>
+                </a:solidFill>
+              </a:rPr>
+              <a:t>    document.write("Try to print a private parameter:");</a:t>
             </a:r>
             <a:endParaRPr lang="zh-CN" altLang="en-US">
               <a:solidFill>
@@ -3291,37 +3506,7 @@
                   <a:schemeClr val="bg1"/>
                 </a:solidFill>
               </a:rPr>
-              <a:t>    document.write(private1);</a:t>
-            </a:r>
-            <a:endParaRPr lang="zh-CN" altLang="en-US">
-              <a:solidFill>
-                <a:schemeClr val="bg1"/>
-              </a:solidFill>
-            </a:endParaRPr>
-          </a:p>
-          <a:p>
-            <a:r>
-              <a:rPr lang="zh-CN" altLang="en-US">
-                <a:solidFill>
-                  <a:schemeClr val="bg1"/>
-                </a:solidFill>
-              </a:rPr>
-              <a:t>    document.write("&lt;br/&gt;");</a:t>
-            </a:r>
-            <a:endParaRPr lang="zh-CN" altLang="en-US">
-              <a:solidFill>
-                <a:schemeClr val="bg1"/>
-              </a:solidFill>
-            </a:endParaRPr>
-          </a:p>
-          <a:p>
-            <a:r>
-              <a:rPr lang="zh-CN" altLang="en-US">
-                <a:solidFill>
-                  <a:schemeClr val="bg1"/>
-                </a:solidFill>
-              </a:rPr>
-              <a:t>    document.write(private2);</a:t>
+              <a:t>    document.write(private);</a:t>
             </a:r>
             <a:endParaRPr lang="zh-CN" altLang="en-US">
               <a:solidFill>
@@ -3444,7 +3629,7 @@
         <p:spPr>
           <a:xfrm>
             <a:off x="854710" y="1108075"/>
-            <a:ext cx="7539990" cy="2553335"/>
+            <a:ext cx="7539990" cy="3692525"/>
           </a:xfrm>
           <a:prstGeom prst="rect">
             <a:avLst/>
@@ -3456,176 +3641,235 @@
             <a:spAutoFit/>
           </a:bodyPr>
           <a:p>
-            <a:endParaRPr lang="zh-CN" altLang="en-US" sz="2000">
-              <a:solidFill>
-                <a:schemeClr val="bg1"/>
-              </a:solidFill>
-            </a:endParaRPr>
-          </a:p>
-          <a:p>
-            <a:r>
-              <a:rPr lang="zh-CN" altLang="en-US" sz="2000">
+            <a:r>
+              <a:rPr lang="zh-CN" altLang="en-US">
                 <a:solidFill>
                   <a:schemeClr val="bg1"/>
                 </a:solidFill>
               </a:rPr>
               <a:t>&lt;script&gt;</a:t>
             </a:r>
-            <a:endParaRPr lang="zh-CN" altLang="en-US" sz="2000">
-              <a:solidFill>
-                <a:schemeClr val="bg1"/>
-              </a:solidFill>
-            </a:endParaRPr>
-          </a:p>
-          <a:p>
-            <a:r>
-              <a:rPr lang="zh-CN" altLang="en-US" sz="2000">
-                <a:solidFill>
-                  <a:schemeClr val="bg1"/>
-                </a:solidFill>
-              </a:rPr>
-              <a:t>    let word1='Company name'</a:t>
-            </a:r>
-            <a:r>
-              <a:rPr lang="en-US" altLang="zh-CN" sz="2000">
-                <a:solidFill>
-                  <a:schemeClr val="bg1"/>
-                </a:solidFill>
-              </a:rPr>
-              <a:t>;</a:t>
-            </a:r>
-            <a:endParaRPr lang="zh-CN" altLang="en-US" sz="2000">
-              <a:solidFill>
-                <a:schemeClr val="bg1"/>
-              </a:solidFill>
-            </a:endParaRPr>
-          </a:p>
-          <a:p>
-            <a:r>
-              <a:rPr lang="zh-CN" altLang="en-US" sz="2000">
-                <a:solidFill>
-                  <a:schemeClr val="bg1"/>
-                </a:solidFill>
-              </a:rPr>
-              <a:t>    let word2='starnet'</a:t>
-            </a:r>
-            <a:r>
-              <a:rPr lang="en-US" altLang="zh-CN" sz="2000">
-                <a:solidFill>
-                  <a:schemeClr val="bg1"/>
-                </a:solidFill>
-              </a:rPr>
-              <a:t>;</a:t>
-            </a:r>
-            <a:endParaRPr lang="zh-CN" altLang="en-US" sz="2000">
-              <a:solidFill>
-                <a:schemeClr val="bg1"/>
-              </a:solidFill>
-            </a:endParaRPr>
-          </a:p>
-          <a:p>
-            <a:r>
-              <a:rPr lang="zh-CN" altLang="en-US" sz="2000">
-                <a:solidFill>
-                  <a:schemeClr val="bg1"/>
-                </a:solidFill>
-              </a:rPr>
-              <a:t>    document.write(word1+':'+word2)</a:t>
-            </a:r>
-            <a:r>
-              <a:rPr lang="en-US" altLang="zh-CN" sz="2000">
-                <a:solidFill>
-                  <a:schemeClr val="bg1"/>
-                </a:solidFill>
-              </a:rPr>
-              <a:t>;</a:t>
-            </a:r>
-            <a:r>
-              <a:rPr lang="zh-CN" altLang="en-US" sz="2000">
-                <a:solidFill>
-                  <a:schemeClr val="bg1"/>
-                </a:solidFill>
-              </a:rPr>
-              <a:t>//ES5</a:t>
-            </a:r>
-            <a:endParaRPr lang="zh-CN" altLang="en-US" sz="2000">
-              <a:solidFill>
-                <a:schemeClr val="bg1"/>
-              </a:solidFill>
-            </a:endParaRPr>
-          </a:p>
-          <a:p>
-            <a:r>
-              <a:rPr lang="zh-CN" altLang="en-US" sz="2000">
-                <a:solidFill>
-                  <a:schemeClr val="bg1"/>
-                </a:solidFill>
-              </a:rPr>
-              <a:t>    document.write("&lt;br/&gt;")</a:t>
-            </a:r>
-            <a:r>
-              <a:rPr lang="en-US" altLang="zh-CN" sz="2000">
-                <a:solidFill>
-                  <a:schemeClr val="bg1"/>
-                </a:solidFill>
-              </a:rPr>
-              <a:t>;</a:t>
-            </a:r>
-            <a:endParaRPr lang="zh-CN" altLang="en-US" sz="2000">
-              <a:solidFill>
-                <a:schemeClr val="bg1"/>
-              </a:solidFill>
-            </a:endParaRPr>
-          </a:p>
-          <a:p>
-            <a:r>
-              <a:rPr lang="zh-CN" altLang="en-US" sz="2000">
-                <a:solidFill>
-                  <a:schemeClr val="bg1"/>
-                </a:solidFill>
-              </a:rPr>
-              <a:t>    </a:t>
-            </a:r>
-            <a:r>
-              <a:rPr lang="zh-CN" altLang="en-US" sz="2000">
+            <a:endParaRPr lang="zh-CN" altLang="en-US">
+              <a:solidFill>
+                <a:schemeClr val="bg1"/>
+              </a:solidFill>
+            </a:endParaRPr>
+          </a:p>
+          <a:p>
+            <a:r>
+              <a:rPr lang="zh-CN" altLang="en-US">
+                <a:solidFill>
+                  <a:schemeClr val="bg1"/>
+                </a:solidFill>
+              </a:rPr>
+              <a:t>    {</a:t>
+            </a:r>
+            <a:endParaRPr lang="zh-CN" altLang="en-US">
+              <a:solidFill>
+                <a:schemeClr val="bg1"/>
+              </a:solidFill>
+            </a:endParaRPr>
+          </a:p>
+          <a:p>
+            <a:r>
+              <a:rPr lang="zh-CN" altLang="en-US">
+                <a:solidFill>
+                  <a:schemeClr val="bg1"/>
+                </a:solidFill>
+              </a:rPr>
+              <a:t>        </a:t>
+            </a:r>
+            <a:r>
+              <a:rPr lang="zh-CN" altLang="en-US">
                 <a:solidFill>
                   <a:srgbClr val="FF0000"/>
                 </a:solidFill>
               </a:rPr>
-              <a:t>document.write(`${word1}:${word2}`)</a:t>
-            </a:r>
-            <a:r>
-              <a:rPr lang="en-US" altLang="zh-CN" sz="2000">
+              <a:t>let </a:t>
+            </a:r>
+            <a:r>
+              <a:rPr lang="zh-CN" altLang="en-US">
+                <a:solidFill>
+                  <a:schemeClr val="bg1"/>
+                </a:solidFill>
+              </a:rPr>
+              <a:t>private1 = "let private1:</a:t>
+            </a:r>
+            <a:endParaRPr lang="zh-CN" altLang="en-US">
+              <a:solidFill>
+                <a:schemeClr val="bg1"/>
+              </a:solidFill>
+            </a:endParaRPr>
+          </a:p>
+          <a:p>
+            <a:r>
+              <a:rPr lang="zh-CN" altLang="en-US">
+                <a:solidFill>
+                  <a:schemeClr val="bg1"/>
+                </a:solidFill>
+              </a:rPr>
+              <a:t>(This sentence should not be write on document.)";</a:t>
+            </a:r>
+            <a:endParaRPr lang="zh-CN" altLang="en-US">
+              <a:solidFill>
+                <a:schemeClr val="bg1"/>
+              </a:solidFill>
+            </a:endParaRPr>
+          </a:p>
+          <a:p>
+            <a:r>
+              <a:rPr lang="zh-CN" altLang="en-US">
+                <a:solidFill>
+                  <a:schemeClr val="bg1"/>
+                </a:solidFill>
+              </a:rPr>
+              <a:t>        </a:t>
+            </a:r>
+            <a:r>
+              <a:rPr lang="zh-CN" altLang="en-US">
                 <a:solidFill>
                   <a:srgbClr val="FF0000"/>
                 </a:solidFill>
               </a:rPr>
-              <a:t>;</a:t>
-            </a:r>
-            <a:r>
-              <a:rPr lang="zh-CN" altLang="en-US" sz="2000">
-                <a:solidFill>
-                  <a:schemeClr val="bg1"/>
-                </a:solidFill>
-              </a:rPr>
-              <a:t>//ES6</a:t>
-            </a:r>
-            <a:endParaRPr lang="zh-CN" altLang="en-US" sz="2000">
-              <a:solidFill>
-                <a:schemeClr val="bg1"/>
-              </a:solidFill>
-            </a:endParaRPr>
-          </a:p>
-          <a:p>
-            <a:r>
-              <a:rPr lang="zh-CN" altLang="en-US" sz="2000">
+              <a:t>const </a:t>
+            </a:r>
+            <a:r>
+              <a:rPr lang="zh-CN" altLang="en-US">
+                <a:solidFill>
+                  <a:schemeClr val="bg1"/>
+                </a:solidFill>
+              </a:rPr>
+              <a:t>private2 = "const private2</a:t>
+            </a:r>
+            <a:r>
+              <a:rPr lang="en-US" altLang="zh-CN">
+                <a:solidFill>
+                  <a:schemeClr val="bg1"/>
+                </a:solidFill>
+              </a:rPr>
+              <a:t>:</a:t>
+            </a:r>
+            <a:endParaRPr lang="zh-CN" altLang="en-US">
+              <a:solidFill>
+                <a:schemeClr val="bg1"/>
+              </a:solidFill>
+            </a:endParaRPr>
+          </a:p>
+          <a:p>
+            <a:r>
+              <a:rPr lang="zh-CN" altLang="en-US">
+                <a:solidFill>
+                  <a:schemeClr val="bg1"/>
+                </a:solidFill>
+              </a:rPr>
+              <a:t>(This sentence should not be write on document.)";</a:t>
+            </a:r>
+            <a:endParaRPr lang="zh-CN" altLang="en-US">
+              <a:solidFill>
+                <a:schemeClr val="bg1"/>
+              </a:solidFill>
+            </a:endParaRPr>
+          </a:p>
+          <a:p>
+            <a:r>
+              <a:rPr lang="zh-CN" altLang="en-US">
+                <a:solidFill>
+                  <a:schemeClr val="bg1"/>
+                </a:solidFill>
+              </a:rPr>
+              <a:t>    }</a:t>
+            </a:r>
+            <a:endParaRPr lang="zh-CN" altLang="en-US">
+              <a:solidFill>
+                <a:schemeClr val="bg1"/>
+              </a:solidFill>
+            </a:endParaRPr>
+          </a:p>
+          <a:p>
+            <a:r>
+              <a:rPr lang="zh-CN" altLang="en-US">
+                <a:solidFill>
+                  <a:schemeClr val="bg1"/>
+                </a:solidFill>
+              </a:rPr>
+              <a:t>    document.write("Try to print private parameters:");</a:t>
+            </a:r>
+            <a:endParaRPr lang="zh-CN" altLang="en-US">
+              <a:solidFill>
+                <a:schemeClr val="bg1"/>
+              </a:solidFill>
+            </a:endParaRPr>
+          </a:p>
+          <a:p>
+            <a:r>
+              <a:rPr lang="zh-CN" altLang="en-US">
+                <a:solidFill>
+                  <a:schemeClr val="bg1"/>
+                </a:solidFill>
+              </a:rPr>
+              <a:t>    document.write("&lt;br/&gt;");</a:t>
+            </a:r>
+            <a:endParaRPr lang="zh-CN" altLang="en-US">
+              <a:solidFill>
+                <a:schemeClr val="bg1"/>
+              </a:solidFill>
+            </a:endParaRPr>
+          </a:p>
+          <a:p>
+            <a:r>
+              <a:rPr lang="zh-CN" altLang="en-US">
+                <a:solidFill>
+                  <a:schemeClr val="bg1"/>
+                </a:solidFill>
+              </a:rPr>
+              <a:t>    document.write(private1);</a:t>
+            </a:r>
+            <a:endParaRPr lang="zh-CN" altLang="en-US">
+              <a:solidFill>
+                <a:schemeClr val="bg1"/>
+              </a:solidFill>
+            </a:endParaRPr>
+          </a:p>
+          <a:p>
+            <a:r>
+              <a:rPr lang="zh-CN" altLang="en-US">
+                <a:solidFill>
+                  <a:schemeClr val="bg1"/>
+                </a:solidFill>
+              </a:rPr>
+              <a:t>    document.write("&lt;br/&gt;");</a:t>
+            </a:r>
+            <a:endParaRPr lang="zh-CN" altLang="en-US">
+              <a:solidFill>
+                <a:schemeClr val="bg1"/>
+              </a:solidFill>
+            </a:endParaRPr>
+          </a:p>
+          <a:p>
+            <a:r>
+              <a:rPr lang="zh-CN" altLang="en-US">
+                <a:solidFill>
+                  <a:schemeClr val="bg1"/>
+                </a:solidFill>
+              </a:rPr>
+              <a:t>    document.write(private2);</a:t>
+            </a:r>
+            <a:endParaRPr lang="zh-CN" altLang="en-US">
+              <a:solidFill>
+                <a:schemeClr val="bg1"/>
+              </a:solidFill>
+            </a:endParaRPr>
+          </a:p>
+          <a:p>
+            <a:r>
+              <a:rPr lang="zh-CN" altLang="en-US">
                 <a:solidFill>
                   <a:schemeClr val="bg1"/>
                 </a:solidFill>
               </a:rPr>
               <a:t>&lt;/script&gt;</a:t>
             </a:r>
-            <a:endParaRPr lang="zh-CN" altLang="en-US" sz="2000">
+            <a:endParaRPr lang="zh-CN" altLang="en-US">
               <a:solidFill>
                 <a:schemeClr val="bg1"/>
               </a:solidFill>
@@ -3642,7 +3886,7 @@
         <p:spPr>
           <a:xfrm>
             <a:off x="906145" y="423545"/>
-            <a:ext cx="3900170" cy="521970"/>
+            <a:ext cx="3900170" cy="953135"/>
           </a:xfrm>
           <a:prstGeom prst="rect">
             <a:avLst/>
@@ -3655,29 +3899,47 @@
           </a:bodyPr>
           <a:p>
             <a:r>
-              <a:rPr lang="zh-CN" sz="2800" b="1">
-                <a:solidFill>
-                  <a:schemeClr val="bg1"/>
-                </a:solidFill>
-              </a:rPr>
-              <a:t>解构赋值（</a:t>
-            </a:r>
-            <a:r>
               <a:rPr lang="en-US" altLang="zh-CN" sz="2800" b="1">
                 <a:solidFill>
                   <a:schemeClr val="bg1"/>
                 </a:solidFill>
               </a:rPr>
-              <a:t>1</a:t>
+              <a:t>var→let/const</a:t>
             </a:r>
             <a:r>
               <a:rPr lang="zh-CN" altLang="en-US" sz="2800" b="1">
                 <a:solidFill>
                   <a:schemeClr val="bg1"/>
                 </a:solidFill>
+                <a:sym typeface="+mn-ea"/>
+              </a:rPr>
+              <a:t>（</a:t>
+            </a:r>
+            <a:r>
+              <a:rPr lang="en-US" altLang="zh-CN" sz="2800" b="1">
+                <a:solidFill>
+                  <a:schemeClr val="bg1"/>
+                </a:solidFill>
+                <a:sym typeface="+mn-ea"/>
+              </a:rPr>
+              <a:t>2</a:t>
+            </a:r>
+            <a:r>
+              <a:rPr lang="zh-CN" altLang="en-US" sz="2800" b="1">
+                <a:solidFill>
+                  <a:schemeClr val="bg1"/>
+                </a:solidFill>
+                <a:sym typeface="+mn-ea"/>
               </a:rPr>
               <a:t>）</a:t>
             </a:r>
+            <a:endParaRPr lang="zh-CN" altLang="en-US" sz="2800" b="1">
+              <a:solidFill>
+                <a:schemeClr val="bg1"/>
+              </a:solidFill>
+            </a:endParaRPr>
+          </a:p>
+          <a:p>
             <a:endParaRPr lang="zh-CN" altLang="en-US" sz="2800" b="1">
               <a:solidFill>
                 <a:schemeClr val="bg1"/>
@@ -3713,7 +3975,7 @@
         <p:spPr>
           <a:xfrm>
             <a:off x="854710" y="1108075"/>
-            <a:ext cx="7539990" cy="2245360"/>
+            <a:ext cx="7539990" cy="2553335"/>
           </a:xfrm>
           <a:prstGeom prst="rect">
             <a:avLst/>
@@ -3753,7 +4015,15 @@
                   <a:schemeClr val="bg1"/>
                 </a:solidFill>
               </a:rPr>
-              <a:t>    const array = [1, 2, 3, 4];</a:t>
+              <a:t>    let word1='Company name'</a:t>
+            </a:r>
+            <a:r>
+              <a:rPr lang="en-US" altLang="zh-CN" sz="2000">
+                <a:solidFill>
+                  <a:schemeClr val="bg1"/>
+                </a:solidFill>
+              </a:rPr>
+              <a:t>;</a:t>
             </a:r>
             <a:endParaRPr lang="zh-CN" altLang="en-US" sz="2000">
               <a:solidFill>
@@ -3768,6 +4038,83 @@
                   <a:schemeClr val="bg1"/>
                 </a:solidFill>
               </a:rPr>
+              <a:t>    let word2='starnet'</a:t>
+            </a:r>
+            <a:r>
+              <a:rPr lang="en-US" altLang="zh-CN" sz="2000">
+                <a:solidFill>
+                  <a:schemeClr val="bg1"/>
+                </a:solidFill>
+              </a:rPr>
+              <a:t>;</a:t>
+            </a:r>
+            <a:endParaRPr lang="zh-CN" altLang="en-US" sz="2000">
+              <a:solidFill>
+                <a:schemeClr val="bg1"/>
+              </a:solidFill>
+            </a:endParaRPr>
+          </a:p>
+          <a:p>
+            <a:r>
+              <a:rPr lang="zh-CN" altLang="en-US" sz="2000">
+                <a:solidFill>
+                  <a:schemeClr val="bg1"/>
+                </a:solidFill>
+              </a:rPr>
+              <a:t>    document.write(word1+':'+word2)</a:t>
+            </a:r>
+            <a:r>
+              <a:rPr lang="en-US" altLang="zh-CN" sz="2000">
+                <a:solidFill>
+                  <a:schemeClr val="bg1"/>
+                </a:solidFill>
+              </a:rPr>
+              <a:t>;</a:t>
+            </a:r>
+            <a:r>
+              <a:rPr lang="zh-CN" altLang="en-US" sz="2000">
+                <a:solidFill>
+                  <a:schemeClr val="bg1"/>
+                </a:solidFill>
+              </a:rPr>
+              <a:t>//ES5</a:t>
+            </a:r>
+            <a:endParaRPr lang="zh-CN" altLang="en-US" sz="2000">
+              <a:solidFill>
+                <a:schemeClr val="bg1"/>
+              </a:solidFill>
+            </a:endParaRPr>
+          </a:p>
+          <a:p>
+            <a:r>
+              <a:rPr lang="zh-CN" altLang="en-US" sz="2000">
+                <a:solidFill>
+                  <a:schemeClr val="bg1"/>
+                </a:solidFill>
+              </a:rPr>
+              <a:t>    document.write("&lt;br/&gt;")</a:t>
+            </a:r>
+            <a:r>
+              <a:rPr lang="en-US" altLang="zh-CN" sz="2000">
+                <a:solidFill>
+                  <a:schemeClr val="bg1"/>
+                </a:solidFill>
+              </a:rPr>
+              <a:t>;</a:t>
+            </a:r>
+            <a:endParaRPr lang="zh-CN" altLang="en-US" sz="2000">
+              <a:solidFill>
+                <a:schemeClr val="bg1"/>
+              </a:solidFill>
+            </a:endParaRPr>
+          </a:p>
+          <a:p>
+            <a:r>
+              <a:rPr lang="zh-CN" altLang="en-US" sz="2000">
+                <a:solidFill>
+                  <a:schemeClr val="bg1"/>
+                </a:solidFill>
+              </a:rPr>
               <a:t>    </a:t>
             </a:r>
             <a:r>
@@ -3776,37 +4123,23 @@
                   <a:srgbClr val="FF0000"/>
                 </a:solidFill>
               </a:rPr>
-              <a:t>const [first, ,third] = array;</a:t>
-            </a:r>
-            <a:endParaRPr lang="zh-CN" altLang="en-US" sz="2000">
-              <a:solidFill>
-                <a:srgbClr val="FF0000"/>
-              </a:solidFill>
-            </a:endParaRPr>
-          </a:p>
-          <a:p>
+              <a:t>document.write(`${word1}:${word2}`)</a:t>
+            </a:r>
+            <a:r>
+              <a:rPr lang="en-US" altLang="zh-CN" sz="2000">
+                <a:solidFill>
+                  <a:srgbClr val="FF0000"/>
+                </a:solidFill>
+              </a:rPr>
+              <a:t>;</a:t>
+            </a:r>
             <a:r>
               <a:rPr lang="zh-CN" altLang="en-US" sz="2000">
                 <a:solidFill>
                   <a:schemeClr val="bg1"/>
                 </a:solidFill>
               </a:rPr>
-              <a:t>    document.write(first," ",third); // 1 3</a:t>
-            </a:r>
-            <a:endParaRPr lang="zh-CN" altLang="en-US" sz="2000">
-              <a:solidFill>
-                <a:schemeClr val="bg1"/>
-              </a:solidFill>
-            </a:endParaRPr>
-          </a:p>
-          <a:p>
-            <a:r>
-              <a:rPr lang="zh-CN" altLang="en-US" sz="2000">
-                <a:solidFill>
-                  <a:schemeClr val="bg1"/>
-                </a:solidFill>
-              </a:rPr>
-              <a:t>    document.write("&lt;br/&gt;");</a:t>
+              <a:t>//ES6</a:t>
             </a:r>
             <a:endParaRPr lang="zh-CN" altLang="en-US" sz="2000">
               <a:solidFill>
@@ -3866,7 +4199,7 @@
                   <a:schemeClr val="bg1"/>
                 </a:solidFill>
               </a:rPr>
-              <a:t>2</a:t>
+              <a:t>1</a:t>
             </a:r>
             <a:r>
               <a:rPr lang="zh-CN" altLang="en-US" sz="2800" b="1">
@@ -3893,6 +4226,204 @@
 </file>
 
 <file path=ppt/slides/slide17.xml><?xml version="1.0" encoding="utf-8"?>
+<p:sld xmlns:a="http://schemas.openxmlformats.org/drawingml/2006/main" xmlns:r="http://schemas.openxmlformats.org/officeDocument/2006/relationships" xmlns:p="http://schemas.openxmlformats.org/presentationml/2006/main">
+  <p:cSld>
+    <p:spTree>
+      <p:nvGrpSpPr>
+        <p:cNvPr id="1" name=""/>
+        <p:cNvGrpSpPr/>
+        <p:nvPr/>
+      </p:nvGrpSpPr>
+      <p:grpSpPr/>
+      <p:sp>
+        <p:nvSpPr>
+          <p:cNvPr id="3" name="文本框 2"/>
+          <p:cNvSpPr txBox="1"/>
+          <p:nvPr/>
+        </p:nvSpPr>
+        <p:spPr>
+          <a:xfrm>
+            <a:off x="854710" y="1108075"/>
+            <a:ext cx="7539990" cy="2245360"/>
+          </a:xfrm>
+          <a:prstGeom prst="rect">
+            <a:avLst/>
+          </a:prstGeom>
+          <a:noFill/>
+        </p:spPr>
+        <p:txBody>
+          <a:bodyPr wrap="square" rtlCol="0">
+            <a:spAutoFit/>
+          </a:bodyPr>
+          <a:p>
+            <a:endParaRPr lang="zh-CN" altLang="en-US" sz="2000">
+              <a:solidFill>
+                <a:schemeClr val="bg1"/>
+              </a:solidFill>
+            </a:endParaRPr>
+          </a:p>
+          <a:p>
+            <a:r>
+              <a:rPr lang="zh-CN" altLang="en-US" sz="2000">
+                <a:solidFill>
+                  <a:schemeClr val="bg1"/>
+                </a:solidFill>
+              </a:rPr>
+              <a:t>&lt;script&gt;</a:t>
+            </a:r>
+            <a:endParaRPr lang="zh-CN" altLang="en-US" sz="2000">
+              <a:solidFill>
+                <a:schemeClr val="bg1"/>
+              </a:solidFill>
+            </a:endParaRPr>
+          </a:p>
+          <a:p>
+            <a:r>
+              <a:rPr lang="zh-CN" altLang="en-US" sz="2000">
+                <a:solidFill>
+                  <a:schemeClr val="bg1"/>
+                </a:solidFill>
+              </a:rPr>
+              <a:t>    const array = [1, 2, 3, 4];</a:t>
+            </a:r>
+            <a:endParaRPr lang="zh-CN" altLang="en-US" sz="2000">
+              <a:solidFill>
+                <a:schemeClr val="bg1"/>
+              </a:solidFill>
+            </a:endParaRPr>
+          </a:p>
+          <a:p>
+            <a:r>
+              <a:rPr lang="zh-CN" altLang="en-US" sz="2000">
+                <a:solidFill>
+                  <a:schemeClr val="bg1"/>
+                </a:solidFill>
+              </a:rPr>
+              <a:t>    </a:t>
+            </a:r>
+            <a:r>
+              <a:rPr lang="zh-CN" altLang="en-US" sz="2000">
+                <a:solidFill>
+                  <a:srgbClr val="FF0000"/>
+                </a:solidFill>
+              </a:rPr>
+              <a:t>const [first, ,third] = array;</a:t>
+            </a:r>
+            <a:endParaRPr lang="zh-CN" altLang="en-US" sz="2000">
+              <a:solidFill>
+                <a:srgbClr val="FF0000"/>
+              </a:solidFill>
+            </a:endParaRPr>
+          </a:p>
+          <a:p>
+            <a:r>
+              <a:rPr lang="zh-CN" altLang="en-US" sz="2000">
+                <a:solidFill>
+                  <a:schemeClr val="bg1"/>
+                </a:solidFill>
+              </a:rPr>
+              <a:t>    document.write(first," ",third); // 1 3</a:t>
+            </a:r>
+            <a:endParaRPr lang="zh-CN" altLang="en-US" sz="2000">
+              <a:solidFill>
+                <a:schemeClr val="bg1"/>
+              </a:solidFill>
+            </a:endParaRPr>
+          </a:p>
+          <a:p>
+            <a:r>
+              <a:rPr lang="zh-CN" altLang="en-US" sz="2000">
+                <a:solidFill>
+                  <a:schemeClr val="bg1"/>
+                </a:solidFill>
+              </a:rPr>
+              <a:t>    document.write("&lt;br/&gt;");</a:t>
+            </a:r>
+            <a:endParaRPr lang="zh-CN" altLang="en-US" sz="2000">
+              <a:solidFill>
+                <a:schemeClr val="bg1"/>
+              </a:solidFill>
+            </a:endParaRPr>
+          </a:p>
+          <a:p>
+            <a:r>
+              <a:rPr lang="zh-CN" altLang="en-US" sz="2000">
+                <a:solidFill>
+                  <a:schemeClr val="bg1"/>
+                </a:solidFill>
+              </a:rPr>
+              <a:t>&lt;/script&gt;</a:t>
+            </a:r>
+            <a:endParaRPr lang="zh-CN" altLang="en-US" sz="2000">
+              <a:solidFill>
+                <a:schemeClr val="bg1"/>
+              </a:solidFill>
+            </a:endParaRPr>
+          </a:p>
+        </p:txBody>
+      </p:sp>
+      <p:sp>
+        <p:nvSpPr>
+          <p:cNvPr id="2" name="文本框 1"/>
+          <p:cNvSpPr txBox="1"/>
+          <p:nvPr/>
+        </p:nvSpPr>
+        <p:spPr>
+          <a:xfrm>
+            <a:off x="906145" y="423545"/>
+            <a:ext cx="3900170" cy="521970"/>
+          </a:xfrm>
+          <a:prstGeom prst="rect">
+            <a:avLst/>
+          </a:prstGeom>
+          <a:noFill/>
+        </p:spPr>
+        <p:txBody>
+          <a:bodyPr wrap="square" rtlCol="0">
+            <a:spAutoFit/>
+          </a:bodyPr>
+          <a:p>
+            <a:r>
+              <a:rPr lang="zh-CN" sz="2800" b="1">
+                <a:solidFill>
+                  <a:schemeClr val="bg1"/>
+                </a:solidFill>
+              </a:rPr>
+              <a:t>解构赋值（</a:t>
+            </a:r>
+            <a:r>
+              <a:rPr lang="en-US" altLang="zh-CN" sz="2800" b="1">
+                <a:solidFill>
+                  <a:schemeClr val="bg1"/>
+                </a:solidFill>
+              </a:rPr>
+              <a:t>2</a:t>
+            </a:r>
+            <a:r>
+              <a:rPr lang="zh-CN" altLang="en-US" sz="2800" b="1">
+                <a:solidFill>
+                  <a:schemeClr val="bg1"/>
+                </a:solidFill>
+              </a:rPr>
+              <a:t>）</a:t>
+            </a:r>
+            <a:endParaRPr lang="zh-CN" altLang="en-US" sz="2800" b="1">
+              <a:solidFill>
+                <a:schemeClr val="bg1"/>
+              </a:solidFill>
+            </a:endParaRPr>
+          </a:p>
+        </p:txBody>
+      </p:sp>
+    </p:spTree>
+  </p:cSld>
+  <p:clrMapOvr>
+    <a:masterClrMapping/>
+  </p:clrMapOvr>
+</p:sld>
+</file>
+
+<file path=ppt/slides/slide18.xml><?xml version="1.0" encoding="utf-8"?>
 <p:sld xmlns:a="http://schemas.openxmlformats.org/drawingml/2006/main" xmlns:r="http://schemas.openxmlformats.org/officeDocument/2006/relationships" xmlns:p="http://schemas.openxmlformats.org/presentationml/2006/main">
   <p:cSld>
     <p:spTree>
@@ -4106,7 +4637,7 @@
 </p:sld>
 </file>
 
-<file path=ppt/slides/slide18.xml><?xml version="1.0" encoding="utf-8"?>
+<file path=ppt/slides/slide19.xml><?xml version="1.0" encoding="utf-8"?>
 <p:sld xmlns:a="http://schemas.openxmlformats.org/drawingml/2006/main" xmlns:r="http://schemas.openxmlformats.org/officeDocument/2006/relationships" xmlns:p="http://schemas.openxmlformats.org/presentationml/2006/main">
   <p:cSld>
     <p:spTree>
@@ -4334,310 +4865,6 @@
                 </a:solidFill>
               </a:rPr>
               <a:t>思考</a:t>
-            </a:r>
-            <a:endParaRPr lang="zh-CN" altLang="en-US" sz="2800" b="1">
-              <a:solidFill>
-                <a:schemeClr val="bg1"/>
-              </a:solidFill>
-            </a:endParaRPr>
-          </a:p>
-        </p:txBody>
-      </p:sp>
-    </p:spTree>
-  </p:cSld>
-  <p:clrMapOvr>
-    <a:masterClrMapping/>
-  </p:clrMapOvr>
-</p:sld>
-</file>
-
-<file path=ppt/slides/slide19.xml><?xml version="1.0" encoding="utf-8"?>
-<p:sld xmlns:a="http://schemas.openxmlformats.org/drawingml/2006/main" xmlns:r="http://schemas.openxmlformats.org/officeDocument/2006/relationships" xmlns:p="http://schemas.openxmlformats.org/presentationml/2006/main">
-  <p:cSld>
-    <p:spTree>
-      <p:nvGrpSpPr>
-        <p:cNvPr id="1" name=""/>
-        <p:cNvGrpSpPr/>
-        <p:nvPr/>
-      </p:nvGrpSpPr>
-      <p:grpSpPr/>
-      <p:sp>
-        <p:nvSpPr>
-          <p:cNvPr id="3" name="文本框 2"/>
-          <p:cNvSpPr txBox="1"/>
-          <p:nvPr/>
-        </p:nvSpPr>
-        <p:spPr>
-          <a:xfrm>
-            <a:off x="802005" y="1243330"/>
-            <a:ext cx="7539990" cy="3692525"/>
-          </a:xfrm>
-          <a:prstGeom prst="rect">
-            <a:avLst/>
-          </a:prstGeom>
-          <a:noFill/>
-        </p:spPr>
-        <p:txBody>
-          <a:bodyPr wrap="square" rtlCol="0">
-            <a:spAutoFit/>
-          </a:bodyPr>
-          <a:p>
-            <a:r>
-              <a:rPr lang="zh-CN" altLang="en-US">
-                <a:solidFill>
-                  <a:schemeClr val="bg1"/>
-                </a:solidFill>
-              </a:rPr>
-              <a:t>&lt;script&gt;</a:t>
-            </a:r>
-            <a:endParaRPr lang="zh-CN" altLang="en-US">
-              <a:solidFill>
-                <a:schemeClr val="bg1"/>
-              </a:solidFill>
-            </a:endParaRPr>
-          </a:p>
-          <a:p>
-            <a:r>
-              <a:rPr lang="zh-CN" altLang="en-US">
-                <a:solidFill>
-                  <a:schemeClr val="bg1"/>
-                </a:solidFill>
-              </a:rPr>
-              <a:t>    </a:t>
-            </a:r>
-            <a:r>
-              <a:rPr lang="zh-CN" altLang="en-US">
-                <a:solidFill>
-                  <a:srgbClr val="FF0000"/>
-                </a:solidFill>
-              </a:rPr>
-              <a:t>class </a:t>
-            </a:r>
-            <a:r>
-              <a:rPr lang="zh-CN" altLang="en-US">
-                <a:solidFill>
-                  <a:schemeClr val="bg1"/>
-                </a:solidFill>
-              </a:rPr>
-              <a:t>User {</a:t>
-            </a:r>
-            <a:endParaRPr lang="zh-CN" altLang="en-US">
-              <a:solidFill>
-                <a:schemeClr val="bg1"/>
-              </a:solidFill>
-            </a:endParaRPr>
-          </a:p>
-          <a:p>
-            <a:r>
-              <a:rPr lang="zh-CN" altLang="en-US">
-                <a:solidFill>
-                  <a:schemeClr val="bg1"/>
-                </a:solidFill>
-              </a:rPr>
-              <a:t>        constructor(username) {</a:t>
-            </a:r>
-            <a:endParaRPr lang="zh-CN" altLang="en-US">
-              <a:solidFill>
-                <a:schemeClr val="bg1"/>
-              </a:solidFill>
-            </a:endParaRPr>
-          </a:p>
-          <a:p>
-            <a:r>
-              <a:rPr lang="zh-CN" altLang="en-US">
-                <a:solidFill>
-                  <a:schemeClr val="bg1"/>
-                </a:solidFill>
-              </a:rPr>
-              <a:t>            this.username = username;</a:t>
-            </a:r>
-            <a:endParaRPr lang="zh-CN" altLang="en-US">
-              <a:solidFill>
-                <a:schemeClr val="bg1"/>
-              </a:solidFill>
-            </a:endParaRPr>
-          </a:p>
-          <a:p>
-            <a:r>
-              <a:rPr lang="zh-CN" altLang="en-US">
-                <a:solidFill>
-                  <a:schemeClr val="bg1"/>
-                </a:solidFill>
-              </a:rPr>
-              <a:t>            document.write(this.username + ' is created.&lt;br/&gt;');</a:t>
-            </a:r>
-            <a:endParaRPr lang="zh-CN" altLang="en-US">
-              <a:solidFill>
-                <a:schemeClr val="bg1"/>
-              </a:solidFill>
-            </a:endParaRPr>
-          </a:p>
-          <a:p>
-            <a:r>
-              <a:rPr lang="zh-CN" altLang="en-US">
-                <a:solidFill>
-                  <a:schemeClr val="bg1"/>
-                </a:solidFill>
-              </a:rPr>
-              <a:t>        }</a:t>
-            </a:r>
-            <a:endParaRPr lang="zh-CN" altLang="en-US">
-              <a:solidFill>
-                <a:schemeClr val="bg1"/>
-              </a:solidFill>
-            </a:endParaRPr>
-          </a:p>
-          <a:p>
-            <a:r>
-              <a:rPr lang="zh-CN" altLang="en-US">
-                <a:solidFill>
-                  <a:schemeClr val="bg1"/>
-                </a:solidFill>
-              </a:rPr>
-              <a:t>        logging() {</a:t>
-            </a:r>
-            <a:endParaRPr lang="zh-CN" altLang="en-US">
-              <a:solidFill>
-                <a:schemeClr val="bg1"/>
-              </a:solidFill>
-            </a:endParaRPr>
-          </a:p>
-          <a:p>
-            <a:r>
-              <a:rPr lang="zh-CN" altLang="en-US">
-                <a:solidFill>
-                  <a:schemeClr val="bg1"/>
-                </a:solidFill>
-              </a:rPr>
-              <a:t>            document.write(this.username + ' is logging.&lt;br/&gt;');</a:t>
-            </a:r>
-            <a:endParaRPr lang="zh-CN" altLang="en-US">
-              <a:solidFill>
-                <a:schemeClr val="bg1"/>
-              </a:solidFill>
-            </a:endParaRPr>
-          </a:p>
-          <a:p>
-            <a:r>
-              <a:rPr lang="zh-CN" altLang="en-US">
-                <a:solidFill>
-                  <a:schemeClr val="bg1"/>
-                </a:solidFill>
-              </a:rPr>
-              <a:t>        }</a:t>
-            </a:r>
-            <a:endParaRPr lang="zh-CN" altLang="en-US">
-              <a:solidFill>
-                <a:schemeClr val="bg1"/>
-              </a:solidFill>
-            </a:endParaRPr>
-          </a:p>
-          <a:p>
-            <a:r>
-              <a:rPr lang="zh-CN" altLang="en-US">
-                <a:solidFill>
-                  <a:schemeClr val="bg1"/>
-                </a:solidFill>
-              </a:rPr>
-              <a:t>    }</a:t>
-            </a:r>
-            <a:endParaRPr lang="zh-CN" altLang="en-US">
-              <a:solidFill>
-                <a:schemeClr val="bg1"/>
-              </a:solidFill>
-            </a:endParaRPr>
-          </a:p>
-          <a:p>
-            <a:r>
-              <a:rPr lang="zh-CN" altLang="en-US">
-                <a:solidFill>
-                  <a:schemeClr val="bg1"/>
-                </a:solidFill>
-              </a:rPr>
-              <a:t>    const user = new User('huangjiasheng');</a:t>
-            </a:r>
-            <a:endParaRPr lang="zh-CN" altLang="en-US">
-              <a:solidFill>
-                <a:schemeClr val="bg1"/>
-              </a:solidFill>
-            </a:endParaRPr>
-          </a:p>
-          <a:p>
-            <a:r>
-              <a:rPr lang="zh-CN" altLang="en-US">
-                <a:solidFill>
-                  <a:schemeClr val="bg1"/>
-                </a:solidFill>
-              </a:rPr>
-              <a:t>    user.logging(); // animal makes a noise.</a:t>
-            </a:r>
-            <a:endParaRPr lang="zh-CN" altLang="en-US">
-              <a:solidFill>
-                <a:schemeClr val="bg1"/>
-              </a:solidFill>
-            </a:endParaRPr>
-          </a:p>
-          <a:p>
-            <a:r>
-              <a:rPr lang="zh-CN" altLang="en-US">
-                <a:solidFill>
-                  <a:schemeClr val="bg1"/>
-                </a:solidFill>
-              </a:rPr>
-              <a:t>&lt;/script&gt;</a:t>
-            </a:r>
-            <a:endParaRPr lang="zh-CN" altLang="en-US">
-              <a:solidFill>
-                <a:schemeClr val="bg1"/>
-              </a:solidFill>
-            </a:endParaRPr>
-          </a:p>
-        </p:txBody>
-      </p:sp>
-      <p:sp>
-        <p:nvSpPr>
-          <p:cNvPr id="2" name="文本框 1"/>
-          <p:cNvSpPr txBox="1"/>
-          <p:nvPr/>
-        </p:nvSpPr>
-        <p:spPr>
-          <a:xfrm>
-            <a:off x="906145" y="423545"/>
-            <a:ext cx="3900170" cy="521970"/>
-          </a:xfrm>
-          <a:prstGeom prst="rect">
-            <a:avLst/>
-          </a:prstGeom>
-          <a:noFill/>
-        </p:spPr>
-        <p:txBody>
-          <a:bodyPr wrap="square" rtlCol="0">
-            <a:spAutoFit/>
-          </a:bodyPr>
-          <a:p>
-            <a:r>
-              <a:rPr lang="zh-CN" sz="2800" b="1">
-                <a:solidFill>
-                  <a:schemeClr val="bg1"/>
-                </a:solidFill>
-              </a:rPr>
-              <a:t>类与继承（</a:t>
-            </a:r>
-            <a:r>
-              <a:rPr lang="en-US" altLang="zh-CN" sz="2800" b="1">
-                <a:solidFill>
-                  <a:schemeClr val="bg1"/>
-                </a:solidFill>
-              </a:rPr>
-              <a:t>1</a:t>
-            </a:r>
-            <a:r>
-              <a:rPr lang="zh-CN" altLang="en-US" sz="2800" b="1">
-                <a:solidFill>
-                  <a:schemeClr val="bg1"/>
-                </a:solidFill>
-              </a:rPr>
-              <a:t>）</a:t>
             </a:r>
             <a:endParaRPr lang="zh-CN" altLang="en-US" sz="2800" b="1">
               <a:solidFill>
@@ -4831,8 +5058,8 @@
         </p:nvSpPr>
         <p:spPr>
           <a:xfrm>
-            <a:off x="802005" y="1243330"/>
-            <a:ext cx="7539990" cy="3415030"/>
+            <a:off x="802005" y="1397635"/>
+            <a:ext cx="7539990" cy="3169285"/>
           </a:xfrm>
           <a:prstGeom prst="rect">
             <a:avLst/>
@@ -4845,211 +5072,151 @@
           </a:bodyPr>
           <a:p>
             <a:r>
-              <a:rPr lang="zh-CN" altLang="en-US">
+              <a:rPr lang="zh-CN" altLang="en-US" sz="2000">
+                <a:solidFill>
+                  <a:schemeClr val="bg1"/>
+                </a:solidFill>
+              </a:rPr>
+              <a:t>使用数组的解构赋值交换两个数字</a:t>
+            </a:r>
+            <a:endParaRPr lang="zh-CN" altLang="en-US" sz="2000">
+              <a:solidFill>
+                <a:schemeClr val="bg1"/>
+              </a:solidFill>
+            </a:endParaRPr>
+          </a:p>
+          <a:p>
+            <a:r>
+              <a:rPr lang="en-US" altLang="zh-CN" sz="2000">
                 <a:solidFill>
                   <a:schemeClr val="bg1"/>
                 </a:solidFill>
               </a:rPr>
               <a:t>&lt;script&gt;</a:t>
             </a:r>
-            <a:endParaRPr lang="zh-CN" altLang="en-US">
-              <a:solidFill>
-                <a:schemeClr val="bg1"/>
-              </a:solidFill>
-            </a:endParaRPr>
-          </a:p>
-          <a:p>
-            <a:r>
-              <a:rPr lang="zh-CN" altLang="en-US">
-                <a:solidFill>
-                  <a:schemeClr val="bg1"/>
-                </a:solidFill>
-              </a:rPr>
-              <a:t>    class User {</a:t>
-            </a:r>
-            <a:r>
-              <a:rPr lang="en-US" altLang="zh-CN">
-                <a:solidFill>
-                  <a:schemeClr val="bg1"/>
-                </a:solidFill>
-              </a:rPr>
-              <a:t>...</a:t>
-            </a:r>
-            <a:r>
-              <a:rPr lang="zh-CN" altLang="en-US">
-                <a:solidFill>
-                  <a:schemeClr val="bg1"/>
-                </a:solidFill>
-              </a:rPr>
-              <a:t>}</a:t>
-            </a:r>
-            <a:endParaRPr lang="zh-CN" altLang="en-US">
-              <a:solidFill>
-                <a:schemeClr val="bg1"/>
-              </a:solidFill>
-            </a:endParaRPr>
-          </a:p>
-          <a:p>
-            <a:r>
-              <a:rPr lang="zh-CN" altLang="en-US">
-                <a:solidFill>
-                  <a:schemeClr val="bg1"/>
-                </a:solidFill>
-              </a:rPr>
-              <a:t>    class Admin </a:t>
-            </a:r>
-            <a:r>
-              <a:rPr lang="zh-CN" altLang="en-US">
+            <a:endParaRPr lang="en-US" altLang="zh-CN" sz="2000">
+              <a:solidFill>
+                <a:schemeClr val="bg1"/>
+              </a:solidFill>
+            </a:endParaRPr>
+          </a:p>
+          <a:p>
+            <a:r>
+              <a:rPr lang="en-US" altLang="zh-CN" sz="2000">
+                <a:solidFill>
+                  <a:schemeClr val="bg1"/>
+                </a:solidFill>
+              </a:rPr>
+              <a:t>    let a = 1;</a:t>
+            </a:r>
+            <a:endParaRPr lang="en-US" altLang="zh-CN" sz="2000">
+              <a:solidFill>
+                <a:schemeClr val="bg1"/>
+              </a:solidFill>
+            </a:endParaRPr>
+          </a:p>
+          <a:p>
+            <a:r>
+              <a:rPr lang="en-US" altLang="zh-CN" sz="2000">
+                <a:solidFill>
+                  <a:schemeClr val="bg1"/>
+                </a:solidFill>
+              </a:rPr>
+              <a:t>    let b = 2;</a:t>
+            </a:r>
+            <a:endParaRPr lang="en-US" altLang="zh-CN" sz="2000">
+              <a:solidFill>
+                <a:schemeClr val="bg1"/>
+              </a:solidFill>
+            </a:endParaRPr>
+          </a:p>
+          <a:p>
+            <a:r>
+              <a:rPr lang="en-US" altLang="zh-CN" sz="2000">
+                <a:solidFill>
+                  <a:schemeClr val="bg1"/>
+                </a:solidFill>
+                <a:sym typeface="+mn-ea"/>
+              </a:rPr>
+              <a:t>    document.write(a," ", b); // 1 2</a:t>
+            </a:r>
+            <a:endParaRPr lang="en-US" altLang="zh-CN" sz="2000">
+              <a:solidFill>
+                <a:schemeClr val="bg1"/>
+              </a:solidFill>
+              <a:sym typeface="+mn-ea"/>
+            </a:endParaRPr>
+          </a:p>
+          <a:p>
+            <a:r>
+              <a:rPr lang="en-US" altLang="zh-CN" sz="2000">
+                <a:solidFill>
+                  <a:schemeClr val="bg1"/>
+                </a:solidFill>
+              </a:rPr>
+              <a:t>    document.write("&lt;br/&gt;");</a:t>
+            </a:r>
+            <a:endParaRPr lang="en-US" altLang="zh-CN" sz="2000">
+              <a:solidFill>
+                <a:schemeClr val="bg1"/>
+              </a:solidFill>
+            </a:endParaRPr>
+          </a:p>
+          <a:p>
+            <a:r>
+              <a:rPr lang="en-US" altLang="zh-CN" sz="2000">
                 <a:solidFill>
                   <a:srgbClr val="FF0000"/>
                 </a:solidFill>
               </a:rPr>
-              <a:t>extends </a:t>
-            </a:r>
-            <a:r>
-              <a:rPr lang="zh-CN" altLang="en-US">
-                <a:solidFill>
-                  <a:schemeClr val="bg1"/>
-                </a:solidFill>
-              </a:rPr>
-              <a:t>User{</a:t>
-            </a:r>
-            <a:endParaRPr lang="zh-CN" altLang="en-US">
-              <a:solidFill>
-                <a:schemeClr val="bg1"/>
-              </a:solidFill>
-            </a:endParaRPr>
-          </a:p>
-          <a:p>
-            <a:r>
-              <a:rPr lang="zh-CN" altLang="en-US">
-                <a:solidFill>
-                  <a:schemeClr val="bg1"/>
-                </a:solidFill>
-              </a:rPr>
-              <a:t>        logging()</a:t>
-            </a:r>
-            <a:endParaRPr lang="zh-CN" altLang="en-US">
-              <a:solidFill>
-                <a:schemeClr val="bg1"/>
-              </a:solidFill>
-            </a:endParaRPr>
-          </a:p>
-          <a:p>
-            <a:r>
-              <a:rPr lang="zh-CN" altLang="en-US">
-                <a:solidFill>
-                  <a:schemeClr val="bg1"/>
-                </a:solidFill>
-              </a:rPr>
-              <a:t>        {</a:t>
-            </a:r>
-            <a:endParaRPr lang="zh-CN" altLang="en-US">
-              <a:solidFill>
-                <a:schemeClr val="bg1"/>
-              </a:solidFill>
-            </a:endParaRPr>
-          </a:p>
-          <a:p>
-            <a:r>
-              <a:rPr lang="zh-CN" altLang="en-US">
-                <a:solidFill>
-                  <a:schemeClr val="bg1"/>
-                </a:solidFill>
-              </a:rPr>
-              <a:t>            super.logging()</a:t>
-            </a:r>
-            <a:endParaRPr lang="zh-CN" altLang="en-US">
-              <a:solidFill>
-                <a:schemeClr val="bg1"/>
-              </a:solidFill>
-            </a:endParaRPr>
-          </a:p>
-          <a:p>
-            <a:r>
-              <a:rPr lang="zh-CN" altLang="en-US">
-                <a:solidFill>
-                  <a:schemeClr val="bg1"/>
-                </a:solidFill>
-              </a:rPr>
-              <a:t>            document.write('The user is the admin.&lt;br/&gt;');</a:t>
-            </a:r>
-            <a:endParaRPr lang="zh-CN" altLang="en-US">
-              <a:solidFill>
-                <a:schemeClr val="bg1"/>
-              </a:solidFill>
-            </a:endParaRPr>
-          </a:p>
-          <a:p>
-            <a:r>
-              <a:rPr lang="zh-CN" altLang="en-US">
-                <a:solidFill>
-                  <a:schemeClr val="bg1"/>
-                </a:solidFill>
-              </a:rPr>
-              <a:t>        }</a:t>
-            </a:r>
-            <a:endParaRPr lang="zh-CN" altLang="en-US">
-              <a:solidFill>
-                <a:schemeClr val="bg1"/>
-              </a:solidFill>
-            </a:endParaRPr>
-          </a:p>
-          <a:p>
-            <a:r>
-              <a:rPr lang="zh-CN" altLang="en-US">
-                <a:solidFill>
-                  <a:schemeClr val="bg1"/>
-                </a:solidFill>
-              </a:rPr>
-              <a:t>    }</a:t>
-            </a:r>
-            <a:endParaRPr lang="zh-CN" altLang="en-US">
-              <a:solidFill>
-                <a:schemeClr val="bg1"/>
-              </a:solidFill>
-            </a:endParaRPr>
-          </a:p>
-          <a:p>
-            <a:r>
-              <a:rPr lang="zh-CN" altLang="en-US">
-                <a:solidFill>
-                  <a:schemeClr val="bg1"/>
-                </a:solidFill>
-              </a:rPr>
-              <a:t>    const user = new Admin('huangjiasheng');</a:t>
-            </a:r>
-            <a:endParaRPr lang="zh-CN" altLang="en-US">
-              <a:solidFill>
-                <a:schemeClr val="bg1"/>
-              </a:solidFill>
-            </a:endParaRPr>
-          </a:p>
-          <a:p>
-            <a:r>
-              <a:rPr lang="zh-CN" altLang="en-US">
-                <a:solidFill>
-                  <a:schemeClr val="bg1"/>
-                </a:solidFill>
-              </a:rPr>
-              <a:t>    user.logging(); // animal makes a noise.</a:t>
-            </a:r>
-            <a:endParaRPr lang="zh-CN" altLang="en-US">
-              <a:solidFill>
-                <a:schemeClr val="bg1"/>
-              </a:solidFill>
-            </a:endParaRPr>
-          </a:p>
-          <a:p>
-            <a:r>
-              <a:rPr lang="zh-CN" altLang="en-US">
+              <a:t>    [a, b] = [b, a];</a:t>
+            </a:r>
+            <a:endParaRPr lang="en-US" altLang="zh-CN" sz="2000">
+              <a:solidFill>
+                <a:srgbClr val="FF0000"/>
+              </a:solidFill>
+            </a:endParaRPr>
+          </a:p>
+          <a:p>
+            <a:r>
+              <a:rPr lang="en-US" altLang="zh-CN" sz="2000">
+                <a:solidFill>
+                  <a:schemeClr val="bg1"/>
+                </a:solidFill>
+              </a:rPr>
+              <a:t>    document.write(a," ", b); // 2 1</a:t>
+            </a:r>
+            <a:endParaRPr lang="en-US" altLang="zh-CN" sz="2000">
+              <a:solidFill>
+                <a:schemeClr val="bg1"/>
+              </a:solidFill>
+            </a:endParaRPr>
+          </a:p>
+          <a:p>
+            <a:r>
+              <a:rPr lang="en-US" altLang="zh-CN" sz="2000">
+                <a:solidFill>
+                  <a:schemeClr val="bg1"/>
+                </a:solidFill>
+              </a:rPr>
+              <a:t>    document.write("&lt;br/&gt;");</a:t>
+            </a:r>
+            <a:endParaRPr lang="en-US" altLang="zh-CN" sz="2000">
+              <a:solidFill>
+                <a:schemeClr val="bg1"/>
+              </a:solidFill>
+            </a:endParaRPr>
+          </a:p>
+          <a:p>
+            <a:r>
+              <a:rPr lang="en-US" altLang="zh-CN" sz="2000">
                 <a:solidFill>
                   <a:schemeClr val="bg1"/>
                 </a:solidFill>
               </a:rPr>
               <a:t>&lt;/script&gt;</a:t>
             </a:r>
-            <a:endParaRPr lang="zh-CN" altLang="en-US">
+            <a:endParaRPr lang="en-US" altLang="zh-CN" sz="2000">
               <a:solidFill>
                 <a:schemeClr val="bg1"/>
               </a:solidFill>
@@ -5084,15 +5251,15 @@
                   <a:schemeClr val="bg1"/>
                 </a:solidFill>
               </a:rPr>
-              <a:t>类与继承（</a:t>
-            </a:r>
-            <a:r>
-              <a:rPr lang="en-US" altLang="zh-CN" sz="2800" b="1">
-                <a:solidFill>
-                  <a:schemeClr val="bg1"/>
-                </a:solidFill>
-              </a:rPr>
-              <a:t>2</a:t>
+              <a:t>解构赋值</a:t>
+            </a:r>
+            <a:r>
+              <a:rPr lang="en-US" sz="2800" b="1">
+                <a:solidFill>
+                  <a:schemeClr val="bg1"/>
+                </a:solidFill>
+              </a:rPr>
+              <a:t>-</a:t>
             </a:r>
             <a:r>
               <a:rPr lang="zh-CN" altLang="en-US" sz="2800" b="1">
@@ -5100,7 +5267,7 @@
                   <a:schemeClr val="bg1"/>
                 </a:solidFill>
               </a:rPr>
-              <a:t>）</a:t>
+              <a:t>思考</a:t>
             </a:r>
             <a:endParaRPr lang="zh-CN" altLang="en-US" sz="2800" b="1">
               <a:solidFill>
@@ -5119,6 +5286,1002 @@
 </file>
 
 <file path=ppt/slides/slide21.xml><?xml version="1.0" encoding="utf-8"?>
+<p:sld xmlns:a="http://schemas.openxmlformats.org/drawingml/2006/main" xmlns:r="http://schemas.openxmlformats.org/officeDocument/2006/relationships" xmlns:p="http://schemas.openxmlformats.org/presentationml/2006/main">
+  <p:cSld>
+    <p:spTree>
+      <p:nvGrpSpPr>
+        <p:cNvPr id="1" name=""/>
+        <p:cNvGrpSpPr/>
+        <p:nvPr/>
+      </p:nvGrpSpPr>
+      <p:grpSpPr/>
+      <p:sp>
+        <p:nvSpPr>
+          <p:cNvPr id="3" name="文本框 2"/>
+          <p:cNvSpPr txBox="1"/>
+          <p:nvPr/>
+        </p:nvSpPr>
+        <p:spPr>
+          <a:xfrm>
+            <a:off x="802005" y="1243330"/>
+            <a:ext cx="7539990" cy="3692525"/>
+          </a:xfrm>
+          <a:prstGeom prst="rect">
+            <a:avLst/>
+          </a:prstGeom>
+          <a:noFill/>
+        </p:spPr>
+        <p:txBody>
+          <a:bodyPr wrap="square" rtlCol="0">
+            <a:spAutoFit/>
+          </a:bodyPr>
+          <a:p>
+            <a:r>
+              <a:rPr lang="zh-CN" altLang="en-US">
+                <a:solidFill>
+                  <a:schemeClr val="bg1"/>
+                </a:solidFill>
+              </a:rPr>
+              <a:t>&lt;script&gt;</a:t>
+            </a:r>
+            <a:endParaRPr lang="zh-CN" altLang="en-US">
+              <a:solidFill>
+                <a:schemeClr val="bg1"/>
+              </a:solidFill>
+            </a:endParaRPr>
+          </a:p>
+          <a:p>
+            <a:r>
+              <a:rPr lang="zh-CN" altLang="en-US">
+                <a:solidFill>
+                  <a:schemeClr val="bg1"/>
+                </a:solidFill>
+              </a:rPr>
+              <a:t>    </a:t>
+            </a:r>
+            <a:r>
+              <a:rPr lang="zh-CN" altLang="en-US">
+                <a:solidFill>
+                  <a:srgbClr val="FF0000"/>
+                </a:solidFill>
+              </a:rPr>
+              <a:t>class </a:t>
+            </a:r>
+            <a:r>
+              <a:rPr lang="zh-CN" altLang="en-US">
+                <a:solidFill>
+                  <a:schemeClr val="bg1"/>
+                </a:solidFill>
+              </a:rPr>
+              <a:t>User {</a:t>
+            </a:r>
+            <a:endParaRPr lang="zh-CN" altLang="en-US">
+              <a:solidFill>
+                <a:schemeClr val="bg1"/>
+              </a:solidFill>
+            </a:endParaRPr>
+          </a:p>
+          <a:p>
+            <a:r>
+              <a:rPr lang="zh-CN" altLang="en-US">
+                <a:solidFill>
+                  <a:schemeClr val="bg1"/>
+                </a:solidFill>
+              </a:rPr>
+              <a:t>        constructor(username) {</a:t>
+            </a:r>
+            <a:endParaRPr lang="zh-CN" altLang="en-US">
+              <a:solidFill>
+                <a:schemeClr val="bg1"/>
+              </a:solidFill>
+            </a:endParaRPr>
+          </a:p>
+          <a:p>
+            <a:r>
+              <a:rPr lang="zh-CN" altLang="en-US">
+                <a:solidFill>
+                  <a:schemeClr val="bg1"/>
+                </a:solidFill>
+              </a:rPr>
+              <a:t>            this.username = username;</a:t>
+            </a:r>
+            <a:endParaRPr lang="zh-CN" altLang="en-US">
+              <a:solidFill>
+                <a:schemeClr val="bg1"/>
+              </a:solidFill>
+            </a:endParaRPr>
+          </a:p>
+          <a:p>
+            <a:r>
+              <a:rPr lang="zh-CN" altLang="en-US">
+                <a:solidFill>
+                  <a:schemeClr val="bg1"/>
+                </a:solidFill>
+              </a:rPr>
+              <a:t>            document.write(this.username + ' is created.&lt;br/&gt;');</a:t>
+            </a:r>
+            <a:endParaRPr lang="zh-CN" altLang="en-US">
+              <a:solidFill>
+                <a:schemeClr val="bg1"/>
+              </a:solidFill>
+            </a:endParaRPr>
+          </a:p>
+          <a:p>
+            <a:r>
+              <a:rPr lang="zh-CN" altLang="en-US">
+                <a:solidFill>
+                  <a:schemeClr val="bg1"/>
+                </a:solidFill>
+              </a:rPr>
+              <a:t>        }</a:t>
+            </a:r>
+            <a:endParaRPr lang="zh-CN" altLang="en-US">
+              <a:solidFill>
+                <a:schemeClr val="bg1"/>
+              </a:solidFill>
+            </a:endParaRPr>
+          </a:p>
+          <a:p>
+            <a:r>
+              <a:rPr lang="zh-CN" altLang="en-US">
+                <a:solidFill>
+                  <a:schemeClr val="bg1"/>
+                </a:solidFill>
+              </a:rPr>
+              <a:t>        logging() {</a:t>
+            </a:r>
+            <a:endParaRPr lang="zh-CN" altLang="en-US">
+              <a:solidFill>
+                <a:schemeClr val="bg1"/>
+              </a:solidFill>
+            </a:endParaRPr>
+          </a:p>
+          <a:p>
+            <a:r>
+              <a:rPr lang="zh-CN" altLang="en-US">
+                <a:solidFill>
+                  <a:schemeClr val="bg1"/>
+                </a:solidFill>
+              </a:rPr>
+              <a:t>            document.write(this.username + ' is logging.&lt;br/&gt;');</a:t>
+            </a:r>
+            <a:endParaRPr lang="zh-CN" altLang="en-US">
+              <a:solidFill>
+                <a:schemeClr val="bg1"/>
+              </a:solidFill>
+            </a:endParaRPr>
+          </a:p>
+          <a:p>
+            <a:r>
+              <a:rPr lang="zh-CN" altLang="en-US">
+                <a:solidFill>
+                  <a:schemeClr val="bg1"/>
+                </a:solidFill>
+              </a:rPr>
+              <a:t>        }</a:t>
+            </a:r>
+            <a:endParaRPr lang="zh-CN" altLang="en-US">
+              <a:solidFill>
+                <a:schemeClr val="bg1"/>
+              </a:solidFill>
+            </a:endParaRPr>
+          </a:p>
+          <a:p>
+            <a:r>
+              <a:rPr lang="zh-CN" altLang="en-US">
+                <a:solidFill>
+                  <a:schemeClr val="bg1"/>
+                </a:solidFill>
+              </a:rPr>
+              <a:t>    }</a:t>
+            </a:r>
+            <a:endParaRPr lang="zh-CN" altLang="en-US">
+              <a:solidFill>
+                <a:schemeClr val="bg1"/>
+              </a:solidFill>
+            </a:endParaRPr>
+          </a:p>
+          <a:p>
+            <a:r>
+              <a:rPr lang="zh-CN" altLang="en-US">
+                <a:solidFill>
+                  <a:schemeClr val="bg1"/>
+                </a:solidFill>
+              </a:rPr>
+              <a:t>    const user = new User('huangjiasheng');</a:t>
+            </a:r>
+            <a:endParaRPr lang="zh-CN" altLang="en-US">
+              <a:solidFill>
+                <a:schemeClr val="bg1"/>
+              </a:solidFill>
+            </a:endParaRPr>
+          </a:p>
+          <a:p>
+            <a:r>
+              <a:rPr lang="zh-CN" altLang="en-US">
+                <a:solidFill>
+                  <a:schemeClr val="bg1"/>
+                </a:solidFill>
+              </a:rPr>
+              <a:t>    user.logging(); // animal makes a noise.</a:t>
+            </a:r>
+            <a:endParaRPr lang="zh-CN" altLang="en-US">
+              <a:solidFill>
+                <a:schemeClr val="bg1"/>
+              </a:solidFill>
+            </a:endParaRPr>
+          </a:p>
+          <a:p>
+            <a:r>
+              <a:rPr lang="zh-CN" altLang="en-US">
+                <a:solidFill>
+                  <a:schemeClr val="bg1"/>
+                </a:solidFill>
+              </a:rPr>
+              <a:t>&lt;/script&gt;</a:t>
+            </a:r>
+            <a:endParaRPr lang="zh-CN" altLang="en-US">
+              <a:solidFill>
+                <a:schemeClr val="bg1"/>
+              </a:solidFill>
+            </a:endParaRPr>
+          </a:p>
+        </p:txBody>
+      </p:sp>
+      <p:sp>
+        <p:nvSpPr>
+          <p:cNvPr id="2" name="文本框 1"/>
+          <p:cNvSpPr txBox="1"/>
+          <p:nvPr/>
+        </p:nvSpPr>
+        <p:spPr>
+          <a:xfrm>
+            <a:off x="906145" y="423545"/>
+            <a:ext cx="3900170" cy="521970"/>
+          </a:xfrm>
+          <a:prstGeom prst="rect">
+            <a:avLst/>
+          </a:prstGeom>
+          <a:noFill/>
+        </p:spPr>
+        <p:txBody>
+          <a:bodyPr wrap="square" rtlCol="0">
+            <a:spAutoFit/>
+          </a:bodyPr>
+          <a:p>
+            <a:r>
+              <a:rPr lang="zh-CN" sz="2800" b="1">
+                <a:solidFill>
+                  <a:schemeClr val="bg1"/>
+                </a:solidFill>
+              </a:rPr>
+              <a:t>类与继承（</a:t>
+            </a:r>
+            <a:r>
+              <a:rPr lang="en-US" altLang="zh-CN" sz="2800" b="1">
+                <a:solidFill>
+                  <a:schemeClr val="bg1"/>
+                </a:solidFill>
+              </a:rPr>
+              <a:t>1</a:t>
+            </a:r>
+            <a:r>
+              <a:rPr lang="zh-CN" altLang="en-US" sz="2800" b="1">
+                <a:solidFill>
+                  <a:schemeClr val="bg1"/>
+                </a:solidFill>
+              </a:rPr>
+              <a:t>）</a:t>
+            </a:r>
+            <a:endParaRPr lang="zh-CN" altLang="en-US" sz="2800" b="1">
+              <a:solidFill>
+                <a:schemeClr val="bg1"/>
+              </a:solidFill>
+            </a:endParaRPr>
+          </a:p>
+        </p:txBody>
+      </p:sp>
+    </p:spTree>
+  </p:cSld>
+  <p:clrMapOvr>
+    <a:masterClrMapping/>
+  </p:clrMapOvr>
+</p:sld>
+</file>
+
+<file path=ppt/slides/slide22.xml><?xml version="1.0" encoding="utf-8"?>
+<p:sld xmlns:a="http://schemas.openxmlformats.org/drawingml/2006/main" xmlns:r="http://schemas.openxmlformats.org/officeDocument/2006/relationships" xmlns:p="http://schemas.openxmlformats.org/presentationml/2006/main">
+  <p:cSld>
+    <p:spTree>
+      <p:nvGrpSpPr>
+        <p:cNvPr id="1" name=""/>
+        <p:cNvGrpSpPr/>
+        <p:nvPr/>
+      </p:nvGrpSpPr>
+      <p:grpSpPr/>
+      <p:sp>
+        <p:nvSpPr>
+          <p:cNvPr id="3" name="文本框 2"/>
+          <p:cNvSpPr txBox="1"/>
+          <p:nvPr/>
+        </p:nvSpPr>
+        <p:spPr>
+          <a:xfrm>
+            <a:off x="802005" y="1243330"/>
+            <a:ext cx="7539990" cy="3415030"/>
+          </a:xfrm>
+          <a:prstGeom prst="rect">
+            <a:avLst/>
+          </a:prstGeom>
+          <a:noFill/>
+        </p:spPr>
+        <p:txBody>
+          <a:bodyPr wrap="square" rtlCol="0">
+            <a:spAutoFit/>
+          </a:bodyPr>
+          <a:p>
+            <a:r>
+              <a:rPr lang="zh-CN" altLang="en-US">
+                <a:solidFill>
+                  <a:schemeClr val="bg1"/>
+                </a:solidFill>
+              </a:rPr>
+              <a:t>&lt;script&gt;</a:t>
+            </a:r>
+            <a:endParaRPr lang="zh-CN" altLang="en-US">
+              <a:solidFill>
+                <a:schemeClr val="bg1"/>
+              </a:solidFill>
+            </a:endParaRPr>
+          </a:p>
+          <a:p>
+            <a:r>
+              <a:rPr lang="zh-CN" altLang="en-US">
+                <a:solidFill>
+                  <a:schemeClr val="bg1"/>
+                </a:solidFill>
+              </a:rPr>
+              <a:t>    class User {</a:t>
+            </a:r>
+            <a:r>
+              <a:rPr lang="en-US" altLang="zh-CN">
+                <a:solidFill>
+                  <a:schemeClr val="bg1"/>
+                </a:solidFill>
+              </a:rPr>
+              <a:t>...</a:t>
+            </a:r>
+            <a:r>
+              <a:rPr lang="zh-CN" altLang="en-US">
+                <a:solidFill>
+                  <a:schemeClr val="bg1"/>
+                </a:solidFill>
+              </a:rPr>
+              <a:t>}</a:t>
+            </a:r>
+            <a:endParaRPr lang="zh-CN" altLang="en-US">
+              <a:solidFill>
+                <a:schemeClr val="bg1"/>
+              </a:solidFill>
+            </a:endParaRPr>
+          </a:p>
+          <a:p>
+            <a:r>
+              <a:rPr lang="zh-CN" altLang="en-US">
+                <a:solidFill>
+                  <a:schemeClr val="bg1"/>
+                </a:solidFill>
+              </a:rPr>
+              <a:t>    class Admin </a:t>
+            </a:r>
+            <a:r>
+              <a:rPr lang="zh-CN" altLang="en-US">
+                <a:solidFill>
+                  <a:srgbClr val="FF0000"/>
+                </a:solidFill>
+              </a:rPr>
+              <a:t>extends </a:t>
+            </a:r>
+            <a:r>
+              <a:rPr lang="zh-CN" altLang="en-US">
+                <a:solidFill>
+                  <a:schemeClr val="bg1"/>
+                </a:solidFill>
+              </a:rPr>
+              <a:t>User{</a:t>
+            </a:r>
+            <a:endParaRPr lang="zh-CN" altLang="en-US">
+              <a:solidFill>
+                <a:schemeClr val="bg1"/>
+              </a:solidFill>
+            </a:endParaRPr>
+          </a:p>
+          <a:p>
+            <a:r>
+              <a:rPr lang="zh-CN" altLang="en-US">
+                <a:solidFill>
+                  <a:schemeClr val="bg1"/>
+                </a:solidFill>
+              </a:rPr>
+              <a:t>        logging()</a:t>
+            </a:r>
+            <a:endParaRPr lang="zh-CN" altLang="en-US">
+              <a:solidFill>
+                <a:schemeClr val="bg1"/>
+              </a:solidFill>
+            </a:endParaRPr>
+          </a:p>
+          <a:p>
+            <a:r>
+              <a:rPr lang="zh-CN" altLang="en-US">
+                <a:solidFill>
+                  <a:schemeClr val="bg1"/>
+                </a:solidFill>
+              </a:rPr>
+              <a:t>        {</a:t>
+            </a:r>
+            <a:endParaRPr lang="zh-CN" altLang="en-US">
+              <a:solidFill>
+                <a:schemeClr val="bg1"/>
+              </a:solidFill>
+            </a:endParaRPr>
+          </a:p>
+          <a:p>
+            <a:r>
+              <a:rPr lang="zh-CN" altLang="en-US">
+                <a:solidFill>
+                  <a:schemeClr val="bg1"/>
+                </a:solidFill>
+              </a:rPr>
+              <a:t>            super.logging()</a:t>
+            </a:r>
+            <a:endParaRPr lang="zh-CN" altLang="en-US">
+              <a:solidFill>
+                <a:schemeClr val="bg1"/>
+              </a:solidFill>
+            </a:endParaRPr>
+          </a:p>
+          <a:p>
+            <a:r>
+              <a:rPr lang="zh-CN" altLang="en-US">
+                <a:solidFill>
+                  <a:schemeClr val="bg1"/>
+                </a:solidFill>
+              </a:rPr>
+              <a:t>            document.write('The user is the admin.&lt;br/&gt;');</a:t>
+            </a:r>
+            <a:endParaRPr lang="zh-CN" altLang="en-US">
+              <a:solidFill>
+                <a:schemeClr val="bg1"/>
+              </a:solidFill>
+            </a:endParaRPr>
+          </a:p>
+          <a:p>
+            <a:r>
+              <a:rPr lang="zh-CN" altLang="en-US">
+                <a:solidFill>
+                  <a:schemeClr val="bg1"/>
+                </a:solidFill>
+              </a:rPr>
+              <a:t>        }</a:t>
+            </a:r>
+            <a:endParaRPr lang="zh-CN" altLang="en-US">
+              <a:solidFill>
+                <a:schemeClr val="bg1"/>
+              </a:solidFill>
+            </a:endParaRPr>
+          </a:p>
+          <a:p>
+            <a:r>
+              <a:rPr lang="zh-CN" altLang="en-US">
+                <a:solidFill>
+                  <a:schemeClr val="bg1"/>
+                </a:solidFill>
+              </a:rPr>
+              <a:t>    }</a:t>
+            </a:r>
+            <a:endParaRPr lang="zh-CN" altLang="en-US">
+              <a:solidFill>
+                <a:schemeClr val="bg1"/>
+              </a:solidFill>
+            </a:endParaRPr>
+          </a:p>
+          <a:p>
+            <a:r>
+              <a:rPr lang="zh-CN" altLang="en-US">
+                <a:solidFill>
+                  <a:schemeClr val="bg1"/>
+                </a:solidFill>
+              </a:rPr>
+              <a:t>    const user = new Admin('huangjiasheng');</a:t>
+            </a:r>
+            <a:endParaRPr lang="zh-CN" altLang="en-US">
+              <a:solidFill>
+                <a:schemeClr val="bg1"/>
+              </a:solidFill>
+            </a:endParaRPr>
+          </a:p>
+          <a:p>
+            <a:r>
+              <a:rPr lang="zh-CN" altLang="en-US">
+                <a:solidFill>
+                  <a:schemeClr val="bg1"/>
+                </a:solidFill>
+              </a:rPr>
+              <a:t>    user.logging(); // animal makes a noise.</a:t>
+            </a:r>
+            <a:endParaRPr lang="zh-CN" altLang="en-US">
+              <a:solidFill>
+                <a:schemeClr val="bg1"/>
+              </a:solidFill>
+            </a:endParaRPr>
+          </a:p>
+          <a:p>
+            <a:r>
+              <a:rPr lang="zh-CN" altLang="en-US">
+                <a:solidFill>
+                  <a:schemeClr val="bg1"/>
+                </a:solidFill>
+              </a:rPr>
+              <a:t>&lt;/script&gt;</a:t>
+            </a:r>
+            <a:endParaRPr lang="zh-CN" altLang="en-US">
+              <a:solidFill>
+                <a:schemeClr val="bg1"/>
+              </a:solidFill>
+            </a:endParaRPr>
+          </a:p>
+        </p:txBody>
+      </p:sp>
+      <p:sp>
+        <p:nvSpPr>
+          <p:cNvPr id="2" name="文本框 1"/>
+          <p:cNvSpPr txBox="1"/>
+          <p:nvPr/>
+        </p:nvSpPr>
+        <p:spPr>
+          <a:xfrm>
+            <a:off x="906145" y="423545"/>
+            <a:ext cx="3900170" cy="521970"/>
+          </a:xfrm>
+          <a:prstGeom prst="rect">
+            <a:avLst/>
+          </a:prstGeom>
+          <a:noFill/>
+        </p:spPr>
+        <p:txBody>
+          <a:bodyPr wrap="square" rtlCol="0">
+            <a:spAutoFit/>
+          </a:bodyPr>
+          <a:p>
+            <a:r>
+              <a:rPr lang="zh-CN" sz="2800" b="1">
+                <a:solidFill>
+                  <a:schemeClr val="bg1"/>
+                </a:solidFill>
+              </a:rPr>
+              <a:t>类与继承（</a:t>
+            </a:r>
+            <a:r>
+              <a:rPr lang="en-US" altLang="zh-CN" sz="2800" b="1">
+                <a:solidFill>
+                  <a:schemeClr val="bg1"/>
+                </a:solidFill>
+              </a:rPr>
+              <a:t>2</a:t>
+            </a:r>
+            <a:r>
+              <a:rPr lang="zh-CN" altLang="en-US" sz="2800" b="1">
+                <a:solidFill>
+                  <a:schemeClr val="bg1"/>
+                </a:solidFill>
+              </a:rPr>
+              <a:t>）</a:t>
+            </a:r>
+            <a:endParaRPr lang="zh-CN" altLang="en-US" sz="2800" b="1">
+              <a:solidFill>
+                <a:schemeClr val="bg1"/>
+              </a:solidFill>
+            </a:endParaRPr>
+          </a:p>
+        </p:txBody>
+      </p:sp>
+    </p:spTree>
+  </p:cSld>
+  <p:clrMapOvr>
+    <a:masterClrMapping/>
+  </p:clrMapOvr>
+</p:sld>
+</file>
+
+<file path=ppt/slides/slide23.xml><?xml version="1.0" encoding="utf-8"?>
+<p:sld xmlns:a="http://schemas.openxmlformats.org/drawingml/2006/main" xmlns:r="http://schemas.openxmlformats.org/officeDocument/2006/relationships" xmlns:p="http://schemas.openxmlformats.org/presentationml/2006/main">
+  <p:cSld>
+    <p:spTree>
+      <p:nvGrpSpPr>
+        <p:cNvPr id="19" name=""/>
+        <p:cNvGrpSpPr/>
+        <p:nvPr/>
+      </p:nvGrpSpPr>
+      <p:grpSpPr>
+        <a:xfrm>
+          <a:off x="0" y="0"/>
+          <a:ext cx="0" cy="0"/>
+          <a:chOff x="0" y="0"/>
+          <a:chExt cx="0" cy="0"/>
+        </a:xfrm>
+      </p:grpSpPr>
+      <p:sp>
+        <p:nvSpPr>
+          <p:cNvPr id="1048582" name="矩形 18"/>
+          <p:cNvSpPr/>
+          <p:nvPr/>
+        </p:nvSpPr>
+        <p:spPr>
+          <a:xfrm>
+            <a:off x="2568893" y="913011"/>
+            <a:ext cx="3355975" cy="829945"/>
+          </a:xfrm>
+          <a:prstGeom prst="rect">
+            <a:avLst/>
+          </a:prstGeom>
+        </p:spPr>
+        <p:txBody>
+          <a:bodyPr wrap="none">
+            <a:spAutoFit/>
+          </a:bodyPr>
+          <a:p>
+            <a:pPr algn="ctr"/>
+            <a:r>
+              <a:rPr lang="en-US" altLang="zh-CN" sz="4800" b="1" dirty="0">
+                <a:solidFill>
+                  <a:schemeClr val="bg1"/>
+                </a:solidFill>
+                <a:latin typeface="Century Gothic" panose="020B0502020202020204" pitchFamily="34" charset="0"/>
+                <a:cs typeface="Arial" panose="020B0604020202020204" pitchFamily="34" charset="0"/>
+              </a:rPr>
+              <a:t>webrtc</a:t>
+            </a:r>
+            <a:r>
+              <a:rPr lang="zh-CN" altLang="en-US" sz="4800" b="1" dirty="0">
+                <a:solidFill>
+                  <a:schemeClr val="bg1"/>
+                </a:solidFill>
+                <a:latin typeface="Century Gothic" panose="020B0502020202020204" pitchFamily="34" charset="0"/>
+                <a:cs typeface="Arial" panose="020B0604020202020204" pitchFamily="34" charset="0"/>
+              </a:rPr>
+              <a:t>入门</a:t>
+            </a:r>
+            <a:endParaRPr lang="zh-CN" altLang="en-US" sz="4800" b="1" dirty="0">
+              <a:solidFill>
+                <a:schemeClr val="bg1"/>
+              </a:solidFill>
+              <a:latin typeface="Century Gothic" panose="020B0502020202020204" pitchFamily="34" charset="0"/>
+              <a:cs typeface="Arial" panose="020B0604020202020204" pitchFamily="34" charset="0"/>
+              <a:sym typeface="+mn-ea"/>
+            </a:endParaRPr>
+          </a:p>
+        </p:txBody>
+      </p:sp>
+      <p:sp>
+        <p:nvSpPr>
+          <p:cNvPr id="1048583" name="矩形 15"/>
+          <p:cNvSpPr/>
+          <p:nvPr/>
+        </p:nvSpPr>
+        <p:spPr>
+          <a:xfrm>
+            <a:off x="135125" y="3974645"/>
+            <a:ext cx="8223510" cy="1353185"/>
+          </a:xfrm>
+          <a:prstGeom prst="rect">
+            <a:avLst/>
+          </a:prstGeom>
+        </p:spPr>
+        <p:txBody>
+          <a:bodyPr wrap="square">
+            <a:spAutoFit/>
+          </a:bodyPr>
+          <a:p>
+            <a:pPr algn="ctr">
+              <a:lnSpc>
+                <a:spcPct val="114000"/>
+              </a:lnSpc>
+            </a:pPr>
+            <a:endParaRPr lang="en-US" altLang="zh-CN" sz="1200" dirty="0">
+              <a:solidFill>
+                <a:schemeClr val="bg1"/>
+              </a:solidFill>
+              <a:latin typeface="Century Gothic" panose="020B0502020202020204" pitchFamily="34" charset="0"/>
+              <a:cs typeface="Arial" panose="020B0604020202020204" pitchFamily="34" charset="0"/>
+            </a:endParaRPr>
+          </a:p>
+          <a:p>
+            <a:pPr algn="ctr">
+              <a:lnSpc>
+                <a:spcPct val="114000"/>
+              </a:lnSpc>
+            </a:pPr>
+            <a:r>
+              <a:rPr lang="en-US" altLang="zh-CN" sz="1200" dirty="0">
+                <a:solidFill>
+                  <a:schemeClr val="bg1"/>
+                </a:solidFill>
+                <a:latin typeface="Century Gothic" panose="020B0502020202020204" pitchFamily="34" charset="0"/>
+                <a:cs typeface="Arial" panose="020B0604020202020204" pitchFamily="34" charset="0"/>
+              </a:rPr>
+              <a:t>Author:</a:t>
+            </a:r>
+            <a:r>
+              <a:rPr lang="zh-CN" altLang="en-US" sz="1200" dirty="0">
+                <a:solidFill>
+                  <a:schemeClr val="bg1"/>
+                </a:solidFill>
+                <a:latin typeface="Century Gothic" panose="020B0502020202020204" pitchFamily="34" charset="0"/>
+                <a:cs typeface="Arial" panose="020B0604020202020204" pitchFamily="34" charset="0"/>
+              </a:rPr>
+              <a:t>　</a:t>
+            </a:r>
+            <a:r>
+              <a:rPr lang="en-US" altLang="zh-CN" sz="1200" dirty="0">
+                <a:solidFill>
+                  <a:schemeClr val="bg1"/>
+                </a:solidFill>
+                <a:latin typeface="Century Gothic" panose="020B0502020202020204" pitchFamily="34" charset="0"/>
+                <a:cs typeface="Arial" panose="020B0604020202020204" pitchFamily="34" charset="0"/>
+              </a:rPr>
+              <a:t>Huang Jiasheng</a:t>
+            </a:r>
+            <a:endParaRPr lang="en-US" altLang="zh-CN" sz="1200" dirty="0">
+              <a:solidFill>
+                <a:schemeClr val="bg1"/>
+              </a:solidFill>
+              <a:latin typeface="Century Gothic" panose="020B0502020202020204" pitchFamily="34" charset="0"/>
+              <a:cs typeface="Arial" panose="020B0604020202020204" pitchFamily="34" charset="0"/>
+            </a:endParaRPr>
+          </a:p>
+          <a:p>
+            <a:pPr algn="ctr">
+              <a:lnSpc>
+                <a:spcPct val="114000"/>
+              </a:lnSpc>
+            </a:pPr>
+            <a:endParaRPr lang="en-US" altLang="zh-CN" sz="1200" dirty="0">
+              <a:solidFill>
+                <a:schemeClr val="bg1"/>
+              </a:solidFill>
+              <a:latin typeface="Century Gothic" panose="020B0502020202020204" pitchFamily="34" charset="0"/>
+              <a:cs typeface="Arial" panose="020B0604020202020204" pitchFamily="34" charset="0"/>
+            </a:endParaRPr>
+          </a:p>
+          <a:p>
+            <a:pPr algn="ctr">
+              <a:lnSpc>
+                <a:spcPct val="114000"/>
+              </a:lnSpc>
+            </a:pPr>
+            <a:endParaRPr lang="zh-CN" altLang="en-US" sz="1200" dirty="0">
+              <a:solidFill>
+                <a:schemeClr val="bg1"/>
+              </a:solidFill>
+              <a:latin typeface="Century Gothic" panose="020B0502020202020204" pitchFamily="34" charset="0"/>
+              <a:cs typeface="Arial" panose="020B0604020202020204" pitchFamily="34" charset="0"/>
+            </a:endParaRPr>
+          </a:p>
+          <a:p>
+            <a:pPr algn="ctr">
+              <a:lnSpc>
+                <a:spcPct val="114000"/>
+              </a:lnSpc>
+            </a:pPr>
+            <a:endParaRPr lang="zh-CN" altLang="en-US" sz="1200" dirty="0">
+              <a:solidFill>
+                <a:schemeClr val="bg1"/>
+              </a:solidFill>
+              <a:latin typeface="Century Gothic" panose="020B0502020202020204" pitchFamily="34" charset="0"/>
+              <a:cs typeface="Arial" panose="020B0604020202020204" pitchFamily="34" charset="0"/>
+            </a:endParaRPr>
+          </a:p>
+          <a:p>
+            <a:pPr algn="ctr">
+              <a:lnSpc>
+                <a:spcPct val="114000"/>
+              </a:lnSpc>
+            </a:pPr>
+            <a:endParaRPr lang="zh-CN" altLang="en-US" sz="1200" dirty="0">
+              <a:solidFill>
+                <a:schemeClr val="bg1"/>
+              </a:solidFill>
+              <a:latin typeface="Century Gothic" panose="020B0502020202020204" pitchFamily="34" charset="0"/>
+              <a:cs typeface="Arial" panose="020B0604020202020204" pitchFamily="34" charset="0"/>
+            </a:endParaRPr>
+          </a:p>
+        </p:txBody>
+      </p:sp>
+      <p:sp>
+        <p:nvSpPr>
+          <p:cNvPr id="3" name="文本框 2"/>
+          <p:cNvSpPr txBox="1"/>
+          <p:nvPr/>
+        </p:nvSpPr>
+        <p:spPr>
+          <a:xfrm>
+            <a:off x="1437640" y="1743075"/>
+            <a:ext cx="5710555" cy="1614805"/>
+          </a:xfrm>
+          <a:prstGeom prst="rect">
+            <a:avLst/>
+          </a:prstGeom>
+          <a:noFill/>
+        </p:spPr>
+        <p:txBody>
+          <a:bodyPr wrap="square" rtlCol="0">
+            <a:spAutoFit/>
+          </a:bodyPr>
+          <a:p>
+            <a:pPr fontAlgn="auto">
+              <a:lnSpc>
+                <a:spcPct val="150000"/>
+              </a:lnSpc>
+            </a:pPr>
+            <a:r>
+              <a:rPr lang="zh-CN" altLang="en-US">
+                <a:solidFill>
+                  <a:schemeClr val="bg1"/>
+                </a:solidFill>
+              </a:rPr>
+              <a:t>轻松入门</a:t>
+            </a:r>
+            <a:r>
+              <a:rPr lang="en-US">
+                <a:solidFill>
+                  <a:schemeClr val="bg1"/>
+                </a:solidFill>
+              </a:rPr>
+              <a:t>webrtc</a:t>
+            </a:r>
+            <a:r>
+              <a:rPr lang="zh-CN" altLang="en-US">
+                <a:solidFill>
+                  <a:schemeClr val="bg1"/>
+                </a:solidFill>
+              </a:rPr>
+              <a:t>的简单技术应用介绍</a:t>
+            </a:r>
+            <a:endParaRPr lang="zh-CN" altLang="en-US">
+              <a:solidFill>
+                <a:schemeClr val="bg1"/>
+              </a:solidFill>
+            </a:endParaRPr>
+          </a:p>
+          <a:p>
+            <a:pPr fontAlgn="auto">
+              <a:lnSpc>
+                <a:spcPct val="150000"/>
+              </a:lnSpc>
+            </a:pPr>
+            <a:r>
+              <a:rPr lang="zh-CN" altLang="en-US">
+                <a:solidFill>
+                  <a:schemeClr val="bg1"/>
+                </a:solidFill>
+              </a:rPr>
+              <a:t>阅读完</a:t>
+            </a:r>
+            <a:r>
+              <a:rPr lang="zh-CN" altLang="en-US">
+                <a:solidFill>
+                  <a:schemeClr val="bg1"/>
+                </a:solidFill>
+                <a:sym typeface="+mn-ea"/>
+              </a:rPr>
+              <a:t>本部分课件</a:t>
+            </a:r>
+            <a:r>
+              <a:rPr lang="zh-CN" altLang="en-US">
+                <a:solidFill>
+                  <a:schemeClr val="bg1"/>
+                </a:solidFill>
+              </a:rPr>
+              <a:t>您将收获：</a:t>
+            </a:r>
+            <a:endParaRPr lang="zh-CN" altLang="en-US">
+              <a:solidFill>
+                <a:schemeClr val="bg1"/>
+              </a:solidFill>
+            </a:endParaRPr>
+          </a:p>
+          <a:p>
+            <a:pPr fontAlgn="auto">
+              <a:lnSpc>
+                <a:spcPct val="150000"/>
+              </a:lnSpc>
+            </a:pPr>
+            <a:r>
+              <a:rPr lang="zh-CN" altLang="en-US">
+                <a:solidFill>
+                  <a:schemeClr val="bg1"/>
+                </a:solidFill>
+                <a:sym typeface="+mn-ea"/>
+              </a:rPr>
+              <a:t>通过</a:t>
+            </a:r>
+            <a:r>
+              <a:rPr lang="zh-CN" altLang="en-US">
+                <a:solidFill>
+                  <a:srgbClr val="00B0F0"/>
+                </a:solidFill>
+                <a:sym typeface="+mn-ea"/>
+              </a:rPr>
+              <a:t>一个实例项目</a:t>
+            </a:r>
+            <a:r>
+              <a:rPr lang="zh-CN" altLang="en-US">
+                <a:solidFill>
+                  <a:schemeClr val="bg1"/>
+                </a:solidFill>
+                <a:sym typeface="+mn-ea"/>
+              </a:rPr>
+              <a:t>初步了解</a:t>
+            </a:r>
+            <a:r>
+              <a:rPr lang="en-US" altLang="zh-CN">
+                <a:solidFill>
+                  <a:schemeClr val="bg1"/>
+                </a:solidFill>
+                <a:sym typeface="+mn-ea"/>
+              </a:rPr>
+              <a:t>webrtc</a:t>
+            </a:r>
+            <a:r>
+              <a:rPr lang="zh-CN" altLang="en-US">
+                <a:solidFill>
+                  <a:schemeClr val="bg1"/>
+                </a:solidFill>
+                <a:sym typeface="+mn-ea"/>
+              </a:rPr>
+              <a:t>和</a:t>
+            </a:r>
+            <a:r>
+              <a:rPr lang="en-US" altLang="zh-CN">
+                <a:solidFill>
+                  <a:schemeClr val="bg1"/>
+                </a:solidFill>
+                <a:sym typeface="+mn-ea"/>
+              </a:rPr>
+              <a:t>nodejs</a:t>
+            </a:r>
+            <a:endParaRPr lang="zh-CN" altLang="en-US">
+              <a:solidFill>
+                <a:schemeClr val="bg1"/>
+              </a:solidFill>
+            </a:endParaRPr>
+          </a:p>
+          <a:p>
+            <a:endParaRPr lang="zh-CN" altLang="en-US">
+              <a:solidFill>
+                <a:schemeClr val="bg1"/>
+              </a:solidFill>
+            </a:endParaRPr>
+          </a:p>
+        </p:txBody>
+      </p:sp>
+    </p:spTree>
+  </p:cSld>
+  <p:clrMapOvr>
+    <a:masterClrMapping/>
+  </p:clrMapOvr>
+  <p:timing>
+    <p:tnLst>
+      <p:par>
+        <p:cTn id="1" dur="indefinite" restart="never" nodeType="tmRoot"/>
+      </p:par>
+    </p:tnLst>
+  </p:timing>
+</p:sld>
+</file>
+
+<file path=ppt/slides/slide24.xml><?xml version="1.0" encoding="utf-8"?>
 <p:sld xmlns:a="http://schemas.openxmlformats.org/drawingml/2006/main" xmlns:r="http://schemas.openxmlformats.org/officeDocument/2006/relationships" xmlns:p="http://schemas.openxmlformats.org/presentationml/2006/main">
   <p:cSld>
     <p:spTree>
@@ -5293,7 +6456,7 @@
 </p:sld>
 </file>
 
-<file path=ppt/slides/slide22.xml><?xml version="1.0" encoding="utf-8"?>
+<file path=ppt/slides/slide25.xml><?xml version="1.0" encoding="utf-8"?>
 <p:sld xmlns:a="http://schemas.openxmlformats.org/drawingml/2006/main" xmlns:r="http://schemas.openxmlformats.org/officeDocument/2006/relationships" xmlns:p="http://schemas.openxmlformats.org/presentationml/2006/main">
   <p:cSld>
     <p:spTree>
@@ -5380,7 +6543,7 @@
 </p:sld>
 </file>
 
-<file path=ppt/slides/slide23.xml><?xml version="1.0" encoding="utf-8"?>
+<file path=ppt/slides/slide26.xml><?xml version="1.0" encoding="utf-8"?>
 <p:sld xmlns:a="http://schemas.openxmlformats.org/drawingml/2006/main" xmlns:r="http://schemas.openxmlformats.org/officeDocument/2006/relationships" xmlns:p="http://schemas.openxmlformats.org/presentationml/2006/main">
   <p:cSld>
     <p:spTree>
@@ -5555,7 +6718,7 @@
 </p:sld>
 </file>
 
-<file path=ppt/slides/slide24.xml><?xml version="1.0" encoding="utf-8"?>
+<file path=ppt/slides/slide27.xml><?xml version="1.0" encoding="utf-8"?>
 <p:sld xmlns:a="http://schemas.openxmlformats.org/drawingml/2006/main" xmlns:r="http://schemas.openxmlformats.org/officeDocument/2006/relationships" xmlns:p="http://schemas.openxmlformats.org/presentationml/2006/main">
   <p:cSld>
     <p:spTree>
@@ -5574,7 +6737,7 @@
         <p:spPr>
           <a:xfrm>
             <a:off x="886460" y="1871980"/>
-            <a:ext cx="7539990" cy="1476375"/>
+            <a:ext cx="7539990" cy="1753235"/>
           </a:xfrm>
           <a:prstGeom prst="rect">
             <a:avLst/>
@@ -5586,13 +6749,6 @@
             <a:spAutoFit/>
           </a:bodyPr>
           <a:p>
-            <a:endParaRPr lang="zh-CN" altLang="en-US">
-              <a:solidFill>
-                <a:schemeClr val="bg1"/>
-              </a:solidFill>
-            </a:endParaRPr>
-          </a:p>
-          <a:p>
             <a:r>
               <a:rPr lang="zh-CN" altLang="en-US">
                 <a:solidFill>
@@ -5615,7 +6771,7 @@
                   <a:schemeClr val="bg1"/>
                 </a:solidFill>
               </a:rPr>
-              <a:t>，使用到了刚刚介绍的</a:t>
+              <a:t>，使用到了刚刚提到的</a:t>
             </a:r>
             <a:r>
               <a:rPr lang="en-US" altLang="zh-CN">
@@ -5687,49 +6843,37 @@
                   <a:schemeClr val="bg1"/>
                 </a:solidFill>
               </a:rPr>
-              <a:t>。</a:t>
-            </a:r>
-            <a:endParaRPr lang="zh-CN" altLang="en-US">
-              <a:solidFill>
-                <a:schemeClr val="bg1"/>
-              </a:solidFill>
-            </a:endParaRPr>
-          </a:p>
-          <a:p>
-            <a:endParaRPr lang="zh-CN" altLang="en-US">
-              <a:solidFill>
-                <a:schemeClr val="bg1"/>
-              </a:solidFill>
-            </a:endParaRPr>
-          </a:p>
-          <a:p>
-            <a:r>
-              <a:rPr lang="en-US" altLang="zh-CN">
-                <a:solidFill>
-                  <a:schemeClr val="bg1"/>
-                </a:solidFill>
-                <a:hlinkClick r:id="rId1" action="ppaction://hlinkfile"/>
-              </a:rPr>
-              <a:t>→</a:t>
-            </a:r>
-            <a:r>
-              <a:rPr lang="zh-CN" altLang="en-US">
-                <a:solidFill>
-                  <a:schemeClr val="bg1"/>
-                </a:solidFill>
-                <a:hlinkClick r:id="rId1" action="ppaction://hlinkfile"/>
-              </a:rPr>
-              <a:t>前往</a:t>
-            </a:r>
-            <a:r>
-              <a:rPr lang="zh-CN" altLang="en-US">
-                <a:solidFill>
-                  <a:schemeClr val="bg1"/>
-                </a:solidFill>
-                <a:hlinkClick r:id="rId1" action="ppaction://hlinkfile"/>
-              </a:rPr>
-              <a:t>文件夹</a:t>
-            </a:r>
+              <a:t>。稍后我将会简单带大家看完这个工程的核心源码并进行说明。</a:t>
+            </a:r>
+            <a:endParaRPr lang="zh-CN" altLang="en-US">
+              <a:solidFill>
+                <a:schemeClr val="bg1"/>
+              </a:solidFill>
+            </a:endParaRPr>
+          </a:p>
+          <a:p>
+            <a:endParaRPr lang="zh-CN" altLang="en-US">
+              <a:solidFill>
+                <a:schemeClr val="bg1"/>
+              </a:solidFill>
+            </a:endParaRPr>
+          </a:p>
+          <a:p>
+            <a:r>
+              <a:rPr lang="zh-CN" altLang="en-US">
+                <a:solidFill>
+                  <a:schemeClr val="bg1"/>
+                </a:solidFill>
+              </a:rPr>
+              <a:t>效果图：</a:t>
+            </a:r>
+            <a:endParaRPr lang="zh-CN" altLang="en-US">
+              <a:solidFill>
+                <a:schemeClr val="bg1"/>
+              </a:solidFill>
+            </a:endParaRPr>
+          </a:p>
+          <a:p>
             <a:endParaRPr lang="zh-CN" altLang="en-US">
               <a:solidFill>
                 <a:schemeClr val="bg1"/>
@@ -5772,6 +6916,7 @@
                 <a:solidFill>
                   <a:schemeClr val="bg1"/>
                 </a:solidFill>
+                <a:hlinkClick r:id="rId1" tooltip="" action="ppaction://hlinkfile"/>
               </a:rPr>
               <a:t>nodejs+webrtc</a:t>
             </a:r>
@@ -5780,6 +6925,7 @@
                 <a:solidFill>
                   <a:schemeClr val="bg1"/>
                 </a:solidFill>
+                <a:hlinkClick r:id="rId1" tooltip="" action="ppaction://hlinkfile"/>
               </a:rPr>
               <a:t>实例项目</a:t>
             </a:r>
@@ -5788,6 +6934,441 @@
                 <a:schemeClr val="bg1"/>
               </a:solidFill>
             </a:endParaRPr>
+          </a:p>
+        </p:txBody>
+      </p:sp>
+      <p:pic>
+        <p:nvPicPr>
+          <p:cNvPr id="2" name="图片 1" descr="效果图"/>
+          <p:cNvPicPr>
+            <a:picLocks noChangeAspect="1"/>
+          </p:cNvPicPr>
+          <p:nvPr/>
+        </p:nvPicPr>
+        <p:blipFill>
+          <a:blip r:embed="rId2"/>
+          <a:srcRect l="15213" b="29684"/>
+          <a:stretch>
+            <a:fillRect/>
+          </a:stretch>
+        </p:blipFill>
+        <p:spPr>
+          <a:xfrm>
+            <a:off x="2609850" y="2934335"/>
+            <a:ext cx="4092575" cy="1797685"/>
+          </a:xfrm>
+          <a:prstGeom prst="rect">
+            <a:avLst/>
+          </a:prstGeom>
+        </p:spPr>
+      </p:pic>
+    </p:spTree>
+  </p:cSld>
+  <p:clrMapOvr>
+    <a:masterClrMapping/>
+  </p:clrMapOvr>
+</p:sld>
+</file>
+
+<file path=ppt/slides/slide28.xml><?xml version="1.0" encoding="utf-8"?>
+<p:sld xmlns:a="http://schemas.openxmlformats.org/drawingml/2006/main" xmlns:r="http://schemas.openxmlformats.org/officeDocument/2006/relationships" xmlns:p="http://schemas.openxmlformats.org/presentationml/2006/main">
+  <p:cSld>
+    <p:spTree>
+      <p:nvGrpSpPr>
+        <p:cNvPr id="1" name=""/>
+        <p:cNvGrpSpPr/>
+        <p:nvPr/>
+      </p:nvGrpSpPr>
+      <p:grpSpPr/>
+      <p:sp>
+        <p:nvSpPr>
+          <p:cNvPr id="3" name="文本框 2"/>
+          <p:cNvSpPr txBox="1"/>
+          <p:nvPr/>
+        </p:nvSpPr>
+        <p:spPr>
+          <a:xfrm>
+            <a:off x="854710" y="1108075"/>
+            <a:ext cx="7539990" cy="2584450"/>
+          </a:xfrm>
+          <a:prstGeom prst="rect">
+            <a:avLst/>
+          </a:prstGeom>
+          <a:noFill/>
+        </p:spPr>
+        <p:txBody>
+          <a:bodyPr wrap="square" rtlCol="0">
+            <a:spAutoFit/>
+          </a:bodyPr>
+          <a:p>
+            <a:endParaRPr lang="zh-CN" altLang="en-US">
+              <a:solidFill>
+                <a:schemeClr val="bg1"/>
+              </a:solidFill>
+            </a:endParaRPr>
+          </a:p>
+          <a:p>
+            <a:endParaRPr lang="zh-CN" altLang="en-US">
+              <a:solidFill>
+                <a:schemeClr val="bg1"/>
+              </a:solidFill>
+            </a:endParaRPr>
+          </a:p>
+          <a:p>
+            <a:endParaRPr lang="zh-CN" altLang="en-US">
+              <a:solidFill>
+                <a:schemeClr val="bg1"/>
+              </a:solidFill>
+            </a:endParaRPr>
+          </a:p>
+          <a:p>
+            <a:endParaRPr lang="zh-CN" altLang="en-US">
+              <a:solidFill>
+                <a:schemeClr val="bg1"/>
+              </a:solidFill>
+            </a:endParaRPr>
+          </a:p>
+          <a:p>
+            <a:endParaRPr lang="zh-CN" altLang="en-US">
+              <a:solidFill>
+                <a:schemeClr val="bg1"/>
+              </a:solidFill>
+            </a:endParaRPr>
+          </a:p>
+          <a:p>
+            <a:endParaRPr lang="zh-CN" altLang="en-US">
+              <a:solidFill>
+                <a:schemeClr val="bg1"/>
+              </a:solidFill>
+            </a:endParaRPr>
+          </a:p>
+          <a:p>
+            <a:endParaRPr lang="zh-CN" altLang="en-US">
+              <a:solidFill>
+                <a:schemeClr val="bg1"/>
+              </a:solidFill>
+            </a:endParaRPr>
+          </a:p>
+          <a:p>
+            <a:endParaRPr lang="zh-CN" altLang="en-US">
+              <a:solidFill>
+                <a:schemeClr val="bg1"/>
+              </a:solidFill>
+            </a:endParaRPr>
+          </a:p>
+          <a:p>
+            <a:endParaRPr lang="zh-CN" altLang="en-US">
+              <a:solidFill>
+                <a:schemeClr val="bg1"/>
+              </a:solidFill>
+            </a:endParaRPr>
+          </a:p>
+        </p:txBody>
+      </p:sp>
+      <p:sp>
+        <p:nvSpPr>
+          <p:cNvPr id="4" name="文本框 3"/>
+          <p:cNvSpPr txBox="1"/>
+          <p:nvPr/>
+        </p:nvSpPr>
+        <p:spPr>
+          <a:xfrm>
+            <a:off x="906145" y="423545"/>
+            <a:ext cx="3900170" cy="521970"/>
+          </a:xfrm>
+          <a:prstGeom prst="rect">
+            <a:avLst/>
+          </a:prstGeom>
+          <a:noFill/>
+        </p:spPr>
+        <p:txBody>
+          <a:bodyPr wrap="square" rtlCol="0">
+            <a:spAutoFit/>
+          </a:bodyPr>
+          <a:p>
+            <a:r>
+              <a:rPr lang="en-US" altLang="zh-CN" sz="2800" b="1">
+                <a:solidFill>
+                  <a:schemeClr val="bg1"/>
+                </a:solidFill>
+              </a:rPr>
+              <a:t>nodejs</a:t>
+            </a:r>
+            <a:r>
+              <a:rPr lang="zh-CN" altLang="en-US" sz="2800" b="1">
+                <a:solidFill>
+                  <a:schemeClr val="bg1"/>
+                </a:solidFill>
+              </a:rPr>
+              <a:t>工程</a:t>
+            </a:r>
+            <a:r>
+              <a:rPr lang="zh-CN" altLang="en-US" sz="2800" b="1">
+                <a:solidFill>
+                  <a:schemeClr val="bg1"/>
+                </a:solidFill>
+              </a:rPr>
+              <a:t>结构介绍</a:t>
+            </a:r>
+            <a:endParaRPr lang="zh-CN" altLang="en-US" sz="2800" b="1">
+              <a:solidFill>
+                <a:schemeClr val="bg1"/>
+              </a:solidFill>
+            </a:endParaRPr>
+          </a:p>
+        </p:txBody>
+      </p:sp>
+      <p:pic>
+        <p:nvPicPr>
+          <p:cNvPr id="2" name="图片 1"/>
+          <p:cNvPicPr>
+            <a:picLocks noChangeAspect="1"/>
+          </p:cNvPicPr>
+          <p:nvPr/>
+        </p:nvPicPr>
+        <p:blipFill>
+          <a:blip r:embed="rId1"/>
+          <a:srcRect b="2363"/>
+          <a:stretch>
+            <a:fillRect/>
+          </a:stretch>
+        </p:blipFill>
+        <p:spPr>
+          <a:xfrm>
+            <a:off x="1038225" y="1039495"/>
+            <a:ext cx="3829050" cy="3803650"/>
+          </a:xfrm>
+          <a:prstGeom prst="rect">
+            <a:avLst/>
+          </a:prstGeom>
+        </p:spPr>
+      </p:pic>
+    </p:spTree>
+  </p:cSld>
+  <p:clrMapOvr>
+    <a:masterClrMapping/>
+  </p:clrMapOvr>
+</p:sld>
+</file>
+
+<file path=ppt/slides/slide29.xml><?xml version="1.0" encoding="utf-8"?>
+<p:sld xmlns:a="http://schemas.openxmlformats.org/drawingml/2006/main" xmlns:r="http://schemas.openxmlformats.org/officeDocument/2006/relationships" xmlns:p="http://schemas.openxmlformats.org/presentationml/2006/main">
+  <p:cSld>
+    <p:spTree>
+      <p:nvGrpSpPr>
+        <p:cNvPr id="1" name=""/>
+        <p:cNvGrpSpPr/>
+        <p:nvPr/>
+      </p:nvGrpSpPr>
+      <p:grpSpPr/>
+      <p:sp>
+        <p:nvSpPr>
+          <p:cNvPr id="3" name="文本框 2"/>
+          <p:cNvSpPr txBox="1"/>
+          <p:nvPr/>
+        </p:nvSpPr>
+        <p:spPr>
+          <a:xfrm>
+            <a:off x="854710" y="1108075"/>
+            <a:ext cx="7539990" cy="2584450"/>
+          </a:xfrm>
+          <a:prstGeom prst="rect">
+            <a:avLst/>
+          </a:prstGeom>
+          <a:noFill/>
+        </p:spPr>
+        <p:txBody>
+          <a:bodyPr wrap="square" rtlCol="0">
+            <a:spAutoFit/>
+          </a:bodyPr>
+          <a:p>
+            <a:endParaRPr lang="zh-CN" altLang="en-US">
+              <a:solidFill>
+                <a:schemeClr val="bg1"/>
+              </a:solidFill>
+            </a:endParaRPr>
+          </a:p>
+          <a:p>
+            <a:endParaRPr lang="zh-CN" altLang="en-US">
+              <a:solidFill>
+                <a:schemeClr val="bg1"/>
+              </a:solidFill>
+            </a:endParaRPr>
+          </a:p>
+          <a:p>
+            <a:endParaRPr lang="zh-CN" altLang="en-US">
+              <a:solidFill>
+                <a:schemeClr val="bg1"/>
+              </a:solidFill>
+            </a:endParaRPr>
+          </a:p>
+          <a:p>
+            <a:endParaRPr lang="zh-CN" altLang="en-US">
+              <a:solidFill>
+                <a:schemeClr val="bg1"/>
+              </a:solidFill>
+            </a:endParaRPr>
+          </a:p>
+          <a:p>
+            <a:endParaRPr lang="zh-CN" altLang="en-US">
+              <a:solidFill>
+                <a:schemeClr val="bg1"/>
+              </a:solidFill>
+            </a:endParaRPr>
+          </a:p>
+          <a:p>
+            <a:endParaRPr lang="zh-CN" altLang="en-US">
+              <a:solidFill>
+                <a:schemeClr val="bg1"/>
+              </a:solidFill>
+            </a:endParaRPr>
+          </a:p>
+          <a:p>
+            <a:endParaRPr lang="zh-CN" altLang="en-US">
+              <a:solidFill>
+                <a:schemeClr val="bg1"/>
+              </a:solidFill>
+            </a:endParaRPr>
+          </a:p>
+          <a:p>
+            <a:endParaRPr lang="zh-CN" altLang="en-US">
+              <a:solidFill>
+                <a:schemeClr val="bg1"/>
+              </a:solidFill>
+            </a:endParaRPr>
+          </a:p>
+          <a:p>
+            <a:endParaRPr lang="zh-CN" altLang="en-US">
+              <a:solidFill>
+                <a:schemeClr val="bg1"/>
+              </a:solidFill>
+            </a:endParaRPr>
+          </a:p>
+        </p:txBody>
+      </p:sp>
+      <p:sp>
+        <p:nvSpPr>
+          <p:cNvPr id="4" name="文本框 3"/>
+          <p:cNvSpPr txBox="1"/>
+          <p:nvPr/>
+        </p:nvSpPr>
+        <p:spPr>
+          <a:xfrm>
+            <a:off x="906145" y="423545"/>
+            <a:ext cx="3900170" cy="521970"/>
+          </a:xfrm>
+          <a:prstGeom prst="rect">
+            <a:avLst/>
+          </a:prstGeom>
+          <a:noFill/>
+        </p:spPr>
+        <p:txBody>
+          <a:bodyPr wrap="square" rtlCol="0">
+            <a:spAutoFit/>
+          </a:bodyPr>
+          <a:p>
+            <a:r>
+              <a:rPr lang="en-US" altLang="zh-CN" sz="2800" b="1">
+                <a:solidFill>
+                  <a:schemeClr val="bg1"/>
+                </a:solidFill>
+              </a:rPr>
+              <a:t>nodejs</a:t>
+            </a:r>
+            <a:r>
+              <a:rPr lang="zh-CN" altLang="en-US" sz="2800" b="1">
+                <a:solidFill>
+                  <a:schemeClr val="bg1"/>
+                </a:solidFill>
+              </a:rPr>
+              <a:t>工程</a:t>
+            </a:r>
+            <a:r>
+              <a:rPr lang="zh-CN" altLang="en-US" sz="2800" b="1">
+                <a:solidFill>
+                  <a:schemeClr val="bg1"/>
+                </a:solidFill>
+              </a:rPr>
+              <a:t>结构介绍</a:t>
+            </a:r>
+            <a:endParaRPr lang="zh-CN" altLang="en-US" sz="2800" b="1">
+              <a:solidFill>
+                <a:schemeClr val="bg1"/>
+              </a:solidFill>
+            </a:endParaRPr>
+          </a:p>
+        </p:txBody>
+      </p:sp>
+      <p:pic>
+        <p:nvPicPr>
+          <p:cNvPr id="2" name="图片 1"/>
+          <p:cNvPicPr>
+            <a:picLocks noChangeAspect="1"/>
+          </p:cNvPicPr>
+          <p:nvPr/>
+        </p:nvPicPr>
+        <p:blipFill>
+          <a:blip r:embed="rId1"/>
+          <a:srcRect b="2363"/>
+          <a:stretch>
+            <a:fillRect/>
+          </a:stretch>
+        </p:blipFill>
+        <p:spPr>
+          <a:xfrm>
+            <a:off x="1038225" y="1039495"/>
+            <a:ext cx="3829050" cy="3803650"/>
+          </a:xfrm>
+          <a:prstGeom prst="rect">
+            <a:avLst/>
+          </a:prstGeom>
+        </p:spPr>
+      </p:pic>
+      <p:sp>
+        <p:nvSpPr>
+          <p:cNvPr id="6" name="线形标注 1 5"/>
+          <p:cNvSpPr/>
+          <p:nvPr/>
+        </p:nvSpPr>
+        <p:spPr>
+          <a:xfrm>
+            <a:off x="5268595" y="748030"/>
+            <a:ext cx="1800225" cy="360045"/>
+          </a:xfrm>
+          <a:prstGeom prst="borderCallout1">
+            <a:avLst>
+              <a:gd name="adj1" fmla="val 18750"/>
+              <a:gd name="adj2" fmla="val -8333"/>
+              <a:gd name="adj3" fmla="val 186243"/>
+              <a:gd name="adj4" fmla="val -179611"/>
+            </a:avLst>
+          </a:prstGeom>
+        </p:spPr>
+        <p:style>
+          <a:lnRef idx="2">
+            <a:schemeClr val="accent1">
+              <a:shade val="50000"/>
+            </a:schemeClr>
+          </a:lnRef>
+          <a:fillRef idx="1">
+            <a:schemeClr val="accent1"/>
+          </a:fillRef>
+          <a:effectRef idx="0">
+            <a:schemeClr val="accent1"/>
+          </a:effectRef>
+          <a:fontRef idx="minor">
+            <a:schemeClr val="lt1"/>
+          </a:fontRef>
+        </p:style>
+        <p:txBody>
+          <a:bodyPr rtlCol="0" anchor="ctr"/>
+          <a:p>
+            <a:pPr algn="ctr"/>
+            <a:r>
+              <a:rPr lang="zh-CN"/>
+              <a:t>核心代码</a:t>
+            </a:r>
+            <a:endParaRPr lang="zh-CN"/>
           </a:p>
         </p:txBody>
       </p:sp>
@@ -6091,6 +7672,287 @@
                 <a:schemeClr val="bg1"/>
               </a:solidFill>
             </a:endParaRPr>
+          </a:p>
+        </p:txBody>
+      </p:sp>
+    </p:spTree>
+  </p:cSld>
+  <p:clrMapOvr>
+    <a:masterClrMapping/>
+  </p:clrMapOvr>
+</p:sld>
+</file>
+
+<file path=ppt/slides/slide30.xml><?xml version="1.0" encoding="utf-8"?>
+<p:sld xmlns:a="http://schemas.openxmlformats.org/drawingml/2006/main" xmlns:r="http://schemas.openxmlformats.org/officeDocument/2006/relationships" xmlns:p="http://schemas.openxmlformats.org/presentationml/2006/main">
+  <p:cSld>
+    <p:spTree>
+      <p:nvGrpSpPr>
+        <p:cNvPr id="1" name=""/>
+        <p:cNvGrpSpPr/>
+        <p:nvPr/>
+      </p:nvGrpSpPr>
+      <p:grpSpPr/>
+      <p:sp>
+        <p:nvSpPr>
+          <p:cNvPr id="3" name="文本框 2"/>
+          <p:cNvSpPr txBox="1"/>
+          <p:nvPr/>
+        </p:nvSpPr>
+        <p:spPr>
+          <a:xfrm>
+            <a:off x="854710" y="1108075"/>
+            <a:ext cx="7539990" cy="2584450"/>
+          </a:xfrm>
+          <a:prstGeom prst="rect">
+            <a:avLst/>
+          </a:prstGeom>
+          <a:noFill/>
+        </p:spPr>
+        <p:txBody>
+          <a:bodyPr wrap="square" rtlCol="0">
+            <a:spAutoFit/>
+          </a:bodyPr>
+          <a:p>
+            <a:endParaRPr lang="zh-CN" altLang="en-US">
+              <a:solidFill>
+                <a:schemeClr val="bg1"/>
+              </a:solidFill>
+            </a:endParaRPr>
+          </a:p>
+          <a:p>
+            <a:endParaRPr lang="zh-CN" altLang="en-US">
+              <a:solidFill>
+                <a:schemeClr val="bg1"/>
+              </a:solidFill>
+            </a:endParaRPr>
+          </a:p>
+          <a:p>
+            <a:endParaRPr lang="zh-CN" altLang="en-US">
+              <a:solidFill>
+                <a:schemeClr val="bg1"/>
+              </a:solidFill>
+            </a:endParaRPr>
+          </a:p>
+          <a:p>
+            <a:endParaRPr lang="zh-CN" altLang="en-US">
+              <a:solidFill>
+                <a:schemeClr val="bg1"/>
+              </a:solidFill>
+            </a:endParaRPr>
+          </a:p>
+          <a:p>
+            <a:endParaRPr lang="zh-CN" altLang="en-US">
+              <a:solidFill>
+                <a:schemeClr val="bg1"/>
+              </a:solidFill>
+            </a:endParaRPr>
+          </a:p>
+          <a:p>
+            <a:endParaRPr lang="zh-CN" altLang="en-US">
+              <a:solidFill>
+                <a:schemeClr val="bg1"/>
+              </a:solidFill>
+            </a:endParaRPr>
+          </a:p>
+          <a:p>
+            <a:endParaRPr lang="zh-CN" altLang="en-US">
+              <a:solidFill>
+                <a:schemeClr val="bg1"/>
+              </a:solidFill>
+            </a:endParaRPr>
+          </a:p>
+          <a:p>
+            <a:endParaRPr lang="zh-CN" altLang="en-US">
+              <a:solidFill>
+                <a:schemeClr val="bg1"/>
+              </a:solidFill>
+            </a:endParaRPr>
+          </a:p>
+          <a:p>
+            <a:endParaRPr lang="zh-CN" altLang="en-US">
+              <a:solidFill>
+                <a:schemeClr val="bg1"/>
+              </a:solidFill>
+            </a:endParaRPr>
+          </a:p>
+        </p:txBody>
+      </p:sp>
+      <p:sp>
+        <p:nvSpPr>
+          <p:cNvPr id="4" name="文本框 3"/>
+          <p:cNvSpPr txBox="1"/>
+          <p:nvPr/>
+        </p:nvSpPr>
+        <p:spPr>
+          <a:xfrm>
+            <a:off x="906145" y="423545"/>
+            <a:ext cx="3900170" cy="521970"/>
+          </a:xfrm>
+          <a:prstGeom prst="rect">
+            <a:avLst/>
+          </a:prstGeom>
+          <a:noFill/>
+        </p:spPr>
+        <p:txBody>
+          <a:bodyPr wrap="square" rtlCol="0">
+            <a:spAutoFit/>
+          </a:bodyPr>
+          <a:p>
+            <a:r>
+              <a:rPr lang="en-US" altLang="zh-CN" sz="2800" b="1">
+                <a:solidFill>
+                  <a:schemeClr val="bg1"/>
+                </a:solidFill>
+              </a:rPr>
+              <a:t>nodejs</a:t>
+            </a:r>
+            <a:r>
+              <a:rPr lang="zh-CN" altLang="en-US" sz="2800" b="1">
+                <a:solidFill>
+                  <a:schemeClr val="bg1"/>
+                </a:solidFill>
+              </a:rPr>
+              <a:t>工程</a:t>
+            </a:r>
+            <a:r>
+              <a:rPr lang="zh-CN" altLang="en-US" sz="2800" b="1">
+                <a:solidFill>
+                  <a:schemeClr val="bg1"/>
+                </a:solidFill>
+              </a:rPr>
+              <a:t>结构介绍</a:t>
+            </a:r>
+            <a:endParaRPr lang="zh-CN" altLang="en-US" sz="2800" b="1">
+              <a:solidFill>
+                <a:schemeClr val="bg1"/>
+              </a:solidFill>
+            </a:endParaRPr>
+          </a:p>
+        </p:txBody>
+      </p:sp>
+      <p:pic>
+        <p:nvPicPr>
+          <p:cNvPr id="2" name="图片 1"/>
+          <p:cNvPicPr>
+            <a:picLocks noChangeAspect="1"/>
+          </p:cNvPicPr>
+          <p:nvPr/>
+        </p:nvPicPr>
+        <p:blipFill>
+          <a:blip r:embed="rId1"/>
+          <a:srcRect b="2363"/>
+          <a:stretch>
+            <a:fillRect/>
+          </a:stretch>
+        </p:blipFill>
+        <p:spPr>
+          <a:xfrm>
+            <a:off x="1038225" y="1039495"/>
+            <a:ext cx="3829050" cy="3803650"/>
+          </a:xfrm>
+          <a:prstGeom prst="rect">
+            <a:avLst/>
+          </a:prstGeom>
+        </p:spPr>
+      </p:pic>
+      <p:sp>
+        <p:nvSpPr>
+          <p:cNvPr id="5" name="线形标注 1 4"/>
+          <p:cNvSpPr/>
+          <p:nvPr/>
+        </p:nvSpPr>
+        <p:spPr>
+          <a:xfrm>
+            <a:off x="5507990" y="3435985"/>
+            <a:ext cx="1800225" cy="360045"/>
+          </a:xfrm>
+          <a:prstGeom prst="borderCallout1">
+            <a:avLst>
+              <a:gd name="adj1" fmla="val 18750"/>
+              <a:gd name="adj2" fmla="val -8333"/>
+              <a:gd name="adj3" fmla="val 159964"/>
+              <a:gd name="adj4" fmla="val -152028"/>
+            </a:avLst>
+          </a:prstGeom>
+        </p:spPr>
+        <p:style>
+          <a:lnRef idx="2">
+            <a:schemeClr val="accent1">
+              <a:shade val="50000"/>
+            </a:schemeClr>
+          </a:lnRef>
+          <a:fillRef idx="1">
+            <a:schemeClr val="accent1"/>
+          </a:fillRef>
+          <a:effectRef idx="0">
+            <a:schemeClr val="accent1"/>
+          </a:effectRef>
+          <a:fontRef idx="minor">
+            <a:schemeClr val="lt1"/>
+          </a:fontRef>
+        </p:style>
+        <p:txBody>
+          <a:bodyPr rtlCol="0" anchor="ctr"/>
+          <a:p>
+            <a:pPr algn="ctr"/>
+            <a:r>
+              <a:rPr lang="en-US" altLang="zh-CN"/>
+              <a:t>nodejs</a:t>
+            </a:r>
+            <a:r>
+              <a:rPr lang="zh-CN" altLang="en-US"/>
+              <a:t>的配置</a:t>
+            </a:r>
+            <a:endParaRPr lang="zh-CN" altLang="en-US"/>
+          </a:p>
+        </p:txBody>
+      </p:sp>
+      <p:sp>
+        <p:nvSpPr>
+          <p:cNvPr id="6" name="线形标注 1 5"/>
+          <p:cNvSpPr/>
+          <p:nvPr/>
+        </p:nvSpPr>
+        <p:spPr>
+          <a:xfrm>
+            <a:off x="5268595" y="748030"/>
+            <a:ext cx="1800225" cy="360045"/>
+          </a:xfrm>
+          <a:prstGeom prst="borderCallout1">
+            <a:avLst>
+              <a:gd name="adj1" fmla="val 18750"/>
+              <a:gd name="adj2" fmla="val -8333"/>
+              <a:gd name="adj3" fmla="val 186243"/>
+              <a:gd name="adj4" fmla="val -179611"/>
+            </a:avLst>
+          </a:prstGeom>
+        </p:spPr>
+        <p:style>
+          <a:lnRef idx="2">
+            <a:schemeClr val="accent1">
+              <a:shade val="50000"/>
+            </a:schemeClr>
+          </a:lnRef>
+          <a:fillRef idx="1">
+            <a:schemeClr val="accent1"/>
+          </a:fillRef>
+          <a:effectRef idx="0">
+            <a:schemeClr val="accent1"/>
+          </a:effectRef>
+          <a:fontRef idx="minor">
+            <a:schemeClr val="lt1"/>
+          </a:fontRef>
+        </p:style>
+        <p:txBody>
+          <a:bodyPr rtlCol="0" anchor="ctr"/>
+          <a:p>
+            <a:pPr algn="ctr"/>
+            <a:r>
+              <a:rPr lang="zh-CN"/>
+              <a:t>核心代码</a:t>
+            </a:r>
+            <a:endParaRPr lang="zh-CN"/>
           </a:p>
         </p:txBody>
       </p:sp>

--- a/html&js课件/html&js.pptx
+++ b/html&js课件/html&js.pptx
@@ -692,6 +692,50 @@
             <a:fld id="{CBC6CC9C-DD87-4893-A479-CBABAC3F9222}" type="slidenum">
               <a:rPr lang="zh-CN" altLang="en-US" smtClean="0"/>
             </a:fld>
+            <a:endParaRPr lang="zh-CN" altLang="en-US"/>
+          </a:p>
+        </p:txBody>
+      </p:sp>
+    </p:spTree>
+  </p:cSld>
+  <p:clrMapOvr>
+    <a:masterClrMapping/>
+  </p:clrMapOvr>
+</p:notes>
+</file>
+
+<file path=ppt/notesSlides/notesSlide4.xml><?xml version="1.0" encoding="utf-8"?>
+<p:notes xmlns:a="http://schemas.openxmlformats.org/drawingml/2006/main" xmlns:r="http://schemas.openxmlformats.org/officeDocument/2006/relationships" xmlns:p="http://schemas.openxmlformats.org/presentationml/2006/main">
+  <p:cSld>
+    <p:spTree>
+      <p:nvGrpSpPr>
+        <p:cNvPr id="1" name=""/>
+        <p:cNvGrpSpPr/>
+        <p:nvPr/>
+      </p:nvGrpSpPr>
+      <p:grpSpPr/>
+      <p:sp>
+        <p:nvSpPr>
+          <p:cNvPr id="2" name="幻灯片图像占位符 1"/>
+          <p:cNvSpPr/>
+          <p:nvPr>
+            <p:ph type="sldImg" idx="2"/>
+          </p:nvPr>
+        </p:nvSpPr>
+        <p:spPr/>
+      </p:sp>
+      <p:sp>
+        <p:nvSpPr>
+          <p:cNvPr id="3" name="文本占位符 2"/>
+          <p:cNvSpPr/>
+          <p:nvPr>
+            <p:ph type="body" idx="3"/>
+          </p:nvPr>
+        </p:nvSpPr>
+        <p:spPr/>
+        <p:txBody>
+          <a:bodyPr/>
+          <a:p>
             <a:endParaRPr lang="zh-CN" altLang="en-US"/>
           </a:p>
         </p:txBody>
@@ -3430,7 +3474,22 @@
                   <a:schemeClr val="bg1"/>
                 </a:solidFill>
               </a:rPr>
-              <a:t>        var private = "var private:(This sentence should not be write on document.)";</a:t>
+              <a:t>        var private = "var private:</a:t>
+            </a:r>
+            <a:endParaRPr lang="zh-CN" altLang="en-US">
+              <a:solidFill>
+                <a:schemeClr val="bg1"/>
+              </a:solidFill>
+            </a:endParaRPr>
+          </a:p>
+          <a:p>
+            <a:r>
+              <a:rPr lang="zh-CN" altLang="en-US">
+                <a:solidFill>
+                  <a:schemeClr val="bg1"/>
+                </a:solidFill>
+              </a:rPr>
+              <a:t>(This sentence should not be write on document.)";</a:t>
             </a:r>
             <a:endParaRPr lang="zh-CN" altLang="en-US">
               <a:solidFill>
@@ -5503,7 +5562,7 @@
                   <a:schemeClr val="bg1"/>
                 </a:solidFill>
               </a:rPr>
-              <a:t>    user.logging(); // animal makes a noise.</a:t>
+              <a:t>    user.logging(); </a:t>
             </a:r>
             <a:endParaRPr lang="zh-CN" altLang="en-US">
               <a:solidFill>
@@ -5808,7 +5867,7 @@
                   <a:schemeClr val="bg1"/>
                 </a:solidFill>
               </a:rPr>
-              <a:t>    user.logging(); // animal makes a noise.</a:t>
+              <a:t>    user.logging();</a:t>
             </a:r>
             <a:endParaRPr lang="zh-CN" altLang="en-US">
               <a:solidFill>
